--- a/Documents/Intermediate Presentation/Intermediate Presentation.pptx
+++ b/Documents/Intermediate Presentation/Intermediate Presentation.pptx
@@ -7,9 +7,10 @@
   <p:sldIdLst>
     <p:sldId id="256" r:id="rId2"/>
     <p:sldId id="257" r:id="rId3"/>
-    <p:sldId id="259" r:id="rId4"/>
-    <p:sldId id="258" r:id="rId5"/>
-    <p:sldId id="260" r:id="rId6"/>
+    <p:sldId id="261" r:id="rId4"/>
+    <p:sldId id="259" r:id="rId5"/>
+    <p:sldId id="258" r:id="rId6"/>
+    <p:sldId id="260" r:id="rId7"/>
   </p:sldIdLst>
   <p:sldSz cx="12192000" cy="6858000"/>
   <p:notesSz cx="6858000" cy="9144000"/>
@@ -1614,7 +1615,1120 @@
 </dgm:colorsDef>
 </file>
 
+<file path=ppt/diagrams/colors3.xml><?xml version="1.0" encoding="utf-8"?>
+<dgm:colorsDef xmlns:dgm="http://schemas.openxmlformats.org/drawingml/2006/diagram" xmlns:a="http://schemas.openxmlformats.org/drawingml/2006/main" uniqueId="urn:microsoft.com/office/officeart/2005/8/colors/accent1_2">
+  <dgm:title val=""/>
+  <dgm:desc val=""/>
+  <dgm:catLst>
+    <dgm:cat type="accent1" pri="11200"/>
+  </dgm:catLst>
+  <dgm:styleLbl name="node0">
+    <dgm:fillClrLst meth="repeat">
+      <a:schemeClr val="accent1"/>
+    </dgm:fillClrLst>
+    <dgm:linClrLst meth="repeat">
+      <a:schemeClr val="lt1"/>
+    </dgm:linClrLst>
+    <dgm:effectClrLst/>
+    <dgm:txLinClrLst/>
+    <dgm:txFillClrLst/>
+    <dgm:txEffectClrLst/>
+  </dgm:styleLbl>
+  <dgm:styleLbl name="alignNode1">
+    <dgm:fillClrLst meth="repeat">
+      <a:schemeClr val="accent1"/>
+    </dgm:fillClrLst>
+    <dgm:linClrLst meth="repeat">
+      <a:schemeClr val="accent1"/>
+    </dgm:linClrLst>
+    <dgm:effectClrLst/>
+    <dgm:txLinClrLst/>
+    <dgm:txFillClrLst/>
+    <dgm:txEffectClrLst/>
+  </dgm:styleLbl>
+  <dgm:styleLbl name="node1">
+    <dgm:fillClrLst meth="repeat">
+      <a:schemeClr val="accent1"/>
+    </dgm:fillClrLst>
+    <dgm:linClrLst meth="repeat">
+      <a:schemeClr val="lt1"/>
+    </dgm:linClrLst>
+    <dgm:effectClrLst/>
+    <dgm:txLinClrLst/>
+    <dgm:txFillClrLst/>
+    <dgm:txEffectClrLst/>
+  </dgm:styleLbl>
+  <dgm:styleLbl name="lnNode1">
+    <dgm:fillClrLst meth="repeat">
+      <a:schemeClr val="accent1"/>
+    </dgm:fillClrLst>
+    <dgm:linClrLst meth="repeat">
+      <a:schemeClr val="lt1"/>
+    </dgm:linClrLst>
+    <dgm:effectClrLst/>
+    <dgm:txLinClrLst/>
+    <dgm:txFillClrLst/>
+    <dgm:txEffectClrLst/>
+  </dgm:styleLbl>
+  <dgm:styleLbl name="vennNode1">
+    <dgm:fillClrLst meth="repeat">
+      <a:schemeClr val="accent1">
+        <a:alpha val="50000"/>
+      </a:schemeClr>
+    </dgm:fillClrLst>
+    <dgm:linClrLst meth="repeat">
+      <a:schemeClr val="lt1"/>
+    </dgm:linClrLst>
+    <dgm:effectClrLst/>
+    <dgm:txLinClrLst/>
+    <dgm:txFillClrLst/>
+    <dgm:txEffectClrLst/>
+  </dgm:styleLbl>
+  <dgm:styleLbl name="node2">
+    <dgm:fillClrLst meth="repeat">
+      <a:schemeClr val="accent1"/>
+    </dgm:fillClrLst>
+    <dgm:linClrLst meth="repeat">
+      <a:schemeClr val="lt1"/>
+    </dgm:linClrLst>
+    <dgm:effectClrLst/>
+    <dgm:txLinClrLst/>
+    <dgm:txFillClrLst/>
+    <dgm:txEffectClrLst/>
+  </dgm:styleLbl>
+  <dgm:styleLbl name="node3">
+    <dgm:fillClrLst meth="repeat">
+      <a:schemeClr val="accent1"/>
+    </dgm:fillClrLst>
+    <dgm:linClrLst meth="repeat">
+      <a:schemeClr val="lt1"/>
+    </dgm:linClrLst>
+    <dgm:effectClrLst/>
+    <dgm:txLinClrLst/>
+    <dgm:txFillClrLst/>
+    <dgm:txEffectClrLst/>
+  </dgm:styleLbl>
+  <dgm:styleLbl name="node4">
+    <dgm:fillClrLst meth="repeat">
+      <a:schemeClr val="accent1"/>
+    </dgm:fillClrLst>
+    <dgm:linClrLst meth="repeat">
+      <a:schemeClr val="lt1"/>
+    </dgm:linClrLst>
+    <dgm:effectClrLst/>
+    <dgm:txLinClrLst/>
+    <dgm:txFillClrLst/>
+    <dgm:txEffectClrLst/>
+  </dgm:styleLbl>
+  <dgm:styleLbl name="fgImgPlace1">
+    <dgm:fillClrLst meth="repeat">
+      <a:schemeClr val="accent1">
+        <a:tint val="50000"/>
+      </a:schemeClr>
+    </dgm:fillClrLst>
+    <dgm:linClrLst meth="repeat">
+      <a:schemeClr val="lt1"/>
+    </dgm:linClrLst>
+    <dgm:effectClrLst/>
+    <dgm:txLinClrLst/>
+    <dgm:txFillClrLst meth="repeat">
+      <a:schemeClr val="lt1"/>
+    </dgm:txFillClrLst>
+    <dgm:txEffectClrLst/>
+  </dgm:styleLbl>
+  <dgm:styleLbl name="alignImgPlace1">
+    <dgm:fillClrLst meth="repeat">
+      <a:schemeClr val="accent1">
+        <a:tint val="50000"/>
+      </a:schemeClr>
+    </dgm:fillClrLst>
+    <dgm:linClrLst meth="repeat">
+      <a:schemeClr val="lt1"/>
+    </dgm:linClrLst>
+    <dgm:effectClrLst/>
+    <dgm:txLinClrLst/>
+    <dgm:txFillClrLst meth="repeat">
+      <a:schemeClr val="lt1"/>
+    </dgm:txFillClrLst>
+    <dgm:txEffectClrLst/>
+  </dgm:styleLbl>
+  <dgm:styleLbl name="bgImgPlace1">
+    <dgm:fillClrLst meth="repeat">
+      <a:schemeClr val="accent1">
+        <a:tint val="50000"/>
+      </a:schemeClr>
+    </dgm:fillClrLst>
+    <dgm:linClrLst meth="repeat">
+      <a:schemeClr val="lt1"/>
+    </dgm:linClrLst>
+    <dgm:effectClrLst/>
+    <dgm:txLinClrLst/>
+    <dgm:txFillClrLst meth="repeat">
+      <a:schemeClr val="lt1"/>
+    </dgm:txFillClrLst>
+    <dgm:txEffectClrLst/>
+  </dgm:styleLbl>
+  <dgm:styleLbl name="sibTrans2D1">
+    <dgm:fillClrLst meth="repeat">
+      <a:schemeClr val="accent1">
+        <a:tint val="60000"/>
+      </a:schemeClr>
+    </dgm:fillClrLst>
+    <dgm:linClrLst meth="repeat">
+      <a:schemeClr val="accent1">
+        <a:tint val="60000"/>
+      </a:schemeClr>
+    </dgm:linClrLst>
+    <dgm:effectClrLst/>
+    <dgm:txLinClrLst/>
+    <dgm:txFillClrLst/>
+    <dgm:txEffectClrLst/>
+  </dgm:styleLbl>
+  <dgm:styleLbl name="fgSibTrans2D1">
+    <dgm:fillClrLst meth="repeat">
+      <a:schemeClr val="accent1">
+        <a:tint val="60000"/>
+      </a:schemeClr>
+    </dgm:fillClrLst>
+    <dgm:linClrLst meth="repeat">
+      <a:schemeClr val="accent1">
+        <a:tint val="60000"/>
+      </a:schemeClr>
+    </dgm:linClrLst>
+    <dgm:effectClrLst/>
+    <dgm:txLinClrLst/>
+    <dgm:txFillClrLst/>
+    <dgm:txEffectClrLst/>
+  </dgm:styleLbl>
+  <dgm:styleLbl name="bgSibTrans2D1">
+    <dgm:fillClrLst meth="repeat">
+      <a:schemeClr val="accent1">
+        <a:tint val="60000"/>
+      </a:schemeClr>
+    </dgm:fillClrLst>
+    <dgm:linClrLst meth="repeat">
+      <a:schemeClr val="accent1">
+        <a:tint val="60000"/>
+      </a:schemeClr>
+    </dgm:linClrLst>
+    <dgm:effectClrLst/>
+    <dgm:txLinClrLst/>
+    <dgm:txFillClrLst/>
+    <dgm:txEffectClrLst/>
+  </dgm:styleLbl>
+  <dgm:styleLbl name="sibTrans1D1">
+    <dgm:fillClrLst meth="repeat">
+      <a:schemeClr val="accent1"/>
+    </dgm:fillClrLst>
+    <dgm:linClrLst meth="repeat">
+      <a:schemeClr val="accent1"/>
+    </dgm:linClrLst>
+    <dgm:effectClrLst/>
+    <dgm:txLinClrLst/>
+    <dgm:txFillClrLst meth="repeat">
+      <a:schemeClr val="tx1"/>
+    </dgm:txFillClrLst>
+    <dgm:txEffectClrLst/>
+  </dgm:styleLbl>
+  <dgm:styleLbl name="callout">
+    <dgm:fillClrLst meth="repeat">
+      <a:schemeClr val="accent1"/>
+    </dgm:fillClrLst>
+    <dgm:linClrLst meth="repeat">
+      <a:schemeClr val="accent1">
+        <a:tint val="50000"/>
+      </a:schemeClr>
+    </dgm:linClrLst>
+    <dgm:effectClrLst/>
+    <dgm:txLinClrLst/>
+    <dgm:txFillClrLst meth="repeat">
+      <a:schemeClr val="tx1"/>
+    </dgm:txFillClrLst>
+    <dgm:txEffectClrLst/>
+  </dgm:styleLbl>
+  <dgm:styleLbl name="asst0">
+    <dgm:fillClrLst meth="repeat">
+      <a:schemeClr val="accent1"/>
+    </dgm:fillClrLst>
+    <dgm:linClrLst meth="repeat">
+      <a:schemeClr val="lt1"/>
+    </dgm:linClrLst>
+    <dgm:effectClrLst/>
+    <dgm:txLinClrLst/>
+    <dgm:txFillClrLst/>
+    <dgm:txEffectClrLst/>
+  </dgm:styleLbl>
+  <dgm:styleLbl name="asst1">
+    <dgm:fillClrLst meth="repeat">
+      <a:schemeClr val="accent1"/>
+    </dgm:fillClrLst>
+    <dgm:linClrLst meth="repeat">
+      <a:schemeClr val="lt1"/>
+    </dgm:linClrLst>
+    <dgm:effectClrLst/>
+    <dgm:txLinClrLst/>
+    <dgm:txFillClrLst/>
+    <dgm:txEffectClrLst/>
+  </dgm:styleLbl>
+  <dgm:styleLbl name="asst2">
+    <dgm:fillClrLst meth="repeat">
+      <a:schemeClr val="accent1"/>
+    </dgm:fillClrLst>
+    <dgm:linClrLst meth="repeat">
+      <a:schemeClr val="lt1"/>
+    </dgm:linClrLst>
+    <dgm:effectClrLst/>
+    <dgm:txLinClrLst/>
+    <dgm:txFillClrLst/>
+    <dgm:txEffectClrLst/>
+  </dgm:styleLbl>
+  <dgm:styleLbl name="asst3">
+    <dgm:fillClrLst meth="repeat">
+      <a:schemeClr val="accent1"/>
+    </dgm:fillClrLst>
+    <dgm:linClrLst meth="repeat">
+      <a:schemeClr val="lt1"/>
+    </dgm:linClrLst>
+    <dgm:effectClrLst/>
+    <dgm:txLinClrLst/>
+    <dgm:txFillClrLst/>
+    <dgm:txEffectClrLst/>
+  </dgm:styleLbl>
+  <dgm:styleLbl name="asst4">
+    <dgm:fillClrLst meth="repeat">
+      <a:schemeClr val="accent1"/>
+    </dgm:fillClrLst>
+    <dgm:linClrLst meth="repeat">
+      <a:schemeClr val="lt1"/>
+    </dgm:linClrLst>
+    <dgm:effectClrLst/>
+    <dgm:txLinClrLst/>
+    <dgm:txFillClrLst/>
+    <dgm:txEffectClrLst/>
+  </dgm:styleLbl>
+  <dgm:styleLbl name="parChTrans2D1">
+    <dgm:fillClrLst meth="repeat">
+      <a:schemeClr val="accent1">
+        <a:tint val="60000"/>
+      </a:schemeClr>
+    </dgm:fillClrLst>
+    <dgm:linClrLst meth="repeat">
+      <a:schemeClr val="accent1">
+        <a:tint val="60000"/>
+      </a:schemeClr>
+    </dgm:linClrLst>
+    <dgm:effectClrLst/>
+    <dgm:txLinClrLst/>
+    <dgm:txFillClrLst meth="repeat">
+      <a:schemeClr val="lt1"/>
+    </dgm:txFillClrLst>
+    <dgm:txEffectClrLst/>
+  </dgm:styleLbl>
+  <dgm:styleLbl name="parChTrans2D2">
+    <dgm:fillClrLst meth="repeat">
+      <a:schemeClr val="accent1"/>
+    </dgm:fillClrLst>
+    <dgm:linClrLst meth="repeat">
+      <a:schemeClr val="accent1"/>
+    </dgm:linClrLst>
+    <dgm:effectClrLst/>
+    <dgm:txLinClrLst/>
+    <dgm:txFillClrLst meth="repeat">
+      <a:schemeClr val="lt1"/>
+    </dgm:txFillClrLst>
+    <dgm:txEffectClrLst/>
+  </dgm:styleLbl>
+  <dgm:styleLbl name="parChTrans2D3">
+    <dgm:fillClrLst meth="repeat">
+      <a:schemeClr val="accent1"/>
+    </dgm:fillClrLst>
+    <dgm:linClrLst meth="repeat">
+      <a:schemeClr val="accent1"/>
+    </dgm:linClrLst>
+    <dgm:effectClrLst/>
+    <dgm:txLinClrLst/>
+    <dgm:txFillClrLst meth="repeat">
+      <a:schemeClr val="lt1"/>
+    </dgm:txFillClrLst>
+    <dgm:txEffectClrLst/>
+  </dgm:styleLbl>
+  <dgm:styleLbl name="parChTrans2D4">
+    <dgm:fillClrLst meth="repeat">
+      <a:schemeClr val="accent1"/>
+    </dgm:fillClrLst>
+    <dgm:linClrLst meth="repeat">
+      <a:schemeClr val="accent1"/>
+    </dgm:linClrLst>
+    <dgm:effectClrLst/>
+    <dgm:txLinClrLst/>
+    <dgm:txFillClrLst meth="repeat">
+      <a:schemeClr val="lt1"/>
+    </dgm:txFillClrLst>
+    <dgm:txEffectClrLst/>
+  </dgm:styleLbl>
+  <dgm:styleLbl name="parChTrans1D1">
+    <dgm:fillClrLst meth="repeat">
+      <a:schemeClr val="accent1"/>
+    </dgm:fillClrLst>
+    <dgm:linClrLst meth="repeat">
+      <a:schemeClr val="accent1">
+        <a:shade val="60000"/>
+      </a:schemeClr>
+    </dgm:linClrLst>
+    <dgm:effectClrLst/>
+    <dgm:txLinClrLst/>
+    <dgm:txFillClrLst meth="repeat">
+      <a:schemeClr val="tx1"/>
+    </dgm:txFillClrLst>
+    <dgm:txEffectClrLst/>
+  </dgm:styleLbl>
+  <dgm:styleLbl name="parChTrans1D2">
+    <dgm:fillClrLst meth="repeat">
+      <a:schemeClr val="accent1"/>
+    </dgm:fillClrLst>
+    <dgm:linClrLst meth="repeat">
+      <a:schemeClr val="accent1">
+        <a:shade val="60000"/>
+      </a:schemeClr>
+    </dgm:linClrLst>
+    <dgm:effectClrLst/>
+    <dgm:txLinClrLst/>
+    <dgm:txFillClrLst meth="repeat">
+      <a:schemeClr val="tx1"/>
+    </dgm:txFillClrLst>
+    <dgm:txEffectClrLst/>
+  </dgm:styleLbl>
+  <dgm:styleLbl name="parChTrans1D3">
+    <dgm:fillClrLst meth="repeat">
+      <a:schemeClr val="accent1"/>
+    </dgm:fillClrLst>
+    <dgm:linClrLst meth="repeat">
+      <a:schemeClr val="accent1">
+        <a:shade val="80000"/>
+      </a:schemeClr>
+    </dgm:linClrLst>
+    <dgm:effectClrLst/>
+    <dgm:txLinClrLst/>
+    <dgm:txFillClrLst meth="repeat">
+      <a:schemeClr val="tx1"/>
+    </dgm:txFillClrLst>
+    <dgm:txEffectClrLst/>
+  </dgm:styleLbl>
+  <dgm:styleLbl name="parChTrans1D4">
+    <dgm:fillClrLst meth="repeat">
+      <a:schemeClr val="accent1"/>
+    </dgm:fillClrLst>
+    <dgm:linClrLst meth="repeat">
+      <a:schemeClr val="accent1">
+        <a:shade val="80000"/>
+      </a:schemeClr>
+    </dgm:linClrLst>
+    <dgm:effectClrLst/>
+    <dgm:txLinClrLst/>
+    <dgm:txFillClrLst meth="repeat">
+      <a:schemeClr val="tx1"/>
+    </dgm:txFillClrLst>
+    <dgm:txEffectClrLst/>
+  </dgm:styleLbl>
+  <dgm:styleLbl name="fgAcc1">
+    <dgm:fillClrLst meth="repeat">
+      <a:schemeClr val="lt1">
+        <a:alpha val="90000"/>
+      </a:schemeClr>
+    </dgm:fillClrLst>
+    <dgm:linClrLst meth="repeat">
+      <a:schemeClr val="accent1"/>
+    </dgm:linClrLst>
+    <dgm:effectClrLst/>
+    <dgm:txLinClrLst/>
+    <dgm:txFillClrLst meth="repeat">
+      <a:schemeClr val="dk1"/>
+    </dgm:txFillClrLst>
+    <dgm:txEffectClrLst/>
+  </dgm:styleLbl>
+  <dgm:styleLbl name="conFgAcc1">
+    <dgm:fillClrLst meth="repeat">
+      <a:schemeClr val="lt1">
+        <a:alpha val="90000"/>
+      </a:schemeClr>
+    </dgm:fillClrLst>
+    <dgm:linClrLst meth="repeat">
+      <a:schemeClr val="accent1"/>
+    </dgm:linClrLst>
+    <dgm:effectClrLst/>
+    <dgm:txLinClrLst/>
+    <dgm:txFillClrLst meth="repeat">
+      <a:schemeClr val="dk1"/>
+    </dgm:txFillClrLst>
+    <dgm:txEffectClrLst/>
+  </dgm:styleLbl>
+  <dgm:styleLbl name="alignAcc1">
+    <dgm:fillClrLst meth="repeat">
+      <a:schemeClr val="lt1">
+        <a:alpha val="90000"/>
+      </a:schemeClr>
+    </dgm:fillClrLst>
+    <dgm:linClrLst meth="repeat">
+      <a:schemeClr val="accent1"/>
+    </dgm:linClrLst>
+    <dgm:effectClrLst/>
+    <dgm:txLinClrLst/>
+    <dgm:txFillClrLst meth="repeat">
+      <a:schemeClr val="dk1"/>
+    </dgm:txFillClrLst>
+    <dgm:txEffectClrLst/>
+  </dgm:styleLbl>
+  <dgm:styleLbl name="trAlignAcc1">
+    <dgm:fillClrLst meth="repeat">
+      <a:schemeClr val="lt1">
+        <a:alpha val="40000"/>
+      </a:schemeClr>
+    </dgm:fillClrLst>
+    <dgm:linClrLst meth="repeat">
+      <a:schemeClr val="accent1"/>
+    </dgm:linClrLst>
+    <dgm:effectClrLst/>
+    <dgm:txLinClrLst/>
+    <dgm:txFillClrLst meth="repeat">
+      <a:schemeClr val="dk1"/>
+    </dgm:txFillClrLst>
+    <dgm:txEffectClrLst/>
+  </dgm:styleLbl>
+  <dgm:styleLbl name="bgAcc1">
+    <dgm:fillClrLst meth="repeat">
+      <a:schemeClr val="lt1">
+        <a:alpha val="90000"/>
+      </a:schemeClr>
+    </dgm:fillClrLst>
+    <dgm:linClrLst meth="repeat">
+      <a:schemeClr val="accent1"/>
+    </dgm:linClrLst>
+    <dgm:effectClrLst/>
+    <dgm:txLinClrLst/>
+    <dgm:txFillClrLst meth="repeat">
+      <a:schemeClr val="dk1"/>
+    </dgm:txFillClrLst>
+    <dgm:txEffectClrLst/>
+  </dgm:styleLbl>
+  <dgm:styleLbl name="solidFgAcc1">
+    <dgm:fillClrLst meth="repeat">
+      <a:schemeClr val="lt1"/>
+    </dgm:fillClrLst>
+    <dgm:linClrLst meth="repeat">
+      <a:schemeClr val="accent1"/>
+    </dgm:linClrLst>
+    <dgm:effectClrLst/>
+    <dgm:txLinClrLst/>
+    <dgm:txFillClrLst meth="repeat">
+      <a:schemeClr val="dk1"/>
+    </dgm:txFillClrLst>
+    <dgm:txEffectClrLst/>
+  </dgm:styleLbl>
+  <dgm:styleLbl name="solidAlignAcc1">
+    <dgm:fillClrLst meth="repeat">
+      <a:schemeClr val="lt1"/>
+    </dgm:fillClrLst>
+    <dgm:linClrLst meth="repeat">
+      <a:schemeClr val="accent1"/>
+    </dgm:linClrLst>
+    <dgm:effectClrLst/>
+    <dgm:txLinClrLst/>
+    <dgm:txFillClrLst meth="repeat">
+      <a:schemeClr val="dk1"/>
+    </dgm:txFillClrLst>
+    <dgm:txEffectClrLst/>
+  </dgm:styleLbl>
+  <dgm:styleLbl name="solidBgAcc1">
+    <dgm:fillClrLst meth="repeat">
+      <a:schemeClr val="lt1"/>
+    </dgm:fillClrLst>
+    <dgm:linClrLst meth="repeat">
+      <a:schemeClr val="accent1"/>
+    </dgm:linClrLst>
+    <dgm:effectClrLst/>
+    <dgm:txLinClrLst/>
+    <dgm:txFillClrLst meth="repeat">
+      <a:schemeClr val="dk1"/>
+    </dgm:txFillClrLst>
+    <dgm:txEffectClrLst/>
+  </dgm:styleLbl>
+  <dgm:styleLbl name="fgAccFollowNode1">
+    <dgm:fillClrLst meth="repeat">
+      <a:schemeClr val="accent1">
+        <a:alpha val="90000"/>
+        <a:tint val="40000"/>
+      </a:schemeClr>
+    </dgm:fillClrLst>
+    <dgm:linClrLst meth="repeat">
+      <a:schemeClr val="accent1">
+        <a:alpha val="90000"/>
+        <a:tint val="40000"/>
+      </a:schemeClr>
+    </dgm:linClrLst>
+    <dgm:effectClrLst/>
+    <dgm:txLinClrLst/>
+    <dgm:txFillClrLst meth="repeat">
+      <a:schemeClr val="dk1"/>
+    </dgm:txFillClrLst>
+    <dgm:txEffectClrLst/>
+  </dgm:styleLbl>
+  <dgm:styleLbl name="alignAccFollowNode1">
+    <dgm:fillClrLst meth="repeat">
+      <a:schemeClr val="accent1">
+        <a:alpha val="90000"/>
+        <a:tint val="40000"/>
+      </a:schemeClr>
+    </dgm:fillClrLst>
+    <dgm:linClrLst meth="repeat">
+      <a:schemeClr val="accent1">
+        <a:alpha val="90000"/>
+        <a:tint val="40000"/>
+      </a:schemeClr>
+    </dgm:linClrLst>
+    <dgm:effectClrLst/>
+    <dgm:txLinClrLst/>
+    <dgm:txFillClrLst meth="repeat">
+      <a:schemeClr val="dk1"/>
+    </dgm:txFillClrLst>
+    <dgm:txEffectClrLst/>
+  </dgm:styleLbl>
+  <dgm:styleLbl name="bgAccFollowNode1">
+    <dgm:fillClrLst meth="repeat">
+      <a:schemeClr val="accent1">
+        <a:alpha val="90000"/>
+        <a:tint val="40000"/>
+      </a:schemeClr>
+    </dgm:fillClrLst>
+    <dgm:linClrLst meth="repeat">
+      <a:schemeClr val="accent1">
+        <a:alpha val="90000"/>
+        <a:tint val="40000"/>
+      </a:schemeClr>
+    </dgm:linClrLst>
+    <dgm:effectClrLst/>
+    <dgm:txLinClrLst/>
+    <dgm:txFillClrLst meth="repeat">
+      <a:schemeClr val="dk1"/>
+    </dgm:txFillClrLst>
+    <dgm:txEffectClrLst/>
+  </dgm:styleLbl>
+  <dgm:styleLbl name="fgAcc0">
+    <dgm:fillClrLst meth="repeat">
+      <a:schemeClr val="lt1">
+        <a:alpha val="90000"/>
+      </a:schemeClr>
+    </dgm:fillClrLst>
+    <dgm:linClrLst meth="repeat">
+      <a:schemeClr val="accent1"/>
+    </dgm:linClrLst>
+    <dgm:effectClrLst/>
+    <dgm:txLinClrLst/>
+    <dgm:txFillClrLst meth="repeat">
+      <a:schemeClr val="dk1"/>
+    </dgm:txFillClrLst>
+    <dgm:txEffectClrLst/>
+  </dgm:styleLbl>
+  <dgm:styleLbl name="fgAcc2">
+    <dgm:fillClrLst meth="repeat">
+      <a:schemeClr val="lt1">
+        <a:alpha val="90000"/>
+      </a:schemeClr>
+    </dgm:fillClrLst>
+    <dgm:linClrLst meth="repeat">
+      <a:schemeClr val="accent1"/>
+    </dgm:linClrLst>
+    <dgm:effectClrLst/>
+    <dgm:txLinClrLst/>
+    <dgm:txFillClrLst meth="repeat">
+      <a:schemeClr val="dk1"/>
+    </dgm:txFillClrLst>
+    <dgm:txEffectClrLst/>
+  </dgm:styleLbl>
+  <dgm:styleLbl name="fgAcc3">
+    <dgm:fillClrLst meth="repeat">
+      <a:schemeClr val="lt1">
+        <a:alpha val="90000"/>
+      </a:schemeClr>
+    </dgm:fillClrLst>
+    <dgm:linClrLst meth="repeat">
+      <a:schemeClr val="accent1"/>
+    </dgm:linClrLst>
+    <dgm:effectClrLst/>
+    <dgm:txLinClrLst/>
+    <dgm:txFillClrLst meth="repeat">
+      <a:schemeClr val="dk1"/>
+    </dgm:txFillClrLst>
+    <dgm:txEffectClrLst/>
+  </dgm:styleLbl>
+  <dgm:styleLbl name="fgAcc4">
+    <dgm:fillClrLst meth="repeat">
+      <a:schemeClr val="lt1">
+        <a:alpha val="90000"/>
+      </a:schemeClr>
+    </dgm:fillClrLst>
+    <dgm:linClrLst meth="repeat">
+      <a:schemeClr val="accent1"/>
+    </dgm:linClrLst>
+    <dgm:effectClrLst/>
+    <dgm:txLinClrLst/>
+    <dgm:txFillClrLst meth="repeat">
+      <a:schemeClr val="dk1"/>
+    </dgm:txFillClrLst>
+    <dgm:txEffectClrLst/>
+  </dgm:styleLbl>
+  <dgm:styleLbl name="bgShp">
+    <dgm:fillClrLst meth="repeat">
+      <a:schemeClr val="accent1">
+        <a:tint val="40000"/>
+      </a:schemeClr>
+    </dgm:fillClrLst>
+    <dgm:linClrLst meth="repeat">
+      <a:schemeClr val="accent1"/>
+    </dgm:linClrLst>
+    <dgm:effectClrLst/>
+    <dgm:txLinClrLst/>
+    <dgm:txFillClrLst meth="repeat">
+      <a:schemeClr val="dk1"/>
+    </dgm:txFillClrLst>
+    <dgm:txEffectClrLst/>
+  </dgm:styleLbl>
+  <dgm:styleLbl name="dkBgShp">
+    <dgm:fillClrLst meth="repeat">
+      <a:schemeClr val="accent1">
+        <a:shade val="80000"/>
+      </a:schemeClr>
+    </dgm:fillClrLst>
+    <dgm:linClrLst meth="repeat">
+      <a:schemeClr val="accent1"/>
+    </dgm:linClrLst>
+    <dgm:effectClrLst/>
+    <dgm:txLinClrLst/>
+    <dgm:txFillClrLst meth="repeat">
+      <a:schemeClr val="lt1"/>
+    </dgm:txFillClrLst>
+    <dgm:txEffectClrLst/>
+  </dgm:styleLbl>
+  <dgm:styleLbl name="trBgShp">
+    <dgm:fillClrLst meth="repeat">
+      <a:schemeClr val="accent1">
+        <a:tint val="50000"/>
+        <a:alpha val="40000"/>
+      </a:schemeClr>
+    </dgm:fillClrLst>
+    <dgm:linClrLst meth="repeat">
+      <a:schemeClr val="accent1"/>
+    </dgm:linClrLst>
+    <dgm:effectClrLst/>
+    <dgm:txLinClrLst/>
+    <dgm:txFillClrLst meth="repeat">
+      <a:schemeClr val="lt1"/>
+    </dgm:txFillClrLst>
+    <dgm:txEffectClrLst/>
+  </dgm:styleLbl>
+  <dgm:styleLbl name="fgShp">
+    <dgm:fillClrLst meth="repeat">
+      <a:schemeClr val="accent1">
+        <a:tint val="60000"/>
+      </a:schemeClr>
+    </dgm:fillClrLst>
+    <dgm:linClrLst meth="repeat">
+      <a:schemeClr val="lt1"/>
+    </dgm:linClrLst>
+    <dgm:effectClrLst/>
+    <dgm:txLinClrLst/>
+    <dgm:txFillClrLst meth="repeat">
+      <a:schemeClr val="dk1"/>
+    </dgm:txFillClrLst>
+    <dgm:txEffectClrLst/>
+  </dgm:styleLbl>
+  <dgm:styleLbl name="revTx">
+    <dgm:fillClrLst meth="repeat">
+      <a:schemeClr val="lt1">
+        <a:alpha val="0"/>
+      </a:schemeClr>
+    </dgm:fillClrLst>
+    <dgm:linClrLst meth="repeat">
+      <a:schemeClr val="dk1">
+        <a:alpha val="0"/>
+      </a:schemeClr>
+    </dgm:linClrLst>
+    <dgm:effectClrLst/>
+    <dgm:txLinClrLst/>
+    <dgm:txFillClrLst meth="repeat">
+      <a:schemeClr val="tx1"/>
+    </dgm:txFillClrLst>
+    <dgm:txEffectClrLst/>
+  </dgm:styleLbl>
+</dgm:colorsDef>
+</file>
+
 <file path=ppt/diagrams/data1.xml><?xml version="1.0" encoding="utf-8"?>
+<dgm:dataModel xmlns:dgm="http://schemas.openxmlformats.org/drawingml/2006/diagram" xmlns:a="http://schemas.openxmlformats.org/drawingml/2006/main">
+  <dgm:ptLst>
+    <dgm:pt modelId="{3ACF6BD6-54A1-47AF-AF46-01F1A373DA45}" type="doc">
+      <dgm:prSet loTypeId="urn:microsoft.com/office/officeart/2005/8/layout/lProcess2" loCatId="list" qsTypeId="urn:microsoft.com/office/officeart/2005/8/quickstyle/simple1" qsCatId="simple" csTypeId="urn:microsoft.com/office/officeart/2005/8/colors/accent1_2" csCatId="accent1" phldr="1"/>
+      <dgm:spPr/>
+      <dgm:t>
+        <a:bodyPr/>
+        <a:lstStyle/>
+        <a:p>
+          <a:endParaRPr lang="en-US"/>
+        </a:p>
+      </dgm:t>
+    </dgm:pt>
+    <dgm:pt modelId="{D4D87B1B-F3CA-42BA-86F4-987644C7FA06}">
+      <dgm:prSet phldrT="[Text]"/>
+      <dgm:spPr/>
+      <dgm:t>
+        <a:bodyPr/>
+        <a:lstStyle/>
+        <a:p>
+          <a:r>
+            <a:rPr lang="en-US" dirty="0"/>
+            <a:t>Single agent pathfinding</a:t>
+          </a:r>
+        </a:p>
+      </dgm:t>
+    </dgm:pt>
+    <dgm:pt modelId="{A1BBFEC7-021B-4766-A63C-4409BE66C00E}" type="parTrans" cxnId="{4B48B5C2-0BDB-4D35-855B-59604C2EFC27}">
+      <dgm:prSet/>
+      <dgm:spPr/>
+      <dgm:t>
+        <a:bodyPr/>
+        <a:lstStyle/>
+        <a:p>
+          <a:endParaRPr lang="en-US"/>
+        </a:p>
+      </dgm:t>
+    </dgm:pt>
+    <dgm:pt modelId="{1D12FDB3-CF72-4716-A00D-6DF029953C5D}" type="sibTrans" cxnId="{4B48B5C2-0BDB-4D35-855B-59604C2EFC27}">
+      <dgm:prSet/>
+      <dgm:spPr/>
+      <dgm:t>
+        <a:bodyPr/>
+        <a:lstStyle/>
+        <a:p>
+          <a:endParaRPr lang="en-US"/>
+        </a:p>
+      </dgm:t>
+    </dgm:pt>
+    <dgm:pt modelId="{881B5BDE-2FCF-4F92-9F96-6882C31F1C9B}">
+      <dgm:prSet phldrT="[Text]"/>
+      <dgm:spPr/>
+      <dgm:t>
+        <a:bodyPr/>
+        <a:lstStyle/>
+        <a:p>
+          <a:r>
+            <a:rPr lang="en-US" dirty="0"/>
+            <a:t>Linear Programming</a:t>
+          </a:r>
+        </a:p>
+      </dgm:t>
+    </dgm:pt>
+    <dgm:pt modelId="{99952306-DE86-4C31-99B6-3A059F35CC5D}" type="parTrans" cxnId="{59C5865D-5B04-4B14-A2DB-670D58CB031C}">
+      <dgm:prSet/>
+      <dgm:spPr/>
+      <dgm:t>
+        <a:bodyPr/>
+        <a:lstStyle/>
+        <a:p>
+          <a:endParaRPr lang="en-US"/>
+        </a:p>
+      </dgm:t>
+    </dgm:pt>
+    <dgm:pt modelId="{8C2F8ABB-CAA8-4429-AC6E-F63C813DDFDB}" type="sibTrans" cxnId="{59C5865D-5B04-4B14-A2DB-670D58CB031C}">
+      <dgm:prSet/>
+      <dgm:spPr/>
+      <dgm:t>
+        <a:bodyPr/>
+        <a:lstStyle/>
+        <a:p>
+          <a:endParaRPr lang="en-US"/>
+        </a:p>
+      </dgm:t>
+    </dgm:pt>
+    <dgm:pt modelId="{CDE98578-3D95-4E0F-B23E-559D70CE71F6}">
+      <dgm:prSet phldrT="[Text]"/>
+      <dgm:spPr/>
+      <dgm:t>
+        <a:bodyPr/>
+        <a:lstStyle/>
+        <a:p>
+          <a:r>
+            <a:rPr lang="en-US" dirty="0"/>
+            <a:t>Branch and price</a:t>
+          </a:r>
+        </a:p>
+      </dgm:t>
+    </dgm:pt>
+    <dgm:pt modelId="{73CA378C-966B-4741-B2F2-0662529EF50A}" type="parTrans" cxnId="{682D2CF8-04CF-48E2-A7D5-DBFE82C52C56}">
+      <dgm:prSet/>
+      <dgm:spPr/>
+      <dgm:t>
+        <a:bodyPr/>
+        <a:lstStyle/>
+        <a:p>
+          <a:endParaRPr lang="en-US"/>
+        </a:p>
+      </dgm:t>
+    </dgm:pt>
+    <dgm:pt modelId="{11DB802B-58F6-40C3-8F08-7A888834A1FD}" type="sibTrans" cxnId="{682D2CF8-04CF-48E2-A7D5-DBFE82C52C56}">
+      <dgm:prSet/>
+      <dgm:spPr/>
+      <dgm:t>
+        <a:bodyPr/>
+        <a:lstStyle/>
+        <a:p>
+          <a:endParaRPr lang="en-US"/>
+        </a:p>
+      </dgm:t>
+    </dgm:pt>
+    <dgm:pt modelId="{7E158A03-45FE-4EB7-B3B7-9ABE516CDE45}">
+      <dgm:prSet phldrT="[Text]" phldr="1"/>
+      <dgm:spPr/>
+      <dgm:t>
+        <a:bodyPr/>
+        <a:lstStyle/>
+        <a:p>
+          <a:endParaRPr lang="en-US" dirty="0"/>
+        </a:p>
+      </dgm:t>
+    </dgm:pt>
+    <dgm:pt modelId="{79EFF172-726E-43D0-B55A-6EE6253894D4}" type="parTrans" cxnId="{585CEE1D-67DE-443E-ACC2-F05700C1208B}">
+      <dgm:prSet/>
+      <dgm:spPr/>
+      <dgm:t>
+        <a:bodyPr/>
+        <a:lstStyle/>
+        <a:p>
+          <a:endParaRPr lang="en-US"/>
+        </a:p>
+      </dgm:t>
+    </dgm:pt>
+    <dgm:pt modelId="{515417C1-C278-49C3-BFC8-74A6859318E6}" type="sibTrans" cxnId="{585CEE1D-67DE-443E-ACC2-F05700C1208B}">
+      <dgm:prSet/>
+      <dgm:spPr/>
+      <dgm:t>
+        <a:bodyPr/>
+        <a:lstStyle/>
+        <a:p>
+          <a:endParaRPr lang="en-US"/>
+        </a:p>
+      </dgm:t>
+    </dgm:pt>
+    <dgm:pt modelId="{060B9263-BF23-4D06-974F-11B04B42458B}">
+      <dgm:prSet/>
+      <dgm:spPr/>
+      <dgm:t>
+        <a:bodyPr/>
+        <a:lstStyle/>
+        <a:p>
+          <a:r>
+            <a:rPr lang="en-US" dirty="0"/>
+            <a:t>Jump Point Search</a:t>
+          </a:r>
+        </a:p>
+      </dgm:t>
+    </dgm:pt>
+    <dgm:pt modelId="{1CA4152A-8EB6-43F7-ACF6-689EE2BD8505}" type="parTrans" cxnId="{0E59D4AE-8E5F-4B13-B55D-937249A4DD96}">
+      <dgm:prSet/>
+      <dgm:spPr/>
+      <dgm:t>
+        <a:bodyPr/>
+        <a:lstStyle/>
+        <a:p>
+          <a:endParaRPr lang="en-US"/>
+        </a:p>
+      </dgm:t>
+    </dgm:pt>
+    <dgm:pt modelId="{7504E660-F841-46B8-A9A6-CDB7FF3640BE}" type="sibTrans" cxnId="{0E59D4AE-8E5F-4B13-B55D-937249A4DD96}">
+      <dgm:prSet/>
+      <dgm:spPr/>
+      <dgm:t>
+        <a:bodyPr/>
+        <a:lstStyle/>
+        <a:p>
+          <a:endParaRPr lang="en-US"/>
+        </a:p>
+      </dgm:t>
+    </dgm:pt>
+    <dgm:pt modelId="{4F820AE9-4DDF-4F90-8CE4-7E0780A80179}">
+      <dgm:prSet/>
+      <dgm:spPr/>
+      <dgm:t>
+        <a:bodyPr/>
+        <a:lstStyle/>
+        <a:p>
+          <a:r>
+            <a:rPr lang="en-US" dirty="0"/>
+            <a:t>Compressed Path Databases</a:t>
+          </a:r>
+        </a:p>
+      </dgm:t>
+    </dgm:pt>
+    <dgm:pt modelId="{CBBED21E-10D2-429D-AA73-FB360465131D}" type="parTrans" cxnId="{8A86CE38-F671-4267-8CAF-E416C48B6075}">
+      <dgm:prSet/>
+      <dgm:spPr/>
+      <dgm:t>
+        <a:bodyPr/>
+        <a:lstStyle/>
+        <a:p>
+          <a:endParaRPr lang="en-US"/>
+        </a:p>
+      </dgm:t>
+    </dgm:pt>
+    <dgm:pt modelId="{786B3747-85DA-411F-B513-B4315912F0A6}" type="sibTrans" cxnId="{8A86CE38-F671-4267-8CAF-E416C48B6075}">
+      <dgm:prSet/>
+      <dgm:spPr/>
+      <dgm:t>
+        <a:bodyPr/>
+        <a:lstStyle/>
+        <a:p>
+          <a:endParaRPr lang="en-US"/>
+        </a:p>
+      </dgm:t>
+    </dgm:pt>
+    <dgm:pt modelId="{81FB1B7A-C1EE-40A3-B515-FC0EB0A63D9B}" type="pres">
+      <dgm:prSet presAssocID="{3ACF6BD6-54A1-47AF-AF46-01F1A373DA45}" presName="theList" presStyleCnt="0">
+        <dgm:presLayoutVars>
+          <dgm:dir/>
+          <dgm:animLvl val="lvl"/>
+          <dgm:resizeHandles val="exact"/>
+        </dgm:presLayoutVars>
+      </dgm:prSet>
+      <dgm:spPr/>
+    </dgm:pt>
+    <dgm:pt modelId="{C0A23CF0-E960-4E9F-95EA-9BD6AF5DFE42}" type="pres">
+      <dgm:prSet presAssocID="{D4D87B1B-F3CA-42BA-86F4-987644C7FA06}" presName="compNode" presStyleCnt="0"/>
+      <dgm:spPr/>
+    </dgm:pt>
+    <dgm:pt modelId="{F4462BBD-30C6-49E7-AAFD-0A943821B7B0}" type="pres">
+      <dgm:prSet presAssocID="{D4D87B1B-F3CA-42BA-86F4-987644C7FA06}" presName="aNode" presStyleLbl="bgShp" presStyleIdx="0" presStyleCnt="2"/>
+      <dgm:spPr/>
+    </dgm:pt>
+    <dgm:pt modelId="{23A35880-CEBA-4852-9C56-0DC311806E9E}" type="pres">
+      <dgm:prSet presAssocID="{D4D87B1B-F3CA-42BA-86F4-987644C7FA06}" presName="textNode" presStyleLbl="bgShp" presStyleIdx="0" presStyleCnt="2"/>
+      <dgm:spPr/>
+    </dgm:pt>
+    <dgm:pt modelId="{3EE31ED7-6AE6-43E2-B8C1-C4BE98EBD8CF}" type="pres">
+      <dgm:prSet presAssocID="{D4D87B1B-F3CA-42BA-86F4-987644C7FA06}" presName="compChildNode" presStyleCnt="0"/>
+      <dgm:spPr/>
+    </dgm:pt>
+    <dgm:pt modelId="{31C266A4-EC4B-426E-9FBA-1F8E04CED95E}" type="pres">
+      <dgm:prSet presAssocID="{D4D87B1B-F3CA-42BA-86F4-987644C7FA06}" presName="theInnerList" presStyleCnt="0"/>
+      <dgm:spPr/>
+    </dgm:pt>
+    <dgm:pt modelId="{E7B05715-817C-4857-83F3-D69679AA25A2}" type="pres">
+      <dgm:prSet presAssocID="{060B9263-BF23-4D06-974F-11B04B42458B}" presName="childNode" presStyleLbl="node1" presStyleIdx="0" presStyleCnt="4">
+        <dgm:presLayoutVars>
+          <dgm:bulletEnabled val="1"/>
+        </dgm:presLayoutVars>
+      </dgm:prSet>
+      <dgm:spPr/>
+    </dgm:pt>
+    <dgm:pt modelId="{ADA2076A-DE27-4625-9BFF-977912CA40BF}" type="pres">
+      <dgm:prSet presAssocID="{060B9263-BF23-4D06-974F-11B04B42458B}" presName="aSpace2" presStyleCnt="0"/>
+      <dgm:spPr/>
+    </dgm:pt>
+    <dgm:pt modelId="{08377770-FC54-4915-A6FB-DE536902C015}" type="pres">
+      <dgm:prSet presAssocID="{4F820AE9-4DDF-4F90-8CE4-7E0780A80179}" presName="childNode" presStyleLbl="node1" presStyleIdx="1" presStyleCnt="4">
+        <dgm:presLayoutVars>
+          <dgm:bulletEnabled val="1"/>
+        </dgm:presLayoutVars>
+      </dgm:prSet>
+      <dgm:spPr/>
+    </dgm:pt>
+    <dgm:pt modelId="{A9141C98-B033-4DAC-9AA5-C83D3B1C0191}" type="pres">
+      <dgm:prSet presAssocID="{D4D87B1B-F3CA-42BA-86F4-987644C7FA06}" presName="aSpace" presStyleCnt="0"/>
+      <dgm:spPr/>
+    </dgm:pt>
+    <dgm:pt modelId="{BB89CD3C-7550-4983-BD71-D2D7CD48211A}" type="pres">
+      <dgm:prSet presAssocID="{881B5BDE-2FCF-4F92-9F96-6882C31F1C9B}" presName="compNode" presStyleCnt="0"/>
+      <dgm:spPr/>
+    </dgm:pt>
+    <dgm:pt modelId="{DC13A976-082C-4EC7-AF90-2BCD3C9ED867}" type="pres">
+      <dgm:prSet presAssocID="{881B5BDE-2FCF-4F92-9F96-6882C31F1C9B}" presName="aNode" presStyleLbl="bgShp" presStyleIdx="1" presStyleCnt="2"/>
+      <dgm:spPr/>
+    </dgm:pt>
+    <dgm:pt modelId="{756938AC-B276-4066-B393-D1288FEFC5BC}" type="pres">
+      <dgm:prSet presAssocID="{881B5BDE-2FCF-4F92-9F96-6882C31F1C9B}" presName="textNode" presStyleLbl="bgShp" presStyleIdx="1" presStyleCnt="2"/>
+      <dgm:spPr/>
+    </dgm:pt>
+    <dgm:pt modelId="{4E6B82AC-39AB-4138-9A7F-77EF92E39F10}" type="pres">
+      <dgm:prSet presAssocID="{881B5BDE-2FCF-4F92-9F96-6882C31F1C9B}" presName="compChildNode" presStyleCnt="0"/>
+      <dgm:spPr/>
+    </dgm:pt>
+    <dgm:pt modelId="{4ABE11E0-26B4-4351-AD49-6475D4A4E562}" type="pres">
+      <dgm:prSet presAssocID="{881B5BDE-2FCF-4F92-9F96-6882C31F1C9B}" presName="theInnerList" presStyleCnt="0"/>
+      <dgm:spPr/>
+    </dgm:pt>
+    <dgm:pt modelId="{289D60A9-FEAB-47BE-B8CC-EAEC96B93F05}" type="pres">
+      <dgm:prSet presAssocID="{CDE98578-3D95-4E0F-B23E-559D70CE71F6}" presName="childNode" presStyleLbl="node1" presStyleIdx="2" presStyleCnt="4">
+        <dgm:presLayoutVars>
+          <dgm:bulletEnabled val="1"/>
+        </dgm:presLayoutVars>
+      </dgm:prSet>
+      <dgm:spPr/>
+    </dgm:pt>
+    <dgm:pt modelId="{732E4BE9-947B-44F5-88CC-8E0504EF26D5}" type="pres">
+      <dgm:prSet presAssocID="{CDE98578-3D95-4E0F-B23E-559D70CE71F6}" presName="aSpace2" presStyleCnt="0"/>
+      <dgm:spPr/>
+    </dgm:pt>
+    <dgm:pt modelId="{39998FF3-5187-4880-A56F-20CA3016E3DE}" type="pres">
+      <dgm:prSet presAssocID="{7E158A03-45FE-4EB7-B3B7-9ABE516CDE45}" presName="childNode" presStyleLbl="node1" presStyleIdx="3" presStyleCnt="4">
+        <dgm:presLayoutVars>
+          <dgm:bulletEnabled val="1"/>
+        </dgm:presLayoutVars>
+      </dgm:prSet>
+      <dgm:spPr/>
+    </dgm:pt>
+  </dgm:ptLst>
+  <dgm:cxnLst>
+    <dgm:cxn modelId="{8A73F21B-19F7-4243-8BB0-10E6BC882223}" type="presOf" srcId="{D4D87B1B-F3CA-42BA-86F4-987644C7FA06}" destId="{F4462BBD-30C6-49E7-AAFD-0A943821B7B0}" srcOrd="0" destOrd="0" presId="urn:microsoft.com/office/officeart/2005/8/layout/lProcess2"/>
+    <dgm:cxn modelId="{585CEE1D-67DE-443E-ACC2-F05700C1208B}" srcId="{881B5BDE-2FCF-4F92-9F96-6882C31F1C9B}" destId="{7E158A03-45FE-4EB7-B3B7-9ABE516CDE45}" srcOrd="1" destOrd="0" parTransId="{79EFF172-726E-43D0-B55A-6EE6253894D4}" sibTransId="{515417C1-C278-49C3-BFC8-74A6859318E6}"/>
+    <dgm:cxn modelId="{8A86CE38-F671-4267-8CAF-E416C48B6075}" srcId="{D4D87B1B-F3CA-42BA-86F4-987644C7FA06}" destId="{4F820AE9-4DDF-4F90-8CE4-7E0780A80179}" srcOrd="1" destOrd="0" parTransId="{CBBED21E-10D2-429D-AA73-FB360465131D}" sibTransId="{786B3747-85DA-411F-B513-B4315912F0A6}"/>
+    <dgm:cxn modelId="{59C5865D-5B04-4B14-A2DB-670D58CB031C}" srcId="{3ACF6BD6-54A1-47AF-AF46-01F1A373DA45}" destId="{881B5BDE-2FCF-4F92-9F96-6882C31F1C9B}" srcOrd="1" destOrd="0" parTransId="{99952306-DE86-4C31-99B6-3A059F35CC5D}" sibTransId="{8C2F8ABB-CAA8-4429-AC6E-F63C813DDFDB}"/>
+    <dgm:cxn modelId="{A25FB988-0766-49BF-BE16-6121B3F16ABA}" type="presOf" srcId="{060B9263-BF23-4D06-974F-11B04B42458B}" destId="{E7B05715-817C-4857-83F3-D69679AA25A2}" srcOrd="0" destOrd="0" presId="urn:microsoft.com/office/officeart/2005/8/layout/lProcess2"/>
+    <dgm:cxn modelId="{F443918D-8E1C-4CA8-9836-E6752A6EA286}" type="presOf" srcId="{D4D87B1B-F3CA-42BA-86F4-987644C7FA06}" destId="{23A35880-CEBA-4852-9C56-0DC311806E9E}" srcOrd="1" destOrd="0" presId="urn:microsoft.com/office/officeart/2005/8/layout/lProcess2"/>
+    <dgm:cxn modelId="{C4675D9F-6C70-4D7F-9882-4F38EEEDCFCC}" type="presOf" srcId="{881B5BDE-2FCF-4F92-9F96-6882C31F1C9B}" destId="{DC13A976-082C-4EC7-AF90-2BCD3C9ED867}" srcOrd="0" destOrd="0" presId="urn:microsoft.com/office/officeart/2005/8/layout/lProcess2"/>
+    <dgm:cxn modelId="{0E59D4AE-8E5F-4B13-B55D-937249A4DD96}" srcId="{D4D87B1B-F3CA-42BA-86F4-987644C7FA06}" destId="{060B9263-BF23-4D06-974F-11B04B42458B}" srcOrd="0" destOrd="0" parTransId="{1CA4152A-8EB6-43F7-ACF6-689EE2BD8505}" sibTransId="{7504E660-F841-46B8-A9A6-CDB7FF3640BE}"/>
+    <dgm:cxn modelId="{E4083EB3-2B2B-41DE-84C4-0944B6A40064}" type="presOf" srcId="{4F820AE9-4DDF-4F90-8CE4-7E0780A80179}" destId="{08377770-FC54-4915-A6FB-DE536902C015}" srcOrd="0" destOrd="0" presId="urn:microsoft.com/office/officeart/2005/8/layout/lProcess2"/>
+    <dgm:cxn modelId="{4B48B5C2-0BDB-4D35-855B-59604C2EFC27}" srcId="{3ACF6BD6-54A1-47AF-AF46-01F1A373DA45}" destId="{D4D87B1B-F3CA-42BA-86F4-987644C7FA06}" srcOrd="0" destOrd="0" parTransId="{A1BBFEC7-021B-4766-A63C-4409BE66C00E}" sibTransId="{1D12FDB3-CF72-4716-A00D-6DF029953C5D}"/>
+    <dgm:cxn modelId="{31D616C6-3ED2-45AD-903E-CFFFC3A55274}" type="presOf" srcId="{CDE98578-3D95-4E0F-B23E-559D70CE71F6}" destId="{289D60A9-FEAB-47BE-B8CC-EAEC96B93F05}" srcOrd="0" destOrd="0" presId="urn:microsoft.com/office/officeart/2005/8/layout/lProcess2"/>
+    <dgm:cxn modelId="{545235DC-73CA-4BFC-83E2-86F4A7B0EDD0}" type="presOf" srcId="{881B5BDE-2FCF-4F92-9F96-6882C31F1C9B}" destId="{756938AC-B276-4066-B393-D1288FEFC5BC}" srcOrd="1" destOrd="0" presId="urn:microsoft.com/office/officeart/2005/8/layout/lProcess2"/>
+    <dgm:cxn modelId="{B22E9DF3-92BF-4E30-8FC3-B3C25A86AA26}" type="presOf" srcId="{3ACF6BD6-54A1-47AF-AF46-01F1A373DA45}" destId="{81FB1B7A-C1EE-40A3-B515-FC0EB0A63D9B}" srcOrd="0" destOrd="0" presId="urn:microsoft.com/office/officeart/2005/8/layout/lProcess2"/>
+    <dgm:cxn modelId="{682D2CF8-04CF-48E2-A7D5-DBFE82C52C56}" srcId="{881B5BDE-2FCF-4F92-9F96-6882C31F1C9B}" destId="{CDE98578-3D95-4E0F-B23E-559D70CE71F6}" srcOrd="0" destOrd="0" parTransId="{73CA378C-966B-4741-B2F2-0662529EF50A}" sibTransId="{11DB802B-58F6-40C3-8F08-7A888834A1FD}"/>
+    <dgm:cxn modelId="{0ECC7AFB-A697-473F-B47E-9BD9844E0CC7}" type="presOf" srcId="{7E158A03-45FE-4EB7-B3B7-9ABE516CDE45}" destId="{39998FF3-5187-4880-A56F-20CA3016E3DE}" srcOrd="0" destOrd="0" presId="urn:microsoft.com/office/officeart/2005/8/layout/lProcess2"/>
+    <dgm:cxn modelId="{CBDF5BAC-733A-4E86-AC11-2B77F3C6C3C1}" type="presParOf" srcId="{81FB1B7A-C1EE-40A3-B515-FC0EB0A63D9B}" destId="{C0A23CF0-E960-4E9F-95EA-9BD6AF5DFE42}" srcOrd="0" destOrd="0" presId="urn:microsoft.com/office/officeart/2005/8/layout/lProcess2"/>
+    <dgm:cxn modelId="{FC69E381-1C64-49C8-87DB-4946A9FE9FEA}" type="presParOf" srcId="{C0A23CF0-E960-4E9F-95EA-9BD6AF5DFE42}" destId="{F4462BBD-30C6-49E7-AAFD-0A943821B7B0}" srcOrd="0" destOrd="0" presId="urn:microsoft.com/office/officeart/2005/8/layout/lProcess2"/>
+    <dgm:cxn modelId="{23D750CC-7188-451A-86E0-F56B0CCF9CB9}" type="presParOf" srcId="{C0A23CF0-E960-4E9F-95EA-9BD6AF5DFE42}" destId="{23A35880-CEBA-4852-9C56-0DC311806E9E}" srcOrd="1" destOrd="0" presId="urn:microsoft.com/office/officeart/2005/8/layout/lProcess2"/>
+    <dgm:cxn modelId="{D007E4D1-0C4A-4527-AA88-C4A69416C56E}" type="presParOf" srcId="{C0A23CF0-E960-4E9F-95EA-9BD6AF5DFE42}" destId="{3EE31ED7-6AE6-43E2-B8C1-C4BE98EBD8CF}" srcOrd="2" destOrd="0" presId="urn:microsoft.com/office/officeart/2005/8/layout/lProcess2"/>
+    <dgm:cxn modelId="{2AEB6AA3-CB7A-4162-9B95-1644501316F3}" type="presParOf" srcId="{3EE31ED7-6AE6-43E2-B8C1-C4BE98EBD8CF}" destId="{31C266A4-EC4B-426E-9FBA-1F8E04CED95E}" srcOrd="0" destOrd="0" presId="urn:microsoft.com/office/officeart/2005/8/layout/lProcess2"/>
+    <dgm:cxn modelId="{47726850-56BF-4A67-B1CB-7B8049D88DD3}" type="presParOf" srcId="{31C266A4-EC4B-426E-9FBA-1F8E04CED95E}" destId="{E7B05715-817C-4857-83F3-D69679AA25A2}" srcOrd="0" destOrd="0" presId="urn:microsoft.com/office/officeart/2005/8/layout/lProcess2"/>
+    <dgm:cxn modelId="{0290EBF9-B6D2-4604-AB16-F7264E069041}" type="presParOf" srcId="{31C266A4-EC4B-426E-9FBA-1F8E04CED95E}" destId="{ADA2076A-DE27-4625-9BFF-977912CA40BF}" srcOrd="1" destOrd="0" presId="urn:microsoft.com/office/officeart/2005/8/layout/lProcess2"/>
+    <dgm:cxn modelId="{C3CC20CC-2B3E-4878-9EE5-DBCDE395A5D2}" type="presParOf" srcId="{31C266A4-EC4B-426E-9FBA-1F8E04CED95E}" destId="{08377770-FC54-4915-A6FB-DE536902C015}" srcOrd="2" destOrd="0" presId="urn:microsoft.com/office/officeart/2005/8/layout/lProcess2"/>
+    <dgm:cxn modelId="{D99810D7-A893-44AD-B80D-08EA1DF427E8}" type="presParOf" srcId="{81FB1B7A-C1EE-40A3-B515-FC0EB0A63D9B}" destId="{A9141C98-B033-4DAC-9AA5-C83D3B1C0191}" srcOrd="1" destOrd="0" presId="urn:microsoft.com/office/officeart/2005/8/layout/lProcess2"/>
+    <dgm:cxn modelId="{183F8BF5-2C59-4261-9953-6FBB2EF45311}" type="presParOf" srcId="{81FB1B7A-C1EE-40A3-B515-FC0EB0A63D9B}" destId="{BB89CD3C-7550-4983-BD71-D2D7CD48211A}" srcOrd="2" destOrd="0" presId="urn:microsoft.com/office/officeart/2005/8/layout/lProcess2"/>
+    <dgm:cxn modelId="{21F8E683-3037-46DF-8697-44E262DFE247}" type="presParOf" srcId="{BB89CD3C-7550-4983-BD71-D2D7CD48211A}" destId="{DC13A976-082C-4EC7-AF90-2BCD3C9ED867}" srcOrd="0" destOrd="0" presId="urn:microsoft.com/office/officeart/2005/8/layout/lProcess2"/>
+    <dgm:cxn modelId="{5135E9B2-3DCE-4B97-8337-72F6D3C2A30B}" type="presParOf" srcId="{BB89CD3C-7550-4983-BD71-D2D7CD48211A}" destId="{756938AC-B276-4066-B393-D1288FEFC5BC}" srcOrd="1" destOrd="0" presId="urn:microsoft.com/office/officeart/2005/8/layout/lProcess2"/>
+    <dgm:cxn modelId="{7A6C169B-D7DC-4905-91E6-1DD1950416E2}" type="presParOf" srcId="{BB89CD3C-7550-4983-BD71-D2D7CD48211A}" destId="{4E6B82AC-39AB-4138-9A7F-77EF92E39F10}" srcOrd="2" destOrd="0" presId="urn:microsoft.com/office/officeart/2005/8/layout/lProcess2"/>
+    <dgm:cxn modelId="{04C4FF23-F823-41F3-B5F5-BA61A55DD8E2}" type="presParOf" srcId="{4E6B82AC-39AB-4138-9A7F-77EF92E39F10}" destId="{4ABE11E0-26B4-4351-AD49-6475D4A4E562}" srcOrd="0" destOrd="0" presId="urn:microsoft.com/office/officeart/2005/8/layout/lProcess2"/>
+    <dgm:cxn modelId="{3B37AB44-E306-4F96-914A-ECB4117F1667}" type="presParOf" srcId="{4ABE11E0-26B4-4351-AD49-6475D4A4E562}" destId="{289D60A9-FEAB-47BE-B8CC-EAEC96B93F05}" srcOrd="0" destOrd="0" presId="urn:microsoft.com/office/officeart/2005/8/layout/lProcess2"/>
+    <dgm:cxn modelId="{D62F1656-71C1-4920-99AB-FD39FCA5084E}" type="presParOf" srcId="{4ABE11E0-26B4-4351-AD49-6475D4A4E562}" destId="{732E4BE9-947B-44F5-88CC-8E0504EF26D5}" srcOrd="1" destOrd="0" presId="urn:microsoft.com/office/officeart/2005/8/layout/lProcess2"/>
+    <dgm:cxn modelId="{E5105594-E2B1-441A-999F-2D5B24CF02C3}" type="presParOf" srcId="{4ABE11E0-26B4-4351-AD49-6475D4A4E562}" destId="{39998FF3-5187-4880-A56F-20CA3016E3DE}" srcOrd="2" destOrd="0" presId="urn:microsoft.com/office/officeart/2005/8/layout/lProcess2"/>
+  </dgm:cxnLst>
+  <dgm:bg/>
+  <dgm:whole/>
+  <dgm:extLst>
+    <a:ext uri="http://schemas.microsoft.com/office/drawing/2008/diagram">
+      <dsp:dataModelExt xmlns:dsp="http://schemas.microsoft.com/office/drawing/2008/diagram" relId="rId6" minVer="http://schemas.openxmlformats.org/drawingml/2006/diagram"/>
+    </a:ext>
+  </dgm:extLst>
+</dgm:dataModel>
+</file>
+
+<file path=ppt/diagrams/data2.xml><?xml version="1.0" encoding="utf-8"?>
 <dgm:dataModel xmlns:dgm="http://schemas.openxmlformats.org/drawingml/2006/diagram" xmlns:a="http://schemas.openxmlformats.org/drawingml/2006/main">
   <dgm:ptLst>
     <dgm:pt modelId="{18412894-D7A9-49D0-83AE-9F638CF4D69B}" type="doc">
@@ -2060,7 +3174,7 @@
 </dgm:dataModel>
 </file>
 
-<file path=ppt/diagrams/data2.xml><?xml version="1.0" encoding="utf-8"?>
+<file path=ppt/diagrams/data3.xml><?xml version="1.0" encoding="utf-8"?>
 <dgm:dataModel xmlns:dgm="http://schemas.openxmlformats.org/drawingml/2006/diagram" xmlns:a="http://schemas.openxmlformats.org/drawingml/2006/main">
   <dgm:ptLst>
     <dgm:pt modelId="{326983A9-107A-4921-834F-E9C9E9FF0DFA}" type="doc">
@@ -2567,6 +3681,471 @@
 </file>
 
 <file path=ppt/diagrams/drawing1.xml><?xml version="1.0" encoding="utf-8"?>
+<dsp:drawing xmlns:dgm="http://schemas.openxmlformats.org/drawingml/2006/diagram" xmlns:dsp="http://schemas.microsoft.com/office/drawing/2008/diagram" xmlns:a="http://schemas.openxmlformats.org/drawingml/2006/main">
+  <dsp:spTree>
+    <dsp:nvGrpSpPr>
+      <dsp:cNvPr id="0" name=""/>
+      <dsp:cNvGrpSpPr/>
+    </dsp:nvGrpSpPr>
+    <dsp:grpSpPr/>
+    <dsp:sp modelId="{F4462BBD-30C6-49E7-AAFD-0A943821B7B0}">
+      <dsp:nvSpPr>
+        <dsp:cNvPr id="0" name=""/>
+        <dsp:cNvSpPr/>
+      </dsp:nvSpPr>
+      <dsp:spPr>
+        <a:xfrm>
+          <a:off x="5282" y="0"/>
+          <a:ext cx="5081029" cy="3636963"/>
+        </a:xfrm>
+        <a:prstGeom prst="roundRect">
+          <a:avLst>
+            <a:gd name="adj" fmla="val 10000"/>
+          </a:avLst>
+        </a:prstGeom>
+        <a:solidFill>
+          <a:schemeClr val="accent1">
+            <a:tint val="40000"/>
+            <a:hueOff val="0"/>
+            <a:satOff val="0"/>
+            <a:lumOff val="0"/>
+            <a:alphaOff val="0"/>
+          </a:schemeClr>
+        </a:solidFill>
+        <a:ln>
+          <a:noFill/>
+        </a:ln>
+        <a:effectLst/>
+      </dsp:spPr>
+      <dsp:style>
+        <a:lnRef idx="0">
+          <a:scrgbClr r="0" g="0" b="0"/>
+        </a:lnRef>
+        <a:fillRef idx="1">
+          <a:scrgbClr r="0" g="0" b="0"/>
+        </a:fillRef>
+        <a:effectRef idx="0">
+          <a:scrgbClr r="0" g="0" b="0"/>
+        </a:effectRef>
+        <a:fontRef idx="minor"/>
+      </dsp:style>
+      <dsp:txBody>
+        <a:bodyPr spcFirstLastPara="0" vert="horz" wrap="square" lIns="137160" tIns="137160" rIns="137160" bIns="137160" numCol="1" spcCol="1270" anchor="ctr" anchorCtr="0">
+          <a:noAutofit/>
+        </a:bodyPr>
+        <a:lstStyle/>
+        <a:p>
+          <a:pPr marL="0" lvl="0" indent="0" algn="ctr" defTabSz="1600200">
+            <a:lnSpc>
+              <a:spcPct val="90000"/>
+            </a:lnSpc>
+            <a:spcBef>
+              <a:spcPct val="0"/>
+            </a:spcBef>
+            <a:spcAft>
+              <a:spcPct val="35000"/>
+            </a:spcAft>
+            <a:buNone/>
+          </a:pPr>
+          <a:r>
+            <a:rPr lang="en-US" sz="3600" kern="1200" dirty="0"/>
+            <a:t>Single agent pathfinding</a:t>
+          </a:r>
+        </a:p>
+      </dsp:txBody>
+      <dsp:txXfrm>
+        <a:off x="5282" y="0"/>
+        <a:ext cx="5081029" cy="1091088"/>
+      </dsp:txXfrm>
+    </dsp:sp>
+    <dsp:sp modelId="{E7B05715-817C-4857-83F3-D69679AA25A2}">
+      <dsp:nvSpPr>
+        <dsp:cNvPr id="0" name=""/>
+        <dsp:cNvSpPr/>
+      </dsp:nvSpPr>
+      <dsp:spPr>
+        <a:xfrm>
+          <a:off x="513384" y="1092154"/>
+          <a:ext cx="4064823" cy="1096594"/>
+        </a:xfrm>
+        <a:prstGeom prst="roundRect">
+          <a:avLst>
+            <a:gd name="adj" fmla="val 10000"/>
+          </a:avLst>
+        </a:prstGeom>
+        <a:solidFill>
+          <a:schemeClr val="accent1">
+            <a:hueOff val="0"/>
+            <a:satOff val="0"/>
+            <a:lumOff val="0"/>
+            <a:alphaOff val="0"/>
+          </a:schemeClr>
+        </a:solidFill>
+        <a:ln w="15875" cap="rnd" cmpd="sng" algn="ctr">
+          <a:solidFill>
+            <a:schemeClr val="lt1">
+              <a:hueOff val="0"/>
+              <a:satOff val="0"/>
+              <a:lumOff val="0"/>
+              <a:alphaOff val="0"/>
+            </a:schemeClr>
+          </a:solidFill>
+          <a:prstDash val="solid"/>
+        </a:ln>
+        <a:effectLst/>
+      </dsp:spPr>
+      <dsp:style>
+        <a:lnRef idx="2">
+          <a:scrgbClr r="0" g="0" b="0"/>
+        </a:lnRef>
+        <a:fillRef idx="1">
+          <a:scrgbClr r="0" g="0" b="0"/>
+        </a:fillRef>
+        <a:effectRef idx="0">
+          <a:scrgbClr r="0" g="0" b="0"/>
+        </a:effectRef>
+        <a:fontRef idx="minor">
+          <a:schemeClr val="lt1"/>
+        </a:fontRef>
+      </dsp:style>
+      <dsp:txBody>
+        <a:bodyPr spcFirstLastPara="0" vert="horz" wrap="square" lIns="81280" tIns="60960" rIns="81280" bIns="60960" numCol="1" spcCol="1270" anchor="ctr" anchorCtr="0">
+          <a:noAutofit/>
+        </a:bodyPr>
+        <a:lstStyle/>
+        <a:p>
+          <a:pPr marL="0" lvl="0" indent="0" algn="ctr" defTabSz="1422400">
+            <a:lnSpc>
+              <a:spcPct val="90000"/>
+            </a:lnSpc>
+            <a:spcBef>
+              <a:spcPct val="0"/>
+            </a:spcBef>
+            <a:spcAft>
+              <a:spcPct val="35000"/>
+            </a:spcAft>
+            <a:buNone/>
+          </a:pPr>
+          <a:r>
+            <a:rPr lang="en-US" sz="3200" kern="1200" dirty="0"/>
+            <a:t>Jump Point Search</a:t>
+          </a:r>
+        </a:p>
+      </dsp:txBody>
+      <dsp:txXfrm>
+        <a:off x="545502" y="1124272"/>
+        <a:ext cx="4000587" cy="1032358"/>
+      </dsp:txXfrm>
+    </dsp:sp>
+    <dsp:sp modelId="{08377770-FC54-4915-A6FB-DE536902C015}">
+      <dsp:nvSpPr>
+        <dsp:cNvPr id="0" name=""/>
+        <dsp:cNvSpPr/>
+      </dsp:nvSpPr>
+      <dsp:spPr>
+        <a:xfrm>
+          <a:off x="513384" y="2357455"/>
+          <a:ext cx="4064823" cy="1096594"/>
+        </a:xfrm>
+        <a:prstGeom prst="roundRect">
+          <a:avLst>
+            <a:gd name="adj" fmla="val 10000"/>
+          </a:avLst>
+        </a:prstGeom>
+        <a:solidFill>
+          <a:schemeClr val="accent1">
+            <a:hueOff val="0"/>
+            <a:satOff val="0"/>
+            <a:lumOff val="0"/>
+            <a:alphaOff val="0"/>
+          </a:schemeClr>
+        </a:solidFill>
+        <a:ln w="15875" cap="rnd" cmpd="sng" algn="ctr">
+          <a:solidFill>
+            <a:schemeClr val="lt1">
+              <a:hueOff val="0"/>
+              <a:satOff val="0"/>
+              <a:lumOff val="0"/>
+              <a:alphaOff val="0"/>
+            </a:schemeClr>
+          </a:solidFill>
+          <a:prstDash val="solid"/>
+        </a:ln>
+        <a:effectLst/>
+      </dsp:spPr>
+      <dsp:style>
+        <a:lnRef idx="2">
+          <a:scrgbClr r="0" g="0" b="0"/>
+        </a:lnRef>
+        <a:fillRef idx="1">
+          <a:scrgbClr r="0" g="0" b="0"/>
+        </a:fillRef>
+        <a:effectRef idx="0">
+          <a:scrgbClr r="0" g="0" b="0"/>
+        </a:effectRef>
+        <a:fontRef idx="minor">
+          <a:schemeClr val="lt1"/>
+        </a:fontRef>
+      </dsp:style>
+      <dsp:txBody>
+        <a:bodyPr spcFirstLastPara="0" vert="horz" wrap="square" lIns="81280" tIns="60960" rIns="81280" bIns="60960" numCol="1" spcCol="1270" anchor="ctr" anchorCtr="0">
+          <a:noAutofit/>
+        </a:bodyPr>
+        <a:lstStyle/>
+        <a:p>
+          <a:pPr marL="0" lvl="0" indent="0" algn="ctr" defTabSz="1422400">
+            <a:lnSpc>
+              <a:spcPct val="90000"/>
+            </a:lnSpc>
+            <a:spcBef>
+              <a:spcPct val="0"/>
+            </a:spcBef>
+            <a:spcAft>
+              <a:spcPct val="35000"/>
+            </a:spcAft>
+            <a:buNone/>
+          </a:pPr>
+          <a:r>
+            <a:rPr lang="en-US" sz="3200" kern="1200" dirty="0"/>
+            <a:t>Compressed Path Databases</a:t>
+          </a:r>
+        </a:p>
+      </dsp:txBody>
+      <dsp:txXfrm>
+        <a:off x="545502" y="2389573"/>
+        <a:ext cx="4000587" cy="1032358"/>
+      </dsp:txXfrm>
+    </dsp:sp>
+    <dsp:sp modelId="{DC13A976-082C-4EC7-AF90-2BCD3C9ED867}">
+      <dsp:nvSpPr>
+        <dsp:cNvPr id="0" name=""/>
+        <dsp:cNvSpPr/>
+      </dsp:nvSpPr>
+      <dsp:spPr>
+        <a:xfrm>
+          <a:off x="5467388" y="0"/>
+          <a:ext cx="5081029" cy="3636963"/>
+        </a:xfrm>
+        <a:prstGeom prst="roundRect">
+          <a:avLst>
+            <a:gd name="adj" fmla="val 10000"/>
+          </a:avLst>
+        </a:prstGeom>
+        <a:solidFill>
+          <a:schemeClr val="accent1">
+            <a:tint val="40000"/>
+            <a:hueOff val="0"/>
+            <a:satOff val="0"/>
+            <a:lumOff val="0"/>
+            <a:alphaOff val="0"/>
+          </a:schemeClr>
+        </a:solidFill>
+        <a:ln>
+          <a:noFill/>
+        </a:ln>
+        <a:effectLst/>
+      </dsp:spPr>
+      <dsp:style>
+        <a:lnRef idx="0">
+          <a:scrgbClr r="0" g="0" b="0"/>
+        </a:lnRef>
+        <a:fillRef idx="1">
+          <a:scrgbClr r="0" g="0" b="0"/>
+        </a:fillRef>
+        <a:effectRef idx="0">
+          <a:scrgbClr r="0" g="0" b="0"/>
+        </a:effectRef>
+        <a:fontRef idx="minor"/>
+      </dsp:style>
+      <dsp:txBody>
+        <a:bodyPr spcFirstLastPara="0" vert="horz" wrap="square" lIns="137160" tIns="137160" rIns="137160" bIns="137160" numCol="1" spcCol="1270" anchor="ctr" anchorCtr="0">
+          <a:noAutofit/>
+        </a:bodyPr>
+        <a:lstStyle/>
+        <a:p>
+          <a:pPr marL="0" lvl="0" indent="0" algn="ctr" defTabSz="1600200">
+            <a:lnSpc>
+              <a:spcPct val="90000"/>
+            </a:lnSpc>
+            <a:spcBef>
+              <a:spcPct val="0"/>
+            </a:spcBef>
+            <a:spcAft>
+              <a:spcPct val="35000"/>
+            </a:spcAft>
+            <a:buNone/>
+          </a:pPr>
+          <a:r>
+            <a:rPr lang="en-US" sz="3600" kern="1200" dirty="0"/>
+            <a:t>Linear Programming</a:t>
+          </a:r>
+        </a:p>
+      </dsp:txBody>
+      <dsp:txXfrm>
+        <a:off x="5467388" y="0"/>
+        <a:ext cx="5081029" cy="1091088"/>
+      </dsp:txXfrm>
+    </dsp:sp>
+    <dsp:sp modelId="{289D60A9-FEAB-47BE-B8CC-EAEC96B93F05}">
+      <dsp:nvSpPr>
+        <dsp:cNvPr id="0" name=""/>
+        <dsp:cNvSpPr/>
+      </dsp:nvSpPr>
+      <dsp:spPr>
+        <a:xfrm>
+          <a:off x="5975491" y="1092154"/>
+          <a:ext cx="4064823" cy="1096594"/>
+        </a:xfrm>
+        <a:prstGeom prst="roundRect">
+          <a:avLst>
+            <a:gd name="adj" fmla="val 10000"/>
+          </a:avLst>
+        </a:prstGeom>
+        <a:solidFill>
+          <a:schemeClr val="accent1">
+            <a:hueOff val="0"/>
+            <a:satOff val="0"/>
+            <a:lumOff val="0"/>
+            <a:alphaOff val="0"/>
+          </a:schemeClr>
+        </a:solidFill>
+        <a:ln w="15875" cap="rnd" cmpd="sng" algn="ctr">
+          <a:solidFill>
+            <a:schemeClr val="lt1">
+              <a:hueOff val="0"/>
+              <a:satOff val="0"/>
+              <a:lumOff val="0"/>
+              <a:alphaOff val="0"/>
+            </a:schemeClr>
+          </a:solidFill>
+          <a:prstDash val="solid"/>
+        </a:ln>
+        <a:effectLst/>
+      </dsp:spPr>
+      <dsp:style>
+        <a:lnRef idx="2">
+          <a:scrgbClr r="0" g="0" b="0"/>
+        </a:lnRef>
+        <a:fillRef idx="1">
+          <a:scrgbClr r="0" g="0" b="0"/>
+        </a:fillRef>
+        <a:effectRef idx="0">
+          <a:scrgbClr r="0" g="0" b="0"/>
+        </a:effectRef>
+        <a:fontRef idx="minor">
+          <a:schemeClr val="lt1"/>
+        </a:fontRef>
+      </dsp:style>
+      <dsp:txBody>
+        <a:bodyPr spcFirstLastPara="0" vert="horz" wrap="square" lIns="81280" tIns="60960" rIns="81280" bIns="60960" numCol="1" spcCol="1270" anchor="ctr" anchorCtr="0">
+          <a:noAutofit/>
+        </a:bodyPr>
+        <a:lstStyle/>
+        <a:p>
+          <a:pPr marL="0" lvl="0" indent="0" algn="ctr" defTabSz="1422400">
+            <a:lnSpc>
+              <a:spcPct val="90000"/>
+            </a:lnSpc>
+            <a:spcBef>
+              <a:spcPct val="0"/>
+            </a:spcBef>
+            <a:spcAft>
+              <a:spcPct val="35000"/>
+            </a:spcAft>
+            <a:buNone/>
+          </a:pPr>
+          <a:r>
+            <a:rPr lang="en-US" sz="3200" kern="1200" dirty="0"/>
+            <a:t>Branch and price</a:t>
+          </a:r>
+        </a:p>
+      </dsp:txBody>
+      <dsp:txXfrm>
+        <a:off x="6007609" y="1124272"/>
+        <a:ext cx="4000587" cy="1032358"/>
+      </dsp:txXfrm>
+    </dsp:sp>
+    <dsp:sp modelId="{39998FF3-5187-4880-A56F-20CA3016E3DE}">
+      <dsp:nvSpPr>
+        <dsp:cNvPr id="0" name=""/>
+        <dsp:cNvSpPr/>
+      </dsp:nvSpPr>
+      <dsp:spPr>
+        <a:xfrm>
+          <a:off x="5975491" y="2357455"/>
+          <a:ext cx="4064823" cy="1096594"/>
+        </a:xfrm>
+        <a:prstGeom prst="roundRect">
+          <a:avLst>
+            <a:gd name="adj" fmla="val 10000"/>
+          </a:avLst>
+        </a:prstGeom>
+        <a:solidFill>
+          <a:schemeClr val="accent1">
+            <a:hueOff val="0"/>
+            <a:satOff val="0"/>
+            <a:lumOff val="0"/>
+            <a:alphaOff val="0"/>
+          </a:schemeClr>
+        </a:solidFill>
+        <a:ln w="15875" cap="rnd" cmpd="sng" algn="ctr">
+          <a:solidFill>
+            <a:schemeClr val="lt1">
+              <a:hueOff val="0"/>
+              <a:satOff val="0"/>
+              <a:lumOff val="0"/>
+              <a:alphaOff val="0"/>
+            </a:schemeClr>
+          </a:solidFill>
+          <a:prstDash val="solid"/>
+        </a:ln>
+        <a:effectLst/>
+      </dsp:spPr>
+      <dsp:style>
+        <a:lnRef idx="2">
+          <a:scrgbClr r="0" g="0" b="0"/>
+        </a:lnRef>
+        <a:fillRef idx="1">
+          <a:scrgbClr r="0" g="0" b="0"/>
+        </a:fillRef>
+        <a:effectRef idx="0">
+          <a:scrgbClr r="0" g="0" b="0"/>
+        </a:effectRef>
+        <a:fontRef idx="minor">
+          <a:schemeClr val="lt1"/>
+        </a:fontRef>
+      </dsp:style>
+      <dsp:txBody>
+        <a:bodyPr spcFirstLastPara="0" vert="horz" wrap="square" lIns="81280" tIns="60960" rIns="81280" bIns="60960" numCol="1" spcCol="1270" anchor="ctr" anchorCtr="0">
+          <a:noAutofit/>
+        </a:bodyPr>
+        <a:lstStyle/>
+        <a:p>
+          <a:pPr marL="0" lvl="0" indent="0" algn="ctr" defTabSz="1422400">
+            <a:lnSpc>
+              <a:spcPct val="90000"/>
+            </a:lnSpc>
+            <a:spcBef>
+              <a:spcPct val="0"/>
+            </a:spcBef>
+            <a:spcAft>
+              <a:spcPct val="35000"/>
+            </a:spcAft>
+            <a:buNone/>
+          </a:pPr>
+          <a:endParaRPr lang="en-US" sz="3200" kern="1200" dirty="0"/>
+        </a:p>
+      </dsp:txBody>
+      <dsp:txXfrm>
+        <a:off x="6007609" y="2389573"/>
+        <a:ext cx="4000587" cy="1032358"/>
+      </dsp:txXfrm>
+    </dsp:sp>
+  </dsp:spTree>
+</dsp:drawing>
+</file>
+
+<file path=ppt/diagrams/drawing2.xml><?xml version="1.0" encoding="utf-8"?>
 <dsp:drawing xmlns:dgm="http://schemas.openxmlformats.org/drawingml/2006/diagram" xmlns:dsp="http://schemas.microsoft.com/office/drawing/2008/diagram" xmlns:a="http://schemas.openxmlformats.org/drawingml/2006/main">
   <dsp:spTree>
     <dsp:nvGrpSpPr>
@@ -3204,7 +4783,7 @@
 </dsp:drawing>
 </file>
 
-<file path=ppt/diagrams/drawing2.xml><?xml version="1.0" encoding="utf-8"?>
+<file path=ppt/diagrams/drawing3.xml><?xml version="1.0" encoding="utf-8"?>
 <dsp:drawing xmlns:dgm="http://schemas.openxmlformats.org/drawingml/2006/diagram" xmlns:dsp="http://schemas.microsoft.com/office/drawing/2008/diagram" xmlns:a="http://schemas.openxmlformats.org/drawingml/2006/main">
   <dsp:spTree>
     <dsp:nvGrpSpPr>
@@ -3923,6 +5502,233 @@
 </file>
 
 <file path=ppt/diagrams/layout1.xml><?xml version="1.0" encoding="utf-8"?>
+<dgm:layoutDef xmlns:dgm="http://schemas.openxmlformats.org/drawingml/2006/diagram" xmlns:a="http://schemas.openxmlformats.org/drawingml/2006/main" uniqueId="urn:microsoft.com/office/officeart/2005/8/layout/lProcess2">
+  <dgm:title val=""/>
+  <dgm:desc val=""/>
+  <dgm:catLst>
+    <dgm:cat type="list" pri="10000"/>
+    <dgm:cat type="relationship" pri="13000"/>
+  </dgm:catLst>
+  <dgm:sampData>
+    <dgm:dataModel>
+      <dgm:ptLst>
+        <dgm:pt modelId="0" type="doc"/>
+        <dgm:pt modelId="1">
+          <dgm:prSet phldr="1"/>
+        </dgm:pt>
+        <dgm:pt modelId="11">
+          <dgm:prSet phldr="1"/>
+        </dgm:pt>
+        <dgm:pt modelId="12">
+          <dgm:prSet phldr="1"/>
+        </dgm:pt>
+        <dgm:pt modelId="2">
+          <dgm:prSet phldr="1"/>
+        </dgm:pt>
+        <dgm:pt modelId="21">
+          <dgm:prSet phldr="1"/>
+        </dgm:pt>
+        <dgm:pt modelId="22">
+          <dgm:prSet phldr="1"/>
+        </dgm:pt>
+        <dgm:pt modelId="3">
+          <dgm:prSet phldr="1"/>
+        </dgm:pt>
+        <dgm:pt modelId="31">
+          <dgm:prSet phldr="1"/>
+        </dgm:pt>
+        <dgm:pt modelId="32">
+          <dgm:prSet phldr="1"/>
+        </dgm:pt>
+      </dgm:ptLst>
+      <dgm:cxnLst>
+        <dgm:cxn modelId="4" srcId="0" destId="1" srcOrd="0" destOrd="0"/>
+        <dgm:cxn modelId="5" srcId="0" destId="2" srcOrd="1" destOrd="0"/>
+        <dgm:cxn modelId="13" srcId="1" destId="11" srcOrd="0" destOrd="0"/>
+        <dgm:cxn modelId="14" srcId="1" destId="12" srcOrd="0" destOrd="0"/>
+        <dgm:cxn modelId="23" srcId="2" destId="21" srcOrd="0" destOrd="0"/>
+        <dgm:cxn modelId="24" srcId="2" destId="22" srcOrd="0" destOrd="0"/>
+        <dgm:cxn modelId="33" srcId="3" destId="31" srcOrd="0" destOrd="0"/>
+        <dgm:cxn modelId="34" srcId="3" destId="32" srcOrd="0" destOrd="0"/>
+      </dgm:cxnLst>
+      <dgm:bg/>
+      <dgm:whole/>
+    </dgm:dataModel>
+  </dgm:sampData>
+  <dgm:styleData useDef="1">
+    <dgm:dataModel>
+      <dgm:ptLst/>
+      <dgm:bg/>
+      <dgm:whole/>
+    </dgm:dataModel>
+  </dgm:styleData>
+  <dgm:clrData useDef="1">
+    <dgm:dataModel>
+      <dgm:ptLst/>
+      <dgm:bg/>
+      <dgm:whole/>
+    </dgm:dataModel>
+  </dgm:clrData>
+  <dgm:layoutNode name="theList">
+    <dgm:varLst>
+      <dgm:dir/>
+      <dgm:animLvl val="lvl"/>
+      <dgm:resizeHandles val="exact"/>
+    </dgm:varLst>
+    <dgm:choose name="Name0">
+      <dgm:if name="Name1" func="var" arg="dir" op="equ" val="norm">
+        <dgm:alg type="lin"/>
+      </dgm:if>
+      <dgm:else name="Name2">
+        <dgm:alg type="lin">
+          <dgm:param type="linDir" val="fromR"/>
+        </dgm:alg>
+      </dgm:else>
+    </dgm:choose>
+    <dgm:shape xmlns:r="http://schemas.openxmlformats.org/officeDocument/2006/relationships" r:blip="">
+      <dgm:adjLst/>
+    </dgm:shape>
+    <dgm:presOf/>
+    <dgm:constrLst>
+      <dgm:constr type="w" for="ch" forName="compNode" refType="w"/>
+      <dgm:constr type="h" for="ch" forName="compNode" refType="h"/>
+      <dgm:constr type="w" for="ch" forName="aSpace" refType="w" fact="0.075"/>
+      <dgm:constr type="h" for="des" forName="aSpace2" refType="h" fact="0.1"/>
+      <dgm:constr type="primFontSz" for="des" forName="textNode" op="equ"/>
+      <dgm:constr type="primFontSz" for="des" forName="childNode" op="equ"/>
+    </dgm:constrLst>
+    <dgm:ruleLst/>
+    <dgm:forEach name="aNodeForEach" axis="ch" ptType="node">
+      <dgm:layoutNode name="compNode">
+        <dgm:alg type="composite"/>
+        <dgm:shape xmlns:r="http://schemas.openxmlformats.org/officeDocument/2006/relationships" r:blip="">
+          <dgm:adjLst/>
+        </dgm:shape>
+        <dgm:presOf/>
+        <dgm:constrLst>
+          <dgm:constr type="w" for="ch" forName="aNode" refType="w"/>
+          <dgm:constr type="h" for="ch" forName="aNode" refType="h"/>
+          <dgm:constr type="w" for="ch" forName="textNode" refType="w"/>
+          <dgm:constr type="h" for="ch" forName="textNode" refType="h" fact="0.3"/>
+          <dgm:constr type="ctrX" for="ch" forName="textNode" refType="w" fact="0.5"/>
+          <dgm:constr type="w" for="ch" forName="compChildNode" refType="w" fact="0.8"/>
+          <dgm:constr type="h" for="ch" forName="compChildNode" refType="h" fact="0.65"/>
+          <dgm:constr type="t" for="ch" forName="compChildNode" refType="h" fact="0.3"/>
+          <dgm:constr type="ctrX" for="ch" forName="compChildNode" refType="w" fact="0.5"/>
+        </dgm:constrLst>
+        <dgm:ruleLst/>
+        <dgm:layoutNode name="aNode" styleLbl="bgShp">
+          <dgm:alg type="sp"/>
+          <dgm:shape xmlns:r="http://schemas.openxmlformats.org/officeDocument/2006/relationships" type="roundRect" r:blip="">
+            <dgm:adjLst>
+              <dgm:adj idx="1" val="0.1"/>
+            </dgm:adjLst>
+          </dgm:shape>
+          <dgm:presOf axis="self"/>
+          <dgm:constrLst/>
+          <dgm:ruleLst/>
+        </dgm:layoutNode>
+        <dgm:layoutNode name="textNode" styleLbl="bgShp">
+          <dgm:alg type="tx"/>
+          <dgm:shape xmlns:r="http://schemas.openxmlformats.org/officeDocument/2006/relationships" type="rect" r:blip="" hideGeom="1">
+            <dgm:adjLst>
+              <dgm:adj idx="1" val="0.1"/>
+            </dgm:adjLst>
+          </dgm:shape>
+          <dgm:presOf axis="self"/>
+          <dgm:constrLst>
+            <dgm:constr type="primFontSz" val="65"/>
+            <dgm:constr type="lMarg" refType="primFontSz" fact="0.3"/>
+            <dgm:constr type="rMarg" refType="primFontSz" fact="0.3"/>
+            <dgm:constr type="tMarg" refType="primFontSz" fact="0.3"/>
+            <dgm:constr type="bMarg" refType="primFontSz" fact="0.3"/>
+          </dgm:constrLst>
+          <dgm:ruleLst>
+            <dgm:rule type="primFontSz" val="5" fact="NaN" max="NaN"/>
+          </dgm:ruleLst>
+        </dgm:layoutNode>
+        <dgm:layoutNode name="compChildNode">
+          <dgm:alg type="composite"/>
+          <dgm:shape xmlns:r="http://schemas.openxmlformats.org/officeDocument/2006/relationships" r:blip="">
+            <dgm:adjLst/>
+          </dgm:shape>
+          <dgm:presOf/>
+          <dgm:constrLst>
+            <dgm:constr type="w" for="des" forName="childNode" refType="w"/>
+            <dgm:constr type="h" for="des" forName="childNode" refType="h"/>
+          </dgm:constrLst>
+          <dgm:ruleLst/>
+          <dgm:layoutNode name="theInnerList">
+            <dgm:alg type="lin">
+              <dgm:param type="linDir" val="fromT"/>
+            </dgm:alg>
+            <dgm:shape xmlns:r="http://schemas.openxmlformats.org/officeDocument/2006/relationships" r:blip="">
+              <dgm:adjLst/>
+            </dgm:shape>
+            <dgm:presOf/>
+            <dgm:constrLst/>
+            <dgm:ruleLst/>
+            <dgm:forEach name="childNodeForEach" axis="ch" ptType="node">
+              <dgm:layoutNode name="childNode" styleLbl="node1">
+                <dgm:varLst>
+                  <dgm:bulletEnabled val="1"/>
+                </dgm:varLst>
+                <dgm:alg type="tx"/>
+                <dgm:shape xmlns:r="http://schemas.openxmlformats.org/officeDocument/2006/relationships" type="roundRect" r:blip="">
+                  <dgm:adjLst>
+                    <dgm:adj idx="1" val="0.1"/>
+                  </dgm:adjLst>
+                </dgm:shape>
+                <dgm:presOf axis="desOrSelf" ptType="node"/>
+                <dgm:constrLst>
+                  <dgm:constr type="primFontSz" val="65"/>
+                  <dgm:constr type="tMarg" refType="primFontSz" fact="0.15"/>
+                  <dgm:constr type="bMarg" refType="primFontSz" fact="0.15"/>
+                  <dgm:constr type="lMarg" refType="primFontSz" fact="0.2"/>
+                  <dgm:constr type="rMarg" refType="primFontSz" fact="0.2"/>
+                </dgm:constrLst>
+                <dgm:ruleLst>
+                  <dgm:rule type="primFontSz" val="5" fact="NaN" max="NaN"/>
+                </dgm:ruleLst>
+              </dgm:layoutNode>
+              <dgm:choose name="Name3">
+                <dgm:if name="Name4" axis="self" ptType="node" func="revPos" op="equ" val="1"/>
+                <dgm:else name="Name5">
+                  <dgm:layoutNode name="aSpace2">
+                    <dgm:alg type="sp"/>
+                    <dgm:shape xmlns:r="http://schemas.openxmlformats.org/officeDocument/2006/relationships" r:blip="">
+                      <dgm:adjLst/>
+                    </dgm:shape>
+                    <dgm:presOf/>
+                    <dgm:constrLst/>
+                    <dgm:ruleLst/>
+                  </dgm:layoutNode>
+                </dgm:else>
+              </dgm:choose>
+            </dgm:forEach>
+          </dgm:layoutNode>
+        </dgm:layoutNode>
+      </dgm:layoutNode>
+      <dgm:choose name="Name6">
+        <dgm:if name="Name7" axis="self" ptType="node" func="revPos" op="equ" val="1"/>
+        <dgm:else name="Name8">
+          <dgm:layoutNode name="aSpace">
+            <dgm:alg type="sp"/>
+            <dgm:shape xmlns:r="http://schemas.openxmlformats.org/officeDocument/2006/relationships" r:blip="">
+              <dgm:adjLst/>
+            </dgm:shape>
+            <dgm:presOf/>
+            <dgm:constrLst/>
+            <dgm:ruleLst/>
+          </dgm:layoutNode>
+        </dgm:else>
+      </dgm:choose>
+    </dgm:forEach>
+  </dgm:layoutNode>
+</dgm:layoutDef>
+</file>
+
+<file path=ppt/diagrams/layout2.xml><?xml version="1.0" encoding="utf-8"?>
 <dgm:layoutDef xmlns:dgm="http://schemas.openxmlformats.org/drawingml/2006/diagram" xmlns:a="http://schemas.openxmlformats.org/drawingml/2006/main" uniqueId="urn:microsoft.com/office/officeart/2005/8/layout/lProcess3">
   <dgm:title val=""/>
   <dgm:desc val=""/>
@@ -4203,7 +6009,7 @@
 </dgm:layoutDef>
 </file>
 
-<file path=ppt/diagrams/layout2.xml><?xml version="1.0" encoding="utf-8"?>
+<file path=ppt/diagrams/layout3.xml><?xml version="1.0" encoding="utf-8"?>
 <dgm:layoutDef xmlns:dgm="http://schemas.openxmlformats.org/drawingml/2006/diagram" xmlns:a="http://schemas.openxmlformats.org/drawingml/2006/main" uniqueId="urn:microsoft.com/office/officeart/2005/8/layout/lProcess3">
   <dgm:title val=""/>
   <dgm:desc val=""/>
@@ -6552,6 +8358,1040 @@
 </dgm:styleDef>
 </file>
 
+<file path=ppt/diagrams/quickStyle3.xml><?xml version="1.0" encoding="utf-8"?>
+<dgm:styleDef xmlns:dgm="http://schemas.openxmlformats.org/drawingml/2006/diagram" xmlns:a="http://schemas.openxmlformats.org/drawingml/2006/main" uniqueId="urn:microsoft.com/office/officeart/2005/8/quickstyle/simple1">
+  <dgm:title val=""/>
+  <dgm:desc val=""/>
+  <dgm:catLst>
+    <dgm:cat type="simple" pri="10100"/>
+  </dgm:catLst>
+  <dgm:scene3d>
+    <a:camera prst="orthographicFront"/>
+    <a:lightRig rig="threePt" dir="t"/>
+  </dgm:scene3d>
+  <dgm:styleLbl name="node0">
+    <dgm:scene3d>
+      <a:camera prst="orthographicFront"/>
+      <a:lightRig rig="threePt" dir="t"/>
+    </dgm:scene3d>
+    <dgm:sp3d/>
+    <dgm:txPr/>
+    <dgm:style>
+      <a:lnRef idx="2">
+        <a:scrgbClr r="0" g="0" b="0"/>
+      </a:lnRef>
+      <a:fillRef idx="1">
+        <a:scrgbClr r="0" g="0" b="0"/>
+      </a:fillRef>
+      <a:effectRef idx="0">
+        <a:scrgbClr r="0" g="0" b="0"/>
+      </a:effectRef>
+      <a:fontRef idx="minor">
+        <a:schemeClr val="lt1"/>
+      </a:fontRef>
+    </dgm:style>
+  </dgm:styleLbl>
+  <dgm:styleLbl name="lnNode1">
+    <dgm:scene3d>
+      <a:camera prst="orthographicFront"/>
+      <a:lightRig rig="threePt" dir="t"/>
+    </dgm:scene3d>
+    <dgm:sp3d/>
+    <dgm:txPr/>
+    <dgm:style>
+      <a:lnRef idx="2">
+        <a:scrgbClr r="0" g="0" b="0"/>
+      </a:lnRef>
+      <a:fillRef idx="1">
+        <a:scrgbClr r="0" g="0" b="0"/>
+      </a:fillRef>
+      <a:effectRef idx="0">
+        <a:scrgbClr r="0" g="0" b="0"/>
+      </a:effectRef>
+      <a:fontRef idx="minor">
+        <a:schemeClr val="lt1"/>
+      </a:fontRef>
+    </dgm:style>
+  </dgm:styleLbl>
+  <dgm:styleLbl name="vennNode1">
+    <dgm:scene3d>
+      <a:camera prst="orthographicFront"/>
+      <a:lightRig rig="threePt" dir="t"/>
+    </dgm:scene3d>
+    <dgm:sp3d/>
+    <dgm:txPr/>
+    <dgm:style>
+      <a:lnRef idx="2">
+        <a:scrgbClr r="0" g="0" b="0"/>
+      </a:lnRef>
+      <a:fillRef idx="1">
+        <a:scrgbClr r="0" g="0" b="0"/>
+      </a:fillRef>
+      <a:effectRef idx="0">
+        <a:scrgbClr r="0" g="0" b="0"/>
+      </a:effectRef>
+      <a:fontRef idx="minor">
+        <a:schemeClr val="tx1"/>
+      </a:fontRef>
+    </dgm:style>
+  </dgm:styleLbl>
+  <dgm:styleLbl name="alignNode1">
+    <dgm:scene3d>
+      <a:camera prst="orthographicFront"/>
+      <a:lightRig rig="threePt" dir="t"/>
+    </dgm:scene3d>
+    <dgm:sp3d/>
+    <dgm:txPr/>
+    <dgm:style>
+      <a:lnRef idx="2">
+        <a:scrgbClr r="0" g="0" b="0"/>
+      </a:lnRef>
+      <a:fillRef idx="1">
+        <a:scrgbClr r="0" g="0" b="0"/>
+      </a:fillRef>
+      <a:effectRef idx="0">
+        <a:scrgbClr r="0" g="0" b="0"/>
+      </a:effectRef>
+      <a:fontRef idx="minor">
+        <a:schemeClr val="lt1"/>
+      </a:fontRef>
+    </dgm:style>
+  </dgm:styleLbl>
+  <dgm:styleLbl name="node1">
+    <dgm:scene3d>
+      <a:camera prst="orthographicFront"/>
+      <a:lightRig rig="threePt" dir="t"/>
+    </dgm:scene3d>
+    <dgm:sp3d/>
+    <dgm:txPr/>
+    <dgm:style>
+      <a:lnRef idx="2">
+        <a:scrgbClr r="0" g="0" b="0"/>
+      </a:lnRef>
+      <a:fillRef idx="1">
+        <a:scrgbClr r="0" g="0" b="0"/>
+      </a:fillRef>
+      <a:effectRef idx="0">
+        <a:scrgbClr r="0" g="0" b="0"/>
+      </a:effectRef>
+      <a:fontRef idx="minor">
+        <a:schemeClr val="lt1"/>
+      </a:fontRef>
+    </dgm:style>
+  </dgm:styleLbl>
+  <dgm:styleLbl name="node2">
+    <dgm:scene3d>
+      <a:camera prst="orthographicFront"/>
+      <a:lightRig rig="threePt" dir="t"/>
+    </dgm:scene3d>
+    <dgm:sp3d/>
+    <dgm:txPr/>
+    <dgm:style>
+      <a:lnRef idx="2">
+        <a:scrgbClr r="0" g="0" b="0"/>
+      </a:lnRef>
+      <a:fillRef idx="1">
+        <a:scrgbClr r="0" g="0" b="0"/>
+      </a:fillRef>
+      <a:effectRef idx="0">
+        <a:scrgbClr r="0" g="0" b="0"/>
+      </a:effectRef>
+      <a:fontRef idx="minor">
+        <a:schemeClr val="lt1"/>
+      </a:fontRef>
+    </dgm:style>
+  </dgm:styleLbl>
+  <dgm:styleLbl name="node3">
+    <dgm:scene3d>
+      <a:camera prst="orthographicFront"/>
+      <a:lightRig rig="threePt" dir="t"/>
+    </dgm:scene3d>
+    <dgm:sp3d/>
+    <dgm:txPr/>
+    <dgm:style>
+      <a:lnRef idx="2">
+        <a:scrgbClr r="0" g="0" b="0"/>
+      </a:lnRef>
+      <a:fillRef idx="1">
+        <a:scrgbClr r="0" g="0" b="0"/>
+      </a:fillRef>
+      <a:effectRef idx="0">
+        <a:scrgbClr r="0" g="0" b="0"/>
+      </a:effectRef>
+      <a:fontRef idx="minor">
+        <a:schemeClr val="lt1"/>
+      </a:fontRef>
+    </dgm:style>
+  </dgm:styleLbl>
+  <dgm:styleLbl name="node4">
+    <dgm:scene3d>
+      <a:camera prst="orthographicFront"/>
+      <a:lightRig rig="threePt" dir="t"/>
+    </dgm:scene3d>
+    <dgm:sp3d/>
+    <dgm:txPr/>
+    <dgm:style>
+      <a:lnRef idx="2">
+        <a:scrgbClr r="0" g="0" b="0"/>
+      </a:lnRef>
+      <a:fillRef idx="1">
+        <a:scrgbClr r="0" g="0" b="0"/>
+      </a:fillRef>
+      <a:effectRef idx="0">
+        <a:scrgbClr r="0" g="0" b="0"/>
+      </a:effectRef>
+      <a:fontRef idx="minor">
+        <a:schemeClr val="lt1"/>
+      </a:fontRef>
+    </dgm:style>
+  </dgm:styleLbl>
+  <dgm:styleLbl name="fgImgPlace1">
+    <dgm:scene3d>
+      <a:camera prst="orthographicFront"/>
+      <a:lightRig rig="threePt" dir="t"/>
+    </dgm:scene3d>
+    <dgm:sp3d/>
+    <dgm:txPr/>
+    <dgm:style>
+      <a:lnRef idx="2">
+        <a:scrgbClr r="0" g="0" b="0"/>
+      </a:lnRef>
+      <a:fillRef idx="1">
+        <a:scrgbClr r="0" g="0" b="0"/>
+      </a:fillRef>
+      <a:effectRef idx="0">
+        <a:scrgbClr r="0" g="0" b="0"/>
+      </a:effectRef>
+      <a:fontRef idx="minor"/>
+    </dgm:style>
+  </dgm:styleLbl>
+  <dgm:styleLbl name="alignImgPlace1">
+    <dgm:scene3d>
+      <a:camera prst="orthographicFront"/>
+      <a:lightRig rig="threePt" dir="t"/>
+    </dgm:scene3d>
+    <dgm:sp3d/>
+    <dgm:txPr/>
+    <dgm:style>
+      <a:lnRef idx="2">
+        <a:scrgbClr r="0" g="0" b="0"/>
+      </a:lnRef>
+      <a:fillRef idx="1">
+        <a:scrgbClr r="0" g="0" b="0"/>
+      </a:fillRef>
+      <a:effectRef idx="0">
+        <a:scrgbClr r="0" g="0" b="0"/>
+      </a:effectRef>
+      <a:fontRef idx="minor"/>
+    </dgm:style>
+  </dgm:styleLbl>
+  <dgm:styleLbl name="bgImgPlace1">
+    <dgm:scene3d>
+      <a:camera prst="orthographicFront"/>
+      <a:lightRig rig="threePt" dir="t"/>
+    </dgm:scene3d>
+    <dgm:sp3d/>
+    <dgm:txPr/>
+    <dgm:style>
+      <a:lnRef idx="2">
+        <a:scrgbClr r="0" g="0" b="0"/>
+      </a:lnRef>
+      <a:fillRef idx="1">
+        <a:scrgbClr r="0" g="0" b="0"/>
+      </a:fillRef>
+      <a:effectRef idx="0">
+        <a:scrgbClr r="0" g="0" b="0"/>
+      </a:effectRef>
+      <a:fontRef idx="minor"/>
+    </dgm:style>
+  </dgm:styleLbl>
+  <dgm:styleLbl name="sibTrans2D1">
+    <dgm:scene3d>
+      <a:camera prst="orthographicFront"/>
+      <a:lightRig rig="threePt" dir="t"/>
+    </dgm:scene3d>
+    <dgm:sp3d/>
+    <dgm:txPr/>
+    <dgm:style>
+      <a:lnRef idx="0">
+        <a:scrgbClr r="0" g="0" b="0"/>
+      </a:lnRef>
+      <a:fillRef idx="1">
+        <a:scrgbClr r="0" g="0" b="0"/>
+      </a:fillRef>
+      <a:effectRef idx="0">
+        <a:scrgbClr r="0" g="0" b="0"/>
+      </a:effectRef>
+      <a:fontRef idx="minor">
+        <a:schemeClr val="lt1"/>
+      </a:fontRef>
+    </dgm:style>
+  </dgm:styleLbl>
+  <dgm:styleLbl name="fgSibTrans2D1">
+    <dgm:scene3d>
+      <a:camera prst="orthographicFront"/>
+      <a:lightRig rig="threePt" dir="t"/>
+    </dgm:scene3d>
+    <dgm:sp3d/>
+    <dgm:txPr/>
+    <dgm:style>
+      <a:lnRef idx="0">
+        <a:scrgbClr r="0" g="0" b="0"/>
+      </a:lnRef>
+      <a:fillRef idx="1">
+        <a:scrgbClr r="0" g="0" b="0"/>
+      </a:fillRef>
+      <a:effectRef idx="0">
+        <a:scrgbClr r="0" g="0" b="0"/>
+      </a:effectRef>
+      <a:fontRef idx="minor">
+        <a:schemeClr val="lt1"/>
+      </a:fontRef>
+    </dgm:style>
+  </dgm:styleLbl>
+  <dgm:styleLbl name="bgSibTrans2D1">
+    <dgm:scene3d>
+      <a:camera prst="orthographicFront"/>
+      <a:lightRig rig="threePt" dir="t"/>
+    </dgm:scene3d>
+    <dgm:sp3d/>
+    <dgm:txPr/>
+    <dgm:style>
+      <a:lnRef idx="0">
+        <a:scrgbClr r="0" g="0" b="0"/>
+      </a:lnRef>
+      <a:fillRef idx="1">
+        <a:scrgbClr r="0" g="0" b="0"/>
+      </a:fillRef>
+      <a:effectRef idx="0">
+        <a:scrgbClr r="0" g="0" b="0"/>
+      </a:effectRef>
+      <a:fontRef idx="minor">
+        <a:schemeClr val="lt1"/>
+      </a:fontRef>
+    </dgm:style>
+  </dgm:styleLbl>
+  <dgm:styleLbl name="sibTrans1D1">
+    <dgm:scene3d>
+      <a:camera prst="orthographicFront"/>
+      <a:lightRig rig="threePt" dir="t"/>
+    </dgm:scene3d>
+    <dgm:sp3d/>
+    <dgm:txPr/>
+    <dgm:style>
+      <a:lnRef idx="1">
+        <a:scrgbClr r="0" g="0" b="0"/>
+      </a:lnRef>
+      <a:fillRef idx="0">
+        <a:scrgbClr r="0" g="0" b="0"/>
+      </a:fillRef>
+      <a:effectRef idx="0">
+        <a:scrgbClr r="0" g="0" b="0"/>
+      </a:effectRef>
+      <a:fontRef idx="minor"/>
+    </dgm:style>
+  </dgm:styleLbl>
+  <dgm:styleLbl name="callout">
+    <dgm:scene3d>
+      <a:camera prst="orthographicFront"/>
+      <a:lightRig rig="threePt" dir="t"/>
+    </dgm:scene3d>
+    <dgm:sp3d/>
+    <dgm:txPr/>
+    <dgm:style>
+      <a:lnRef idx="2">
+        <a:scrgbClr r="0" g="0" b="0"/>
+      </a:lnRef>
+      <a:fillRef idx="1">
+        <a:scrgbClr r="0" g="0" b="0"/>
+      </a:fillRef>
+      <a:effectRef idx="0">
+        <a:scrgbClr r="0" g="0" b="0"/>
+      </a:effectRef>
+      <a:fontRef idx="minor"/>
+    </dgm:style>
+  </dgm:styleLbl>
+  <dgm:styleLbl name="asst0">
+    <dgm:scene3d>
+      <a:camera prst="orthographicFront"/>
+      <a:lightRig rig="threePt" dir="t"/>
+    </dgm:scene3d>
+    <dgm:sp3d/>
+    <dgm:txPr/>
+    <dgm:style>
+      <a:lnRef idx="2">
+        <a:scrgbClr r="0" g="0" b="0"/>
+      </a:lnRef>
+      <a:fillRef idx="1">
+        <a:scrgbClr r="0" g="0" b="0"/>
+      </a:fillRef>
+      <a:effectRef idx="0">
+        <a:scrgbClr r="0" g="0" b="0"/>
+      </a:effectRef>
+      <a:fontRef idx="minor">
+        <a:schemeClr val="lt1"/>
+      </a:fontRef>
+    </dgm:style>
+  </dgm:styleLbl>
+  <dgm:styleLbl name="asst1">
+    <dgm:scene3d>
+      <a:camera prst="orthographicFront"/>
+      <a:lightRig rig="threePt" dir="t"/>
+    </dgm:scene3d>
+    <dgm:sp3d/>
+    <dgm:txPr/>
+    <dgm:style>
+      <a:lnRef idx="2">
+        <a:scrgbClr r="0" g="0" b="0"/>
+      </a:lnRef>
+      <a:fillRef idx="1">
+        <a:scrgbClr r="0" g="0" b="0"/>
+      </a:fillRef>
+      <a:effectRef idx="0">
+        <a:scrgbClr r="0" g="0" b="0"/>
+      </a:effectRef>
+      <a:fontRef idx="minor">
+        <a:schemeClr val="lt1"/>
+      </a:fontRef>
+    </dgm:style>
+  </dgm:styleLbl>
+  <dgm:styleLbl name="asst2">
+    <dgm:scene3d>
+      <a:camera prst="orthographicFront"/>
+      <a:lightRig rig="threePt" dir="t"/>
+    </dgm:scene3d>
+    <dgm:sp3d/>
+    <dgm:txPr/>
+    <dgm:style>
+      <a:lnRef idx="2">
+        <a:scrgbClr r="0" g="0" b="0"/>
+      </a:lnRef>
+      <a:fillRef idx="1">
+        <a:scrgbClr r="0" g="0" b="0"/>
+      </a:fillRef>
+      <a:effectRef idx="0">
+        <a:scrgbClr r="0" g="0" b="0"/>
+      </a:effectRef>
+      <a:fontRef idx="minor">
+        <a:schemeClr val="lt1"/>
+      </a:fontRef>
+    </dgm:style>
+  </dgm:styleLbl>
+  <dgm:styleLbl name="asst3">
+    <dgm:scene3d>
+      <a:camera prst="orthographicFront"/>
+      <a:lightRig rig="threePt" dir="t"/>
+    </dgm:scene3d>
+    <dgm:sp3d/>
+    <dgm:txPr/>
+    <dgm:style>
+      <a:lnRef idx="2">
+        <a:scrgbClr r="0" g="0" b="0"/>
+      </a:lnRef>
+      <a:fillRef idx="1">
+        <a:scrgbClr r="0" g="0" b="0"/>
+      </a:fillRef>
+      <a:effectRef idx="0">
+        <a:scrgbClr r="0" g="0" b="0"/>
+      </a:effectRef>
+      <a:fontRef idx="minor">
+        <a:schemeClr val="lt1"/>
+      </a:fontRef>
+    </dgm:style>
+  </dgm:styleLbl>
+  <dgm:styleLbl name="asst4">
+    <dgm:scene3d>
+      <a:camera prst="orthographicFront"/>
+      <a:lightRig rig="threePt" dir="t"/>
+    </dgm:scene3d>
+    <dgm:sp3d/>
+    <dgm:txPr/>
+    <dgm:style>
+      <a:lnRef idx="2">
+        <a:scrgbClr r="0" g="0" b="0"/>
+      </a:lnRef>
+      <a:fillRef idx="1">
+        <a:scrgbClr r="0" g="0" b="0"/>
+      </a:fillRef>
+      <a:effectRef idx="0">
+        <a:scrgbClr r="0" g="0" b="0"/>
+      </a:effectRef>
+      <a:fontRef idx="minor">
+        <a:schemeClr val="lt1"/>
+      </a:fontRef>
+    </dgm:style>
+  </dgm:styleLbl>
+  <dgm:styleLbl name="parChTrans2D1">
+    <dgm:scene3d>
+      <a:camera prst="orthographicFront"/>
+      <a:lightRig rig="threePt" dir="t"/>
+    </dgm:scene3d>
+    <dgm:sp3d/>
+    <dgm:txPr/>
+    <dgm:style>
+      <a:lnRef idx="2">
+        <a:scrgbClr r="0" g="0" b="0"/>
+      </a:lnRef>
+      <a:fillRef idx="1">
+        <a:scrgbClr r="0" g="0" b="0"/>
+      </a:fillRef>
+      <a:effectRef idx="0">
+        <a:scrgbClr r="0" g="0" b="0"/>
+      </a:effectRef>
+      <a:fontRef idx="minor">
+        <a:schemeClr val="lt1"/>
+      </a:fontRef>
+    </dgm:style>
+  </dgm:styleLbl>
+  <dgm:styleLbl name="parChTrans2D2">
+    <dgm:scene3d>
+      <a:camera prst="orthographicFront"/>
+      <a:lightRig rig="threePt" dir="t"/>
+    </dgm:scene3d>
+    <dgm:sp3d/>
+    <dgm:txPr/>
+    <dgm:style>
+      <a:lnRef idx="2">
+        <a:scrgbClr r="0" g="0" b="0"/>
+      </a:lnRef>
+      <a:fillRef idx="1">
+        <a:scrgbClr r="0" g="0" b="0"/>
+      </a:fillRef>
+      <a:effectRef idx="0">
+        <a:scrgbClr r="0" g="0" b="0"/>
+      </a:effectRef>
+      <a:fontRef idx="minor">
+        <a:schemeClr val="lt1"/>
+      </a:fontRef>
+    </dgm:style>
+  </dgm:styleLbl>
+  <dgm:styleLbl name="parChTrans2D3">
+    <dgm:scene3d>
+      <a:camera prst="orthographicFront"/>
+      <a:lightRig rig="threePt" dir="t"/>
+    </dgm:scene3d>
+    <dgm:sp3d/>
+    <dgm:txPr/>
+    <dgm:style>
+      <a:lnRef idx="2">
+        <a:scrgbClr r="0" g="0" b="0"/>
+      </a:lnRef>
+      <a:fillRef idx="1">
+        <a:scrgbClr r="0" g="0" b="0"/>
+      </a:fillRef>
+      <a:effectRef idx="0">
+        <a:scrgbClr r="0" g="0" b="0"/>
+      </a:effectRef>
+      <a:fontRef idx="minor">
+        <a:schemeClr val="lt1"/>
+      </a:fontRef>
+    </dgm:style>
+  </dgm:styleLbl>
+  <dgm:styleLbl name="parChTrans2D4">
+    <dgm:scene3d>
+      <a:camera prst="orthographicFront"/>
+      <a:lightRig rig="threePt" dir="t"/>
+    </dgm:scene3d>
+    <dgm:sp3d/>
+    <dgm:txPr/>
+    <dgm:style>
+      <a:lnRef idx="2">
+        <a:scrgbClr r="0" g="0" b="0"/>
+      </a:lnRef>
+      <a:fillRef idx="1">
+        <a:scrgbClr r="0" g="0" b="0"/>
+      </a:fillRef>
+      <a:effectRef idx="0">
+        <a:scrgbClr r="0" g="0" b="0"/>
+      </a:effectRef>
+      <a:fontRef idx="minor">
+        <a:schemeClr val="lt1"/>
+      </a:fontRef>
+    </dgm:style>
+  </dgm:styleLbl>
+  <dgm:styleLbl name="parChTrans1D1">
+    <dgm:scene3d>
+      <a:camera prst="orthographicFront"/>
+      <a:lightRig rig="threePt" dir="t"/>
+    </dgm:scene3d>
+    <dgm:sp3d/>
+    <dgm:txPr/>
+    <dgm:style>
+      <a:lnRef idx="2">
+        <a:scrgbClr r="0" g="0" b="0"/>
+      </a:lnRef>
+      <a:fillRef idx="0">
+        <a:scrgbClr r="0" g="0" b="0"/>
+      </a:fillRef>
+      <a:effectRef idx="0">
+        <a:scrgbClr r="0" g="0" b="0"/>
+      </a:effectRef>
+      <a:fontRef idx="minor"/>
+    </dgm:style>
+  </dgm:styleLbl>
+  <dgm:styleLbl name="parChTrans1D2">
+    <dgm:scene3d>
+      <a:camera prst="orthographicFront"/>
+      <a:lightRig rig="threePt" dir="t"/>
+    </dgm:scene3d>
+    <dgm:sp3d/>
+    <dgm:txPr/>
+    <dgm:style>
+      <a:lnRef idx="2">
+        <a:scrgbClr r="0" g="0" b="0"/>
+      </a:lnRef>
+      <a:fillRef idx="0">
+        <a:scrgbClr r="0" g="0" b="0"/>
+      </a:fillRef>
+      <a:effectRef idx="0">
+        <a:scrgbClr r="0" g="0" b="0"/>
+      </a:effectRef>
+      <a:fontRef idx="minor"/>
+    </dgm:style>
+  </dgm:styleLbl>
+  <dgm:styleLbl name="parChTrans1D3">
+    <dgm:scene3d>
+      <a:camera prst="orthographicFront"/>
+      <a:lightRig rig="threePt" dir="t"/>
+    </dgm:scene3d>
+    <dgm:sp3d/>
+    <dgm:txPr/>
+    <dgm:style>
+      <a:lnRef idx="2">
+        <a:scrgbClr r="0" g="0" b="0"/>
+      </a:lnRef>
+      <a:fillRef idx="0">
+        <a:scrgbClr r="0" g="0" b="0"/>
+      </a:fillRef>
+      <a:effectRef idx="0">
+        <a:scrgbClr r="0" g="0" b="0"/>
+      </a:effectRef>
+      <a:fontRef idx="minor"/>
+    </dgm:style>
+  </dgm:styleLbl>
+  <dgm:styleLbl name="parChTrans1D4">
+    <dgm:scene3d>
+      <a:camera prst="orthographicFront"/>
+      <a:lightRig rig="threePt" dir="t"/>
+    </dgm:scene3d>
+    <dgm:sp3d/>
+    <dgm:txPr/>
+    <dgm:style>
+      <a:lnRef idx="2">
+        <a:scrgbClr r="0" g="0" b="0"/>
+      </a:lnRef>
+      <a:fillRef idx="0">
+        <a:scrgbClr r="0" g="0" b="0"/>
+      </a:fillRef>
+      <a:effectRef idx="0">
+        <a:scrgbClr r="0" g="0" b="0"/>
+      </a:effectRef>
+      <a:fontRef idx="minor"/>
+    </dgm:style>
+  </dgm:styleLbl>
+  <dgm:styleLbl name="fgAcc1">
+    <dgm:scene3d>
+      <a:camera prst="orthographicFront"/>
+      <a:lightRig rig="threePt" dir="t"/>
+    </dgm:scene3d>
+    <dgm:sp3d/>
+    <dgm:txPr/>
+    <dgm:style>
+      <a:lnRef idx="2">
+        <a:scrgbClr r="0" g="0" b="0"/>
+      </a:lnRef>
+      <a:fillRef idx="1">
+        <a:scrgbClr r="0" g="0" b="0"/>
+      </a:fillRef>
+      <a:effectRef idx="0">
+        <a:scrgbClr r="0" g="0" b="0"/>
+      </a:effectRef>
+      <a:fontRef idx="minor"/>
+    </dgm:style>
+  </dgm:styleLbl>
+  <dgm:styleLbl name="conFgAcc1">
+    <dgm:scene3d>
+      <a:camera prst="orthographicFront"/>
+      <a:lightRig rig="threePt" dir="t"/>
+    </dgm:scene3d>
+    <dgm:sp3d/>
+    <dgm:txPr/>
+    <dgm:style>
+      <a:lnRef idx="2">
+        <a:scrgbClr r="0" g="0" b="0"/>
+      </a:lnRef>
+      <a:fillRef idx="1">
+        <a:scrgbClr r="0" g="0" b="0"/>
+      </a:fillRef>
+      <a:effectRef idx="0">
+        <a:scrgbClr r="0" g="0" b="0"/>
+      </a:effectRef>
+      <a:fontRef idx="minor"/>
+    </dgm:style>
+  </dgm:styleLbl>
+  <dgm:styleLbl name="alignAcc1">
+    <dgm:scene3d>
+      <a:camera prst="orthographicFront"/>
+      <a:lightRig rig="threePt" dir="t"/>
+    </dgm:scene3d>
+    <dgm:sp3d/>
+    <dgm:txPr/>
+    <dgm:style>
+      <a:lnRef idx="2">
+        <a:scrgbClr r="0" g="0" b="0"/>
+      </a:lnRef>
+      <a:fillRef idx="1">
+        <a:scrgbClr r="0" g="0" b="0"/>
+      </a:fillRef>
+      <a:effectRef idx="0">
+        <a:scrgbClr r="0" g="0" b="0"/>
+      </a:effectRef>
+      <a:fontRef idx="minor"/>
+    </dgm:style>
+  </dgm:styleLbl>
+  <dgm:styleLbl name="trAlignAcc1">
+    <dgm:scene3d>
+      <a:camera prst="orthographicFront"/>
+      <a:lightRig rig="threePt" dir="t"/>
+    </dgm:scene3d>
+    <dgm:sp3d/>
+    <dgm:txPr/>
+    <dgm:style>
+      <a:lnRef idx="1">
+        <a:scrgbClr r="0" g="0" b="0"/>
+      </a:lnRef>
+      <a:fillRef idx="1">
+        <a:scrgbClr r="0" g="0" b="0"/>
+      </a:fillRef>
+      <a:effectRef idx="0">
+        <a:scrgbClr r="0" g="0" b="0"/>
+      </a:effectRef>
+      <a:fontRef idx="minor"/>
+    </dgm:style>
+  </dgm:styleLbl>
+  <dgm:styleLbl name="bgAcc1">
+    <dgm:scene3d>
+      <a:camera prst="orthographicFront"/>
+      <a:lightRig rig="threePt" dir="t"/>
+    </dgm:scene3d>
+    <dgm:sp3d/>
+    <dgm:txPr/>
+    <dgm:style>
+      <a:lnRef idx="2">
+        <a:scrgbClr r="0" g="0" b="0"/>
+      </a:lnRef>
+      <a:fillRef idx="1">
+        <a:scrgbClr r="0" g="0" b="0"/>
+      </a:fillRef>
+      <a:effectRef idx="0">
+        <a:scrgbClr r="0" g="0" b="0"/>
+      </a:effectRef>
+      <a:fontRef idx="minor"/>
+    </dgm:style>
+  </dgm:styleLbl>
+  <dgm:styleLbl name="solidFgAcc1">
+    <dgm:scene3d>
+      <a:camera prst="orthographicFront"/>
+      <a:lightRig rig="threePt" dir="t"/>
+    </dgm:scene3d>
+    <dgm:sp3d/>
+    <dgm:txPr/>
+    <dgm:style>
+      <a:lnRef idx="2">
+        <a:scrgbClr r="0" g="0" b="0"/>
+      </a:lnRef>
+      <a:fillRef idx="1">
+        <a:scrgbClr r="0" g="0" b="0"/>
+      </a:fillRef>
+      <a:effectRef idx="0">
+        <a:scrgbClr r="0" g="0" b="0"/>
+      </a:effectRef>
+      <a:fontRef idx="minor"/>
+    </dgm:style>
+  </dgm:styleLbl>
+  <dgm:styleLbl name="solidAlignAcc1">
+    <dgm:scene3d>
+      <a:camera prst="orthographicFront"/>
+      <a:lightRig rig="threePt" dir="t"/>
+    </dgm:scene3d>
+    <dgm:sp3d/>
+    <dgm:txPr/>
+    <dgm:style>
+      <a:lnRef idx="2">
+        <a:scrgbClr r="0" g="0" b="0"/>
+      </a:lnRef>
+      <a:fillRef idx="1">
+        <a:scrgbClr r="0" g="0" b="0"/>
+      </a:fillRef>
+      <a:effectRef idx="0">
+        <a:scrgbClr r="0" g="0" b="0"/>
+      </a:effectRef>
+      <a:fontRef idx="minor"/>
+    </dgm:style>
+  </dgm:styleLbl>
+  <dgm:styleLbl name="solidBgAcc1">
+    <dgm:scene3d>
+      <a:camera prst="orthographicFront"/>
+      <a:lightRig rig="threePt" dir="t"/>
+    </dgm:scene3d>
+    <dgm:sp3d/>
+    <dgm:txPr/>
+    <dgm:style>
+      <a:lnRef idx="2">
+        <a:scrgbClr r="0" g="0" b="0"/>
+      </a:lnRef>
+      <a:fillRef idx="1">
+        <a:scrgbClr r="0" g="0" b="0"/>
+      </a:fillRef>
+      <a:effectRef idx="0">
+        <a:scrgbClr r="0" g="0" b="0"/>
+      </a:effectRef>
+      <a:fontRef idx="minor"/>
+    </dgm:style>
+  </dgm:styleLbl>
+  <dgm:styleLbl name="fgAccFollowNode1">
+    <dgm:scene3d>
+      <a:camera prst="orthographicFront"/>
+      <a:lightRig rig="threePt" dir="t"/>
+    </dgm:scene3d>
+    <dgm:sp3d/>
+    <dgm:txPr/>
+    <dgm:style>
+      <a:lnRef idx="2">
+        <a:scrgbClr r="0" g="0" b="0"/>
+      </a:lnRef>
+      <a:fillRef idx="1">
+        <a:scrgbClr r="0" g="0" b="0"/>
+      </a:fillRef>
+      <a:effectRef idx="0">
+        <a:scrgbClr r="0" g="0" b="0"/>
+      </a:effectRef>
+      <a:fontRef idx="minor"/>
+    </dgm:style>
+  </dgm:styleLbl>
+  <dgm:styleLbl name="alignAccFollowNode1">
+    <dgm:scene3d>
+      <a:camera prst="orthographicFront"/>
+      <a:lightRig rig="threePt" dir="t"/>
+    </dgm:scene3d>
+    <dgm:sp3d/>
+    <dgm:txPr/>
+    <dgm:style>
+      <a:lnRef idx="2">
+        <a:scrgbClr r="0" g="0" b="0"/>
+      </a:lnRef>
+      <a:fillRef idx="1">
+        <a:scrgbClr r="0" g="0" b="0"/>
+      </a:fillRef>
+      <a:effectRef idx="0">
+        <a:scrgbClr r="0" g="0" b="0"/>
+      </a:effectRef>
+      <a:fontRef idx="minor"/>
+    </dgm:style>
+  </dgm:styleLbl>
+  <dgm:styleLbl name="bgAccFollowNode1">
+    <dgm:scene3d>
+      <a:camera prst="orthographicFront"/>
+      <a:lightRig rig="threePt" dir="t"/>
+    </dgm:scene3d>
+    <dgm:sp3d/>
+    <dgm:txPr/>
+    <dgm:style>
+      <a:lnRef idx="2">
+        <a:scrgbClr r="0" g="0" b="0"/>
+      </a:lnRef>
+      <a:fillRef idx="1">
+        <a:scrgbClr r="0" g="0" b="0"/>
+      </a:fillRef>
+      <a:effectRef idx="0">
+        <a:scrgbClr r="0" g="0" b="0"/>
+      </a:effectRef>
+      <a:fontRef idx="minor"/>
+    </dgm:style>
+  </dgm:styleLbl>
+  <dgm:styleLbl name="fgAcc0">
+    <dgm:scene3d>
+      <a:camera prst="orthographicFront"/>
+      <a:lightRig rig="threePt" dir="t"/>
+    </dgm:scene3d>
+    <dgm:sp3d/>
+    <dgm:txPr/>
+    <dgm:style>
+      <a:lnRef idx="2">
+        <a:scrgbClr r="0" g="0" b="0"/>
+      </a:lnRef>
+      <a:fillRef idx="1">
+        <a:scrgbClr r="0" g="0" b="0"/>
+      </a:fillRef>
+      <a:effectRef idx="0">
+        <a:scrgbClr r="0" g="0" b="0"/>
+      </a:effectRef>
+      <a:fontRef idx="minor"/>
+    </dgm:style>
+  </dgm:styleLbl>
+  <dgm:styleLbl name="fgAcc2">
+    <dgm:scene3d>
+      <a:camera prst="orthographicFront"/>
+      <a:lightRig rig="threePt" dir="t"/>
+    </dgm:scene3d>
+    <dgm:sp3d/>
+    <dgm:txPr/>
+    <dgm:style>
+      <a:lnRef idx="2">
+        <a:scrgbClr r="0" g="0" b="0"/>
+      </a:lnRef>
+      <a:fillRef idx="1">
+        <a:scrgbClr r="0" g="0" b="0"/>
+      </a:fillRef>
+      <a:effectRef idx="0">
+        <a:scrgbClr r="0" g="0" b="0"/>
+      </a:effectRef>
+      <a:fontRef idx="minor"/>
+    </dgm:style>
+  </dgm:styleLbl>
+  <dgm:styleLbl name="fgAcc3">
+    <dgm:scene3d>
+      <a:camera prst="orthographicFront"/>
+      <a:lightRig rig="threePt" dir="t"/>
+    </dgm:scene3d>
+    <dgm:sp3d/>
+    <dgm:txPr/>
+    <dgm:style>
+      <a:lnRef idx="2">
+        <a:scrgbClr r="0" g="0" b="0"/>
+      </a:lnRef>
+      <a:fillRef idx="1">
+        <a:scrgbClr r="0" g="0" b="0"/>
+      </a:fillRef>
+      <a:effectRef idx="0">
+        <a:scrgbClr r="0" g="0" b="0"/>
+      </a:effectRef>
+      <a:fontRef idx="minor"/>
+    </dgm:style>
+  </dgm:styleLbl>
+  <dgm:styleLbl name="fgAcc4">
+    <dgm:scene3d>
+      <a:camera prst="orthographicFront"/>
+      <a:lightRig rig="threePt" dir="t"/>
+    </dgm:scene3d>
+    <dgm:sp3d/>
+    <dgm:txPr/>
+    <dgm:style>
+      <a:lnRef idx="2">
+        <a:scrgbClr r="0" g="0" b="0"/>
+      </a:lnRef>
+      <a:fillRef idx="1">
+        <a:scrgbClr r="0" g="0" b="0"/>
+      </a:fillRef>
+      <a:effectRef idx="0">
+        <a:scrgbClr r="0" g="0" b="0"/>
+      </a:effectRef>
+      <a:fontRef idx="minor"/>
+    </dgm:style>
+  </dgm:styleLbl>
+  <dgm:styleLbl name="bgShp">
+    <dgm:scene3d>
+      <a:camera prst="orthographicFront"/>
+      <a:lightRig rig="threePt" dir="t"/>
+    </dgm:scene3d>
+    <dgm:sp3d/>
+    <dgm:txPr/>
+    <dgm:style>
+      <a:lnRef idx="0">
+        <a:scrgbClr r="0" g="0" b="0"/>
+      </a:lnRef>
+      <a:fillRef idx="1">
+        <a:scrgbClr r="0" g="0" b="0"/>
+      </a:fillRef>
+      <a:effectRef idx="0">
+        <a:scrgbClr r="0" g="0" b="0"/>
+      </a:effectRef>
+      <a:fontRef idx="minor"/>
+    </dgm:style>
+  </dgm:styleLbl>
+  <dgm:styleLbl name="dkBgShp">
+    <dgm:scene3d>
+      <a:camera prst="orthographicFront"/>
+      <a:lightRig rig="threePt" dir="t"/>
+    </dgm:scene3d>
+    <dgm:sp3d/>
+    <dgm:txPr/>
+    <dgm:style>
+      <a:lnRef idx="0">
+        <a:scrgbClr r="0" g="0" b="0"/>
+      </a:lnRef>
+      <a:fillRef idx="1">
+        <a:scrgbClr r="0" g="0" b="0"/>
+      </a:fillRef>
+      <a:effectRef idx="0">
+        <a:scrgbClr r="0" g="0" b="0"/>
+      </a:effectRef>
+      <a:fontRef idx="minor"/>
+    </dgm:style>
+  </dgm:styleLbl>
+  <dgm:styleLbl name="trBgShp">
+    <dgm:scene3d>
+      <a:camera prst="orthographicFront"/>
+      <a:lightRig rig="threePt" dir="t"/>
+    </dgm:scene3d>
+    <dgm:sp3d/>
+    <dgm:txPr/>
+    <dgm:style>
+      <a:lnRef idx="0">
+        <a:scrgbClr r="0" g="0" b="0"/>
+      </a:lnRef>
+      <a:fillRef idx="1">
+        <a:scrgbClr r="0" g="0" b="0"/>
+      </a:fillRef>
+      <a:effectRef idx="0">
+        <a:scrgbClr r="0" g="0" b="0"/>
+      </a:effectRef>
+      <a:fontRef idx="minor"/>
+    </dgm:style>
+  </dgm:styleLbl>
+  <dgm:styleLbl name="fgShp">
+    <dgm:scene3d>
+      <a:camera prst="orthographicFront"/>
+      <a:lightRig rig="threePt" dir="t"/>
+    </dgm:scene3d>
+    <dgm:sp3d/>
+    <dgm:txPr/>
+    <dgm:style>
+      <a:lnRef idx="2">
+        <a:scrgbClr r="0" g="0" b="0"/>
+      </a:lnRef>
+      <a:fillRef idx="1">
+        <a:scrgbClr r="0" g="0" b="0"/>
+      </a:fillRef>
+      <a:effectRef idx="0">
+        <a:scrgbClr r="0" g="0" b="0"/>
+      </a:effectRef>
+      <a:fontRef idx="minor"/>
+    </dgm:style>
+  </dgm:styleLbl>
+  <dgm:styleLbl name="revTx">
+    <dgm:scene3d>
+      <a:camera prst="orthographicFront"/>
+      <a:lightRig rig="threePt" dir="t"/>
+    </dgm:scene3d>
+    <dgm:sp3d/>
+    <dgm:txPr/>
+    <dgm:style>
+      <a:lnRef idx="0">
+        <a:scrgbClr r="0" g="0" b="0"/>
+      </a:lnRef>
+      <a:fillRef idx="0">
+        <a:scrgbClr r="0" g="0" b="0"/>
+      </a:fillRef>
+      <a:effectRef idx="0">
+        <a:scrgbClr r="0" g="0" b="0"/>
+      </a:effectRef>
+      <a:fontRef idx="minor"/>
+    </dgm:style>
+  </dgm:styleLbl>
+</dgm:styleDef>
+</file>
+
 <file path=ppt/slideLayouts/slideLayout1.xml><?xml version="1.0" encoding="utf-8"?>
 <p:sldLayout xmlns:a="http://schemas.openxmlformats.org/drawingml/2006/main" xmlns:r="http://schemas.openxmlformats.org/officeDocument/2006/relationships" xmlns:p="http://schemas.openxmlformats.org/presentationml/2006/main" type="title" preserve="1">
   <p:cSld name="Title Slide">
@@ -6647,7 +9487,7 @@
           <a:effectLst/>
           <a:extLst>
             <a:ext uri="{91240B29-F687-4f45-9708-019B960494DF}">
-              <a14:hiddenLine xmlns:a14="http://schemas.microsoft.com/office/drawing/2010/main" xmlns="" w="9525">
+              <a14:hiddenLine xmlns="" xmlns:a14="http://schemas.microsoft.com/office/drawing/2010/main" w="9525">
                 <a:solidFill>
                   <a:srgbClr val="000000"/>
                 </a:solidFill>
@@ -6840,7 +9680,7 @@
             <a:fld id="{9334D819-9F07-4261-B09B-9E467E5D9002}" type="datetimeFigureOut">
               <a:rPr lang="en-US" smtClean="0"/>
               <a:pPr/>
-              <a:t>5/3/2017</a:t>
+              <a:t>5/17/2017</a:t>
             </a:fld>
             <a:endParaRPr lang="en-US" dirty="0"/>
           </a:p>
@@ -7160,7 +10000,7 @@
             <a:fld id="{9334D819-9F07-4261-B09B-9E467E5D9002}" type="datetimeFigureOut">
               <a:rPr lang="en-US" smtClean="0"/>
               <a:pPr/>
-              <a:t>5/3/2017</a:t>
+              <a:t>5/17/2017</a:t>
             </a:fld>
             <a:endParaRPr lang="en-US" dirty="0"/>
           </a:p>
@@ -7650,7 +10490,7 @@
             <a:fld id="{9334D819-9F07-4261-B09B-9E467E5D9002}" type="datetimeFigureOut">
               <a:rPr lang="en-US" smtClean="0"/>
               <a:pPr/>
-              <a:t>5/3/2017</a:t>
+              <a:t>5/17/2017</a:t>
             </a:fld>
             <a:endParaRPr lang="en-US" dirty="0"/>
           </a:p>
@@ -8021,7 +10861,7 @@
             <a:fld id="{9334D819-9F07-4261-B09B-9E467E5D9002}" type="datetimeFigureOut">
               <a:rPr lang="en-US" smtClean="0"/>
               <a:pPr/>
-              <a:t>5/3/2017</a:t>
+              <a:t>5/17/2017</a:t>
             </a:fld>
             <a:endParaRPr lang="en-US" dirty="0"/>
           </a:p>
@@ -8177,7 +11017,7 @@
           <a:ln/>
           <a:extLst>
             <a:ext uri="{91240B29-F687-4f45-9708-019B960494DF}">
-              <a14:hiddenLine xmlns:a14="http://schemas.microsoft.com/office/drawing/2010/main" xmlns="" w="9525">
+              <a14:hiddenLine xmlns="" xmlns:a14="http://schemas.microsoft.com/office/drawing/2010/main" w="9525">
                 <a:solidFill>
                   <a:srgbClr val="000000"/>
                 </a:solidFill>
@@ -8295,7 +11135,7 @@
           <a:p>
             <a:fld id="{9334D819-9F07-4261-B09B-9E467E5D9002}" type="datetimeFigureOut">
               <a:rPr lang="en-US" smtClean="0"/>
-              <a:t>5/3/2017</a:t>
+              <a:t>5/17/2017</a:t>
             </a:fld>
             <a:endParaRPr lang="en-US" dirty="0"/>
           </a:p>
@@ -8452,7 +11292,7 @@
           <a:ln/>
           <a:extLst>
             <a:ext uri="{91240B29-F687-4f45-9708-019B960494DF}">
-              <a14:hiddenLine xmlns:a14="http://schemas.microsoft.com/office/drawing/2010/main" xmlns="" w="9525">
+              <a14:hiddenLine xmlns="" xmlns:a14="http://schemas.microsoft.com/office/drawing/2010/main" w="9525">
                 <a:solidFill>
                   <a:srgbClr val="000000"/>
                 </a:solidFill>
@@ -8580,7 +11420,7 @@
           <a:p>
             <a:fld id="{9334D819-9F07-4261-B09B-9E467E5D9002}" type="datetimeFigureOut">
               <a:rPr lang="en-US" smtClean="0"/>
-              <a:t>5/3/2017</a:t>
+              <a:t>5/17/2017</a:t>
             </a:fld>
             <a:endParaRPr lang="en-US" dirty="0"/>
           </a:p>
@@ -8735,7 +11575,7 @@
           <a:ln/>
           <a:extLst>
             <a:ext uri="{91240B29-F687-4f45-9708-019B960494DF}">
-              <a14:hiddenLine xmlns:a14="http://schemas.microsoft.com/office/drawing/2010/main" xmlns="" w="9525">
+              <a14:hiddenLine xmlns="" xmlns:a14="http://schemas.microsoft.com/office/drawing/2010/main" w="9525">
                 <a:solidFill>
                   <a:srgbClr val="000000"/>
                 </a:solidFill>
@@ -8863,7 +11703,7 @@
           <a:p>
             <a:fld id="{9334D819-9F07-4261-B09B-9E467E5D9002}" type="datetimeFigureOut">
               <a:rPr lang="en-US" smtClean="0"/>
-              <a:t>5/3/2017</a:t>
+              <a:t>5/17/2017</a:t>
             </a:fld>
             <a:endParaRPr lang="en-US" dirty="0"/>
           </a:p>
@@ -9207,7 +12047,7 @@
             <a:fld id="{9334D819-9F07-4261-B09B-9E467E5D9002}" type="datetimeFigureOut">
               <a:rPr lang="en-US" smtClean="0"/>
               <a:pPr/>
-              <a:t>5/3/2017</a:t>
+              <a:t>5/17/2017</a:t>
             </a:fld>
             <a:endParaRPr lang="en-US" dirty="0"/>
           </a:p>
@@ -9363,7 +12203,7 @@
           <a:ln/>
           <a:extLst>
             <a:ext uri="{91240B29-F687-4f45-9708-019B960494DF}">
-              <a14:hiddenLine xmlns:a14="http://schemas.microsoft.com/office/drawing/2010/main" xmlns="" w="9525">
+              <a14:hiddenLine xmlns="" xmlns:a14="http://schemas.microsoft.com/office/drawing/2010/main" w="9525">
                 <a:solidFill>
                   <a:srgbClr val="000000"/>
                 </a:solidFill>
@@ -9547,7 +12387,7 @@
           <a:p>
             <a:fld id="{9334D819-9F07-4261-B09B-9E467E5D9002}" type="datetimeFigureOut">
               <a:rPr lang="en-US" smtClean="0"/>
-              <a:t>5/3/2017</a:t>
+              <a:t>5/17/2017</a:t>
             </a:fld>
             <a:endParaRPr lang="en-US" dirty="0"/>
           </a:p>
@@ -9707,7 +12547,7 @@
           <a:ln/>
           <a:extLst>
             <a:ext uri="{91240B29-F687-4f45-9708-019B960494DF}">
-              <a14:hiddenLine xmlns:a14="http://schemas.microsoft.com/office/drawing/2010/main" xmlns="" w="9525">
+              <a14:hiddenLine xmlns="" xmlns:a14="http://schemas.microsoft.com/office/drawing/2010/main" w="9525">
                 <a:solidFill>
                   <a:srgbClr val="000000"/>
                 </a:solidFill>
@@ -10029,7 +12869,7 @@
           <a:p>
             <a:fld id="{9334D819-9F07-4261-B09B-9E467E5D9002}" type="datetimeFigureOut">
               <a:rPr lang="en-US" smtClean="0"/>
-              <a:t>5/3/2017</a:t>
+              <a:t>5/17/2017</a:t>
             </a:fld>
             <a:endParaRPr lang="en-US" dirty="0"/>
           </a:p>
@@ -10189,7 +13029,7 @@
           <a:ln/>
           <a:extLst>
             <a:ext uri="{91240B29-F687-4f45-9708-019B960494DF}">
-              <a14:hiddenLine xmlns:a14="http://schemas.microsoft.com/office/drawing/2010/main" xmlns="" w="9525">
+              <a14:hiddenLine xmlns="" xmlns:a14="http://schemas.microsoft.com/office/drawing/2010/main" w="9525">
                 <a:solidFill>
                   <a:srgbClr val="000000"/>
                 </a:solidFill>
@@ -10255,7 +13095,7 @@
           <a:p>
             <a:fld id="{9334D819-9F07-4261-B09B-9E467E5D9002}" type="datetimeFigureOut">
               <a:rPr lang="en-US" smtClean="0"/>
-              <a:t>5/3/2017</a:t>
+              <a:t>5/17/2017</a:t>
             </a:fld>
             <a:endParaRPr lang="en-US" dirty="0"/>
           </a:p>
@@ -10350,7 +13190,7 @@
           <a:p>
             <a:fld id="{9334D819-9F07-4261-B09B-9E467E5D9002}" type="datetimeFigureOut">
               <a:rPr lang="en-US" smtClean="0"/>
-              <a:t>5/3/2017</a:t>
+              <a:t>5/17/2017</a:t>
             </a:fld>
             <a:endParaRPr lang="en-US" dirty="0"/>
           </a:p>
@@ -10618,7 +13458,7 @@
           <a:ln/>
           <a:extLst>
             <a:ext uri="{91240B29-F687-4f45-9708-019B960494DF}">
-              <a14:hiddenLine xmlns:a14="http://schemas.microsoft.com/office/drawing/2010/main" xmlns="" w="9525">
+              <a14:hiddenLine xmlns="" xmlns:a14="http://schemas.microsoft.com/office/drawing/2010/main" w="9525">
                 <a:solidFill>
                   <a:srgbClr val="000000"/>
                 </a:solidFill>
@@ -10817,7 +13657,7 @@
           <a:p>
             <a:fld id="{9334D819-9F07-4261-B09B-9E467E5D9002}" type="datetimeFigureOut">
               <a:rPr lang="en-US" smtClean="0"/>
-              <a:t>5/3/2017</a:t>
+              <a:t>5/17/2017</a:t>
             </a:fld>
             <a:endParaRPr lang="en-US" dirty="0"/>
           </a:p>
@@ -11135,7 +13975,7 @@
           <a:p>
             <a:fld id="{9334D819-9F07-4261-B09B-9E467E5D9002}" type="datetimeFigureOut">
               <a:rPr lang="en-US" smtClean="0"/>
-              <a:t>5/3/2017</a:t>
+              <a:t>5/17/2017</a:t>
             </a:fld>
             <a:endParaRPr lang="en-US" dirty="0"/>
           </a:p>
@@ -11406,7 +14246,7 @@
             <a:fld id="{9334D819-9F07-4261-B09B-9E467E5D9002}" type="datetimeFigureOut">
               <a:rPr lang="en-US" smtClean="0"/>
               <a:pPr/>
-              <a:t>5/3/2017</a:t>
+              <a:t>5/17/2017</a:t>
             </a:fld>
             <a:endParaRPr lang="en-US" dirty="0"/>
           </a:p>
@@ -11983,7 +14823,7 @@
           <a:p>
             <a:r>
               <a:rPr lang="en-US" dirty="0"/>
-              <a:t>Introduction	</a:t>
+              <a:t>What is Multi-agent pathfinding?</a:t>
             </a:r>
           </a:p>
         </p:txBody>
@@ -12005,19 +14845,19 @@
           <a:p>
             <a:r>
               <a:rPr lang="en-US" dirty="0"/>
-              <a:t>MAPF is…</a:t>
+              <a:t>Cooperative MAPF?</a:t>
             </a:r>
           </a:p>
           <a:p>
             <a:r>
               <a:rPr lang="en-US" dirty="0"/>
-              <a:t>We are trying to…</a:t>
+              <a:t>Multiple agents moving to goal locations</a:t>
             </a:r>
           </a:p>
           <a:p>
             <a:r>
               <a:rPr lang="en-US" dirty="0"/>
-              <a:t>Other</a:t>
+              <a:t>Find a path to the target which is free of collisions</a:t>
             </a:r>
           </a:p>
         </p:txBody>
@@ -12036,6 +14876,83 @@
 </file>
 
 <file path=ppt/slides/slide3.xml><?xml version="1.0" encoding="utf-8"?>
+<p:sld xmlns:a="http://schemas.openxmlformats.org/drawingml/2006/main" xmlns:r="http://schemas.openxmlformats.org/officeDocument/2006/relationships" xmlns:p="http://schemas.openxmlformats.org/presentationml/2006/main">
+  <p:cSld>
+    <p:spTree>
+      <p:nvGrpSpPr>
+        <p:cNvPr id="1" name=""/>
+        <p:cNvGrpSpPr/>
+        <p:nvPr/>
+      </p:nvGrpSpPr>
+      <p:grpSpPr>
+        <a:xfrm>
+          <a:off x="0" y="0"/>
+          <a:ext cx="0" cy="0"/>
+          <a:chOff x="0" y="0"/>
+          <a:chExt cx="0" cy="0"/>
+        </a:xfrm>
+      </p:grpSpPr>
+      <p:sp>
+        <p:nvSpPr>
+          <p:cNvPr id="2" name="Title 1"/>
+          <p:cNvSpPr>
+            <a:spLocks noGrp="1"/>
+          </p:cNvSpPr>
+          <p:nvPr>
+            <p:ph type="title"/>
+          </p:nvPr>
+        </p:nvSpPr>
+        <p:spPr/>
+        <p:txBody>
+          <a:bodyPr/>
+          <a:lstStyle/>
+          <a:p>
+            <a:r>
+              <a:rPr lang="en-US" dirty="0"/>
+              <a:t>Contributions</a:t>
+            </a:r>
+          </a:p>
+        </p:txBody>
+      </p:sp>
+      <p:graphicFrame>
+        <p:nvGraphicFramePr>
+          <p:cNvPr id="4" name="Content Placeholder 3"/>
+          <p:cNvGraphicFramePr>
+            <a:graphicFrameLocks noGrp="1"/>
+          </p:cNvGraphicFramePr>
+          <p:nvPr>
+            <p:ph idx="1"/>
+            <p:extLst>
+              <p:ext uri="{D42A27DB-BD31-4B8C-83A1-F6EECF244321}">
+                <p14:modId xmlns:p14="http://schemas.microsoft.com/office/powerpoint/2010/main" val="1390645764"/>
+              </p:ext>
+            </p:extLst>
+          </p:nvPr>
+        </p:nvGraphicFramePr>
+        <p:xfrm>
+          <a:off x="819150" y="2222500"/>
+          <a:ext cx="10553700" cy="3636963"/>
+        </p:xfrm>
+        <a:graphic>
+          <a:graphicData uri="http://schemas.openxmlformats.org/drawingml/2006/diagram">
+            <dgm:relIds xmlns:dgm="http://schemas.openxmlformats.org/drawingml/2006/diagram" xmlns:r="http://schemas.openxmlformats.org/officeDocument/2006/relationships" r:dm="rId2" r:lo="rId3" r:qs="rId4" r:cs="rId5"/>
+          </a:graphicData>
+        </a:graphic>
+      </p:graphicFrame>
+    </p:spTree>
+    <p:extLst>
+      <p:ext uri="{BB962C8B-B14F-4D97-AF65-F5344CB8AC3E}">
+        <p14:creationId xmlns:p14="http://schemas.microsoft.com/office/powerpoint/2010/main" val="3292395077"/>
+      </p:ext>
+    </p:extLst>
+  </p:cSld>
+  <p:clrMapOvr>
+    <a:masterClrMapping/>
+  </p:clrMapOvr>
+</p:sld>
+</file>
+
+<file path=ppt/slides/slide4.xml><?xml version="1.0" encoding="utf-8"?>
 <p:sld xmlns:a="http://schemas.openxmlformats.org/drawingml/2006/main" xmlns:r="http://schemas.openxmlformats.org/officeDocument/2006/relationships" xmlns:p="http://schemas.openxmlformats.org/presentationml/2006/main">
   <p:cSld>
     <p:spTree>
@@ -12185,7 +15102,7 @@
 </p:sld>
 </file>
 
-<file path=ppt/slides/slide4.xml><?xml version="1.0" encoding="utf-8"?>
+<file path=ppt/slides/slide5.xml><?xml version="1.0" encoding="utf-8"?>
 <p:sld xmlns:a="http://schemas.openxmlformats.org/drawingml/2006/main" xmlns:r="http://schemas.openxmlformats.org/officeDocument/2006/relationships" xmlns:p="http://schemas.openxmlformats.org/presentationml/2006/main">
   <p:cSld>
     <p:spTree>
@@ -12262,7 +15179,7 @@
 </p:sld>
 </file>
 
-<file path=ppt/slides/slide5.xml><?xml version="1.0" encoding="utf-8"?>
+<file path=ppt/slides/slide6.xml><?xml version="1.0" encoding="utf-8"?>
 <p:sld xmlns:a="http://schemas.openxmlformats.org/drawingml/2006/main" xmlns:r="http://schemas.openxmlformats.org/officeDocument/2006/relationships" xmlns:p="http://schemas.openxmlformats.org/presentationml/2006/main">
   <p:cSld>
     <p:spTree>

--- a/Documents/Intermediate Presentation/Intermediate Presentation.pptx
+++ b/Documents/Intermediate Presentation/Intermediate Presentation.pptx
@@ -4,13 +4,20 @@
   <p:sldMasterIdLst>
     <p:sldMasterId id="2147483834" r:id="rId1"/>
   </p:sldMasterIdLst>
+  <p:notesMasterIdLst>
+    <p:notesMasterId r:id="rId12"/>
+  </p:notesMasterIdLst>
   <p:sldIdLst>
     <p:sldId id="256" r:id="rId2"/>
-    <p:sldId id="257" r:id="rId3"/>
-    <p:sldId id="261" r:id="rId4"/>
-    <p:sldId id="259" r:id="rId5"/>
-    <p:sldId id="258" r:id="rId6"/>
-    <p:sldId id="260" r:id="rId7"/>
+    <p:sldId id="263" r:id="rId3"/>
+    <p:sldId id="257" r:id="rId4"/>
+    <p:sldId id="265" r:id="rId5"/>
+    <p:sldId id="262" r:id="rId6"/>
+    <p:sldId id="259" r:id="rId7"/>
+    <p:sldId id="261" r:id="rId8"/>
+    <p:sldId id="266" r:id="rId9"/>
+    <p:sldId id="264" r:id="rId10"/>
+    <p:sldId id="260" r:id="rId11"/>
   </p:sldIdLst>
   <p:sldSz cx="12192000" cy="6858000"/>
   <p:notesSz cx="6858000" cy="9144000"/>
@@ -1616,6 +1623,757 @@
 </file>
 
 <file path=ppt/diagrams/colors3.xml><?xml version="1.0" encoding="utf-8"?>
+<dgm:colorsDef xmlns:dgm="http://schemas.openxmlformats.org/drawingml/2006/diagram" xmlns:a="http://schemas.openxmlformats.org/drawingml/2006/main" uniqueId="urn:microsoft.com/office/officeart/2005/8/colors/accent0_3">
+  <dgm:title val=""/>
+  <dgm:desc val=""/>
+  <dgm:catLst>
+    <dgm:cat type="mainScheme" pri="10300"/>
+  </dgm:catLst>
+  <dgm:styleLbl name="node0">
+    <dgm:fillClrLst meth="repeat">
+      <a:schemeClr val="dk2"/>
+    </dgm:fillClrLst>
+    <dgm:linClrLst meth="repeat">
+      <a:schemeClr val="lt2"/>
+    </dgm:linClrLst>
+    <dgm:effectClrLst/>
+    <dgm:txLinClrLst/>
+    <dgm:txFillClrLst/>
+    <dgm:txEffectClrLst/>
+  </dgm:styleLbl>
+  <dgm:styleLbl name="alignNode1">
+    <dgm:fillClrLst meth="repeat">
+      <a:schemeClr val="dk2"/>
+    </dgm:fillClrLst>
+    <dgm:linClrLst meth="repeat">
+      <a:schemeClr val="dk2"/>
+    </dgm:linClrLst>
+    <dgm:effectClrLst/>
+    <dgm:txLinClrLst/>
+    <dgm:txFillClrLst/>
+    <dgm:txEffectClrLst/>
+  </dgm:styleLbl>
+  <dgm:styleLbl name="node1">
+    <dgm:fillClrLst meth="repeat">
+      <a:schemeClr val="dk2"/>
+    </dgm:fillClrLst>
+    <dgm:linClrLst meth="repeat">
+      <a:schemeClr val="lt2"/>
+    </dgm:linClrLst>
+    <dgm:effectClrLst/>
+    <dgm:txLinClrLst/>
+    <dgm:txFillClrLst/>
+    <dgm:txEffectClrLst/>
+  </dgm:styleLbl>
+  <dgm:styleLbl name="lnNode1">
+    <dgm:fillClrLst meth="repeat">
+      <a:schemeClr val="dk2"/>
+    </dgm:fillClrLst>
+    <dgm:linClrLst meth="repeat">
+      <a:schemeClr val="lt2"/>
+    </dgm:linClrLst>
+    <dgm:effectClrLst/>
+    <dgm:txLinClrLst/>
+    <dgm:txFillClrLst/>
+    <dgm:txEffectClrLst/>
+  </dgm:styleLbl>
+  <dgm:styleLbl name="vennNode1">
+    <dgm:fillClrLst meth="repeat">
+      <a:schemeClr val="dk2">
+        <a:alpha val="50000"/>
+      </a:schemeClr>
+    </dgm:fillClrLst>
+    <dgm:linClrLst meth="repeat">
+      <a:schemeClr val="lt2"/>
+    </dgm:linClrLst>
+    <dgm:effectClrLst/>
+    <dgm:txLinClrLst/>
+    <dgm:txFillClrLst/>
+    <dgm:txEffectClrLst/>
+  </dgm:styleLbl>
+  <dgm:styleLbl name="node2">
+    <dgm:fillClrLst meth="repeat">
+      <a:schemeClr val="dk2"/>
+    </dgm:fillClrLst>
+    <dgm:linClrLst meth="repeat">
+      <a:schemeClr val="lt2"/>
+    </dgm:linClrLst>
+    <dgm:effectClrLst/>
+    <dgm:txLinClrLst/>
+    <dgm:txFillClrLst/>
+    <dgm:txEffectClrLst/>
+  </dgm:styleLbl>
+  <dgm:styleLbl name="node3">
+    <dgm:fillClrLst meth="repeat">
+      <a:schemeClr val="dk2"/>
+    </dgm:fillClrLst>
+    <dgm:linClrLst meth="repeat">
+      <a:schemeClr val="lt2"/>
+    </dgm:linClrLst>
+    <dgm:effectClrLst/>
+    <dgm:txLinClrLst/>
+    <dgm:txFillClrLst/>
+    <dgm:txEffectClrLst/>
+  </dgm:styleLbl>
+  <dgm:styleLbl name="node4">
+    <dgm:fillClrLst meth="repeat">
+      <a:schemeClr val="dk2"/>
+    </dgm:fillClrLst>
+    <dgm:linClrLst meth="repeat">
+      <a:schemeClr val="lt2"/>
+    </dgm:linClrLst>
+    <dgm:effectClrLst/>
+    <dgm:txLinClrLst/>
+    <dgm:txFillClrLst/>
+    <dgm:txEffectClrLst/>
+  </dgm:styleLbl>
+  <dgm:styleLbl name="fgImgPlace1">
+    <dgm:fillClrLst meth="repeat">
+      <a:schemeClr val="dk2">
+        <a:tint val="50000"/>
+      </a:schemeClr>
+    </dgm:fillClrLst>
+    <dgm:linClrLst meth="repeat">
+      <a:schemeClr val="lt2"/>
+    </dgm:linClrLst>
+    <dgm:effectClrLst/>
+    <dgm:txLinClrLst/>
+    <dgm:txFillClrLst meth="repeat">
+      <a:schemeClr val="lt2"/>
+    </dgm:txFillClrLst>
+    <dgm:txEffectClrLst/>
+  </dgm:styleLbl>
+  <dgm:styleLbl name="alignImgPlace1">
+    <dgm:fillClrLst meth="repeat">
+      <a:schemeClr val="dk2">
+        <a:tint val="50000"/>
+      </a:schemeClr>
+    </dgm:fillClrLst>
+    <dgm:linClrLst meth="repeat">
+      <a:schemeClr val="dk2">
+        <a:shade val="80000"/>
+      </a:schemeClr>
+    </dgm:linClrLst>
+    <dgm:effectClrLst/>
+    <dgm:txLinClrLst/>
+    <dgm:txFillClrLst meth="repeat">
+      <a:schemeClr val="lt2"/>
+    </dgm:txFillClrLst>
+    <dgm:txEffectClrLst/>
+  </dgm:styleLbl>
+  <dgm:styleLbl name="bgImgPlace1">
+    <dgm:fillClrLst meth="repeat">
+      <a:schemeClr val="dk2">
+        <a:tint val="50000"/>
+      </a:schemeClr>
+    </dgm:fillClrLst>
+    <dgm:linClrLst meth="repeat">
+      <a:schemeClr val="dk2">
+        <a:shade val="80000"/>
+      </a:schemeClr>
+    </dgm:linClrLst>
+    <dgm:effectClrLst/>
+    <dgm:txLinClrLst/>
+    <dgm:txFillClrLst meth="repeat">
+      <a:schemeClr val="lt2"/>
+    </dgm:txFillClrLst>
+    <dgm:txEffectClrLst/>
+  </dgm:styleLbl>
+  <dgm:styleLbl name="sibTrans2D1">
+    <dgm:fillClrLst meth="repeat">
+      <a:schemeClr val="dk2">
+        <a:tint val="60000"/>
+      </a:schemeClr>
+    </dgm:fillClrLst>
+    <dgm:linClrLst meth="repeat">
+      <a:schemeClr val="dk2">
+        <a:tint val="60000"/>
+      </a:schemeClr>
+    </dgm:linClrLst>
+    <dgm:effectClrLst/>
+    <dgm:txLinClrLst/>
+    <dgm:txFillClrLst/>
+    <dgm:txEffectClrLst/>
+  </dgm:styleLbl>
+  <dgm:styleLbl name="fgSibTrans2D1">
+    <dgm:fillClrLst meth="repeat">
+      <a:schemeClr val="dk2">
+        <a:tint val="60000"/>
+      </a:schemeClr>
+    </dgm:fillClrLst>
+    <dgm:linClrLst meth="repeat">
+      <a:schemeClr val="dk2">
+        <a:tint val="60000"/>
+      </a:schemeClr>
+    </dgm:linClrLst>
+    <dgm:effectClrLst/>
+    <dgm:txLinClrLst/>
+    <dgm:txFillClrLst/>
+    <dgm:txEffectClrLst/>
+  </dgm:styleLbl>
+  <dgm:styleLbl name="bgSibTrans2D1">
+    <dgm:fillClrLst meth="repeat">
+      <a:schemeClr val="dk2">
+        <a:tint val="60000"/>
+      </a:schemeClr>
+    </dgm:fillClrLst>
+    <dgm:linClrLst meth="repeat">
+      <a:schemeClr val="dk2">
+        <a:tint val="60000"/>
+      </a:schemeClr>
+    </dgm:linClrLst>
+    <dgm:effectClrLst/>
+    <dgm:txLinClrLst/>
+    <dgm:txFillClrLst/>
+    <dgm:txEffectClrLst/>
+  </dgm:styleLbl>
+  <dgm:styleLbl name="sibTrans1D1">
+    <dgm:fillClrLst meth="repeat">
+      <a:schemeClr val="dk2"/>
+    </dgm:fillClrLst>
+    <dgm:linClrLst meth="repeat">
+      <a:schemeClr val="dk2"/>
+    </dgm:linClrLst>
+    <dgm:effectClrLst/>
+    <dgm:txLinClrLst/>
+    <dgm:txFillClrLst meth="repeat">
+      <a:schemeClr val="lt2"/>
+    </dgm:txFillClrLst>
+    <dgm:txEffectClrLst/>
+  </dgm:styleLbl>
+  <dgm:styleLbl name="callout">
+    <dgm:fillClrLst meth="repeat">
+      <a:schemeClr val="dk2"/>
+    </dgm:fillClrLst>
+    <dgm:linClrLst meth="repeat">
+      <a:schemeClr val="dk2">
+        <a:tint val="50000"/>
+      </a:schemeClr>
+    </dgm:linClrLst>
+    <dgm:effectClrLst/>
+    <dgm:txLinClrLst/>
+    <dgm:txFillClrLst meth="repeat">
+      <a:schemeClr val="lt2"/>
+    </dgm:txFillClrLst>
+    <dgm:txEffectClrLst/>
+  </dgm:styleLbl>
+  <dgm:styleLbl name="asst0">
+    <dgm:fillClrLst meth="repeat">
+      <a:schemeClr val="dk2"/>
+    </dgm:fillClrLst>
+    <dgm:linClrLst meth="repeat">
+      <a:schemeClr val="lt2"/>
+    </dgm:linClrLst>
+    <dgm:effectClrLst/>
+    <dgm:txLinClrLst/>
+    <dgm:txFillClrLst/>
+    <dgm:txEffectClrLst/>
+  </dgm:styleLbl>
+  <dgm:styleLbl name="asst1">
+    <dgm:fillClrLst meth="repeat">
+      <a:schemeClr val="dk2"/>
+    </dgm:fillClrLst>
+    <dgm:linClrLst meth="repeat">
+      <a:schemeClr val="lt2"/>
+    </dgm:linClrLst>
+    <dgm:effectClrLst/>
+    <dgm:txLinClrLst/>
+    <dgm:txFillClrLst/>
+    <dgm:txEffectClrLst/>
+  </dgm:styleLbl>
+  <dgm:styleLbl name="asst2">
+    <dgm:fillClrLst meth="repeat">
+      <a:schemeClr val="dk2"/>
+    </dgm:fillClrLst>
+    <dgm:linClrLst meth="repeat">
+      <a:schemeClr val="lt2"/>
+    </dgm:linClrLst>
+    <dgm:effectClrLst/>
+    <dgm:txLinClrLst/>
+    <dgm:txFillClrLst/>
+    <dgm:txEffectClrLst/>
+  </dgm:styleLbl>
+  <dgm:styleLbl name="asst3">
+    <dgm:fillClrLst meth="repeat">
+      <a:schemeClr val="dk2"/>
+    </dgm:fillClrLst>
+    <dgm:linClrLst meth="repeat">
+      <a:schemeClr val="lt2"/>
+    </dgm:linClrLst>
+    <dgm:effectClrLst/>
+    <dgm:txLinClrLst/>
+    <dgm:txFillClrLst/>
+    <dgm:txEffectClrLst/>
+  </dgm:styleLbl>
+  <dgm:styleLbl name="asst4">
+    <dgm:fillClrLst meth="repeat">
+      <a:schemeClr val="dk2"/>
+    </dgm:fillClrLst>
+    <dgm:linClrLst meth="repeat">
+      <a:schemeClr val="lt2"/>
+    </dgm:linClrLst>
+    <dgm:effectClrLst/>
+    <dgm:txLinClrLst/>
+    <dgm:txFillClrLst/>
+    <dgm:txEffectClrLst/>
+  </dgm:styleLbl>
+  <dgm:styleLbl name="parChTrans2D1">
+    <dgm:fillClrLst meth="repeat">
+      <a:schemeClr val="dk2">
+        <a:tint val="60000"/>
+      </a:schemeClr>
+    </dgm:fillClrLst>
+    <dgm:linClrLst meth="repeat">
+      <a:schemeClr val="dk2">
+        <a:tint val="60000"/>
+      </a:schemeClr>
+    </dgm:linClrLst>
+    <dgm:effectClrLst/>
+    <dgm:txLinClrLst/>
+    <dgm:txFillClrLst meth="repeat">
+      <a:schemeClr val="lt2"/>
+    </dgm:txFillClrLst>
+    <dgm:txEffectClrLst/>
+  </dgm:styleLbl>
+  <dgm:styleLbl name="parChTrans2D2">
+    <dgm:fillClrLst meth="repeat">
+      <a:schemeClr val="dk2"/>
+    </dgm:fillClrLst>
+    <dgm:linClrLst meth="repeat">
+      <a:schemeClr val="dk2"/>
+    </dgm:linClrLst>
+    <dgm:effectClrLst/>
+    <dgm:txLinClrLst/>
+    <dgm:txFillClrLst meth="repeat">
+      <a:schemeClr val="lt2"/>
+    </dgm:txFillClrLst>
+    <dgm:txEffectClrLst/>
+  </dgm:styleLbl>
+  <dgm:styleLbl name="parChTrans2D3">
+    <dgm:fillClrLst meth="repeat">
+      <a:schemeClr val="dk2"/>
+    </dgm:fillClrLst>
+    <dgm:linClrLst meth="repeat">
+      <a:schemeClr val="dk2"/>
+    </dgm:linClrLst>
+    <dgm:effectClrLst/>
+    <dgm:txLinClrLst/>
+    <dgm:txFillClrLst meth="repeat">
+      <a:schemeClr val="lt2"/>
+    </dgm:txFillClrLst>
+    <dgm:txEffectClrLst/>
+  </dgm:styleLbl>
+  <dgm:styleLbl name="parChTrans2D4">
+    <dgm:fillClrLst meth="repeat">
+      <a:schemeClr val="dk2"/>
+    </dgm:fillClrLst>
+    <dgm:linClrLst meth="repeat">
+      <a:schemeClr val="dk2"/>
+    </dgm:linClrLst>
+    <dgm:effectClrLst/>
+    <dgm:txLinClrLst/>
+    <dgm:txFillClrLst meth="repeat">
+      <a:schemeClr val="lt2"/>
+    </dgm:txFillClrLst>
+    <dgm:txEffectClrLst/>
+  </dgm:styleLbl>
+  <dgm:styleLbl name="parChTrans1D1">
+    <dgm:fillClrLst meth="repeat">
+      <a:schemeClr val="dk2"/>
+    </dgm:fillClrLst>
+    <dgm:linClrLst meth="repeat">
+      <a:schemeClr val="dk2">
+        <a:shade val="60000"/>
+      </a:schemeClr>
+    </dgm:linClrLst>
+    <dgm:effectClrLst/>
+    <dgm:txLinClrLst/>
+    <dgm:txFillClrLst meth="repeat">
+      <a:schemeClr val="tx1"/>
+    </dgm:txFillClrLst>
+    <dgm:txEffectClrLst/>
+  </dgm:styleLbl>
+  <dgm:styleLbl name="parChTrans1D2">
+    <dgm:fillClrLst meth="repeat">
+      <a:schemeClr val="dk2"/>
+    </dgm:fillClrLst>
+    <dgm:linClrLst meth="repeat">
+      <a:schemeClr val="dk2">
+        <a:shade val="60000"/>
+      </a:schemeClr>
+    </dgm:linClrLst>
+    <dgm:effectClrLst/>
+    <dgm:txLinClrLst/>
+    <dgm:txFillClrLst meth="repeat">
+      <a:schemeClr val="tx1"/>
+    </dgm:txFillClrLst>
+    <dgm:txEffectClrLst/>
+  </dgm:styleLbl>
+  <dgm:styleLbl name="parChTrans1D3">
+    <dgm:fillClrLst meth="repeat">
+      <a:schemeClr val="dk2"/>
+    </dgm:fillClrLst>
+    <dgm:linClrLst meth="repeat">
+      <a:schemeClr val="dk2">
+        <a:shade val="80000"/>
+      </a:schemeClr>
+    </dgm:linClrLst>
+    <dgm:effectClrLst/>
+    <dgm:txLinClrLst/>
+    <dgm:txFillClrLst meth="repeat">
+      <a:schemeClr val="tx1"/>
+    </dgm:txFillClrLst>
+    <dgm:txEffectClrLst/>
+  </dgm:styleLbl>
+  <dgm:styleLbl name="parChTrans1D4">
+    <dgm:fillClrLst meth="repeat">
+      <a:schemeClr val="dk2"/>
+    </dgm:fillClrLst>
+    <dgm:linClrLst meth="repeat">
+      <a:schemeClr val="dk2">
+        <a:shade val="80000"/>
+      </a:schemeClr>
+    </dgm:linClrLst>
+    <dgm:effectClrLst/>
+    <dgm:txLinClrLst/>
+    <dgm:txFillClrLst meth="repeat">
+      <a:schemeClr val="tx1"/>
+    </dgm:txFillClrLst>
+    <dgm:txEffectClrLst/>
+  </dgm:styleLbl>
+  <dgm:styleLbl name="fgAcc1">
+    <dgm:fillClrLst meth="repeat">
+      <a:schemeClr val="lt2">
+        <a:alpha val="90000"/>
+      </a:schemeClr>
+    </dgm:fillClrLst>
+    <dgm:linClrLst meth="repeat">
+      <a:schemeClr val="dk2"/>
+    </dgm:linClrLst>
+    <dgm:effectClrLst/>
+    <dgm:txLinClrLst/>
+    <dgm:txFillClrLst meth="repeat">
+      <a:schemeClr val="dk1"/>
+    </dgm:txFillClrLst>
+    <dgm:txEffectClrLst/>
+  </dgm:styleLbl>
+  <dgm:styleLbl name="conFgAcc1">
+    <dgm:fillClrLst meth="repeat">
+      <a:schemeClr val="lt2">
+        <a:alpha val="90000"/>
+      </a:schemeClr>
+    </dgm:fillClrLst>
+    <dgm:linClrLst meth="repeat">
+      <a:schemeClr val="dk2"/>
+    </dgm:linClrLst>
+    <dgm:effectClrLst/>
+    <dgm:txLinClrLst/>
+    <dgm:txFillClrLst meth="repeat">
+      <a:schemeClr val="dk1"/>
+    </dgm:txFillClrLst>
+    <dgm:txEffectClrLst/>
+  </dgm:styleLbl>
+  <dgm:styleLbl name="alignAcc1">
+    <dgm:fillClrLst meth="repeat">
+      <a:schemeClr val="lt2">
+        <a:alpha val="90000"/>
+      </a:schemeClr>
+    </dgm:fillClrLst>
+    <dgm:linClrLst meth="repeat">
+      <a:schemeClr val="dk2"/>
+    </dgm:linClrLst>
+    <dgm:effectClrLst/>
+    <dgm:txLinClrLst/>
+    <dgm:txFillClrLst meth="repeat">
+      <a:schemeClr val="dk1"/>
+    </dgm:txFillClrLst>
+    <dgm:txEffectClrLst/>
+  </dgm:styleLbl>
+  <dgm:styleLbl name="trAlignAcc1">
+    <dgm:fillClrLst meth="repeat">
+      <a:schemeClr val="lt2">
+        <a:alpha val="40000"/>
+      </a:schemeClr>
+    </dgm:fillClrLst>
+    <dgm:linClrLst meth="repeat">
+      <a:schemeClr val="dk2"/>
+    </dgm:linClrLst>
+    <dgm:effectClrLst/>
+    <dgm:txLinClrLst/>
+    <dgm:txFillClrLst meth="repeat">
+      <a:schemeClr val="dk1"/>
+    </dgm:txFillClrLst>
+    <dgm:txEffectClrLst/>
+  </dgm:styleLbl>
+  <dgm:styleLbl name="bgAcc1">
+    <dgm:fillClrLst meth="repeat">
+      <a:schemeClr val="lt2">
+        <a:alpha val="90000"/>
+      </a:schemeClr>
+    </dgm:fillClrLst>
+    <dgm:linClrLst meth="repeat">
+      <a:schemeClr val="dk2"/>
+    </dgm:linClrLst>
+    <dgm:effectClrLst/>
+    <dgm:txLinClrLst/>
+    <dgm:txFillClrLst meth="repeat">
+      <a:schemeClr val="dk1"/>
+    </dgm:txFillClrLst>
+    <dgm:txEffectClrLst/>
+  </dgm:styleLbl>
+  <dgm:styleLbl name="solidFgAcc1">
+    <dgm:fillClrLst meth="repeat">
+      <a:schemeClr val="lt2"/>
+    </dgm:fillClrLst>
+    <dgm:linClrLst meth="repeat">
+      <a:schemeClr val="dk2"/>
+    </dgm:linClrLst>
+    <dgm:effectClrLst/>
+    <dgm:txLinClrLst/>
+    <dgm:txFillClrLst meth="repeat">
+      <a:schemeClr val="dk1"/>
+    </dgm:txFillClrLst>
+    <dgm:txEffectClrLst/>
+  </dgm:styleLbl>
+  <dgm:styleLbl name="solidAlignAcc1">
+    <dgm:fillClrLst meth="repeat">
+      <a:schemeClr val="lt2"/>
+    </dgm:fillClrLst>
+    <dgm:linClrLst meth="repeat">
+      <a:schemeClr val="dk2"/>
+    </dgm:linClrLst>
+    <dgm:effectClrLst/>
+    <dgm:txLinClrLst/>
+    <dgm:txFillClrLst meth="repeat">
+      <a:schemeClr val="dk1"/>
+    </dgm:txFillClrLst>
+    <dgm:txEffectClrLst/>
+  </dgm:styleLbl>
+  <dgm:styleLbl name="solidBgAcc1">
+    <dgm:fillClrLst meth="repeat">
+      <a:schemeClr val="lt2"/>
+    </dgm:fillClrLst>
+    <dgm:linClrLst meth="repeat">
+      <a:schemeClr val="dk2"/>
+    </dgm:linClrLst>
+    <dgm:effectClrLst/>
+    <dgm:txLinClrLst/>
+    <dgm:txFillClrLst meth="repeat">
+      <a:schemeClr val="dk1"/>
+    </dgm:txFillClrLst>
+    <dgm:txEffectClrLst/>
+  </dgm:styleLbl>
+  <dgm:styleLbl name="fgAccFollowNode1">
+    <dgm:fillClrLst meth="repeat">
+      <a:schemeClr val="dk2">
+        <a:alpha val="90000"/>
+        <a:tint val="40000"/>
+      </a:schemeClr>
+    </dgm:fillClrLst>
+    <dgm:linClrLst meth="repeat">
+      <a:schemeClr val="dk2">
+        <a:alpha val="90000"/>
+        <a:tint val="40000"/>
+      </a:schemeClr>
+    </dgm:linClrLst>
+    <dgm:effectClrLst/>
+    <dgm:txLinClrLst/>
+    <dgm:txFillClrLst meth="repeat">
+      <a:schemeClr val="dk1"/>
+    </dgm:txFillClrLst>
+    <dgm:txEffectClrLst/>
+  </dgm:styleLbl>
+  <dgm:styleLbl name="alignAccFollowNode1">
+    <dgm:fillClrLst meth="repeat">
+      <a:schemeClr val="dk2">
+        <a:alpha val="90000"/>
+        <a:tint val="40000"/>
+      </a:schemeClr>
+    </dgm:fillClrLst>
+    <dgm:linClrLst meth="repeat">
+      <a:schemeClr val="dk2">
+        <a:alpha val="90000"/>
+        <a:tint val="40000"/>
+      </a:schemeClr>
+    </dgm:linClrLst>
+    <dgm:effectClrLst/>
+    <dgm:txLinClrLst/>
+    <dgm:txFillClrLst meth="repeat">
+      <a:schemeClr val="dk1"/>
+    </dgm:txFillClrLst>
+    <dgm:txEffectClrLst/>
+  </dgm:styleLbl>
+  <dgm:styleLbl name="bgAccFollowNode1">
+    <dgm:fillClrLst meth="repeat">
+      <a:schemeClr val="dk2">
+        <a:alpha val="90000"/>
+        <a:tint val="40000"/>
+      </a:schemeClr>
+    </dgm:fillClrLst>
+    <dgm:linClrLst meth="repeat">
+      <a:schemeClr val="dk2">
+        <a:alpha val="90000"/>
+        <a:tint val="40000"/>
+      </a:schemeClr>
+    </dgm:linClrLst>
+    <dgm:effectClrLst/>
+    <dgm:txLinClrLst/>
+    <dgm:txFillClrLst meth="repeat">
+      <a:schemeClr val="dk1"/>
+    </dgm:txFillClrLst>
+    <dgm:txEffectClrLst/>
+  </dgm:styleLbl>
+  <dgm:styleLbl name="fgAcc0">
+    <dgm:fillClrLst meth="repeat">
+      <a:schemeClr val="lt2">
+        <a:alpha val="90000"/>
+      </a:schemeClr>
+    </dgm:fillClrLst>
+    <dgm:linClrLst meth="repeat">
+      <a:schemeClr val="dk2"/>
+    </dgm:linClrLst>
+    <dgm:effectClrLst/>
+    <dgm:txLinClrLst/>
+    <dgm:txFillClrLst meth="repeat">
+      <a:schemeClr val="dk1"/>
+    </dgm:txFillClrLst>
+    <dgm:txEffectClrLst/>
+  </dgm:styleLbl>
+  <dgm:styleLbl name="fgAcc2">
+    <dgm:fillClrLst meth="repeat">
+      <a:schemeClr val="lt2">
+        <a:alpha val="90000"/>
+      </a:schemeClr>
+    </dgm:fillClrLst>
+    <dgm:linClrLst meth="repeat">
+      <a:schemeClr val="dk2"/>
+    </dgm:linClrLst>
+    <dgm:effectClrLst/>
+    <dgm:txLinClrLst/>
+    <dgm:txFillClrLst meth="repeat">
+      <a:schemeClr val="dk1"/>
+    </dgm:txFillClrLst>
+    <dgm:txEffectClrLst/>
+  </dgm:styleLbl>
+  <dgm:styleLbl name="fgAcc3">
+    <dgm:fillClrLst meth="repeat">
+      <a:schemeClr val="lt2">
+        <a:alpha val="90000"/>
+      </a:schemeClr>
+    </dgm:fillClrLst>
+    <dgm:linClrLst meth="repeat">
+      <a:schemeClr val="dk2"/>
+    </dgm:linClrLst>
+    <dgm:effectClrLst/>
+    <dgm:txLinClrLst/>
+    <dgm:txFillClrLst meth="repeat">
+      <a:schemeClr val="dk1"/>
+    </dgm:txFillClrLst>
+    <dgm:txEffectClrLst/>
+  </dgm:styleLbl>
+  <dgm:styleLbl name="fgAcc4">
+    <dgm:fillClrLst meth="repeat">
+      <a:schemeClr val="lt2">
+        <a:alpha val="90000"/>
+      </a:schemeClr>
+    </dgm:fillClrLst>
+    <dgm:linClrLst meth="repeat">
+      <a:schemeClr val="dk2"/>
+    </dgm:linClrLst>
+    <dgm:effectClrLst/>
+    <dgm:txLinClrLst/>
+    <dgm:txFillClrLst meth="repeat">
+      <a:schemeClr val="dk1"/>
+    </dgm:txFillClrLst>
+    <dgm:txEffectClrLst/>
+  </dgm:styleLbl>
+  <dgm:styleLbl name="bgShp">
+    <dgm:fillClrLst meth="repeat">
+      <a:schemeClr val="dk2">
+        <a:tint val="40000"/>
+      </a:schemeClr>
+    </dgm:fillClrLst>
+    <dgm:linClrLst meth="repeat">
+      <a:schemeClr val="dk2"/>
+    </dgm:linClrLst>
+    <dgm:effectClrLst/>
+    <dgm:txLinClrLst/>
+    <dgm:txFillClrLst meth="repeat">
+      <a:schemeClr val="dk1"/>
+    </dgm:txFillClrLst>
+    <dgm:txEffectClrLst/>
+  </dgm:styleLbl>
+  <dgm:styleLbl name="dkBgShp">
+    <dgm:fillClrLst meth="repeat">
+      <a:schemeClr val="dk2">
+        <a:shade val="80000"/>
+      </a:schemeClr>
+    </dgm:fillClrLst>
+    <dgm:linClrLst meth="repeat">
+      <a:schemeClr val="dk2"/>
+    </dgm:linClrLst>
+    <dgm:effectClrLst/>
+    <dgm:txLinClrLst/>
+    <dgm:txFillClrLst meth="repeat">
+      <a:schemeClr val="lt1"/>
+    </dgm:txFillClrLst>
+    <dgm:txEffectClrLst/>
+  </dgm:styleLbl>
+  <dgm:styleLbl name="trBgShp">
+    <dgm:fillClrLst meth="repeat">
+      <a:schemeClr val="dk2">
+        <a:tint val="50000"/>
+        <a:alpha val="40000"/>
+      </a:schemeClr>
+    </dgm:fillClrLst>
+    <dgm:linClrLst meth="repeat">
+      <a:schemeClr val="dk2"/>
+    </dgm:linClrLst>
+    <dgm:effectClrLst/>
+    <dgm:txLinClrLst/>
+    <dgm:txFillClrLst meth="repeat">
+      <a:schemeClr val="lt1"/>
+    </dgm:txFillClrLst>
+    <dgm:txEffectClrLst/>
+  </dgm:styleLbl>
+  <dgm:styleLbl name="fgShp">
+    <dgm:fillClrLst meth="repeat">
+      <a:schemeClr val="dk2">
+        <a:tint val="60000"/>
+      </a:schemeClr>
+    </dgm:fillClrLst>
+    <dgm:linClrLst meth="repeat">
+      <a:schemeClr val="lt2"/>
+    </dgm:linClrLst>
+    <dgm:effectClrLst/>
+    <dgm:txLinClrLst/>
+    <dgm:txFillClrLst meth="repeat">
+      <a:schemeClr val="dk1"/>
+    </dgm:txFillClrLst>
+    <dgm:txEffectClrLst/>
+  </dgm:styleLbl>
+  <dgm:styleLbl name="revTx">
+    <dgm:fillClrLst meth="repeat">
+      <a:schemeClr val="lt2">
+        <a:alpha val="0"/>
+      </a:schemeClr>
+    </dgm:fillClrLst>
+    <dgm:linClrLst meth="repeat">
+      <a:schemeClr val="dk1">
+        <a:alpha val="0"/>
+      </a:schemeClr>
+    </dgm:linClrLst>
+    <dgm:effectClrLst/>
+    <dgm:txLinClrLst/>
+    <dgm:txFillClrLst meth="repeat">
+      <a:schemeClr val="tx1"/>
+    </dgm:txFillClrLst>
+    <dgm:txEffectClrLst/>
+  </dgm:styleLbl>
+</dgm:colorsDef>
+</file>
+
+<file path=ppt/diagrams/colors4.xml><?xml version="1.0" encoding="utf-8"?>
 <dgm:colorsDef xmlns:dgm="http://schemas.openxmlformats.org/drawingml/2006/diagram" xmlns:a="http://schemas.openxmlformats.org/drawingml/2006/main" uniqueId="urn:microsoft.com/office/officeart/2005/8/colors/accent1_2">
   <dgm:title val=""/>
   <dgm:desc val=""/>
@@ -2363,6 +3121,389 @@
 </file>
 
 <file path=ppt/diagrams/data1.xml><?xml version="1.0" encoding="utf-8"?>
+<dgm:dataModel xmlns:dgm="http://schemas.openxmlformats.org/drawingml/2006/diagram" xmlns:a="http://schemas.openxmlformats.org/drawingml/2006/main">
+  <dgm:ptLst>
+    <dgm:pt modelId="{A716C778-475D-4BE5-BC27-1B14239940A7}" type="doc">
+      <dgm:prSet loTypeId="urn:microsoft.com/office/officeart/2005/8/layout/list1" loCatId="list" qsTypeId="urn:microsoft.com/office/officeart/2005/8/quickstyle/simple2" qsCatId="simple" csTypeId="urn:microsoft.com/office/officeart/2005/8/colors/accent1_2" csCatId="accent1" phldr="1"/>
+      <dgm:spPr/>
+      <dgm:t>
+        <a:bodyPr/>
+        <a:lstStyle/>
+        <a:p>
+          <a:endParaRPr lang="en-US"/>
+        </a:p>
+      </dgm:t>
+    </dgm:pt>
+    <dgm:pt modelId="{8E03B699-2307-4F0E-96F4-E087B12FCC64}">
+      <dgm:prSet/>
+      <dgm:spPr/>
+      <dgm:t>
+        <a:bodyPr/>
+        <a:lstStyle/>
+        <a:p>
+          <a:r>
+            <a:rPr lang="en-US"/>
+            <a:t>Warehouse Automation</a:t>
+          </a:r>
+        </a:p>
+      </dgm:t>
+    </dgm:pt>
+    <dgm:pt modelId="{C9ECFB28-8B28-43BC-AD4F-F48DE96C6A20}" type="parTrans" cxnId="{454F57AA-132A-4838-A5A3-9AB98B093846}">
+      <dgm:prSet/>
+      <dgm:spPr/>
+      <dgm:t>
+        <a:bodyPr/>
+        <a:lstStyle/>
+        <a:p>
+          <a:endParaRPr lang="en-US"/>
+        </a:p>
+      </dgm:t>
+    </dgm:pt>
+    <dgm:pt modelId="{791213EB-0580-442B-A0EE-396DBC6E7FE4}" type="sibTrans" cxnId="{454F57AA-132A-4838-A5A3-9AB98B093846}">
+      <dgm:prSet/>
+      <dgm:spPr/>
+      <dgm:t>
+        <a:bodyPr/>
+        <a:lstStyle/>
+        <a:p>
+          <a:endParaRPr lang="en-US"/>
+        </a:p>
+      </dgm:t>
+    </dgm:pt>
+    <dgm:pt modelId="{291E5710-8D4C-4297-B51B-083543262D02}">
+      <dgm:prSet/>
+      <dgm:spPr/>
+      <dgm:t>
+        <a:bodyPr/>
+        <a:lstStyle/>
+        <a:p>
+          <a:r>
+            <a:rPr lang="en-US" dirty="0"/>
+            <a:t>Grid-based map (no diagonal movement)</a:t>
+          </a:r>
+        </a:p>
+      </dgm:t>
+    </dgm:pt>
+    <dgm:pt modelId="{AD6437F3-A0B1-4BB5-AF42-9E2C542EDC98}" type="parTrans" cxnId="{EE660F47-1739-41EA-B585-03D37CDE0FEB}">
+      <dgm:prSet/>
+      <dgm:spPr/>
+      <dgm:t>
+        <a:bodyPr/>
+        <a:lstStyle/>
+        <a:p>
+          <a:endParaRPr lang="en-US"/>
+        </a:p>
+      </dgm:t>
+    </dgm:pt>
+    <dgm:pt modelId="{5774A6A7-7FF4-47F0-B57C-1D8D1FF6B5DD}" type="sibTrans" cxnId="{EE660F47-1739-41EA-B585-03D37CDE0FEB}">
+      <dgm:prSet/>
+      <dgm:spPr/>
+      <dgm:t>
+        <a:bodyPr/>
+        <a:lstStyle/>
+        <a:p>
+          <a:endParaRPr lang="en-US"/>
+        </a:p>
+      </dgm:t>
+    </dgm:pt>
+    <dgm:pt modelId="{3B24DC8C-AC2F-4B18-B38E-ADD8F3A39F88}">
+      <dgm:prSet/>
+      <dgm:spPr/>
+      <dgm:t>
+        <a:bodyPr/>
+        <a:lstStyle/>
+        <a:p>
+          <a:r>
+            <a:rPr lang="en-US"/>
+            <a:t>Optimality</a:t>
+          </a:r>
+        </a:p>
+      </dgm:t>
+    </dgm:pt>
+    <dgm:pt modelId="{F5889D73-EDED-475A-91A7-293F8E5A83E7}" type="parTrans" cxnId="{3394CF09-354D-4281-B591-FB34E4706A9F}">
+      <dgm:prSet/>
+      <dgm:spPr/>
+      <dgm:t>
+        <a:bodyPr/>
+        <a:lstStyle/>
+        <a:p>
+          <a:endParaRPr lang="en-US"/>
+        </a:p>
+      </dgm:t>
+    </dgm:pt>
+    <dgm:pt modelId="{7E067D62-12A5-41E7-8F66-688F903FBC59}" type="sibTrans" cxnId="{3394CF09-354D-4281-B591-FB34E4706A9F}">
+      <dgm:prSet/>
+      <dgm:spPr/>
+      <dgm:t>
+        <a:bodyPr/>
+        <a:lstStyle/>
+        <a:p>
+          <a:endParaRPr lang="en-US"/>
+        </a:p>
+      </dgm:t>
+    </dgm:pt>
+    <dgm:pt modelId="{0CC60930-E5F6-4077-99D4-DF0D5BBAD512}">
+      <dgm:prSet/>
+      <dgm:spPr/>
+      <dgm:t>
+        <a:bodyPr/>
+        <a:lstStyle/>
+        <a:p>
+          <a:r>
+            <a:rPr lang="en-US"/>
+            <a:t>Make span</a:t>
+          </a:r>
+        </a:p>
+      </dgm:t>
+    </dgm:pt>
+    <dgm:pt modelId="{26369FE2-8D89-4917-9280-73EBD78B6CA3}" type="parTrans" cxnId="{51A62BED-440A-460B-9C6C-F93903BCF4F1}">
+      <dgm:prSet/>
+      <dgm:spPr/>
+      <dgm:t>
+        <a:bodyPr/>
+        <a:lstStyle/>
+        <a:p>
+          <a:endParaRPr lang="en-US"/>
+        </a:p>
+      </dgm:t>
+    </dgm:pt>
+    <dgm:pt modelId="{24DAC336-DB6E-4DEC-A1D8-359F1F373C0B}" type="sibTrans" cxnId="{51A62BED-440A-460B-9C6C-F93903BCF4F1}">
+      <dgm:prSet/>
+      <dgm:spPr/>
+      <dgm:t>
+        <a:bodyPr/>
+        <a:lstStyle/>
+        <a:p>
+          <a:endParaRPr lang="en-US"/>
+        </a:p>
+      </dgm:t>
+    </dgm:pt>
+    <dgm:pt modelId="{8540C8D8-11CA-4742-944B-C6FC1D873B2E}">
+      <dgm:prSet/>
+      <dgm:spPr/>
+      <dgm:t>
+        <a:bodyPr/>
+        <a:lstStyle/>
+        <a:p>
+          <a:r>
+            <a:rPr lang="en-US"/>
+            <a:t>Distance</a:t>
+          </a:r>
+        </a:p>
+      </dgm:t>
+    </dgm:pt>
+    <dgm:pt modelId="{050295CE-DE91-4BF2-8A54-683A45C46D39}" type="parTrans" cxnId="{A9E29698-79F4-4451-BF21-4911F31424A2}">
+      <dgm:prSet/>
+      <dgm:spPr/>
+      <dgm:t>
+        <a:bodyPr/>
+        <a:lstStyle/>
+        <a:p>
+          <a:endParaRPr lang="en-US"/>
+        </a:p>
+      </dgm:t>
+    </dgm:pt>
+    <dgm:pt modelId="{FDC69B4B-8079-4FE9-AC5C-3629AFF94B0C}" type="sibTrans" cxnId="{A9E29698-79F4-4451-BF21-4911F31424A2}">
+      <dgm:prSet/>
+      <dgm:spPr/>
+      <dgm:t>
+        <a:bodyPr/>
+        <a:lstStyle/>
+        <a:p>
+          <a:endParaRPr lang="en-US"/>
+        </a:p>
+      </dgm:t>
+    </dgm:pt>
+    <dgm:pt modelId="{105F302D-BC51-4875-9ECC-97F138DFAF8E}">
+      <dgm:prSet/>
+      <dgm:spPr/>
+      <dgm:t>
+        <a:bodyPr/>
+        <a:lstStyle/>
+        <a:p>
+          <a:r>
+            <a:rPr lang="en-US"/>
+            <a:t>Down-time</a:t>
+          </a:r>
+        </a:p>
+      </dgm:t>
+    </dgm:pt>
+    <dgm:pt modelId="{CDD90767-1FFD-41E1-92E8-BE3F3C362F3F}" type="parTrans" cxnId="{71D12636-B9C0-4540-9FB4-F6292381702C}">
+      <dgm:prSet/>
+      <dgm:spPr/>
+      <dgm:t>
+        <a:bodyPr/>
+        <a:lstStyle/>
+        <a:p>
+          <a:endParaRPr lang="en-US"/>
+        </a:p>
+      </dgm:t>
+    </dgm:pt>
+    <dgm:pt modelId="{C1CD8594-BE2E-4283-AF1C-DC625111AAEF}" type="sibTrans" cxnId="{71D12636-B9C0-4540-9FB4-F6292381702C}">
+      <dgm:prSet/>
+      <dgm:spPr/>
+      <dgm:t>
+        <a:bodyPr/>
+        <a:lstStyle/>
+        <a:p>
+          <a:endParaRPr lang="en-US"/>
+        </a:p>
+      </dgm:t>
+    </dgm:pt>
+    <dgm:pt modelId="{9C59AF03-20D9-46C2-AA7D-AEFB46C7B483}">
+      <dgm:prSet/>
+      <dgm:spPr/>
+      <dgm:t>
+        <a:bodyPr/>
+        <a:lstStyle/>
+        <a:p>
+          <a:r>
+            <a:rPr lang="en-US"/>
+            <a:t>Cooperative </a:t>
+          </a:r>
+          <a:r>
+            <a:rPr lang="en-US" dirty="0"/>
+            <a:t>multi-agent pathfinding</a:t>
+          </a:r>
+        </a:p>
+      </dgm:t>
+    </dgm:pt>
+    <dgm:pt modelId="{E7137688-EC59-4BBD-B723-AAAA9E87C13B}" type="parTrans" cxnId="{8792B549-82A6-4918-A71A-BCA61BB1C692}">
+      <dgm:prSet/>
+      <dgm:spPr/>
+      <dgm:t>
+        <a:bodyPr/>
+        <a:lstStyle/>
+        <a:p>
+          <a:endParaRPr lang="en-US"/>
+        </a:p>
+      </dgm:t>
+    </dgm:pt>
+    <dgm:pt modelId="{91CC4559-14E3-4124-8BD9-8FDF7F71B5BD}" type="sibTrans" cxnId="{8792B549-82A6-4918-A71A-BCA61BB1C692}">
+      <dgm:prSet/>
+      <dgm:spPr/>
+      <dgm:t>
+        <a:bodyPr/>
+        <a:lstStyle/>
+        <a:p>
+          <a:endParaRPr lang="en-US"/>
+        </a:p>
+      </dgm:t>
+    </dgm:pt>
+    <dgm:pt modelId="{7CB7DCEC-7AB0-42EF-BFC8-5EAD8AE9F9E7}" type="pres">
+      <dgm:prSet presAssocID="{A716C778-475D-4BE5-BC27-1B14239940A7}" presName="linear" presStyleCnt="0">
+        <dgm:presLayoutVars>
+          <dgm:dir/>
+          <dgm:animLvl val="lvl"/>
+          <dgm:resizeHandles val="exact"/>
+        </dgm:presLayoutVars>
+      </dgm:prSet>
+      <dgm:spPr/>
+    </dgm:pt>
+    <dgm:pt modelId="{79D0E5FE-5274-406E-97B1-57D5F19ADAE8}" type="pres">
+      <dgm:prSet presAssocID="{8E03B699-2307-4F0E-96F4-E087B12FCC64}" presName="parentLin" presStyleCnt="0"/>
+      <dgm:spPr/>
+    </dgm:pt>
+    <dgm:pt modelId="{F9A712C8-CECA-4A91-A684-0B3E84D0854D}" type="pres">
+      <dgm:prSet presAssocID="{8E03B699-2307-4F0E-96F4-E087B12FCC64}" presName="parentLeftMargin" presStyleLbl="node1" presStyleIdx="0" presStyleCnt="2"/>
+      <dgm:spPr/>
+    </dgm:pt>
+    <dgm:pt modelId="{8A10C3B4-7628-4210-B08E-4D3D0CFFFB25}" type="pres">
+      <dgm:prSet presAssocID="{8E03B699-2307-4F0E-96F4-E087B12FCC64}" presName="parentText" presStyleLbl="node1" presStyleIdx="0" presStyleCnt="2">
+        <dgm:presLayoutVars>
+          <dgm:chMax val="0"/>
+          <dgm:bulletEnabled val="1"/>
+        </dgm:presLayoutVars>
+      </dgm:prSet>
+      <dgm:spPr/>
+    </dgm:pt>
+    <dgm:pt modelId="{FB586F16-1141-4F3D-B94A-8DD690C0B304}" type="pres">
+      <dgm:prSet presAssocID="{8E03B699-2307-4F0E-96F4-E087B12FCC64}" presName="negativeSpace" presStyleCnt="0"/>
+      <dgm:spPr/>
+    </dgm:pt>
+    <dgm:pt modelId="{26841457-B676-447C-9FA6-AEA62C294DE6}" type="pres">
+      <dgm:prSet presAssocID="{8E03B699-2307-4F0E-96F4-E087B12FCC64}" presName="childText" presStyleLbl="conFgAcc1" presStyleIdx="0" presStyleCnt="2">
+        <dgm:presLayoutVars>
+          <dgm:bulletEnabled val="1"/>
+        </dgm:presLayoutVars>
+      </dgm:prSet>
+      <dgm:spPr/>
+    </dgm:pt>
+    <dgm:pt modelId="{E8DE8ECC-2CFB-4957-804E-26648731333E}" type="pres">
+      <dgm:prSet presAssocID="{791213EB-0580-442B-A0EE-396DBC6E7FE4}" presName="spaceBetweenRectangles" presStyleCnt="0"/>
+      <dgm:spPr/>
+    </dgm:pt>
+    <dgm:pt modelId="{30933C25-F620-4927-B5F2-CE126E2B4381}" type="pres">
+      <dgm:prSet presAssocID="{3B24DC8C-AC2F-4B18-B38E-ADD8F3A39F88}" presName="parentLin" presStyleCnt="0"/>
+      <dgm:spPr/>
+    </dgm:pt>
+    <dgm:pt modelId="{8FF2EE4F-51BE-4DC6-B027-475B2E1C8440}" type="pres">
+      <dgm:prSet presAssocID="{3B24DC8C-AC2F-4B18-B38E-ADD8F3A39F88}" presName="parentLeftMargin" presStyleLbl="node1" presStyleIdx="0" presStyleCnt="2"/>
+      <dgm:spPr/>
+    </dgm:pt>
+    <dgm:pt modelId="{EFE36734-0455-43E9-BC21-32764747300A}" type="pres">
+      <dgm:prSet presAssocID="{3B24DC8C-AC2F-4B18-B38E-ADD8F3A39F88}" presName="parentText" presStyleLbl="node1" presStyleIdx="1" presStyleCnt="2">
+        <dgm:presLayoutVars>
+          <dgm:chMax val="0"/>
+          <dgm:bulletEnabled val="1"/>
+        </dgm:presLayoutVars>
+      </dgm:prSet>
+      <dgm:spPr/>
+    </dgm:pt>
+    <dgm:pt modelId="{948CC466-E5E0-4AD5-BAF7-874D801A9617}" type="pres">
+      <dgm:prSet presAssocID="{3B24DC8C-AC2F-4B18-B38E-ADD8F3A39F88}" presName="negativeSpace" presStyleCnt="0"/>
+      <dgm:spPr/>
+    </dgm:pt>
+    <dgm:pt modelId="{ABD2BFAC-CB7F-407C-88C7-CA5E9A48C76A}" type="pres">
+      <dgm:prSet presAssocID="{3B24DC8C-AC2F-4B18-B38E-ADD8F3A39F88}" presName="childText" presStyleLbl="conFgAcc1" presStyleIdx="1" presStyleCnt="2">
+        <dgm:presLayoutVars>
+          <dgm:bulletEnabled val="1"/>
+        </dgm:presLayoutVars>
+      </dgm:prSet>
+      <dgm:spPr/>
+    </dgm:pt>
+  </dgm:ptLst>
+  <dgm:cxnLst>
+    <dgm:cxn modelId="{3394CF09-354D-4281-B591-FB34E4706A9F}" srcId="{A716C778-475D-4BE5-BC27-1B14239940A7}" destId="{3B24DC8C-AC2F-4B18-B38E-ADD8F3A39F88}" srcOrd="1" destOrd="0" parTransId="{F5889D73-EDED-475A-91A7-293F8E5A83E7}" sibTransId="{7E067D62-12A5-41E7-8F66-688F903FBC59}"/>
+    <dgm:cxn modelId="{71D12636-B9C0-4540-9FB4-F6292381702C}" srcId="{3B24DC8C-AC2F-4B18-B38E-ADD8F3A39F88}" destId="{105F302D-BC51-4875-9ECC-97F138DFAF8E}" srcOrd="2" destOrd="0" parTransId="{CDD90767-1FFD-41E1-92E8-BE3F3C362F3F}" sibTransId="{C1CD8594-BE2E-4283-AF1C-DC625111AAEF}"/>
+    <dgm:cxn modelId="{3E2C6F5F-A229-4743-A478-BC7C24DCABAB}" type="presOf" srcId="{A716C778-475D-4BE5-BC27-1B14239940A7}" destId="{7CB7DCEC-7AB0-42EF-BFC8-5EAD8AE9F9E7}" srcOrd="0" destOrd="0" presId="urn:microsoft.com/office/officeart/2005/8/layout/list1"/>
+    <dgm:cxn modelId="{FC0D2246-0D22-4E8A-A8DF-8DEA3C965C1D}" type="presOf" srcId="{8E03B699-2307-4F0E-96F4-E087B12FCC64}" destId="{F9A712C8-CECA-4A91-A684-0B3E84D0854D}" srcOrd="0" destOrd="0" presId="urn:microsoft.com/office/officeart/2005/8/layout/list1"/>
+    <dgm:cxn modelId="{133C9766-3DC4-4258-B6DE-4B88477FE25F}" type="presOf" srcId="{3B24DC8C-AC2F-4B18-B38E-ADD8F3A39F88}" destId="{8FF2EE4F-51BE-4DC6-B027-475B2E1C8440}" srcOrd="0" destOrd="0" presId="urn:microsoft.com/office/officeart/2005/8/layout/list1"/>
+    <dgm:cxn modelId="{EE660F47-1739-41EA-B585-03D37CDE0FEB}" srcId="{8E03B699-2307-4F0E-96F4-E087B12FCC64}" destId="{291E5710-8D4C-4297-B51B-083543262D02}" srcOrd="0" destOrd="0" parTransId="{AD6437F3-A0B1-4BB5-AF42-9E2C542EDC98}" sibTransId="{5774A6A7-7FF4-47F0-B57C-1D8D1FF6B5DD}"/>
+    <dgm:cxn modelId="{8792B549-82A6-4918-A71A-BCA61BB1C692}" srcId="{8E03B699-2307-4F0E-96F4-E087B12FCC64}" destId="{9C59AF03-20D9-46C2-AA7D-AEFB46C7B483}" srcOrd="1" destOrd="0" parTransId="{E7137688-EC59-4BBD-B723-AAAA9E87C13B}" sibTransId="{91CC4559-14E3-4124-8BD9-8FDF7F71B5BD}"/>
+    <dgm:cxn modelId="{3827766E-B332-4D60-B8E8-CAB30D0CA9BD}" type="presOf" srcId="{9C59AF03-20D9-46C2-AA7D-AEFB46C7B483}" destId="{26841457-B676-447C-9FA6-AEA62C294DE6}" srcOrd="0" destOrd="1" presId="urn:microsoft.com/office/officeart/2005/8/layout/list1"/>
+    <dgm:cxn modelId="{C0FB0F59-DC60-4A94-A58C-18EA323E4E6D}" type="presOf" srcId="{291E5710-8D4C-4297-B51B-083543262D02}" destId="{26841457-B676-447C-9FA6-AEA62C294DE6}" srcOrd="0" destOrd="0" presId="urn:microsoft.com/office/officeart/2005/8/layout/list1"/>
+    <dgm:cxn modelId="{52F4EE89-F9A7-4B1B-BFF7-CB3AA92D4404}" type="presOf" srcId="{3B24DC8C-AC2F-4B18-B38E-ADD8F3A39F88}" destId="{EFE36734-0455-43E9-BC21-32764747300A}" srcOrd="1" destOrd="0" presId="urn:microsoft.com/office/officeart/2005/8/layout/list1"/>
+    <dgm:cxn modelId="{A9E29698-79F4-4451-BF21-4911F31424A2}" srcId="{3B24DC8C-AC2F-4B18-B38E-ADD8F3A39F88}" destId="{8540C8D8-11CA-4742-944B-C6FC1D873B2E}" srcOrd="1" destOrd="0" parTransId="{050295CE-DE91-4BF2-8A54-683A45C46D39}" sibTransId="{FDC69B4B-8079-4FE9-AC5C-3629AFF94B0C}"/>
+    <dgm:cxn modelId="{454F57AA-132A-4838-A5A3-9AB98B093846}" srcId="{A716C778-475D-4BE5-BC27-1B14239940A7}" destId="{8E03B699-2307-4F0E-96F4-E087B12FCC64}" srcOrd="0" destOrd="0" parTransId="{C9ECFB28-8B28-43BC-AD4F-F48DE96C6A20}" sibTransId="{791213EB-0580-442B-A0EE-396DBC6E7FE4}"/>
+    <dgm:cxn modelId="{BF9045D2-2E07-4963-AAF9-A8826443239B}" type="presOf" srcId="{0CC60930-E5F6-4077-99D4-DF0D5BBAD512}" destId="{ABD2BFAC-CB7F-407C-88C7-CA5E9A48C76A}" srcOrd="0" destOrd="0" presId="urn:microsoft.com/office/officeart/2005/8/layout/list1"/>
+    <dgm:cxn modelId="{F79DC0D3-3D8D-4685-A420-B90C8B57E5AA}" type="presOf" srcId="{8E03B699-2307-4F0E-96F4-E087B12FCC64}" destId="{8A10C3B4-7628-4210-B08E-4D3D0CFFFB25}" srcOrd="1" destOrd="0" presId="urn:microsoft.com/office/officeart/2005/8/layout/list1"/>
+    <dgm:cxn modelId="{51A62BED-440A-460B-9C6C-F93903BCF4F1}" srcId="{3B24DC8C-AC2F-4B18-B38E-ADD8F3A39F88}" destId="{0CC60930-E5F6-4077-99D4-DF0D5BBAD512}" srcOrd="0" destOrd="0" parTransId="{26369FE2-8D89-4917-9280-73EBD78B6CA3}" sibTransId="{24DAC336-DB6E-4DEC-A1D8-359F1F373C0B}"/>
+    <dgm:cxn modelId="{DB29CFF2-2A9D-4954-B9CD-78FEF98C7010}" type="presOf" srcId="{8540C8D8-11CA-4742-944B-C6FC1D873B2E}" destId="{ABD2BFAC-CB7F-407C-88C7-CA5E9A48C76A}" srcOrd="0" destOrd="1" presId="urn:microsoft.com/office/officeart/2005/8/layout/list1"/>
+    <dgm:cxn modelId="{CD519DF3-AB3E-4D94-BC1D-FB78C123C6E6}" type="presOf" srcId="{105F302D-BC51-4875-9ECC-97F138DFAF8E}" destId="{ABD2BFAC-CB7F-407C-88C7-CA5E9A48C76A}" srcOrd="0" destOrd="2" presId="urn:microsoft.com/office/officeart/2005/8/layout/list1"/>
+    <dgm:cxn modelId="{C905EF78-DD53-449B-B5EC-37D93BDFE622}" type="presParOf" srcId="{7CB7DCEC-7AB0-42EF-BFC8-5EAD8AE9F9E7}" destId="{79D0E5FE-5274-406E-97B1-57D5F19ADAE8}" srcOrd="0" destOrd="0" presId="urn:microsoft.com/office/officeart/2005/8/layout/list1"/>
+    <dgm:cxn modelId="{A1EA4775-E1AA-4076-9E4C-C4A30ABF98DA}" type="presParOf" srcId="{79D0E5FE-5274-406E-97B1-57D5F19ADAE8}" destId="{F9A712C8-CECA-4A91-A684-0B3E84D0854D}" srcOrd="0" destOrd="0" presId="urn:microsoft.com/office/officeart/2005/8/layout/list1"/>
+    <dgm:cxn modelId="{169B35FB-B45A-4C14-AC06-34AD1A9E9979}" type="presParOf" srcId="{79D0E5FE-5274-406E-97B1-57D5F19ADAE8}" destId="{8A10C3B4-7628-4210-B08E-4D3D0CFFFB25}" srcOrd="1" destOrd="0" presId="urn:microsoft.com/office/officeart/2005/8/layout/list1"/>
+    <dgm:cxn modelId="{149BB5BD-930B-47D7-9142-BF05BD4FD7BF}" type="presParOf" srcId="{7CB7DCEC-7AB0-42EF-BFC8-5EAD8AE9F9E7}" destId="{FB586F16-1141-4F3D-B94A-8DD690C0B304}" srcOrd="1" destOrd="0" presId="urn:microsoft.com/office/officeart/2005/8/layout/list1"/>
+    <dgm:cxn modelId="{3CA2A739-B3B8-4526-BA98-B7CC81E4A199}" type="presParOf" srcId="{7CB7DCEC-7AB0-42EF-BFC8-5EAD8AE9F9E7}" destId="{26841457-B676-447C-9FA6-AEA62C294DE6}" srcOrd="2" destOrd="0" presId="urn:microsoft.com/office/officeart/2005/8/layout/list1"/>
+    <dgm:cxn modelId="{9BBAAC18-1819-4045-B3BD-8E63EAF177B3}" type="presParOf" srcId="{7CB7DCEC-7AB0-42EF-BFC8-5EAD8AE9F9E7}" destId="{E8DE8ECC-2CFB-4957-804E-26648731333E}" srcOrd="3" destOrd="0" presId="urn:microsoft.com/office/officeart/2005/8/layout/list1"/>
+    <dgm:cxn modelId="{009CCBA5-48BC-4907-9B47-27C009B6BB1E}" type="presParOf" srcId="{7CB7DCEC-7AB0-42EF-BFC8-5EAD8AE9F9E7}" destId="{30933C25-F620-4927-B5F2-CE126E2B4381}" srcOrd="4" destOrd="0" presId="urn:microsoft.com/office/officeart/2005/8/layout/list1"/>
+    <dgm:cxn modelId="{2D711C97-7915-40F6-B2FD-FDB1DF184484}" type="presParOf" srcId="{30933C25-F620-4927-B5F2-CE126E2B4381}" destId="{8FF2EE4F-51BE-4DC6-B027-475B2E1C8440}" srcOrd="0" destOrd="0" presId="urn:microsoft.com/office/officeart/2005/8/layout/list1"/>
+    <dgm:cxn modelId="{D945E48E-D625-4AAB-9ED4-42721F810F64}" type="presParOf" srcId="{30933C25-F620-4927-B5F2-CE126E2B4381}" destId="{EFE36734-0455-43E9-BC21-32764747300A}" srcOrd="1" destOrd="0" presId="urn:microsoft.com/office/officeart/2005/8/layout/list1"/>
+    <dgm:cxn modelId="{D26B2ED7-D795-42B9-9302-4E1264D90101}" type="presParOf" srcId="{7CB7DCEC-7AB0-42EF-BFC8-5EAD8AE9F9E7}" destId="{948CC466-E5E0-4AD5-BAF7-874D801A9617}" srcOrd="5" destOrd="0" presId="urn:microsoft.com/office/officeart/2005/8/layout/list1"/>
+    <dgm:cxn modelId="{786EC82F-054D-455A-9D62-20CD07BDD592}" type="presParOf" srcId="{7CB7DCEC-7AB0-42EF-BFC8-5EAD8AE9F9E7}" destId="{ABD2BFAC-CB7F-407C-88C7-CA5E9A48C76A}" srcOrd="6" destOrd="0" presId="urn:microsoft.com/office/officeart/2005/8/layout/list1"/>
+  </dgm:cxnLst>
+  <dgm:bg/>
+  <dgm:whole/>
+  <dgm:extLst>
+    <a:ext uri="http://schemas.microsoft.com/office/drawing/2008/diagram">
+      <dsp:dataModelExt xmlns:dsp="http://schemas.microsoft.com/office/drawing/2008/diagram" relId="rId6" minVer="http://schemas.openxmlformats.org/drawingml/2006/diagram"/>
+    </a:ext>
+  </dgm:extLst>
+</dgm:dataModel>
+</file>
+
+<file path=ppt/diagrams/data2.xml><?xml version="1.0" encoding="utf-8"?>
 <dgm:dataModel xmlns:dgm="http://schemas.openxmlformats.org/drawingml/2006/diagram" xmlns:a="http://schemas.openxmlformats.org/drawingml/2006/main">
   <dgm:ptLst>
     <dgm:pt modelId="{3ACF6BD6-54A1-47AF-AF46-01F1A373DA45}" type="doc">
@@ -2728,14 +3869,122 @@
 </dgm:dataModel>
 </file>
 
-<file path=ppt/diagrams/data2.xml><?xml version="1.0" encoding="utf-8"?>
+<file path=ppt/diagrams/data3.xml><?xml version="1.0" encoding="utf-8"?>
 <dgm:dataModel xmlns:dgm="http://schemas.openxmlformats.org/drawingml/2006/diagram" xmlns:a="http://schemas.openxmlformats.org/drawingml/2006/main">
   <dgm:ptLst>
-    <dgm:pt modelId="{18412894-D7A9-49D0-83AE-9F638CF4D69B}" type="doc">
-      <dgm:prSet loTypeId="urn:microsoft.com/office/officeart/2005/8/layout/lProcess3" loCatId="process" qsTypeId="urn:microsoft.com/office/officeart/2005/8/quickstyle/simple1" qsCatId="simple" csTypeId="urn:microsoft.com/office/officeart/2005/8/colors/accent1_2" csCatId="accent1" phldr="1"/>
+    <dgm:pt modelId="{45C0C9C8-0298-4A58-979E-7D652B6A5E7B}" type="doc">
+      <dgm:prSet loTypeId="urn:microsoft.com/office/officeart/2016/7/layout/BasicLinearProcessNumbered" loCatId="process" qsTypeId="urn:microsoft.com/office/officeart/2005/8/quickstyle/simple4" qsCatId="simple" csTypeId="urn:microsoft.com/office/officeart/2005/8/colors/accent0_3" csCatId="mainScheme" phldr="1"/>
       <dgm:spPr/>
     </dgm:pt>
-    <dgm:pt modelId="{C3EA3B43-B9DE-4238-A8E9-04E8FD7E5CBB}">
+    <dgm:pt modelId="{846CAD11-0FCC-4E6D-9E3E-61575C5EB70D}">
+      <dgm:prSet phldrT="[Text]"/>
+      <dgm:spPr/>
+      <dgm:t>
+        <a:bodyPr/>
+        <a:lstStyle/>
+        <a:p>
+          <a:r>
+            <a:rPr lang="en-US" dirty="0"/>
+            <a:t>Find a path for each agent</a:t>
+          </a:r>
+        </a:p>
+      </dgm:t>
+    </dgm:pt>
+    <dgm:pt modelId="{C6282D71-80B4-436F-AE7F-0060D6B4FFE5}" type="parTrans" cxnId="{37DA8637-1345-4E8A-BFAA-6B35819802B9}">
+      <dgm:prSet/>
+      <dgm:spPr/>
+      <dgm:t>
+        <a:bodyPr/>
+        <a:lstStyle/>
+        <a:p>
+          <a:endParaRPr lang="en-US"/>
+        </a:p>
+      </dgm:t>
+    </dgm:pt>
+    <dgm:pt modelId="{2BCEA733-E61E-4990-8FE9-F0D77EA2384F}" type="sibTrans" cxnId="{37DA8637-1345-4E8A-BFAA-6B35819802B9}">
+      <dgm:prSet phldrT="1" phldr="0"/>
+      <dgm:spPr/>
+      <dgm:t>
+        <a:bodyPr/>
+        <a:lstStyle/>
+        <a:p>
+          <a:endParaRPr lang="en-US"/>
+        </a:p>
+      </dgm:t>
+    </dgm:pt>
+    <dgm:pt modelId="{71BA8CD0-93AF-4CEB-9489-BB7D2BAE3B7F}">
+      <dgm:prSet phldrT="[Text]"/>
+      <dgm:spPr/>
+      <dgm:t>
+        <a:bodyPr/>
+        <a:lstStyle/>
+        <a:p>
+          <a:r>
+            <a:rPr lang="en-US" dirty="0"/>
+            <a:t>Conflicts</a:t>
+          </a:r>
+        </a:p>
+      </dgm:t>
+    </dgm:pt>
+    <dgm:pt modelId="{F59F2FB7-5A41-4B9D-891D-A7AF7F20F487}" type="parTrans" cxnId="{34FD7350-9CAD-4C30-A2BC-6B1923A63C2A}">
+      <dgm:prSet/>
+      <dgm:spPr/>
+      <dgm:t>
+        <a:bodyPr/>
+        <a:lstStyle/>
+        <a:p>
+          <a:endParaRPr lang="en-US"/>
+        </a:p>
+      </dgm:t>
+    </dgm:pt>
+    <dgm:pt modelId="{5E80FF5D-735F-4595-AC71-5579E4845059}" type="sibTrans" cxnId="{34FD7350-9CAD-4C30-A2BC-6B1923A63C2A}">
+      <dgm:prSet phldrT="2" phldr="0"/>
+      <dgm:spPr/>
+      <dgm:t>
+        <a:bodyPr/>
+        <a:lstStyle/>
+        <a:p>
+          <a:endParaRPr lang="en-US"/>
+        </a:p>
+      </dgm:t>
+    </dgm:pt>
+    <dgm:pt modelId="{8C5D463E-4AE0-4F28-83F7-E503D61CDC07}">
+      <dgm:prSet phldrT="[Text]"/>
+      <dgm:spPr/>
+      <dgm:t>
+        <a:bodyPr/>
+        <a:lstStyle/>
+        <a:p>
+          <a:r>
+            <a:rPr lang="en-US" dirty="0"/>
+            <a:t>Find a path for each agent such that there are no conflicts</a:t>
+          </a:r>
+        </a:p>
+      </dgm:t>
+    </dgm:pt>
+    <dgm:pt modelId="{0B06964A-A345-4DE2-98C8-3948FD295140}" type="parTrans" cxnId="{1C88BE1E-C0FF-46A6-8BBD-49F8A2137C87}">
+      <dgm:prSet/>
+      <dgm:spPr/>
+      <dgm:t>
+        <a:bodyPr/>
+        <a:lstStyle/>
+        <a:p>
+          <a:endParaRPr lang="en-US"/>
+        </a:p>
+      </dgm:t>
+    </dgm:pt>
+    <dgm:pt modelId="{47AFB76B-570F-4597-8D9A-16278BF13C90}" type="sibTrans" cxnId="{1C88BE1E-C0FF-46A6-8BBD-49F8A2137C87}">
+      <dgm:prSet phldrT="3" phldr="0"/>
+      <dgm:spPr/>
+      <dgm:t>
+        <a:bodyPr/>
+        <a:lstStyle/>
+        <a:p>
+          <a:endParaRPr lang="en-US"/>
+        </a:p>
+      </dgm:t>
+    </dgm:pt>
+    <dgm:pt modelId="{455CC052-E7B7-47AA-AA68-0B73F8FA7E5F}">
       <dgm:prSet phldrT="[Text]"/>
       <dgm:spPr/>
       <dgm:t>
@@ -2749,7 +3998,7 @@
         </a:p>
       </dgm:t>
     </dgm:pt>
-    <dgm:pt modelId="{086C1EAE-6A2A-48BA-94AD-0C04BF733C17}" type="parTrans" cxnId="{7C4FCD4E-F60D-4F3E-A1D2-8522432C9B54}">
+    <dgm:pt modelId="{BB338797-6245-49A5-B1F2-0362F4DE206C}" type="parTrans" cxnId="{3BBBE04D-6BFE-46AE-A143-98D99B7607CE}">
       <dgm:prSet/>
       <dgm:spPr/>
       <dgm:t>
@@ -2760,7 +4009,7 @@
         </a:p>
       </dgm:t>
     </dgm:pt>
-    <dgm:pt modelId="{BA389ECF-ACBC-458C-99E5-233C2F12A533}" type="sibTrans" cxnId="{7C4FCD4E-F60D-4F3E-A1D2-8522432C9B54}">
+    <dgm:pt modelId="{1B309FF9-532D-4F83-8FBE-680CF787757E}" type="sibTrans" cxnId="{3BBBE04D-6BFE-46AE-A143-98D99B7607CE}">
       <dgm:prSet/>
       <dgm:spPr/>
       <dgm:t>
@@ -2771,7 +4020,7 @@
         </a:p>
       </dgm:t>
     </dgm:pt>
-    <dgm:pt modelId="{2E4C1008-766E-4726-A407-02A94D8A828C}">
+    <dgm:pt modelId="{D6524D87-D2F7-4B04-936E-4EB83EAD98FA}">
       <dgm:prSet phldrT="[Text]"/>
       <dgm:spPr/>
       <dgm:t>
@@ -2780,12 +4029,12 @@
         <a:p>
           <a:r>
             <a:rPr lang="en-US" dirty="0"/>
-            <a:t>Conflicts</a:t>
+            <a:t>Identify conflicts between paths</a:t>
           </a:r>
         </a:p>
       </dgm:t>
     </dgm:pt>
-    <dgm:pt modelId="{EE6AACAB-56B5-401C-9A05-0AF0A774A679}" type="parTrans" cxnId="{DAA86CB0-DD27-45A2-9AF1-3555141131CC}">
+    <dgm:pt modelId="{263BD20F-3089-48E7-8D48-DE2C9C154FD5}" type="parTrans" cxnId="{222FC18A-8448-4F03-A4A4-36110CE201DF}">
       <dgm:prSet/>
       <dgm:spPr/>
       <dgm:t>
@@ -2796,7 +4045,7 @@
         </a:p>
       </dgm:t>
     </dgm:pt>
-    <dgm:pt modelId="{5E479AD5-6485-4ED3-B92D-9F35726D3A6C}" type="sibTrans" cxnId="{DAA86CB0-DD27-45A2-9AF1-3555141131CC}">
+    <dgm:pt modelId="{90443E9A-AA4A-4908-9C9B-B39C7C5F291A}" type="sibTrans" cxnId="{222FC18A-8448-4F03-A4A4-36110CE201DF}">
       <dgm:prSet/>
       <dgm:spPr/>
       <dgm:t>
@@ -2807,7 +4056,7 @@
         </a:p>
       </dgm:t>
     </dgm:pt>
-    <dgm:pt modelId="{86B820B9-CA80-4250-A241-DBA492FD3747}">
+    <dgm:pt modelId="{8D693102-6F7B-4077-BE58-CDEBA22AAD77}">
       <dgm:prSet phldrT="[Text]"/>
       <dgm:spPr/>
       <dgm:t>
@@ -2816,12 +4065,12 @@
         <a:p>
           <a:r>
             <a:rPr lang="en-US" dirty="0"/>
-            <a:t>Heuristic</a:t>
+            <a:t>Resolving</a:t>
           </a:r>
         </a:p>
       </dgm:t>
     </dgm:pt>
-    <dgm:pt modelId="{8B6F7AAC-7BC7-4402-9D14-CA3F9540736B}" type="parTrans" cxnId="{BE37B954-B819-44F7-BBBD-954E061025FB}">
+    <dgm:pt modelId="{9103B033-9F4E-4066-9ADC-AE7F77044B4B}" type="parTrans" cxnId="{8E6048DE-E77B-4416-9DA4-20A02702A12F}">
       <dgm:prSet/>
       <dgm:spPr/>
       <dgm:t>
@@ -2832,7 +4081,7 @@
         </a:p>
       </dgm:t>
     </dgm:pt>
-    <dgm:pt modelId="{9BE732FE-E750-4D50-B029-4734C9D2F2BA}" type="sibTrans" cxnId="{BE37B954-B819-44F7-BBBD-954E061025FB}">
+    <dgm:pt modelId="{BC4DB91E-F0EC-44CE-828E-FF4E32F0A6FF}" type="sibTrans" cxnId="{8E6048DE-E77B-4416-9DA4-20A02702A12F}">
       <dgm:prSet/>
       <dgm:spPr/>
       <dgm:t>
@@ -2843,283 +4092,122 @@
         </a:p>
       </dgm:t>
     </dgm:pt>
-    <dgm:pt modelId="{DB202575-7F4F-4164-A793-13F3E3D1CD5C}">
-      <dgm:prSet phldrT="[Text]"/>
-      <dgm:spPr/>
-      <dgm:t>
-        <a:bodyPr/>
-        <a:lstStyle/>
-        <a:p>
-          <a:r>
-            <a:rPr lang="en-US" dirty="0"/>
-            <a:t>Reducing search space</a:t>
-          </a:r>
-        </a:p>
-      </dgm:t>
-    </dgm:pt>
-    <dgm:pt modelId="{AAAC4511-3794-4FD0-8234-CAEE5DBA40E8}" type="parTrans" cxnId="{019FE20B-801D-4499-8666-A3093F34FCD1}">
-      <dgm:prSet/>
-      <dgm:spPr/>
-      <dgm:t>
-        <a:bodyPr/>
-        <a:lstStyle/>
-        <a:p>
-          <a:endParaRPr lang="en-US"/>
-        </a:p>
-      </dgm:t>
-    </dgm:pt>
-    <dgm:pt modelId="{0244EF66-7A8F-48AB-B614-FB9EC975FB16}" type="sibTrans" cxnId="{019FE20B-801D-4499-8666-A3093F34FCD1}">
-      <dgm:prSet/>
-      <dgm:spPr/>
-      <dgm:t>
-        <a:bodyPr/>
-        <a:lstStyle/>
-        <a:p>
-          <a:endParaRPr lang="en-US"/>
-        </a:p>
-      </dgm:t>
-    </dgm:pt>
-    <dgm:pt modelId="{988EB67F-B288-4296-B3E6-22F28CE283F4}">
-      <dgm:prSet phldrT="[Text]"/>
-      <dgm:spPr/>
-      <dgm:t>
-        <a:bodyPr/>
-        <a:lstStyle/>
-        <a:p>
-          <a:r>
-            <a:rPr lang="en-US" dirty="0"/>
-            <a:t>Reservation table</a:t>
-          </a:r>
-        </a:p>
-      </dgm:t>
-    </dgm:pt>
-    <dgm:pt modelId="{56A21D14-8330-4D38-9C68-0E0584B63220}" type="parTrans" cxnId="{7D864807-CA87-415C-97E1-25EA2E11F727}">
-      <dgm:prSet/>
-      <dgm:spPr/>
-      <dgm:t>
-        <a:bodyPr/>
-        <a:lstStyle/>
-        <a:p>
-          <a:endParaRPr lang="en-US"/>
-        </a:p>
-      </dgm:t>
-    </dgm:pt>
-    <dgm:pt modelId="{E5230F7F-662E-41EF-8BA9-55CEBD9C5C1D}" type="sibTrans" cxnId="{7D864807-CA87-415C-97E1-25EA2E11F727}">
-      <dgm:prSet/>
-      <dgm:spPr/>
-      <dgm:t>
-        <a:bodyPr/>
-        <a:lstStyle/>
-        <a:p>
-          <a:endParaRPr lang="en-US"/>
-        </a:p>
-      </dgm:t>
-    </dgm:pt>
-    <dgm:pt modelId="{C9BA801E-0634-484F-8568-DFE03FCB40C4}">
-      <dgm:prSet phldrT="[Text]"/>
-      <dgm:spPr/>
-      <dgm:t>
-        <a:bodyPr/>
-        <a:lstStyle/>
-        <a:p>
-          <a:r>
-            <a:rPr lang="en-US" dirty="0"/>
-            <a:t>Linear programming</a:t>
-          </a:r>
-        </a:p>
-      </dgm:t>
-    </dgm:pt>
-    <dgm:pt modelId="{831A64DC-52F2-4576-91B1-7B88F8F71A89}" type="parTrans" cxnId="{B8566FAE-7B99-4086-9168-D65C28A5BE1F}">
-      <dgm:prSet/>
-      <dgm:spPr/>
-      <dgm:t>
-        <a:bodyPr/>
-        <a:lstStyle/>
-        <a:p>
-          <a:endParaRPr lang="en-US"/>
-        </a:p>
-      </dgm:t>
-    </dgm:pt>
-    <dgm:pt modelId="{19B42615-D077-48F4-8E6A-FB7ED5FFA63D}" type="sibTrans" cxnId="{B8566FAE-7B99-4086-9168-D65C28A5BE1F}">
-      <dgm:prSet/>
-      <dgm:spPr/>
-      <dgm:t>
-        <a:bodyPr/>
-        <a:lstStyle/>
-        <a:p>
-          <a:endParaRPr lang="en-US"/>
-        </a:p>
-      </dgm:t>
-    </dgm:pt>
-    <dgm:pt modelId="{7F6F873A-2F4E-4ABC-9921-C56D12FB1C91}">
-      <dgm:prSet phldrT="[Text]"/>
-      <dgm:spPr/>
-      <dgm:t>
-        <a:bodyPr/>
-        <a:lstStyle/>
-        <a:p>
-          <a:r>
-            <a:rPr lang="en-US" dirty="0"/>
-            <a:t>Resolving conflicts</a:t>
-          </a:r>
-        </a:p>
-      </dgm:t>
-    </dgm:pt>
-    <dgm:pt modelId="{974C4ED4-9F81-4E98-842F-98A172926158}" type="sibTrans" cxnId="{F5734761-818D-4B6F-AEE6-C61AF90CAE35}">
-      <dgm:prSet/>
-      <dgm:spPr/>
-      <dgm:t>
-        <a:bodyPr/>
-        <a:lstStyle/>
-        <a:p>
-          <a:endParaRPr lang="en-US"/>
-        </a:p>
-      </dgm:t>
-    </dgm:pt>
-    <dgm:pt modelId="{419A9A24-9410-4B71-BB3A-D19849D6E25B}" type="parTrans" cxnId="{F5734761-818D-4B6F-AEE6-C61AF90CAE35}">
-      <dgm:prSet/>
-      <dgm:spPr/>
-      <dgm:t>
-        <a:bodyPr/>
-        <a:lstStyle/>
-        <a:p>
-          <a:endParaRPr lang="en-US"/>
-        </a:p>
-      </dgm:t>
-    </dgm:pt>
-    <dgm:pt modelId="{4A87E8C5-BACC-4AAF-BE6D-40D7DFCEE887}">
-      <dgm:prSet phldrT="[Text]"/>
-      <dgm:spPr/>
-      <dgm:t>
-        <a:bodyPr/>
-        <a:lstStyle/>
-        <a:p>
-          <a:r>
-            <a:rPr lang="en-US" dirty="0"/>
-            <a:t>Constraint tree</a:t>
-          </a:r>
-        </a:p>
-      </dgm:t>
-    </dgm:pt>
-    <dgm:pt modelId="{ECE351CB-D9FE-4FEC-BF95-65760544D018}" type="parTrans" cxnId="{1A5CD428-7787-46E6-ADE1-7683825465C0}">
-      <dgm:prSet/>
-      <dgm:spPr/>
-      <dgm:t>
-        <a:bodyPr/>
-        <a:lstStyle/>
-        <a:p>
-          <a:endParaRPr lang="en-US"/>
-        </a:p>
-      </dgm:t>
-    </dgm:pt>
-    <dgm:pt modelId="{82086225-5561-4C32-8866-F999A88DFAFF}" type="sibTrans" cxnId="{1A5CD428-7787-46E6-ADE1-7683825465C0}">
-      <dgm:prSet/>
-      <dgm:spPr/>
-      <dgm:t>
-        <a:bodyPr/>
-        <a:lstStyle/>
-        <a:p>
-          <a:endParaRPr lang="en-US"/>
-        </a:p>
-      </dgm:t>
-    </dgm:pt>
-    <dgm:pt modelId="{11B44668-C798-4D7D-95E6-52A333A6301D}" type="pres">
-      <dgm:prSet presAssocID="{18412894-D7A9-49D0-83AE-9F638CF4D69B}" presName="Name0" presStyleCnt="0">
+    <dgm:pt modelId="{B35A41F4-ED53-4C7A-AAF9-5D0F25EE489B}" type="pres">
+      <dgm:prSet presAssocID="{45C0C9C8-0298-4A58-979E-7D652B6A5E7B}" presName="Name0" presStyleCnt="0">
         <dgm:presLayoutVars>
-          <dgm:chPref val="3"/>
-          <dgm:dir/>
           <dgm:animLvl val="lvl"/>
-          <dgm:resizeHandles/>
+          <dgm:resizeHandles val="exact"/>
         </dgm:presLayoutVars>
       </dgm:prSet>
       <dgm:spPr/>
     </dgm:pt>
-    <dgm:pt modelId="{60119EA2-6E40-4749-A2F9-0E912F677146}" type="pres">
-      <dgm:prSet presAssocID="{C3EA3B43-B9DE-4238-A8E9-04E8FD7E5CBB}" presName="horFlow" presStyleCnt="0"/>
-      <dgm:spPr/>
-    </dgm:pt>
-    <dgm:pt modelId="{A617C740-B421-4F9D-9A2C-FCCA7641EA3D}" type="pres">
-      <dgm:prSet presAssocID="{C3EA3B43-B9DE-4238-A8E9-04E8FD7E5CBB}" presName="bigChev" presStyleLbl="node1" presStyleIdx="0" presStyleCnt="3"/>
-      <dgm:spPr/>
-    </dgm:pt>
-    <dgm:pt modelId="{518349AF-2B14-4658-8ED2-00E1EAA7EE5A}" type="pres">
-      <dgm:prSet presAssocID="{8B6F7AAC-7BC7-4402-9D14-CA3F9540736B}" presName="parTrans" presStyleCnt="0"/>
-      <dgm:spPr/>
-    </dgm:pt>
-    <dgm:pt modelId="{48B99387-5A95-4266-B2E9-B81C1300E9A4}" type="pres">
-      <dgm:prSet presAssocID="{86B820B9-CA80-4250-A241-DBA492FD3747}" presName="node" presStyleLbl="alignAccFollowNode1" presStyleIdx="0" presStyleCnt="5">
+    <dgm:pt modelId="{F4C2797A-9DB0-47DA-BE8D-BB30FDDC55CC}" type="pres">
+      <dgm:prSet presAssocID="{455CC052-E7B7-47AA-AA68-0B73F8FA7E5F}" presName="compositeNode" presStyleCnt="0">
         <dgm:presLayoutVars>
           <dgm:bulletEnabled val="1"/>
         </dgm:presLayoutVars>
       </dgm:prSet>
       <dgm:spPr/>
     </dgm:pt>
-    <dgm:pt modelId="{C6E526DC-8869-471D-841E-83020380D887}" type="pres">
-      <dgm:prSet presAssocID="{9BE732FE-E750-4D50-B029-4734C9D2F2BA}" presName="sibTrans" presStyleCnt="0"/>
+    <dgm:pt modelId="{794B5E83-50AE-42EB-AADF-30B68AE24157}" type="pres">
+      <dgm:prSet presAssocID="{455CC052-E7B7-47AA-AA68-0B73F8FA7E5F}" presName="bgRect" presStyleLbl="bgAccFollowNode1" presStyleIdx="0" presStyleCnt="3"/>
       <dgm:spPr/>
     </dgm:pt>
-    <dgm:pt modelId="{7CDCAFCF-504B-4412-AFEE-6CDC0F9C37AF}" type="pres">
-      <dgm:prSet presAssocID="{DB202575-7F4F-4164-A793-13F3E3D1CD5C}" presName="node" presStyleLbl="alignAccFollowNode1" presStyleIdx="1" presStyleCnt="5">
+    <dgm:pt modelId="{E5DC2D95-400D-41EB-828F-E7C61AF3E4B3}" type="pres">
+      <dgm:prSet presAssocID="{1B309FF9-532D-4F83-8FBE-680CF787757E}" presName="sibTransNodeCircle" presStyleLbl="alignNode1" presStyleIdx="0" presStyleCnt="6">
+        <dgm:presLayoutVars>
+          <dgm:chMax val="0"/>
+          <dgm:bulletEnabled/>
+        </dgm:presLayoutVars>
+      </dgm:prSet>
+      <dgm:spPr/>
+    </dgm:pt>
+    <dgm:pt modelId="{E59F67F1-76B7-4DD8-9FB4-E1B8D5BD2032}" type="pres">
+      <dgm:prSet presAssocID="{455CC052-E7B7-47AA-AA68-0B73F8FA7E5F}" presName="bottomLine" presStyleLbl="alignNode1" presStyleIdx="1" presStyleCnt="6">
+        <dgm:presLayoutVars/>
+      </dgm:prSet>
+      <dgm:spPr/>
+    </dgm:pt>
+    <dgm:pt modelId="{02337025-3F20-4F1E-B9E0-8C9AB927382C}" type="pres">
+      <dgm:prSet presAssocID="{455CC052-E7B7-47AA-AA68-0B73F8FA7E5F}" presName="nodeText" presStyleLbl="bgAccFollowNode1" presStyleIdx="0" presStyleCnt="3">
         <dgm:presLayoutVars>
           <dgm:bulletEnabled val="1"/>
         </dgm:presLayoutVars>
       </dgm:prSet>
       <dgm:spPr/>
     </dgm:pt>
-    <dgm:pt modelId="{A3252002-3035-454F-88E1-BD59200C7470}" type="pres">
-      <dgm:prSet presAssocID="{C3EA3B43-B9DE-4238-A8E9-04E8FD7E5CBB}" presName="vSp" presStyleCnt="0"/>
+    <dgm:pt modelId="{7CD0387B-1100-448A-8120-89F464100DBE}" type="pres">
+      <dgm:prSet presAssocID="{1B309FF9-532D-4F83-8FBE-680CF787757E}" presName="sibTrans" presStyleCnt="0"/>
       <dgm:spPr/>
     </dgm:pt>
-    <dgm:pt modelId="{9109C7B1-CAA5-4D81-8D37-40D3DBA9A823}" type="pres">
-      <dgm:prSet presAssocID="{2E4C1008-766E-4726-A407-02A94D8A828C}" presName="horFlow" presStyleCnt="0"/>
-      <dgm:spPr/>
-    </dgm:pt>
-    <dgm:pt modelId="{BC4FAE96-B931-4BD4-B5F8-CFEB6C488E26}" type="pres">
-      <dgm:prSet presAssocID="{2E4C1008-766E-4726-A407-02A94D8A828C}" presName="bigChev" presStyleLbl="node1" presStyleIdx="1" presStyleCnt="3"/>
-      <dgm:spPr/>
-    </dgm:pt>
-    <dgm:pt modelId="{4CFC9CAC-9AF5-4B6C-B55C-97A85F36CAEC}" type="pres">
-      <dgm:prSet presAssocID="{56A21D14-8330-4D38-9C68-0E0584B63220}" presName="parTrans" presStyleCnt="0"/>
-      <dgm:spPr/>
-    </dgm:pt>
-    <dgm:pt modelId="{EA50F114-0B6A-4777-9904-0C397E5E98A2}" type="pres">
-      <dgm:prSet presAssocID="{988EB67F-B288-4296-B3E6-22F28CE283F4}" presName="node" presStyleLbl="alignAccFollowNode1" presStyleIdx="2" presStyleCnt="5">
+    <dgm:pt modelId="{BB08725E-8119-40BE-9237-9C1AB4991C85}" type="pres">
+      <dgm:prSet presAssocID="{71BA8CD0-93AF-4CEB-9489-BB7D2BAE3B7F}" presName="compositeNode" presStyleCnt="0">
         <dgm:presLayoutVars>
           <dgm:bulletEnabled val="1"/>
         </dgm:presLayoutVars>
       </dgm:prSet>
       <dgm:spPr/>
     </dgm:pt>
-    <dgm:pt modelId="{EF07DD8B-059B-4240-B26C-2A82831EBF3A}" type="pres">
-      <dgm:prSet presAssocID="{E5230F7F-662E-41EF-8BA9-55CEBD9C5C1D}" presName="sibTrans" presStyleCnt="0"/>
+    <dgm:pt modelId="{E8DBB6DC-8F77-40EC-B3D6-D8ED8D1955E0}" type="pres">
+      <dgm:prSet presAssocID="{71BA8CD0-93AF-4CEB-9489-BB7D2BAE3B7F}" presName="bgRect" presStyleLbl="bgAccFollowNode1" presStyleIdx="1" presStyleCnt="3"/>
       <dgm:spPr/>
     </dgm:pt>
-    <dgm:pt modelId="{71531450-457A-4CB9-AC6A-46308EA4544F}" type="pres">
-      <dgm:prSet presAssocID="{4A87E8C5-BACC-4AAF-BE6D-40D7DFCEE887}" presName="node" presStyleLbl="alignAccFollowNode1" presStyleIdx="3" presStyleCnt="5">
+    <dgm:pt modelId="{41A9666E-EA92-4909-8733-E55DC7F0658C}" type="pres">
+      <dgm:prSet presAssocID="{5E80FF5D-735F-4595-AC71-5579E4845059}" presName="sibTransNodeCircle" presStyleLbl="alignNode1" presStyleIdx="2" presStyleCnt="6">
+        <dgm:presLayoutVars>
+          <dgm:chMax val="0"/>
+          <dgm:bulletEnabled/>
+        </dgm:presLayoutVars>
+      </dgm:prSet>
+      <dgm:spPr/>
+    </dgm:pt>
+    <dgm:pt modelId="{5D38D0BB-50AD-4489-9D2C-752057D3D753}" type="pres">
+      <dgm:prSet presAssocID="{71BA8CD0-93AF-4CEB-9489-BB7D2BAE3B7F}" presName="bottomLine" presStyleLbl="alignNode1" presStyleIdx="3" presStyleCnt="6">
+        <dgm:presLayoutVars/>
+      </dgm:prSet>
+      <dgm:spPr/>
+    </dgm:pt>
+    <dgm:pt modelId="{952B0740-619D-4972-A169-67E01D6D2E3F}" type="pres">
+      <dgm:prSet presAssocID="{71BA8CD0-93AF-4CEB-9489-BB7D2BAE3B7F}" presName="nodeText" presStyleLbl="bgAccFollowNode1" presStyleIdx="1" presStyleCnt="3">
         <dgm:presLayoutVars>
           <dgm:bulletEnabled val="1"/>
         </dgm:presLayoutVars>
       </dgm:prSet>
       <dgm:spPr/>
     </dgm:pt>
-    <dgm:pt modelId="{A8162F06-901E-4682-8969-27F68DDA8680}" type="pres">
-      <dgm:prSet presAssocID="{2E4C1008-766E-4726-A407-02A94D8A828C}" presName="vSp" presStyleCnt="0"/>
+    <dgm:pt modelId="{FDF746A7-B3A0-4215-88EB-66BADBEF7C1F}" type="pres">
+      <dgm:prSet presAssocID="{5E80FF5D-735F-4595-AC71-5579E4845059}" presName="sibTrans" presStyleCnt="0"/>
       <dgm:spPr/>
     </dgm:pt>
-    <dgm:pt modelId="{A0C5FD23-FB11-4D3A-9AEA-7CC42556D3C5}" type="pres">
-      <dgm:prSet presAssocID="{7F6F873A-2F4E-4ABC-9921-C56D12FB1C91}" presName="horFlow" presStyleCnt="0"/>
+    <dgm:pt modelId="{2C2D84FC-47DE-45BE-88FB-259FCC9D48FD}" type="pres">
+      <dgm:prSet presAssocID="{8D693102-6F7B-4077-BE58-CDEBA22AAD77}" presName="compositeNode" presStyleCnt="0">
+        <dgm:presLayoutVars>
+          <dgm:bulletEnabled val="1"/>
+        </dgm:presLayoutVars>
+      </dgm:prSet>
       <dgm:spPr/>
     </dgm:pt>
-    <dgm:pt modelId="{34A93C7A-D815-481C-BFE6-91FED1F6A877}" type="pres">
-      <dgm:prSet presAssocID="{7F6F873A-2F4E-4ABC-9921-C56D12FB1C91}" presName="bigChev" presStyleLbl="node1" presStyleIdx="2" presStyleCnt="3"/>
+    <dgm:pt modelId="{9941E023-1F44-46B7-88DC-D930CE4918D5}" type="pres">
+      <dgm:prSet presAssocID="{8D693102-6F7B-4077-BE58-CDEBA22AAD77}" presName="bgRect" presStyleLbl="bgAccFollowNode1" presStyleIdx="2" presStyleCnt="3"/>
       <dgm:spPr/>
     </dgm:pt>
-    <dgm:pt modelId="{E959C0A9-2F35-4145-957A-1C6DFA4D1C49}" type="pres">
-      <dgm:prSet presAssocID="{831A64DC-52F2-4576-91B1-7B88F8F71A89}" presName="parTrans" presStyleCnt="0"/>
+    <dgm:pt modelId="{EF300190-485D-4112-B79F-CA755E085E43}" type="pres">
+      <dgm:prSet presAssocID="{BC4DB91E-F0EC-44CE-828E-FF4E32F0A6FF}" presName="sibTransNodeCircle" presStyleLbl="alignNode1" presStyleIdx="4" presStyleCnt="6">
+        <dgm:presLayoutVars>
+          <dgm:chMax val="0"/>
+          <dgm:bulletEnabled/>
+        </dgm:presLayoutVars>
+      </dgm:prSet>
       <dgm:spPr/>
     </dgm:pt>
-    <dgm:pt modelId="{FB877584-9719-4635-89A5-ADEC1C2453DC}" type="pres">
-      <dgm:prSet presAssocID="{C9BA801E-0634-484F-8568-DFE03FCB40C4}" presName="node" presStyleLbl="alignAccFollowNode1" presStyleIdx="4" presStyleCnt="5">
+    <dgm:pt modelId="{C6200A58-E6A2-4871-9804-290038932E82}" type="pres">
+      <dgm:prSet presAssocID="{8D693102-6F7B-4077-BE58-CDEBA22AAD77}" presName="bottomLine" presStyleLbl="alignNode1" presStyleIdx="5" presStyleCnt="6">
+        <dgm:presLayoutVars/>
+      </dgm:prSet>
+      <dgm:spPr/>
+    </dgm:pt>
+    <dgm:pt modelId="{7234FB1A-1EDB-4772-992B-54171DAA388B}" type="pres">
+      <dgm:prSet presAssocID="{8D693102-6F7B-4077-BE58-CDEBA22AAD77}" presName="nodeText" presStyleLbl="bgAccFollowNode1" presStyleIdx="2" presStyleCnt="3">
         <dgm:presLayoutVars>
           <dgm:bulletEnabled val="1"/>
         </dgm:presLayoutVars>
@@ -3128,41 +4216,42 @@
     </dgm:pt>
   </dgm:ptLst>
   <dgm:cxnLst>
-    <dgm:cxn modelId="{7D864807-CA87-415C-97E1-25EA2E11F727}" srcId="{2E4C1008-766E-4726-A407-02A94D8A828C}" destId="{988EB67F-B288-4296-B3E6-22F28CE283F4}" srcOrd="0" destOrd="0" parTransId="{56A21D14-8330-4D38-9C68-0E0584B63220}" sibTransId="{E5230F7F-662E-41EF-8BA9-55CEBD9C5C1D}"/>
-    <dgm:cxn modelId="{019FE20B-801D-4499-8666-A3093F34FCD1}" srcId="{C3EA3B43-B9DE-4238-A8E9-04E8FD7E5CBB}" destId="{DB202575-7F4F-4164-A793-13F3E3D1CD5C}" srcOrd="1" destOrd="0" parTransId="{AAAC4511-3794-4FD0-8234-CAEE5DBA40E8}" sibTransId="{0244EF66-7A8F-48AB-B614-FB9EC975FB16}"/>
-    <dgm:cxn modelId="{BD294822-4E5A-4434-86AB-920CD6E187E8}" type="presOf" srcId="{C9BA801E-0634-484F-8568-DFE03FCB40C4}" destId="{FB877584-9719-4635-89A5-ADEC1C2453DC}" srcOrd="0" destOrd="0" presId="urn:microsoft.com/office/officeart/2005/8/layout/lProcess3"/>
-    <dgm:cxn modelId="{1A5CD428-7787-46E6-ADE1-7683825465C0}" srcId="{2E4C1008-766E-4726-A407-02A94D8A828C}" destId="{4A87E8C5-BACC-4AAF-BE6D-40D7DFCEE887}" srcOrd="1" destOrd="0" parTransId="{ECE351CB-D9FE-4FEC-BF95-65760544D018}" sibTransId="{82086225-5561-4C32-8866-F999A88DFAFF}"/>
-    <dgm:cxn modelId="{FF227F29-35A2-47D1-908B-3E7FBECE4EDD}" type="presOf" srcId="{7F6F873A-2F4E-4ABC-9921-C56D12FB1C91}" destId="{34A93C7A-D815-481C-BFE6-91FED1F6A877}" srcOrd="0" destOrd="0" presId="urn:microsoft.com/office/officeart/2005/8/layout/lProcess3"/>
-    <dgm:cxn modelId="{27BC385D-7B3B-41F2-9A6A-F8E53667A700}" type="presOf" srcId="{DB202575-7F4F-4164-A793-13F3E3D1CD5C}" destId="{7CDCAFCF-504B-4412-AFEE-6CDC0F9C37AF}" srcOrd="0" destOrd="0" presId="urn:microsoft.com/office/officeart/2005/8/layout/lProcess3"/>
-    <dgm:cxn modelId="{F5734761-818D-4B6F-AEE6-C61AF90CAE35}" srcId="{18412894-D7A9-49D0-83AE-9F638CF4D69B}" destId="{7F6F873A-2F4E-4ABC-9921-C56D12FB1C91}" srcOrd="2" destOrd="0" parTransId="{419A9A24-9410-4B71-BB3A-D19849D6E25B}" sibTransId="{974C4ED4-9F81-4E98-842F-98A172926158}"/>
-    <dgm:cxn modelId="{A9E11247-C894-434A-A3AA-4C3EE74C0FEE}" type="presOf" srcId="{18412894-D7A9-49D0-83AE-9F638CF4D69B}" destId="{11B44668-C798-4D7D-95E6-52A333A6301D}" srcOrd="0" destOrd="0" presId="urn:microsoft.com/office/officeart/2005/8/layout/lProcess3"/>
-    <dgm:cxn modelId="{7C4FCD4E-F60D-4F3E-A1D2-8522432C9B54}" srcId="{18412894-D7A9-49D0-83AE-9F638CF4D69B}" destId="{C3EA3B43-B9DE-4238-A8E9-04E8FD7E5CBB}" srcOrd="0" destOrd="0" parTransId="{086C1EAE-6A2A-48BA-94AD-0C04BF733C17}" sibTransId="{BA389ECF-ACBC-458C-99E5-233C2F12A533}"/>
-    <dgm:cxn modelId="{BE37B954-B819-44F7-BBBD-954E061025FB}" srcId="{C3EA3B43-B9DE-4238-A8E9-04E8FD7E5CBB}" destId="{86B820B9-CA80-4250-A241-DBA492FD3747}" srcOrd="0" destOrd="0" parTransId="{8B6F7AAC-7BC7-4402-9D14-CA3F9540736B}" sibTransId="{9BE732FE-E750-4D50-B029-4734C9D2F2BA}"/>
-    <dgm:cxn modelId="{3056947C-AEB6-487F-8CFB-FCAA4C534287}" type="presOf" srcId="{86B820B9-CA80-4250-A241-DBA492FD3747}" destId="{48B99387-5A95-4266-B2E9-B81C1300E9A4}" srcOrd="0" destOrd="0" presId="urn:microsoft.com/office/officeart/2005/8/layout/lProcess3"/>
-    <dgm:cxn modelId="{1AE1FB8D-9F48-4DBF-B447-942BCD1AD114}" type="presOf" srcId="{C3EA3B43-B9DE-4238-A8E9-04E8FD7E5CBB}" destId="{A617C740-B421-4F9D-9A2C-FCCA7641EA3D}" srcOrd="0" destOrd="0" presId="urn:microsoft.com/office/officeart/2005/8/layout/lProcess3"/>
-    <dgm:cxn modelId="{B8566FAE-7B99-4086-9168-D65C28A5BE1F}" srcId="{7F6F873A-2F4E-4ABC-9921-C56D12FB1C91}" destId="{C9BA801E-0634-484F-8568-DFE03FCB40C4}" srcOrd="0" destOrd="0" parTransId="{831A64DC-52F2-4576-91B1-7B88F8F71A89}" sibTransId="{19B42615-D077-48F4-8E6A-FB7ED5FFA63D}"/>
-    <dgm:cxn modelId="{DAA86CB0-DD27-45A2-9AF1-3555141131CC}" srcId="{18412894-D7A9-49D0-83AE-9F638CF4D69B}" destId="{2E4C1008-766E-4726-A407-02A94D8A828C}" srcOrd="1" destOrd="0" parTransId="{EE6AACAB-56B5-401C-9A05-0AF0A774A679}" sibTransId="{5E479AD5-6485-4ED3-B92D-9F35726D3A6C}"/>
-    <dgm:cxn modelId="{BAD932C9-8C83-4364-9B3E-F75778DEABC4}" type="presOf" srcId="{988EB67F-B288-4296-B3E6-22F28CE283F4}" destId="{EA50F114-0B6A-4777-9904-0C397E5E98A2}" srcOrd="0" destOrd="0" presId="urn:microsoft.com/office/officeart/2005/8/layout/lProcess3"/>
-    <dgm:cxn modelId="{B130E9DD-86AF-4965-B0F7-06DB8DCC1B0D}" type="presOf" srcId="{2E4C1008-766E-4726-A407-02A94D8A828C}" destId="{BC4FAE96-B931-4BD4-B5F8-CFEB6C488E26}" srcOrd="0" destOrd="0" presId="urn:microsoft.com/office/officeart/2005/8/layout/lProcess3"/>
-    <dgm:cxn modelId="{62BEBCF9-A3C1-4E02-A07B-E27334D30419}" type="presOf" srcId="{4A87E8C5-BACC-4AAF-BE6D-40D7DFCEE887}" destId="{71531450-457A-4CB9-AC6A-46308EA4544F}" srcOrd="0" destOrd="0" presId="urn:microsoft.com/office/officeart/2005/8/layout/lProcess3"/>
-    <dgm:cxn modelId="{A82C5BAD-B141-4059-B4E2-E2CF13223E24}" type="presParOf" srcId="{11B44668-C798-4D7D-95E6-52A333A6301D}" destId="{60119EA2-6E40-4749-A2F9-0E912F677146}" srcOrd="0" destOrd="0" presId="urn:microsoft.com/office/officeart/2005/8/layout/lProcess3"/>
-    <dgm:cxn modelId="{942BC384-853D-476A-A2C2-358DB18FD5A3}" type="presParOf" srcId="{60119EA2-6E40-4749-A2F9-0E912F677146}" destId="{A617C740-B421-4F9D-9A2C-FCCA7641EA3D}" srcOrd="0" destOrd="0" presId="urn:microsoft.com/office/officeart/2005/8/layout/lProcess3"/>
-    <dgm:cxn modelId="{47EC2006-34C3-4EB7-92C2-82097B3FC770}" type="presParOf" srcId="{60119EA2-6E40-4749-A2F9-0E912F677146}" destId="{518349AF-2B14-4658-8ED2-00E1EAA7EE5A}" srcOrd="1" destOrd="0" presId="urn:microsoft.com/office/officeart/2005/8/layout/lProcess3"/>
-    <dgm:cxn modelId="{0667F8DF-00C2-4AE3-BC79-54D23BAF4E87}" type="presParOf" srcId="{60119EA2-6E40-4749-A2F9-0E912F677146}" destId="{48B99387-5A95-4266-B2E9-B81C1300E9A4}" srcOrd="2" destOrd="0" presId="urn:microsoft.com/office/officeart/2005/8/layout/lProcess3"/>
-    <dgm:cxn modelId="{EB6B1DB4-304D-429B-AB9A-986AF2C52FA8}" type="presParOf" srcId="{60119EA2-6E40-4749-A2F9-0E912F677146}" destId="{C6E526DC-8869-471D-841E-83020380D887}" srcOrd="3" destOrd="0" presId="urn:microsoft.com/office/officeart/2005/8/layout/lProcess3"/>
-    <dgm:cxn modelId="{7A45AE24-ED27-4297-A733-A9599B0D5C30}" type="presParOf" srcId="{60119EA2-6E40-4749-A2F9-0E912F677146}" destId="{7CDCAFCF-504B-4412-AFEE-6CDC0F9C37AF}" srcOrd="4" destOrd="0" presId="urn:microsoft.com/office/officeart/2005/8/layout/lProcess3"/>
-    <dgm:cxn modelId="{85FE6D72-C42E-4528-9031-000B547786FF}" type="presParOf" srcId="{11B44668-C798-4D7D-95E6-52A333A6301D}" destId="{A3252002-3035-454F-88E1-BD59200C7470}" srcOrd="1" destOrd="0" presId="urn:microsoft.com/office/officeart/2005/8/layout/lProcess3"/>
-    <dgm:cxn modelId="{74CDFB76-520E-4CCC-BF2B-998C1042C19D}" type="presParOf" srcId="{11B44668-C798-4D7D-95E6-52A333A6301D}" destId="{9109C7B1-CAA5-4D81-8D37-40D3DBA9A823}" srcOrd="2" destOrd="0" presId="urn:microsoft.com/office/officeart/2005/8/layout/lProcess3"/>
-    <dgm:cxn modelId="{AD91CA6D-2405-4DF9-BEB4-160104E57324}" type="presParOf" srcId="{9109C7B1-CAA5-4D81-8D37-40D3DBA9A823}" destId="{BC4FAE96-B931-4BD4-B5F8-CFEB6C488E26}" srcOrd="0" destOrd="0" presId="urn:microsoft.com/office/officeart/2005/8/layout/lProcess3"/>
-    <dgm:cxn modelId="{77F9FDDA-957C-44AB-B14B-3BDA810C1FA5}" type="presParOf" srcId="{9109C7B1-CAA5-4D81-8D37-40D3DBA9A823}" destId="{4CFC9CAC-9AF5-4B6C-B55C-97A85F36CAEC}" srcOrd="1" destOrd="0" presId="urn:microsoft.com/office/officeart/2005/8/layout/lProcess3"/>
-    <dgm:cxn modelId="{71895E76-EAC2-4FC0-92C2-437B33931CA6}" type="presParOf" srcId="{9109C7B1-CAA5-4D81-8D37-40D3DBA9A823}" destId="{EA50F114-0B6A-4777-9904-0C397E5E98A2}" srcOrd="2" destOrd="0" presId="urn:microsoft.com/office/officeart/2005/8/layout/lProcess3"/>
-    <dgm:cxn modelId="{45B851A9-A269-433F-A500-DC970C0D28B7}" type="presParOf" srcId="{9109C7B1-CAA5-4D81-8D37-40D3DBA9A823}" destId="{EF07DD8B-059B-4240-B26C-2A82831EBF3A}" srcOrd="3" destOrd="0" presId="urn:microsoft.com/office/officeart/2005/8/layout/lProcess3"/>
-    <dgm:cxn modelId="{6D04ABD2-AB63-4788-B7B9-6C405D87D5D8}" type="presParOf" srcId="{9109C7B1-CAA5-4D81-8D37-40D3DBA9A823}" destId="{71531450-457A-4CB9-AC6A-46308EA4544F}" srcOrd="4" destOrd="0" presId="urn:microsoft.com/office/officeart/2005/8/layout/lProcess3"/>
-    <dgm:cxn modelId="{39E6A93A-1344-4A47-865D-8442583A6760}" type="presParOf" srcId="{11B44668-C798-4D7D-95E6-52A333A6301D}" destId="{A8162F06-901E-4682-8969-27F68DDA8680}" srcOrd="3" destOrd="0" presId="urn:microsoft.com/office/officeart/2005/8/layout/lProcess3"/>
-    <dgm:cxn modelId="{86E6E16F-8E50-403F-99DF-DBBD2683EBCF}" type="presParOf" srcId="{11B44668-C798-4D7D-95E6-52A333A6301D}" destId="{A0C5FD23-FB11-4D3A-9AEA-7CC42556D3C5}" srcOrd="4" destOrd="0" presId="urn:microsoft.com/office/officeart/2005/8/layout/lProcess3"/>
-    <dgm:cxn modelId="{A8621E58-496B-4EF5-B658-A9173B3F918A}" type="presParOf" srcId="{A0C5FD23-FB11-4D3A-9AEA-7CC42556D3C5}" destId="{34A93C7A-D815-481C-BFE6-91FED1F6A877}" srcOrd="0" destOrd="0" presId="urn:microsoft.com/office/officeart/2005/8/layout/lProcess3"/>
-    <dgm:cxn modelId="{094F2B92-6D6E-45AF-A029-CC069CBF5B54}" type="presParOf" srcId="{A0C5FD23-FB11-4D3A-9AEA-7CC42556D3C5}" destId="{E959C0A9-2F35-4145-957A-1C6DFA4D1C49}" srcOrd="1" destOrd="0" presId="urn:microsoft.com/office/officeart/2005/8/layout/lProcess3"/>
-    <dgm:cxn modelId="{DDE48630-3C33-4EDD-9C76-F304DB16284A}" type="presParOf" srcId="{A0C5FD23-FB11-4D3A-9AEA-7CC42556D3C5}" destId="{FB877584-9719-4635-89A5-ADEC1C2453DC}" srcOrd="2" destOrd="0" presId="urn:microsoft.com/office/officeart/2005/8/layout/lProcess3"/>
+    <dgm:cxn modelId="{2732DC0C-A2A3-48C6-9897-7D5D9CCC18B2}" type="presOf" srcId="{846CAD11-0FCC-4E6D-9E3E-61575C5EB70D}" destId="{02337025-3F20-4F1E-B9E0-8C9AB927382C}" srcOrd="0" destOrd="1" presId="urn:microsoft.com/office/officeart/2016/7/layout/BasicLinearProcessNumbered"/>
+    <dgm:cxn modelId="{72FA951E-6975-4618-B1C9-5726CDEE7E17}" type="presOf" srcId="{45C0C9C8-0298-4A58-979E-7D652B6A5E7B}" destId="{B35A41F4-ED53-4C7A-AAF9-5D0F25EE489B}" srcOrd="0" destOrd="0" presId="urn:microsoft.com/office/officeart/2016/7/layout/BasicLinearProcessNumbered"/>
+    <dgm:cxn modelId="{1C88BE1E-C0FF-46A6-8BBD-49F8A2137C87}" srcId="{8D693102-6F7B-4077-BE58-CDEBA22AAD77}" destId="{8C5D463E-4AE0-4F28-83F7-E503D61CDC07}" srcOrd="0" destOrd="0" parTransId="{0B06964A-A345-4DE2-98C8-3948FD295140}" sibTransId="{47AFB76B-570F-4597-8D9A-16278BF13C90}"/>
+    <dgm:cxn modelId="{37DA8637-1345-4E8A-BFAA-6B35819802B9}" srcId="{455CC052-E7B7-47AA-AA68-0B73F8FA7E5F}" destId="{846CAD11-0FCC-4E6D-9E3E-61575C5EB70D}" srcOrd="0" destOrd="0" parTransId="{C6282D71-80B4-436F-AE7F-0060D6B4FFE5}" sibTransId="{2BCEA733-E61E-4990-8FE9-F0D77EA2384F}"/>
+    <dgm:cxn modelId="{27874D38-9592-4E51-A0F4-C1BE428E11F0}" type="presOf" srcId="{8C5D463E-4AE0-4F28-83F7-E503D61CDC07}" destId="{7234FB1A-1EDB-4772-992B-54171DAA388B}" srcOrd="0" destOrd="1" presId="urn:microsoft.com/office/officeart/2016/7/layout/BasicLinearProcessNumbered"/>
+    <dgm:cxn modelId="{1989A85B-9661-4E3B-A1D7-AC6D9F76533F}" type="presOf" srcId="{8D693102-6F7B-4077-BE58-CDEBA22AAD77}" destId="{9941E023-1F44-46B7-88DC-D930CE4918D5}" srcOrd="0" destOrd="0" presId="urn:microsoft.com/office/officeart/2016/7/layout/BasicLinearProcessNumbered"/>
+    <dgm:cxn modelId="{3BBBE04D-6BFE-46AE-A143-98D99B7607CE}" srcId="{45C0C9C8-0298-4A58-979E-7D652B6A5E7B}" destId="{455CC052-E7B7-47AA-AA68-0B73F8FA7E5F}" srcOrd="0" destOrd="0" parTransId="{BB338797-6245-49A5-B1F2-0362F4DE206C}" sibTransId="{1B309FF9-532D-4F83-8FBE-680CF787757E}"/>
+    <dgm:cxn modelId="{34FD7350-9CAD-4C30-A2BC-6B1923A63C2A}" srcId="{45C0C9C8-0298-4A58-979E-7D652B6A5E7B}" destId="{71BA8CD0-93AF-4CEB-9489-BB7D2BAE3B7F}" srcOrd="1" destOrd="0" parTransId="{F59F2FB7-5A41-4B9D-891D-A7AF7F20F487}" sibTransId="{5E80FF5D-735F-4595-AC71-5579E4845059}"/>
+    <dgm:cxn modelId="{7FD8197A-5D95-40DA-96F5-779B06D37E04}" type="presOf" srcId="{71BA8CD0-93AF-4CEB-9489-BB7D2BAE3B7F}" destId="{952B0740-619D-4972-A169-67E01D6D2E3F}" srcOrd="1" destOrd="0" presId="urn:microsoft.com/office/officeart/2016/7/layout/BasicLinearProcessNumbered"/>
+    <dgm:cxn modelId="{A587F782-BA6D-402E-BB3D-05FA495DBD91}" type="presOf" srcId="{BC4DB91E-F0EC-44CE-828E-FF4E32F0A6FF}" destId="{EF300190-485D-4112-B79F-CA755E085E43}" srcOrd="0" destOrd="0" presId="urn:microsoft.com/office/officeart/2016/7/layout/BasicLinearProcessNumbered"/>
+    <dgm:cxn modelId="{222FC18A-8448-4F03-A4A4-36110CE201DF}" srcId="{71BA8CD0-93AF-4CEB-9489-BB7D2BAE3B7F}" destId="{D6524D87-D2F7-4B04-936E-4EB83EAD98FA}" srcOrd="0" destOrd="0" parTransId="{263BD20F-3089-48E7-8D48-DE2C9C154FD5}" sibTransId="{90443E9A-AA4A-4908-9C9B-B39C7C5F291A}"/>
+    <dgm:cxn modelId="{16FBCA95-4FD9-4144-82B6-5886E5F8FD92}" type="presOf" srcId="{455CC052-E7B7-47AA-AA68-0B73F8FA7E5F}" destId="{02337025-3F20-4F1E-B9E0-8C9AB927382C}" srcOrd="1" destOrd="0" presId="urn:microsoft.com/office/officeart/2016/7/layout/BasicLinearProcessNumbered"/>
+    <dgm:cxn modelId="{56F4F599-DBB8-457D-B77F-35F01E6595AA}" type="presOf" srcId="{455CC052-E7B7-47AA-AA68-0B73F8FA7E5F}" destId="{794B5E83-50AE-42EB-AADF-30B68AE24157}" srcOrd="0" destOrd="0" presId="urn:microsoft.com/office/officeart/2016/7/layout/BasicLinearProcessNumbered"/>
+    <dgm:cxn modelId="{896283AC-3C3B-4803-9DC1-2EB7FF1CE625}" type="presOf" srcId="{8D693102-6F7B-4077-BE58-CDEBA22AAD77}" destId="{7234FB1A-1EDB-4772-992B-54171DAA388B}" srcOrd="1" destOrd="0" presId="urn:microsoft.com/office/officeart/2016/7/layout/BasicLinearProcessNumbered"/>
+    <dgm:cxn modelId="{FDC0BAC2-7E5C-4231-A27B-5C1A9BE37947}" type="presOf" srcId="{5E80FF5D-735F-4595-AC71-5579E4845059}" destId="{41A9666E-EA92-4909-8733-E55DC7F0658C}" srcOrd="0" destOrd="0" presId="urn:microsoft.com/office/officeart/2016/7/layout/BasicLinearProcessNumbered"/>
+    <dgm:cxn modelId="{D960A9CA-1F2A-4086-990F-7A7E3F2621E3}" type="presOf" srcId="{71BA8CD0-93AF-4CEB-9489-BB7D2BAE3B7F}" destId="{E8DBB6DC-8F77-40EC-B3D6-D8ED8D1955E0}" srcOrd="0" destOrd="0" presId="urn:microsoft.com/office/officeart/2016/7/layout/BasicLinearProcessNumbered"/>
+    <dgm:cxn modelId="{30A37ECE-CFDA-406B-91ED-95AD40331220}" type="presOf" srcId="{D6524D87-D2F7-4B04-936E-4EB83EAD98FA}" destId="{952B0740-619D-4972-A169-67E01D6D2E3F}" srcOrd="0" destOrd="1" presId="urn:microsoft.com/office/officeart/2016/7/layout/BasicLinearProcessNumbered"/>
+    <dgm:cxn modelId="{F22D4ED5-DD73-496F-BB07-A65D7AE42625}" type="presOf" srcId="{1B309FF9-532D-4F83-8FBE-680CF787757E}" destId="{E5DC2D95-400D-41EB-828F-E7C61AF3E4B3}" srcOrd="0" destOrd="0" presId="urn:microsoft.com/office/officeart/2016/7/layout/BasicLinearProcessNumbered"/>
+    <dgm:cxn modelId="{8E6048DE-E77B-4416-9DA4-20A02702A12F}" srcId="{45C0C9C8-0298-4A58-979E-7D652B6A5E7B}" destId="{8D693102-6F7B-4077-BE58-CDEBA22AAD77}" srcOrd="2" destOrd="0" parTransId="{9103B033-9F4E-4066-9ADC-AE7F77044B4B}" sibTransId="{BC4DB91E-F0EC-44CE-828E-FF4E32F0A6FF}"/>
+    <dgm:cxn modelId="{D61113AD-7AA6-4526-9FED-3368CD23F70A}" type="presParOf" srcId="{B35A41F4-ED53-4C7A-AAF9-5D0F25EE489B}" destId="{F4C2797A-9DB0-47DA-BE8D-BB30FDDC55CC}" srcOrd="0" destOrd="0" presId="urn:microsoft.com/office/officeart/2016/7/layout/BasicLinearProcessNumbered"/>
+    <dgm:cxn modelId="{6203643D-5294-4412-98D7-5F786FA8E42A}" type="presParOf" srcId="{F4C2797A-9DB0-47DA-BE8D-BB30FDDC55CC}" destId="{794B5E83-50AE-42EB-AADF-30B68AE24157}" srcOrd="0" destOrd="0" presId="urn:microsoft.com/office/officeart/2016/7/layout/BasicLinearProcessNumbered"/>
+    <dgm:cxn modelId="{DCCA304F-A4B4-4379-A13B-6AB4D7BB8129}" type="presParOf" srcId="{F4C2797A-9DB0-47DA-BE8D-BB30FDDC55CC}" destId="{E5DC2D95-400D-41EB-828F-E7C61AF3E4B3}" srcOrd="1" destOrd="0" presId="urn:microsoft.com/office/officeart/2016/7/layout/BasicLinearProcessNumbered"/>
+    <dgm:cxn modelId="{25D62006-BA6A-4A50-B1A7-F6591F22BDF0}" type="presParOf" srcId="{F4C2797A-9DB0-47DA-BE8D-BB30FDDC55CC}" destId="{E59F67F1-76B7-4DD8-9FB4-E1B8D5BD2032}" srcOrd="2" destOrd="0" presId="urn:microsoft.com/office/officeart/2016/7/layout/BasicLinearProcessNumbered"/>
+    <dgm:cxn modelId="{0793EE02-B00E-448E-B63F-0E1D2C5F9EF9}" type="presParOf" srcId="{F4C2797A-9DB0-47DA-BE8D-BB30FDDC55CC}" destId="{02337025-3F20-4F1E-B9E0-8C9AB927382C}" srcOrd="3" destOrd="0" presId="urn:microsoft.com/office/officeart/2016/7/layout/BasicLinearProcessNumbered"/>
+    <dgm:cxn modelId="{9295DA8F-4272-4A40-B570-432363512014}" type="presParOf" srcId="{B35A41F4-ED53-4C7A-AAF9-5D0F25EE489B}" destId="{7CD0387B-1100-448A-8120-89F464100DBE}" srcOrd="1" destOrd="0" presId="urn:microsoft.com/office/officeart/2016/7/layout/BasicLinearProcessNumbered"/>
+    <dgm:cxn modelId="{18C85653-01E5-480E-B171-877442802DFE}" type="presParOf" srcId="{B35A41F4-ED53-4C7A-AAF9-5D0F25EE489B}" destId="{BB08725E-8119-40BE-9237-9C1AB4991C85}" srcOrd="2" destOrd="0" presId="urn:microsoft.com/office/officeart/2016/7/layout/BasicLinearProcessNumbered"/>
+    <dgm:cxn modelId="{D71BF148-67C5-4097-ABDF-FD93798D7E48}" type="presParOf" srcId="{BB08725E-8119-40BE-9237-9C1AB4991C85}" destId="{E8DBB6DC-8F77-40EC-B3D6-D8ED8D1955E0}" srcOrd="0" destOrd="0" presId="urn:microsoft.com/office/officeart/2016/7/layout/BasicLinearProcessNumbered"/>
+    <dgm:cxn modelId="{C27C6420-F662-4583-9A41-948809607B4B}" type="presParOf" srcId="{BB08725E-8119-40BE-9237-9C1AB4991C85}" destId="{41A9666E-EA92-4909-8733-E55DC7F0658C}" srcOrd="1" destOrd="0" presId="urn:microsoft.com/office/officeart/2016/7/layout/BasicLinearProcessNumbered"/>
+    <dgm:cxn modelId="{FF98A519-E2B7-453E-A0BA-84DDC7BC8758}" type="presParOf" srcId="{BB08725E-8119-40BE-9237-9C1AB4991C85}" destId="{5D38D0BB-50AD-4489-9D2C-752057D3D753}" srcOrd="2" destOrd="0" presId="urn:microsoft.com/office/officeart/2016/7/layout/BasicLinearProcessNumbered"/>
+    <dgm:cxn modelId="{6F0663D9-EB86-4D8C-A77E-59050E032C81}" type="presParOf" srcId="{BB08725E-8119-40BE-9237-9C1AB4991C85}" destId="{952B0740-619D-4972-A169-67E01D6D2E3F}" srcOrd="3" destOrd="0" presId="urn:microsoft.com/office/officeart/2016/7/layout/BasicLinearProcessNumbered"/>
+    <dgm:cxn modelId="{E1BFF44B-5DA1-4A07-A9EE-9591441B70CA}" type="presParOf" srcId="{B35A41F4-ED53-4C7A-AAF9-5D0F25EE489B}" destId="{FDF746A7-B3A0-4215-88EB-66BADBEF7C1F}" srcOrd="3" destOrd="0" presId="urn:microsoft.com/office/officeart/2016/7/layout/BasicLinearProcessNumbered"/>
+    <dgm:cxn modelId="{C82BAB02-1738-4D2D-BACD-67F926997E9D}" type="presParOf" srcId="{B35A41F4-ED53-4C7A-AAF9-5D0F25EE489B}" destId="{2C2D84FC-47DE-45BE-88FB-259FCC9D48FD}" srcOrd="4" destOrd="0" presId="urn:microsoft.com/office/officeart/2016/7/layout/BasicLinearProcessNumbered"/>
+    <dgm:cxn modelId="{239CE94A-84DB-4417-8C0A-E737EA4DD27A}" type="presParOf" srcId="{2C2D84FC-47DE-45BE-88FB-259FCC9D48FD}" destId="{9941E023-1F44-46B7-88DC-D930CE4918D5}" srcOrd="0" destOrd="0" presId="urn:microsoft.com/office/officeart/2016/7/layout/BasicLinearProcessNumbered"/>
+    <dgm:cxn modelId="{765946CF-A591-4C19-AA91-150A4EB2BE9B}" type="presParOf" srcId="{2C2D84FC-47DE-45BE-88FB-259FCC9D48FD}" destId="{EF300190-485D-4112-B79F-CA755E085E43}" srcOrd="1" destOrd="0" presId="urn:microsoft.com/office/officeart/2016/7/layout/BasicLinearProcessNumbered"/>
+    <dgm:cxn modelId="{0415AE7F-2C22-4DEA-BE32-D639688C5B01}" type="presParOf" srcId="{2C2D84FC-47DE-45BE-88FB-259FCC9D48FD}" destId="{C6200A58-E6A2-4871-9804-290038932E82}" srcOrd="2" destOrd="0" presId="urn:microsoft.com/office/officeart/2016/7/layout/BasicLinearProcessNumbered"/>
+    <dgm:cxn modelId="{9DE0F3FA-9213-4919-A71C-B5F5F961AB6C}" type="presParOf" srcId="{2C2D84FC-47DE-45BE-88FB-259FCC9D48FD}" destId="{7234FB1A-1EDB-4772-992B-54171DAA388B}" srcOrd="3" destOrd="0" presId="urn:microsoft.com/office/officeart/2016/7/layout/BasicLinearProcessNumbered"/>
   </dgm:cxnLst>
   <dgm:bg/>
   <dgm:whole/>
@@ -3174,7 +4263,7 @@
 </dgm:dataModel>
 </file>
 
-<file path=ppt/diagrams/data3.xml><?xml version="1.0" encoding="utf-8"?>
+<file path=ppt/diagrams/data4.xml><?xml version="1.0" encoding="utf-8"?>
 <dgm:dataModel xmlns:dgm="http://schemas.openxmlformats.org/drawingml/2006/diagram" xmlns:a="http://schemas.openxmlformats.org/drawingml/2006/main">
   <dgm:ptLst>
     <dgm:pt modelId="{326983A9-107A-4921-834F-E9C9E9FF0DFA}" type="doc">
@@ -3196,7 +4285,7 @@
         <a:lstStyle/>
         <a:p>
           <a:r>
-            <a:rPr lang="en-US" dirty="0"/>
+            <a:rPr lang="en-US" b="1" dirty="0"/>
             <a:t>Reducing search space</a:t>
           </a:r>
         </a:p>
@@ -3304,8 +4393,8 @@
         <a:lstStyle/>
         <a:p>
           <a:r>
-            <a:rPr lang="en-US" dirty="0"/>
-            <a:t>Constraint tree</a:t>
+            <a:rPr lang="en-US" b="1" dirty="0"/>
+            <a:t>Linear programming</a:t>
           </a:r>
         </a:p>
       </dgm:t>
@@ -3341,7 +4430,7 @@
         <a:p>
           <a:r>
             <a:rPr lang="en-US" dirty="0"/>
-            <a:t>Resolving conflicts</a:t>
+            <a:t>Resolving</a:t>
           </a:r>
         </a:p>
       </dgm:t>
@@ -3412,7 +4501,7 @@
         <a:lstStyle/>
         <a:p>
           <a:r>
-            <a:rPr lang="en-US" dirty="0"/>
+            <a:rPr lang="en-US" b="1" dirty="0"/>
             <a:t>Linear programming</a:t>
           </a:r>
         </a:p>
@@ -3448,10 +4537,9 @@
         <a:lstStyle/>
         <a:p>
           <a:r>
-            <a:rPr lang="en-US"/>
+            <a:rPr lang="en-US" dirty="0"/>
             <a:t>Search</a:t>
           </a:r>
-          <a:endParaRPr lang="en-US" dirty="0"/>
         </a:p>
       </dgm:t>
     </dgm:pt>
@@ -3513,6 +4601,42 @@
         </a:p>
       </dgm:t>
     </dgm:pt>
+    <dgm:pt modelId="{88EEAE32-BDB9-464D-9555-E5AF79312469}">
+      <dgm:prSet phldrT="[Text]"/>
+      <dgm:spPr/>
+      <dgm:t>
+        <a:bodyPr/>
+        <a:lstStyle/>
+        <a:p>
+          <a:r>
+            <a:rPr lang="en-US" b="1" dirty="0"/>
+            <a:t>Compressed Path Databases</a:t>
+          </a:r>
+        </a:p>
+      </dgm:t>
+    </dgm:pt>
+    <dgm:pt modelId="{0CF01323-C1A7-4A73-A30B-46BACD1DB669}" type="parTrans" cxnId="{8EFC0B9F-A801-4E2B-B32B-BEC46255FA51}">
+      <dgm:prSet/>
+      <dgm:spPr/>
+      <dgm:t>
+        <a:bodyPr/>
+        <a:lstStyle/>
+        <a:p>
+          <a:endParaRPr lang="en-US"/>
+        </a:p>
+      </dgm:t>
+    </dgm:pt>
+    <dgm:pt modelId="{5C108FBF-1C67-48D1-9188-E86A7FD6B3AE}" type="sibTrans" cxnId="{8EFC0B9F-A801-4E2B-B32B-BEC46255FA51}">
+      <dgm:prSet/>
+      <dgm:spPr/>
+      <dgm:t>
+        <a:bodyPr/>
+        <a:lstStyle/>
+        <a:p>
+          <a:endParaRPr lang="en-US"/>
+        </a:p>
+      </dgm:t>
+    </dgm:pt>
     <dgm:pt modelId="{901643C6-218E-4C1A-B3D4-C4197C075743}" type="pres">
       <dgm:prSet presAssocID="{326983A9-107A-4921-834F-E9C9E9FF0DFA}" presName="Name0" presStyleCnt="0">
         <dgm:presLayoutVars>
@@ -3537,7 +4661,7 @@
       <dgm:spPr/>
     </dgm:pt>
     <dgm:pt modelId="{9B1EDE70-7544-4225-8BCB-03299EBF575E}" type="pres">
-      <dgm:prSet presAssocID="{6CD73CF6-F98D-423B-BB5D-D4931F16149A}" presName="node" presStyleLbl="alignAccFollowNode1" presStyleIdx="0" presStyleCnt="6">
+      <dgm:prSet presAssocID="{6CD73CF6-F98D-423B-BB5D-D4931F16149A}" presName="node" presStyleLbl="alignAccFollowNode1" presStyleIdx="0" presStyleCnt="7">
         <dgm:presLayoutVars>
           <dgm:bulletEnabled val="1"/>
         </dgm:presLayoutVars>
@@ -3549,7 +4673,19 @@
       <dgm:spPr/>
     </dgm:pt>
     <dgm:pt modelId="{84BC188F-B83F-4702-81A7-CCD55ABE04A9}" type="pres">
-      <dgm:prSet presAssocID="{4131937D-B86C-41BA-9CEF-01AC3095D5AC}" presName="node" presStyleLbl="alignAccFollowNode1" presStyleIdx="1" presStyleCnt="6">
+      <dgm:prSet presAssocID="{4131937D-B86C-41BA-9CEF-01AC3095D5AC}" presName="node" presStyleLbl="alignAccFollowNode1" presStyleIdx="1" presStyleCnt="7">
+        <dgm:presLayoutVars>
+          <dgm:bulletEnabled val="1"/>
+        </dgm:presLayoutVars>
+      </dgm:prSet>
+      <dgm:spPr/>
+    </dgm:pt>
+    <dgm:pt modelId="{613A14B6-9165-47E6-A6CE-F52A5EF3195B}" type="pres">
+      <dgm:prSet presAssocID="{D5B8C1B9-A5F2-40AE-9A00-6C7281EC21CD}" presName="sibTrans" presStyleCnt="0"/>
+      <dgm:spPr/>
+    </dgm:pt>
+    <dgm:pt modelId="{BABCCFCC-6AFD-4BD9-A484-FB5750107DE7}" type="pres">
+      <dgm:prSet presAssocID="{88EEAE32-BDB9-464D-9555-E5AF79312469}" presName="node" presStyleLbl="alignAccFollowNode1" presStyleIdx="2" presStyleCnt="7">
         <dgm:presLayoutVars>
           <dgm:bulletEnabled val="1"/>
         </dgm:presLayoutVars>
@@ -3573,7 +4709,7 @@
       <dgm:spPr/>
     </dgm:pt>
     <dgm:pt modelId="{F9D8217A-280D-4BF8-B7BA-A15E9D08D798}" type="pres">
-      <dgm:prSet presAssocID="{67F1DDC6-0786-4EA6-BE1B-666AAD921F84}" presName="node" presStyleLbl="alignAccFollowNode1" presStyleIdx="2" presStyleCnt="6">
+      <dgm:prSet presAssocID="{67F1DDC6-0786-4EA6-BE1B-666AAD921F84}" presName="node" presStyleLbl="alignAccFollowNode1" presStyleIdx="3" presStyleCnt="7">
         <dgm:presLayoutVars>
           <dgm:bulletEnabled val="1"/>
         </dgm:presLayoutVars>
@@ -3585,7 +4721,7 @@
       <dgm:spPr/>
     </dgm:pt>
     <dgm:pt modelId="{5186B2F3-0EF8-4E57-B5DE-C991EFDFB26F}" type="pres">
-      <dgm:prSet presAssocID="{0A342BD5-FB17-46E4-8456-3BB20A7BA701}" presName="node" presStyleLbl="alignAccFollowNode1" presStyleIdx="3" presStyleCnt="6">
+      <dgm:prSet presAssocID="{0A342BD5-FB17-46E4-8456-3BB20A7BA701}" presName="node" presStyleLbl="alignAccFollowNode1" presStyleIdx="4" presStyleCnt="7">
         <dgm:presLayoutVars>
           <dgm:bulletEnabled val="1"/>
         </dgm:presLayoutVars>
@@ -3609,7 +4745,7 @@
       <dgm:spPr/>
     </dgm:pt>
     <dgm:pt modelId="{5CE15478-C3AD-4541-BC90-CE76A4D37BE8}" type="pres">
-      <dgm:prSet presAssocID="{FDABB283-BA95-4877-AC69-20B749E18F01}" presName="node" presStyleLbl="alignAccFollowNode1" presStyleIdx="4" presStyleCnt="6">
+      <dgm:prSet presAssocID="{FDABB283-BA95-4877-AC69-20B749E18F01}" presName="node" presStyleLbl="alignAccFollowNode1" presStyleIdx="5" presStyleCnt="7">
         <dgm:presLayoutVars>
           <dgm:bulletEnabled val="1"/>
         </dgm:presLayoutVars>
@@ -3621,7 +4757,7 @@
       <dgm:spPr/>
     </dgm:pt>
     <dgm:pt modelId="{AA6128EC-E5F9-47D6-80A1-E4EF9F598552}" type="pres">
-      <dgm:prSet presAssocID="{DAB4E527-4180-4C03-982E-C7EF0C29AC76}" presName="node" presStyleLbl="alignAccFollowNode1" presStyleIdx="5" presStyleCnt="6">
+      <dgm:prSet presAssocID="{DAB4E527-4180-4C03-982E-C7EF0C29AC76}" presName="node" presStyleLbl="alignAccFollowNode1" presStyleIdx="6" presStyleCnt="7">
         <dgm:presLayoutVars>
           <dgm:bulletEnabled val="1"/>
         </dgm:presLayoutVars>
@@ -3644,7 +4780,9 @@
     <dgm:cxn modelId="{03128C79-1244-45E2-A8D6-3E7C83FFAC3C}" srcId="{326983A9-107A-4921-834F-E9C9E9FF0DFA}" destId="{6429EBD6-B65F-4F76-8370-E8D4A97B43FA}" srcOrd="1" destOrd="0" parTransId="{0A77DF4E-2B70-4862-B861-F0E6FC7C7293}" sibTransId="{F2AECDE5-0320-4901-9B02-ABD583DA9F7D}"/>
     <dgm:cxn modelId="{E66E575A-C797-441A-BDA7-CB32922F349C}" srcId="{6429EBD6-B65F-4F76-8370-E8D4A97B43FA}" destId="{67F1DDC6-0786-4EA6-BE1B-666AAD921F84}" srcOrd="0" destOrd="0" parTransId="{AFC46509-659F-47A1-84FF-B5137E7ED573}" sibTransId="{E73C121D-D873-4D0D-966C-3B96090E463F}"/>
     <dgm:cxn modelId="{B9800B97-9C32-4B6B-99F6-5310AEE0C1D6}" srcId="{326983A9-107A-4921-834F-E9C9E9FF0DFA}" destId="{22113F91-98A7-4487-A92A-C5A9E2C4DEDB}" srcOrd="0" destOrd="0" parTransId="{B11D78EA-DD9A-4E4D-86D3-F3722CD16E7D}" sibTransId="{61D62DBA-2AF2-4035-8C55-411E1930D4CB}"/>
+    <dgm:cxn modelId="{8EFC0B9F-A801-4E2B-B32B-BEC46255FA51}" srcId="{22113F91-98A7-4487-A92A-C5A9E2C4DEDB}" destId="{88EEAE32-BDB9-464D-9555-E5AF79312469}" srcOrd="2" destOrd="0" parTransId="{0CF01323-C1A7-4A73-A30B-46BACD1DB669}" sibTransId="{5C108FBF-1C67-48D1-9188-E86A7FD6B3AE}"/>
     <dgm:cxn modelId="{B68492A7-FB74-4352-820A-5490D2DE5F42}" srcId="{C4C18DB9-F949-4753-BAE0-963F01C0AC93}" destId="{FDABB283-BA95-4877-AC69-20B749E18F01}" srcOrd="0" destOrd="0" parTransId="{BF14350C-3608-472C-A4C3-3802C9C85804}" sibTransId="{C8295C2D-3B6B-4F4E-8F49-026535083B07}"/>
+    <dgm:cxn modelId="{99F998BC-D724-46E3-9464-D1BBA154BCC0}" type="presOf" srcId="{88EEAE32-BDB9-464D-9555-E5AF79312469}" destId="{BABCCFCC-6AFD-4BD9-A484-FB5750107DE7}" srcOrd="0" destOrd="0" presId="urn:microsoft.com/office/officeart/2005/8/layout/lProcess3"/>
     <dgm:cxn modelId="{7D44ACC6-EF55-4F81-8453-15A3276597B3}" type="presOf" srcId="{FDABB283-BA95-4877-AC69-20B749E18F01}" destId="{5CE15478-C3AD-4541-BC90-CE76A4D37BE8}" srcOrd="0" destOrd="0" presId="urn:microsoft.com/office/officeart/2005/8/layout/lProcess3"/>
     <dgm:cxn modelId="{629078CA-ACE5-4225-995C-86B0C23146D8}" srcId="{22113F91-98A7-4487-A92A-C5A9E2C4DEDB}" destId="{4131937D-B86C-41BA-9CEF-01AC3095D5AC}" srcOrd="1" destOrd="0" parTransId="{B58C516A-98CC-47C4-9CDA-791FD76B156A}" sibTransId="{D5B8C1B9-A5F2-40AE-9A00-6C7281EC21CD}"/>
     <dgm:cxn modelId="{B4B3FBDE-10CA-4E54-9D17-BEB34A1201CC}" srcId="{22113F91-98A7-4487-A92A-C5A9E2C4DEDB}" destId="{6CD73CF6-F98D-423B-BB5D-D4931F16149A}" srcOrd="0" destOrd="0" parTransId="{9BB82BDC-8EDB-40E4-B107-37E43530B4FF}" sibTransId="{5530C510-433D-4086-960C-B342CCA994A9}"/>
@@ -3655,6 +4793,8 @@
     <dgm:cxn modelId="{7D4B78B5-DD30-4E93-80F0-99CBD0DF9EC2}" type="presParOf" srcId="{71D61355-DD2F-4BB1-A4C2-E83022C765BF}" destId="{9B1EDE70-7544-4225-8BCB-03299EBF575E}" srcOrd="2" destOrd="0" presId="urn:microsoft.com/office/officeart/2005/8/layout/lProcess3"/>
     <dgm:cxn modelId="{C8F09D57-D81B-449F-B555-46CF1BFFE0FE}" type="presParOf" srcId="{71D61355-DD2F-4BB1-A4C2-E83022C765BF}" destId="{D3ED0644-3A0F-4A61-A67C-7877D13BC974}" srcOrd="3" destOrd="0" presId="urn:microsoft.com/office/officeart/2005/8/layout/lProcess3"/>
     <dgm:cxn modelId="{4A3253F7-D428-4ED9-A7BF-0124DD947DC8}" type="presParOf" srcId="{71D61355-DD2F-4BB1-A4C2-E83022C765BF}" destId="{84BC188F-B83F-4702-81A7-CCD55ABE04A9}" srcOrd="4" destOrd="0" presId="urn:microsoft.com/office/officeart/2005/8/layout/lProcess3"/>
+    <dgm:cxn modelId="{4E3A5D96-CD2C-4985-8370-397A0558A603}" type="presParOf" srcId="{71D61355-DD2F-4BB1-A4C2-E83022C765BF}" destId="{613A14B6-9165-47E6-A6CE-F52A5EF3195B}" srcOrd="5" destOrd="0" presId="urn:microsoft.com/office/officeart/2005/8/layout/lProcess3"/>
+    <dgm:cxn modelId="{551A4C25-F0E2-461A-9474-336695D3D4B8}" type="presParOf" srcId="{71D61355-DD2F-4BB1-A4C2-E83022C765BF}" destId="{BABCCFCC-6AFD-4BD9-A484-FB5750107DE7}" srcOrd="6" destOrd="0" presId="urn:microsoft.com/office/officeart/2005/8/layout/lProcess3"/>
     <dgm:cxn modelId="{7706AEBD-6FCD-474D-9923-DD57E34693E9}" type="presParOf" srcId="{901643C6-218E-4C1A-B3D4-C4197C075743}" destId="{090FD662-975A-44A6-9D2E-70A0E5864016}" srcOrd="1" destOrd="0" presId="urn:microsoft.com/office/officeart/2005/8/layout/lProcess3"/>
     <dgm:cxn modelId="{FBAD646B-63FF-47C5-86EB-43BC0526AF19}" type="presParOf" srcId="{901643C6-218E-4C1A-B3D4-C4197C075743}" destId="{B57A67B2-F245-41BC-B6AE-4A8B57E6090E}" srcOrd="2" destOrd="0" presId="urn:microsoft.com/office/officeart/2005/8/layout/lProcess3"/>
     <dgm:cxn modelId="{18B4239E-26A0-4C9F-985C-F13AE7124340}" type="presParOf" srcId="{B57A67B2-F245-41BC-B6AE-4A8B57E6090E}" destId="{DC2F0DC3-B4AF-4645-B2BD-384B727FF4E2}" srcOrd="0" destOrd="0" presId="urn:microsoft.com/office/officeart/2005/8/layout/lProcess3"/>
@@ -3681,6 +4821,382 @@
 </file>
 
 <file path=ppt/diagrams/drawing1.xml><?xml version="1.0" encoding="utf-8"?>
+<dsp:drawing xmlns:dgm="http://schemas.openxmlformats.org/drawingml/2006/diagram" xmlns:dsp="http://schemas.microsoft.com/office/drawing/2008/diagram" xmlns:a="http://schemas.openxmlformats.org/drawingml/2006/main">
+  <dsp:spTree>
+    <dsp:nvGrpSpPr>
+      <dsp:cNvPr id="0" name=""/>
+      <dsp:cNvGrpSpPr/>
+    </dsp:nvGrpSpPr>
+    <dsp:grpSpPr/>
+    <dsp:sp modelId="{26841457-B676-447C-9FA6-AEA62C294DE6}">
+      <dsp:nvSpPr>
+        <dsp:cNvPr id="0" name=""/>
+        <dsp:cNvSpPr/>
+      </dsp:nvSpPr>
+      <dsp:spPr>
+        <a:xfrm>
+          <a:off x="0" y="332295"/>
+          <a:ext cx="10553700" cy="1107225"/>
+        </a:xfrm>
+        <a:prstGeom prst="rect">
+          <a:avLst/>
+        </a:prstGeom>
+        <a:solidFill>
+          <a:schemeClr val="lt1">
+            <a:alpha val="90000"/>
+            <a:hueOff val="0"/>
+            <a:satOff val="0"/>
+            <a:lumOff val="0"/>
+            <a:alphaOff val="0"/>
+          </a:schemeClr>
+        </a:solidFill>
+        <a:ln w="15875" cap="rnd" cmpd="sng" algn="ctr">
+          <a:solidFill>
+            <a:schemeClr val="accent1">
+              <a:hueOff val="0"/>
+              <a:satOff val="0"/>
+              <a:lumOff val="0"/>
+              <a:alphaOff val="0"/>
+            </a:schemeClr>
+          </a:solidFill>
+          <a:prstDash val="solid"/>
+        </a:ln>
+        <a:effectLst/>
+      </dsp:spPr>
+      <dsp:style>
+        <a:lnRef idx="2">
+          <a:scrgbClr r="0" g="0" b="0"/>
+        </a:lnRef>
+        <a:fillRef idx="1">
+          <a:scrgbClr r="0" g="0" b="0"/>
+        </a:fillRef>
+        <a:effectRef idx="0">
+          <a:scrgbClr r="0" g="0" b="0"/>
+        </a:effectRef>
+        <a:fontRef idx="minor"/>
+      </dsp:style>
+      <dsp:txBody>
+        <a:bodyPr spcFirstLastPara="0" vert="horz" wrap="square" lIns="819084" tIns="395732" rIns="819084" bIns="135128" numCol="1" spcCol="1270" anchor="t" anchorCtr="0">
+          <a:noAutofit/>
+        </a:bodyPr>
+        <a:lstStyle/>
+        <a:p>
+          <a:pPr marL="171450" lvl="1" indent="-171450" algn="l" defTabSz="844550">
+            <a:lnSpc>
+              <a:spcPct val="90000"/>
+            </a:lnSpc>
+            <a:spcBef>
+              <a:spcPct val="0"/>
+            </a:spcBef>
+            <a:spcAft>
+              <a:spcPct val="15000"/>
+            </a:spcAft>
+            <a:buChar char="•"/>
+          </a:pPr>
+          <a:r>
+            <a:rPr lang="en-US" sz="1900" kern="1200" dirty="0"/>
+            <a:t>Grid-based map (no diagonal movement)</a:t>
+          </a:r>
+        </a:p>
+        <a:p>
+          <a:pPr marL="171450" lvl="1" indent="-171450" algn="l" defTabSz="844550">
+            <a:lnSpc>
+              <a:spcPct val="90000"/>
+            </a:lnSpc>
+            <a:spcBef>
+              <a:spcPct val="0"/>
+            </a:spcBef>
+            <a:spcAft>
+              <a:spcPct val="15000"/>
+            </a:spcAft>
+            <a:buChar char="•"/>
+          </a:pPr>
+          <a:r>
+            <a:rPr lang="en-US" sz="1900" kern="1200"/>
+            <a:t>Cooperative </a:t>
+          </a:r>
+          <a:r>
+            <a:rPr lang="en-US" sz="1900" kern="1200" dirty="0"/>
+            <a:t>multi-agent pathfinding</a:t>
+          </a:r>
+        </a:p>
+      </dsp:txBody>
+      <dsp:txXfrm>
+        <a:off x="0" y="332295"/>
+        <a:ext cx="10553700" cy="1107225"/>
+      </dsp:txXfrm>
+    </dsp:sp>
+    <dsp:sp modelId="{8A10C3B4-7628-4210-B08E-4D3D0CFFFB25}">
+      <dsp:nvSpPr>
+        <dsp:cNvPr id="0" name=""/>
+        <dsp:cNvSpPr/>
+      </dsp:nvSpPr>
+      <dsp:spPr>
+        <a:xfrm>
+          <a:off x="527685" y="51855"/>
+          <a:ext cx="7387590" cy="560880"/>
+        </a:xfrm>
+        <a:prstGeom prst="roundRect">
+          <a:avLst/>
+        </a:prstGeom>
+        <a:solidFill>
+          <a:schemeClr val="accent1">
+            <a:hueOff val="0"/>
+            <a:satOff val="0"/>
+            <a:lumOff val="0"/>
+            <a:alphaOff val="0"/>
+          </a:schemeClr>
+        </a:solidFill>
+        <a:ln w="25400" cap="rnd" cmpd="sng" algn="ctr">
+          <a:solidFill>
+            <a:schemeClr val="lt1">
+              <a:hueOff val="0"/>
+              <a:satOff val="0"/>
+              <a:lumOff val="0"/>
+              <a:alphaOff val="0"/>
+            </a:schemeClr>
+          </a:solidFill>
+          <a:prstDash val="solid"/>
+        </a:ln>
+        <a:effectLst/>
+      </dsp:spPr>
+      <dsp:style>
+        <a:lnRef idx="3">
+          <a:scrgbClr r="0" g="0" b="0"/>
+        </a:lnRef>
+        <a:fillRef idx="1">
+          <a:scrgbClr r="0" g="0" b="0"/>
+        </a:fillRef>
+        <a:effectRef idx="1">
+          <a:scrgbClr r="0" g="0" b="0"/>
+        </a:effectRef>
+        <a:fontRef idx="minor">
+          <a:schemeClr val="lt1"/>
+        </a:fontRef>
+      </dsp:style>
+      <dsp:txBody>
+        <a:bodyPr spcFirstLastPara="0" vert="horz" wrap="square" lIns="279233" tIns="0" rIns="279233" bIns="0" numCol="1" spcCol="1270" anchor="ctr" anchorCtr="0">
+          <a:noAutofit/>
+        </a:bodyPr>
+        <a:lstStyle/>
+        <a:p>
+          <a:pPr marL="0" lvl="0" indent="0" algn="l" defTabSz="844550">
+            <a:lnSpc>
+              <a:spcPct val="90000"/>
+            </a:lnSpc>
+            <a:spcBef>
+              <a:spcPct val="0"/>
+            </a:spcBef>
+            <a:spcAft>
+              <a:spcPct val="35000"/>
+            </a:spcAft>
+            <a:buNone/>
+          </a:pPr>
+          <a:r>
+            <a:rPr lang="en-US" sz="1900" kern="1200"/>
+            <a:t>Warehouse Automation</a:t>
+          </a:r>
+        </a:p>
+      </dsp:txBody>
+      <dsp:txXfrm>
+        <a:off x="555065" y="79235"/>
+        <a:ext cx="7332830" cy="506120"/>
+      </dsp:txXfrm>
+    </dsp:sp>
+    <dsp:sp modelId="{ABD2BFAC-CB7F-407C-88C7-CA5E9A48C76A}">
+      <dsp:nvSpPr>
+        <dsp:cNvPr id="0" name=""/>
+        <dsp:cNvSpPr/>
+      </dsp:nvSpPr>
+      <dsp:spPr>
+        <a:xfrm>
+          <a:off x="0" y="1822560"/>
+          <a:ext cx="10553700" cy="1436400"/>
+        </a:xfrm>
+        <a:prstGeom prst="rect">
+          <a:avLst/>
+        </a:prstGeom>
+        <a:solidFill>
+          <a:schemeClr val="lt1">
+            <a:alpha val="90000"/>
+            <a:hueOff val="0"/>
+            <a:satOff val="0"/>
+            <a:lumOff val="0"/>
+            <a:alphaOff val="0"/>
+          </a:schemeClr>
+        </a:solidFill>
+        <a:ln w="15875" cap="rnd" cmpd="sng" algn="ctr">
+          <a:solidFill>
+            <a:schemeClr val="accent1">
+              <a:hueOff val="0"/>
+              <a:satOff val="0"/>
+              <a:lumOff val="0"/>
+              <a:alphaOff val="0"/>
+            </a:schemeClr>
+          </a:solidFill>
+          <a:prstDash val="solid"/>
+        </a:ln>
+        <a:effectLst/>
+      </dsp:spPr>
+      <dsp:style>
+        <a:lnRef idx="2">
+          <a:scrgbClr r="0" g="0" b="0"/>
+        </a:lnRef>
+        <a:fillRef idx="1">
+          <a:scrgbClr r="0" g="0" b="0"/>
+        </a:fillRef>
+        <a:effectRef idx="0">
+          <a:scrgbClr r="0" g="0" b="0"/>
+        </a:effectRef>
+        <a:fontRef idx="minor"/>
+      </dsp:style>
+      <dsp:txBody>
+        <a:bodyPr spcFirstLastPara="0" vert="horz" wrap="square" lIns="819084" tIns="395732" rIns="819084" bIns="135128" numCol="1" spcCol="1270" anchor="t" anchorCtr="0">
+          <a:noAutofit/>
+        </a:bodyPr>
+        <a:lstStyle/>
+        <a:p>
+          <a:pPr marL="171450" lvl="1" indent="-171450" algn="l" defTabSz="844550">
+            <a:lnSpc>
+              <a:spcPct val="90000"/>
+            </a:lnSpc>
+            <a:spcBef>
+              <a:spcPct val="0"/>
+            </a:spcBef>
+            <a:spcAft>
+              <a:spcPct val="15000"/>
+            </a:spcAft>
+            <a:buChar char="•"/>
+          </a:pPr>
+          <a:r>
+            <a:rPr lang="en-US" sz="1900" kern="1200"/>
+            <a:t>Make span</a:t>
+          </a:r>
+        </a:p>
+        <a:p>
+          <a:pPr marL="171450" lvl="1" indent="-171450" algn="l" defTabSz="844550">
+            <a:lnSpc>
+              <a:spcPct val="90000"/>
+            </a:lnSpc>
+            <a:spcBef>
+              <a:spcPct val="0"/>
+            </a:spcBef>
+            <a:spcAft>
+              <a:spcPct val="15000"/>
+            </a:spcAft>
+            <a:buChar char="•"/>
+          </a:pPr>
+          <a:r>
+            <a:rPr lang="en-US" sz="1900" kern="1200"/>
+            <a:t>Distance</a:t>
+          </a:r>
+        </a:p>
+        <a:p>
+          <a:pPr marL="171450" lvl="1" indent="-171450" algn="l" defTabSz="844550">
+            <a:lnSpc>
+              <a:spcPct val="90000"/>
+            </a:lnSpc>
+            <a:spcBef>
+              <a:spcPct val="0"/>
+            </a:spcBef>
+            <a:spcAft>
+              <a:spcPct val="15000"/>
+            </a:spcAft>
+            <a:buChar char="•"/>
+          </a:pPr>
+          <a:r>
+            <a:rPr lang="en-US" sz="1900" kern="1200"/>
+            <a:t>Down-time</a:t>
+          </a:r>
+        </a:p>
+      </dsp:txBody>
+      <dsp:txXfrm>
+        <a:off x="0" y="1822560"/>
+        <a:ext cx="10553700" cy="1436400"/>
+      </dsp:txXfrm>
+    </dsp:sp>
+    <dsp:sp modelId="{EFE36734-0455-43E9-BC21-32764747300A}">
+      <dsp:nvSpPr>
+        <dsp:cNvPr id="0" name=""/>
+        <dsp:cNvSpPr/>
+      </dsp:nvSpPr>
+      <dsp:spPr>
+        <a:xfrm>
+          <a:off x="527685" y="1542120"/>
+          <a:ext cx="7387590" cy="560880"/>
+        </a:xfrm>
+        <a:prstGeom prst="roundRect">
+          <a:avLst/>
+        </a:prstGeom>
+        <a:solidFill>
+          <a:schemeClr val="accent1">
+            <a:hueOff val="0"/>
+            <a:satOff val="0"/>
+            <a:lumOff val="0"/>
+            <a:alphaOff val="0"/>
+          </a:schemeClr>
+        </a:solidFill>
+        <a:ln w="25400" cap="rnd" cmpd="sng" algn="ctr">
+          <a:solidFill>
+            <a:schemeClr val="lt1">
+              <a:hueOff val="0"/>
+              <a:satOff val="0"/>
+              <a:lumOff val="0"/>
+              <a:alphaOff val="0"/>
+            </a:schemeClr>
+          </a:solidFill>
+          <a:prstDash val="solid"/>
+        </a:ln>
+        <a:effectLst/>
+      </dsp:spPr>
+      <dsp:style>
+        <a:lnRef idx="3">
+          <a:scrgbClr r="0" g="0" b="0"/>
+        </a:lnRef>
+        <a:fillRef idx="1">
+          <a:scrgbClr r="0" g="0" b="0"/>
+        </a:fillRef>
+        <a:effectRef idx="1">
+          <a:scrgbClr r="0" g="0" b="0"/>
+        </a:effectRef>
+        <a:fontRef idx="minor">
+          <a:schemeClr val="lt1"/>
+        </a:fontRef>
+      </dsp:style>
+      <dsp:txBody>
+        <a:bodyPr spcFirstLastPara="0" vert="horz" wrap="square" lIns="279233" tIns="0" rIns="279233" bIns="0" numCol="1" spcCol="1270" anchor="ctr" anchorCtr="0">
+          <a:noAutofit/>
+        </a:bodyPr>
+        <a:lstStyle/>
+        <a:p>
+          <a:pPr marL="0" lvl="0" indent="0" algn="l" defTabSz="844550">
+            <a:lnSpc>
+              <a:spcPct val="90000"/>
+            </a:lnSpc>
+            <a:spcBef>
+              <a:spcPct val="0"/>
+            </a:spcBef>
+            <a:spcAft>
+              <a:spcPct val="35000"/>
+            </a:spcAft>
+            <a:buNone/>
+          </a:pPr>
+          <a:r>
+            <a:rPr lang="en-US" sz="1900" kern="1200"/>
+            <a:t>Optimality</a:t>
+          </a:r>
+        </a:p>
+      </dsp:txBody>
+      <dsp:txXfrm>
+        <a:off x="555065" y="1569500"/>
+        <a:ext cx="7332830" cy="506120"/>
+      </dsp:txXfrm>
+    </dsp:sp>
+  </dsp:spTree>
+</dsp:drawing>
+</file>
+
+<file path=ppt/diagrams/drawing2.xml><?xml version="1.0" encoding="utf-8"?>
 <dsp:drawing xmlns:dgm="http://schemas.openxmlformats.org/drawingml/2006/diagram" xmlns:dsp="http://schemas.microsoft.com/office/drawing/2008/diagram" xmlns:a="http://schemas.openxmlformats.org/drawingml/2006/main">
   <dsp:spTree>
     <dsp:nvGrpSpPr>
@@ -4145,7 +5661,7 @@
 </dsp:drawing>
 </file>
 
-<file path=ppt/diagrams/drawing2.xml><?xml version="1.0" encoding="utf-8"?>
+<file path=ppt/diagrams/drawing3.xml><?xml version="1.0" encoding="utf-8"?>
 <dsp:drawing xmlns:dgm="http://schemas.openxmlformats.org/drawingml/2006/diagram" xmlns:dsp="http://schemas.microsoft.com/office/drawing/2008/diagram" xmlns:a="http://schemas.openxmlformats.org/drawingml/2006/main">
   <dsp:spTree>
     <dsp:nvGrpSpPr>
@@ -4153,14 +5669,776 @@
       <dsp:cNvGrpSpPr/>
     </dsp:nvGrpSpPr>
     <dsp:grpSpPr/>
-    <dsp:sp modelId="{A617C740-B421-4F9D-9A2C-FCCA7641EA3D}">
+    <dsp:sp modelId="{794B5E83-50AE-42EB-AADF-30B68AE24157}">
       <dsp:nvSpPr>
         <dsp:cNvPr id="0" name=""/>
         <dsp:cNvSpPr/>
       </dsp:nvSpPr>
       <dsp:spPr>
         <a:xfrm>
-          <a:off x="1937050" y="3162"/>
+          <a:off x="0" y="0"/>
+          <a:ext cx="3298031" cy="3364741"/>
+        </a:xfrm>
+        <a:prstGeom prst="rect">
+          <a:avLst/>
+        </a:prstGeom>
+        <a:solidFill>
+          <a:schemeClr val="dk2">
+            <a:alpha val="90000"/>
+            <a:tint val="40000"/>
+            <a:hueOff val="0"/>
+            <a:satOff val="0"/>
+            <a:lumOff val="0"/>
+            <a:alphaOff val="0"/>
+          </a:schemeClr>
+        </a:solidFill>
+        <a:ln w="9525" cap="rnd" cmpd="sng" algn="ctr">
+          <a:solidFill>
+            <a:schemeClr val="dk2">
+              <a:alpha val="90000"/>
+              <a:tint val="40000"/>
+              <a:hueOff val="0"/>
+              <a:satOff val="0"/>
+              <a:lumOff val="0"/>
+              <a:alphaOff val="0"/>
+            </a:schemeClr>
+          </a:solidFill>
+          <a:prstDash val="solid"/>
+        </a:ln>
+        <a:effectLst/>
+      </dsp:spPr>
+      <dsp:style>
+        <a:lnRef idx="1">
+          <a:scrgbClr r="0" g="0" b="0"/>
+        </a:lnRef>
+        <a:fillRef idx="1">
+          <a:scrgbClr r="0" g="0" b="0"/>
+        </a:fillRef>
+        <a:effectRef idx="0">
+          <a:scrgbClr r="0" g="0" b="0"/>
+        </a:effectRef>
+        <a:fontRef idx="minor"/>
+      </dsp:style>
+      <dsp:txBody>
+        <a:bodyPr spcFirstLastPara="0" vert="horz" wrap="square" lIns="257127" tIns="330200" rIns="257127" bIns="330200" numCol="1" spcCol="1270" anchor="t" anchorCtr="0">
+          <a:noAutofit/>
+        </a:bodyPr>
+        <a:lstStyle/>
+        <a:p>
+          <a:pPr marL="0" lvl="0" indent="0" algn="l" defTabSz="1155700">
+            <a:lnSpc>
+              <a:spcPct val="90000"/>
+            </a:lnSpc>
+            <a:spcBef>
+              <a:spcPct val="0"/>
+            </a:spcBef>
+            <a:spcAft>
+              <a:spcPct val="35000"/>
+            </a:spcAft>
+            <a:buNone/>
+          </a:pPr>
+          <a:r>
+            <a:rPr lang="en-US" sz="2600" kern="1200" dirty="0"/>
+            <a:t>Search</a:t>
+          </a:r>
+        </a:p>
+        <a:p>
+          <a:pPr marL="228600" lvl="1" indent="-228600" algn="l" defTabSz="889000">
+            <a:lnSpc>
+              <a:spcPct val="90000"/>
+            </a:lnSpc>
+            <a:spcBef>
+              <a:spcPct val="0"/>
+            </a:spcBef>
+            <a:spcAft>
+              <a:spcPct val="15000"/>
+            </a:spcAft>
+            <a:buChar char="•"/>
+          </a:pPr>
+          <a:r>
+            <a:rPr lang="en-US" sz="2000" kern="1200" dirty="0"/>
+            <a:t>Find a path for each agent</a:t>
+          </a:r>
+        </a:p>
+      </dsp:txBody>
+      <dsp:txXfrm>
+        <a:off x="0" y="1278601"/>
+        <a:ext cx="3298031" cy="2018844"/>
+      </dsp:txXfrm>
+    </dsp:sp>
+    <dsp:sp modelId="{E5DC2D95-400D-41EB-828F-E7C61AF3E4B3}">
+      <dsp:nvSpPr>
+        <dsp:cNvPr id="0" name=""/>
+        <dsp:cNvSpPr/>
+      </dsp:nvSpPr>
+      <dsp:spPr>
+        <a:xfrm>
+          <a:off x="1144304" y="336474"/>
+          <a:ext cx="1009422" cy="1009422"/>
+        </a:xfrm>
+        <a:prstGeom prst="ellipse">
+          <a:avLst/>
+        </a:prstGeom>
+        <a:blipFill rotWithShape="0">
+          <a:blip xmlns:r="http://schemas.openxmlformats.org/officeDocument/2006/relationships" r:embed="rId1">
+            <a:duotone>
+              <a:schemeClr val="dk2">
+                <a:hueOff val="0"/>
+                <a:satOff val="0"/>
+                <a:lumOff val="0"/>
+                <a:alphaOff val="0"/>
+                <a:tint val="98000"/>
+                <a:lumMod val="102000"/>
+              </a:schemeClr>
+              <a:schemeClr val="dk2">
+                <a:hueOff val="0"/>
+                <a:satOff val="0"/>
+                <a:lumOff val="0"/>
+                <a:alphaOff val="0"/>
+                <a:shade val="98000"/>
+                <a:lumMod val="98000"/>
+              </a:schemeClr>
+            </a:duotone>
+          </a:blip>
+          <a:tile tx="0" ty="0" sx="100000" sy="100000" flip="none" algn="tl"/>
+        </a:blipFill>
+        <a:ln w="9525" cap="rnd" cmpd="sng" algn="ctr">
+          <a:solidFill>
+            <a:schemeClr val="dk2">
+              <a:hueOff val="0"/>
+              <a:satOff val="0"/>
+              <a:lumOff val="0"/>
+              <a:alphaOff val="0"/>
+            </a:schemeClr>
+          </a:solidFill>
+          <a:prstDash val="solid"/>
+        </a:ln>
+        <a:effectLst/>
+      </dsp:spPr>
+      <dsp:style>
+        <a:lnRef idx="1">
+          <a:scrgbClr r="0" g="0" b="0"/>
+        </a:lnRef>
+        <a:fillRef idx="3">
+          <a:scrgbClr r="0" g="0" b="0"/>
+        </a:fillRef>
+        <a:effectRef idx="2">
+          <a:scrgbClr r="0" g="0" b="0"/>
+        </a:effectRef>
+        <a:fontRef idx="minor">
+          <a:schemeClr val="lt1"/>
+        </a:fontRef>
+      </dsp:style>
+      <dsp:txBody>
+        <a:bodyPr spcFirstLastPara="0" vert="horz" wrap="square" lIns="78698" tIns="12700" rIns="78698" bIns="12700" numCol="1" spcCol="1270" anchor="ctr" anchorCtr="0">
+          <a:noAutofit/>
+        </a:bodyPr>
+        <a:lstStyle/>
+        <a:p>
+          <a:pPr marL="0" lvl="0" indent="0" algn="ctr" defTabSz="2133600">
+            <a:lnSpc>
+              <a:spcPct val="90000"/>
+            </a:lnSpc>
+            <a:spcBef>
+              <a:spcPct val="0"/>
+            </a:spcBef>
+            <a:spcAft>
+              <a:spcPct val="35000"/>
+            </a:spcAft>
+            <a:buNone/>
+          </a:pPr>
+          <a:endParaRPr lang="en-US" sz="4800" kern="1200"/>
+        </a:p>
+      </dsp:txBody>
+      <dsp:txXfrm>
+        <a:off x="1292130" y="484300"/>
+        <a:ext cx="713770" cy="713770"/>
+      </dsp:txXfrm>
+    </dsp:sp>
+    <dsp:sp modelId="{E59F67F1-76B7-4DD8-9FB4-E1B8D5BD2032}">
+      <dsp:nvSpPr>
+        <dsp:cNvPr id="0" name=""/>
+        <dsp:cNvSpPr/>
+      </dsp:nvSpPr>
+      <dsp:spPr>
+        <a:xfrm>
+          <a:off x="0" y="3364669"/>
+          <a:ext cx="3298031" cy="72"/>
+        </a:xfrm>
+        <a:prstGeom prst="rect">
+          <a:avLst/>
+        </a:prstGeom>
+        <a:blipFill rotWithShape="0">
+          <a:blip xmlns:r="http://schemas.openxmlformats.org/officeDocument/2006/relationships" r:embed="rId1">
+            <a:duotone>
+              <a:schemeClr val="dk2">
+                <a:hueOff val="0"/>
+                <a:satOff val="0"/>
+                <a:lumOff val="0"/>
+                <a:alphaOff val="0"/>
+                <a:tint val="98000"/>
+                <a:lumMod val="102000"/>
+              </a:schemeClr>
+              <a:schemeClr val="dk2">
+                <a:hueOff val="0"/>
+                <a:satOff val="0"/>
+                <a:lumOff val="0"/>
+                <a:alphaOff val="0"/>
+                <a:shade val="98000"/>
+                <a:lumMod val="98000"/>
+              </a:schemeClr>
+            </a:duotone>
+          </a:blip>
+          <a:tile tx="0" ty="0" sx="100000" sy="100000" flip="none" algn="tl"/>
+        </a:blipFill>
+        <a:ln w="9525" cap="rnd" cmpd="sng" algn="ctr">
+          <a:solidFill>
+            <a:schemeClr val="dk2">
+              <a:hueOff val="0"/>
+              <a:satOff val="0"/>
+              <a:lumOff val="0"/>
+              <a:alphaOff val="0"/>
+            </a:schemeClr>
+          </a:solidFill>
+          <a:prstDash val="solid"/>
+        </a:ln>
+        <a:effectLst/>
+      </dsp:spPr>
+      <dsp:style>
+        <a:lnRef idx="1">
+          <a:scrgbClr r="0" g="0" b="0"/>
+        </a:lnRef>
+        <a:fillRef idx="3">
+          <a:scrgbClr r="0" g="0" b="0"/>
+        </a:fillRef>
+        <a:effectRef idx="2">
+          <a:scrgbClr r="0" g="0" b="0"/>
+        </a:effectRef>
+        <a:fontRef idx="minor">
+          <a:schemeClr val="lt1"/>
+        </a:fontRef>
+      </dsp:style>
+    </dsp:sp>
+    <dsp:sp modelId="{E8DBB6DC-8F77-40EC-B3D6-D8ED8D1955E0}">
+      <dsp:nvSpPr>
+        <dsp:cNvPr id="0" name=""/>
+        <dsp:cNvSpPr/>
+      </dsp:nvSpPr>
+      <dsp:spPr>
+        <a:xfrm>
+          <a:off x="3627834" y="0"/>
+          <a:ext cx="3298031" cy="3364741"/>
+        </a:xfrm>
+        <a:prstGeom prst="rect">
+          <a:avLst/>
+        </a:prstGeom>
+        <a:solidFill>
+          <a:schemeClr val="dk2">
+            <a:alpha val="90000"/>
+            <a:tint val="40000"/>
+            <a:hueOff val="0"/>
+            <a:satOff val="0"/>
+            <a:lumOff val="0"/>
+            <a:alphaOff val="0"/>
+          </a:schemeClr>
+        </a:solidFill>
+        <a:ln w="9525" cap="rnd" cmpd="sng" algn="ctr">
+          <a:solidFill>
+            <a:schemeClr val="dk2">
+              <a:alpha val="90000"/>
+              <a:tint val="40000"/>
+              <a:hueOff val="0"/>
+              <a:satOff val="0"/>
+              <a:lumOff val="0"/>
+              <a:alphaOff val="0"/>
+            </a:schemeClr>
+          </a:solidFill>
+          <a:prstDash val="solid"/>
+        </a:ln>
+        <a:effectLst/>
+      </dsp:spPr>
+      <dsp:style>
+        <a:lnRef idx="1">
+          <a:scrgbClr r="0" g="0" b="0"/>
+        </a:lnRef>
+        <a:fillRef idx="1">
+          <a:scrgbClr r="0" g="0" b="0"/>
+        </a:fillRef>
+        <a:effectRef idx="0">
+          <a:scrgbClr r="0" g="0" b="0"/>
+        </a:effectRef>
+        <a:fontRef idx="minor"/>
+      </dsp:style>
+      <dsp:txBody>
+        <a:bodyPr spcFirstLastPara="0" vert="horz" wrap="square" lIns="257127" tIns="330200" rIns="257127" bIns="330200" numCol="1" spcCol="1270" anchor="t" anchorCtr="0">
+          <a:noAutofit/>
+        </a:bodyPr>
+        <a:lstStyle/>
+        <a:p>
+          <a:pPr marL="0" lvl="0" indent="0" algn="l" defTabSz="1155700">
+            <a:lnSpc>
+              <a:spcPct val="90000"/>
+            </a:lnSpc>
+            <a:spcBef>
+              <a:spcPct val="0"/>
+            </a:spcBef>
+            <a:spcAft>
+              <a:spcPct val="35000"/>
+            </a:spcAft>
+            <a:buNone/>
+          </a:pPr>
+          <a:r>
+            <a:rPr lang="en-US" sz="2600" kern="1200" dirty="0"/>
+            <a:t>Conflicts</a:t>
+          </a:r>
+        </a:p>
+        <a:p>
+          <a:pPr marL="228600" lvl="1" indent="-228600" algn="l" defTabSz="889000">
+            <a:lnSpc>
+              <a:spcPct val="90000"/>
+            </a:lnSpc>
+            <a:spcBef>
+              <a:spcPct val="0"/>
+            </a:spcBef>
+            <a:spcAft>
+              <a:spcPct val="15000"/>
+            </a:spcAft>
+            <a:buChar char="•"/>
+          </a:pPr>
+          <a:r>
+            <a:rPr lang="en-US" sz="2000" kern="1200" dirty="0"/>
+            <a:t>Identify conflicts between paths</a:t>
+          </a:r>
+        </a:p>
+      </dsp:txBody>
+      <dsp:txXfrm>
+        <a:off x="3627834" y="1278601"/>
+        <a:ext cx="3298031" cy="2018844"/>
+      </dsp:txXfrm>
+    </dsp:sp>
+    <dsp:sp modelId="{41A9666E-EA92-4909-8733-E55DC7F0658C}">
+      <dsp:nvSpPr>
+        <dsp:cNvPr id="0" name=""/>
+        <dsp:cNvSpPr/>
+      </dsp:nvSpPr>
+      <dsp:spPr>
+        <a:xfrm>
+          <a:off x="4772138" y="336474"/>
+          <a:ext cx="1009422" cy="1009422"/>
+        </a:xfrm>
+        <a:prstGeom prst="ellipse">
+          <a:avLst/>
+        </a:prstGeom>
+        <a:blipFill rotWithShape="0">
+          <a:blip xmlns:r="http://schemas.openxmlformats.org/officeDocument/2006/relationships" r:embed="rId1">
+            <a:duotone>
+              <a:schemeClr val="dk2">
+                <a:hueOff val="0"/>
+                <a:satOff val="0"/>
+                <a:lumOff val="0"/>
+                <a:alphaOff val="0"/>
+                <a:tint val="98000"/>
+                <a:lumMod val="102000"/>
+              </a:schemeClr>
+              <a:schemeClr val="dk2">
+                <a:hueOff val="0"/>
+                <a:satOff val="0"/>
+                <a:lumOff val="0"/>
+                <a:alphaOff val="0"/>
+                <a:shade val="98000"/>
+                <a:lumMod val="98000"/>
+              </a:schemeClr>
+            </a:duotone>
+          </a:blip>
+          <a:tile tx="0" ty="0" sx="100000" sy="100000" flip="none" algn="tl"/>
+        </a:blipFill>
+        <a:ln w="9525" cap="rnd" cmpd="sng" algn="ctr">
+          <a:solidFill>
+            <a:schemeClr val="dk2">
+              <a:hueOff val="0"/>
+              <a:satOff val="0"/>
+              <a:lumOff val="0"/>
+              <a:alphaOff val="0"/>
+            </a:schemeClr>
+          </a:solidFill>
+          <a:prstDash val="solid"/>
+        </a:ln>
+        <a:effectLst/>
+      </dsp:spPr>
+      <dsp:style>
+        <a:lnRef idx="1">
+          <a:scrgbClr r="0" g="0" b="0"/>
+        </a:lnRef>
+        <a:fillRef idx="3">
+          <a:scrgbClr r="0" g="0" b="0"/>
+        </a:fillRef>
+        <a:effectRef idx="2">
+          <a:scrgbClr r="0" g="0" b="0"/>
+        </a:effectRef>
+        <a:fontRef idx="minor">
+          <a:schemeClr val="lt1"/>
+        </a:fontRef>
+      </dsp:style>
+      <dsp:txBody>
+        <a:bodyPr spcFirstLastPara="0" vert="horz" wrap="square" lIns="78698" tIns="12700" rIns="78698" bIns="12700" numCol="1" spcCol="1270" anchor="ctr" anchorCtr="0">
+          <a:noAutofit/>
+        </a:bodyPr>
+        <a:lstStyle/>
+        <a:p>
+          <a:pPr marL="0" lvl="0" indent="0" algn="ctr" defTabSz="2133600">
+            <a:lnSpc>
+              <a:spcPct val="90000"/>
+            </a:lnSpc>
+            <a:spcBef>
+              <a:spcPct val="0"/>
+            </a:spcBef>
+            <a:spcAft>
+              <a:spcPct val="35000"/>
+            </a:spcAft>
+            <a:buNone/>
+          </a:pPr>
+          <a:endParaRPr lang="en-US" sz="4800" kern="1200"/>
+        </a:p>
+      </dsp:txBody>
+      <dsp:txXfrm>
+        <a:off x="4919964" y="484300"/>
+        <a:ext cx="713770" cy="713770"/>
+      </dsp:txXfrm>
+    </dsp:sp>
+    <dsp:sp modelId="{5D38D0BB-50AD-4489-9D2C-752057D3D753}">
+      <dsp:nvSpPr>
+        <dsp:cNvPr id="0" name=""/>
+        <dsp:cNvSpPr/>
+      </dsp:nvSpPr>
+      <dsp:spPr>
+        <a:xfrm>
+          <a:off x="3627834" y="3364669"/>
+          <a:ext cx="3298031" cy="72"/>
+        </a:xfrm>
+        <a:prstGeom prst="rect">
+          <a:avLst/>
+        </a:prstGeom>
+        <a:blipFill rotWithShape="0">
+          <a:blip xmlns:r="http://schemas.openxmlformats.org/officeDocument/2006/relationships" r:embed="rId1">
+            <a:duotone>
+              <a:schemeClr val="dk2">
+                <a:hueOff val="0"/>
+                <a:satOff val="0"/>
+                <a:lumOff val="0"/>
+                <a:alphaOff val="0"/>
+                <a:tint val="98000"/>
+                <a:lumMod val="102000"/>
+              </a:schemeClr>
+              <a:schemeClr val="dk2">
+                <a:hueOff val="0"/>
+                <a:satOff val="0"/>
+                <a:lumOff val="0"/>
+                <a:alphaOff val="0"/>
+                <a:shade val="98000"/>
+                <a:lumMod val="98000"/>
+              </a:schemeClr>
+            </a:duotone>
+          </a:blip>
+          <a:tile tx="0" ty="0" sx="100000" sy="100000" flip="none" algn="tl"/>
+        </a:blipFill>
+        <a:ln w="9525" cap="rnd" cmpd="sng" algn="ctr">
+          <a:solidFill>
+            <a:schemeClr val="dk2">
+              <a:hueOff val="0"/>
+              <a:satOff val="0"/>
+              <a:lumOff val="0"/>
+              <a:alphaOff val="0"/>
+            </a:schemeClr>
+          </a:solidFill>
+          <a:prstDash val="solid"/>
+        </a:ln>
+        <a:effectLst/>
+      </dsp:spPr>
+      <dsp:style>
+        <a:lnRef idx="1">
+          <a:scrgbClr r="0" g="0" b="0"/>
+        </a:lnRef>
+        <a:fillRef idx="3">
+          <a:scrgbClr r="0" g="0" b="0"/>
+        </a:fillRef>
+        <a:effectRef idx="2">
+          <a:scrgbClr r="0" g="0" b="0"/>
+        </a:effectRef>
+        <a:fontRef idx="minor">
+          <a:schemeClr val="lt1"/>
+        </a:fontRef>
+      </dsp:style>
+    </dsp:sp>
+    <dsp:sp modelId="{9941E023-1F44-46B7-88DC-D930CE4918D5}">
+      <dsp:nvSpPr>
+        <dsp:cNvPr id="0" name=""/>
+        <dsp:cNvSpPr/>
+      </dsp:nvSpPr>
+      <dsp:spPr>
+        <a:xfrm>
+          <a:off x="7255668" y="0"/>
+          <a:ext cx="3298031" cy="3364741"/>
+        </a:xfrm>
+        <a:prstGeom prst="rect">
+          <a:avLst/>
+        </a:prstGeom>
+        <a:solidFill>
+          <a:schemeClr val="dk2">
+            <a:alpha val="90000"/>
+            <a:tint val="40000"/>
+            <a:hueOff val="0"/>
+            <a:satOff val="0"/>
+            <a:lumOff val="0"/>
+            <a:alphaOff val="0"/>
+          </a:schemeClr>
+        </a:solidFill>
+        <a:ln w="9525" cap="rnd" cmpd="sng" algn="ctr">
+          <a:solidFill>
+            <a:schemeClr val="dk2">
+              <a:alpha val="90000"/>
+              <a:tint val="40000"/>
+              <a:hueOff val="0"/>
+              <a:satOff val="0"/>
+              <a:lumOff val="0"/>
+              <a:alphaOff val="0"/>
+            </a:schemeClr>
+          </a:solidFill>
+          <a:prstDash val="solid"/>
+        </a:ln>
+        <a:effectLst/>
+      </dsp:spPr>
+      <dsp:style>
+        <a:lnRef idx="1">
+          <a:scrgbClr r="0" g="0" b="0"/>
+        </a:lnRef>
+        <a:fillRef idx="1">
+          <a:scrgbClr r="0" g="0" b="0"/>
+        </a:fillRef>
+        <a:effectRef idx="0">
+          <a:scrgbClr r="0" g="0" b="0"/>
+        </a:effectRef>
+        <a:fontRef idx="minor"/>
+      </dsp:style>
+      <dsp:txBody>
+        <a:bodyPr spcFirstLastPara="0" vert="horz" wrap="square" lIns="257127" tIns="330200" rIns="257127" bIns="330200" numCol="1" spcCol="1270" anchor="t" anchorCtr="0">
+          <a:noAutofit/>
+        </a:bodyPr>
+        <a:lstStyle/>
+        <a:p>
+          <a:pPr marL="0" lvl="0" indent="0" algn="l" defTabSz="1155700">
+            <a:lnSpc>
+              <a:spcPct val="90000"/>
+            </a:lnSpc>
+            <a:spcBef>
+              <a:spcPct val="0"/>
+            </a:spcBef>
+            <a:spcAft>
+              <a:spcPct val="35000"/>
+            </a:spcAft>
+            <a:buNone/>
+          </a:pPr>
+          <a:r>
+            <a:rPr lang="en-US" sz="2600" kern="1200" dirty="0"/>
+            <a:t>Resolving</a:t>
+          </a:r>
+        </a:p>
+        <a:p>
+          <a:pPr marL="228600" lvl="1" indent="-228600" algn="l" defTabSz="889000">
+            <a:lnSpc>
+              <a:spcPct val="90000"/>
+            </a:lnSpc>
+            <a:spcBef>
+              <a:spcPct val="0"/>
+            </a:spcBef>
+            <a:spcAft>
+              <a:spcPct val="15000"/>
+            </a:spcAft>
+            <a:buChar char="•"/>
+          </a:pPr>
+          <a:r>
+            <a:rPr lang="en-US" sz="2000" kern="1200" dirty="0"/>
+            <a:t>Find a path for each agent such that there are no conflicts</a:t>
+          </a:r>
+        </a:p>
+      </dsp:txBody>
+      <dsp:txXfrm>
+        <a:off x="7255668" y="1278601"/>
+        <a:ext cx="3298031" cy="2018844"/>
+      </dsp:txXfrm>
+    </dsp:sp>
+    <dsp:sp modelId="{EF300190-485D-4112-B79F-CA755E085E43}">
+      <dsp:nvSpPr>
+        <dsp:cNvPr id="0" name=""/>
+        <dsp:cNvSpPr/>
+      </dsp:nvSpPr>
+      <dsp:spPr>
+        <a:xfrm>
+          <a:off x="8399973" y="336474"/>
+          <a:ext cx="1009422" cy="1009422"/>
+        </a:xfrm>
+        <a:prstGeom prst="ellipse">
+          <a:avLst/>
+        </a:prstGeom>
+        <a:blipFill rotWithShape="0">
+          <a:blip xmlns:r="http://schemas.openxmlformats.org/officeDocument/2006/relationships" r:embed="rId1">
+            <a:duotone>
+              <a:schemeClr val="dk2">
+                <a:hueOff val="0"/>
+                <a:satOff val="0"/>
+                <a:lumOff val="0"/>
+                <a:alphaOff val="0"/>
+                <a:tint val="98000"/>
+                <a:lumMod val="102000"/>
+              </a:schemeClr>
+              <a:schemeClr val="dk2">
+                <a:hueOff val="0"/>
+                <a:satOff val="0"/>
+                <a:lumOff val="0"/>
+                <a:alphaOff val="0"/>
+                <a:shade val="98000"/>
+                <a:lumMod val="98000"/>
+              </a:schemeClr>
+            </a:duotone>
+          </a:blip>
+          <a:tile tx="0" ty="0" sx="100000" sy="100000" flip="none" algn="tl"/>
+        </a:blipFill>
+        <a:ln w="9525" cap="rnd" cmpd="sng" algn="ctr">
+          <a:solidFill>
+            <a:schemeClr val="dk2">
+              <a:hueOff val="0"/>
+              <a:satOff val="0"/>
+              <a:lumOff val="0"/>
+              <a:alphaOff val="0"/>
+            </a:schemeClr>
+          </a:solidFill>
+          <a:prstDash val="solid"/>
+        </a:ln>
+        <a:effectLst/>
+      </dsp:spPr>
+      <dsp:style>
+        <a:lnRef idx="1">
+          <a:scrgbClr r="0" g="0" b="0"/>
+        </a:lnRef>
+        <a:fillRef idx="3">
+          <a:scrgbClr r="0" g="0" b="0"/>
+        </a:fillRef>
+        <a:effectRef idx="2">
+          <a:scrgbClr r="0" g="0" b="0"/>
+        </a:effectRef>
+        <a:fontRef idx="minor">
+          <a:schemeClr val="lt1"/>
+        </a:fontRef>
+      </dsp:style>
+      <dsp:txBody>
+        <a:bodyPr spcFirstLastPara="0" vert="horz" wrap="square" lIns="78698" tIns="12700" rIns="78698" bIns="12700" numCol="1" spcCol="1270" anchor="ctr" anchorCtr="0">
+          <a:noAutofit/>
+        </a:bodyPr>
+        <a:lstStyle/>
+        <a:p>
+          <a:pPr marL="0" lvl="0" indent="0" algn="ctr" defTabSz="2133600">
+            <a:lnSpc>
+              <a:spcPct val="90000"/>
+            </a:lnSpc>
+            <a:spcBef>
+              <a:spcPct val="0"/>
+            </a:spcBef>
+            <a:spcAft>
+              <a:spcPct val="35000"/>
+            </a:spcAft>
+            <a:buNone/>
+          </a:pPr>
+          <a:endParaRPr lang="en-US" sz="4800" kern="1200"/>
+        </a:p>
+      </dsp:txBody>
+      <dsp:txXfrm>
+        <a:off x="8547799" y="484300"/>
+        <a:ext cx="713770" cy="713770"/>
+      </dsp:txXfrm>
+    </dsp:sp>
+    <dsp:sp modelId="{C6200A58-E6A2-4871-9804-290038932E82}">
+      <dsp:nvSpPr>
+        <dsp:cNvPr id="0" name=""/>
+        <dsp:cNvSpPr/>
+      </dsp:nvSpPr>
+      <dsp:spPr>
+        <a:xfrm>
+          <a:off x="7255668" y="3364669"/>
+          <a:ext cx="3298031" cy="72"/>
+        </a:xfrm>
+        <a:prstGeom prst="rect">
+          <a:avLst/>
+        </a:prstGeom>
+        <a:blipFill rotWithShape="0">
+          <a:blip xmlns:r="http://schemas.openxmlformats.org/officeDocument/2006/relationships" r:embed="rId1">
+            <a:duotone>
+              <a:schemeClr val="dk2">
+                <a:hueOff val="0"/>
+                <a:satOff val="0"/>
+                <a:lumOff val="0"/>
+                <a:alphaOff val="0"/>
+                <a:tint val="98000"/>
+                <a:lumMod val="102000"/>
+              </a:schemeClr>
+              <a:schemeClr val="dk2">
+                <a:hueOff val="0"/>
+                <a:satOff val="0"/>
+                <a:lumOff val="0"/>
+                <a:alphaOff val="0"/>
+                <a:shade val="98000"/>
+                <a:lumMod val="98000"/>
+              </a:schemeClr>
+            </a:duotone>
+          </a:blip>
+          <a:tile tx="0" ty="0" sx="100000" sy="100000" flip="none" algn="tl"/>
+        </a:blipFill>
+        <a:ln w="9525" cap="rnd" cmpd="sng" algn="ctr">
+          <a:solidFill>
+            <a:schemeClr val="dk2">
+              <a:hueOff val="0"/>
+              <a:satOff val="0"/>
+              <a:lumOff val="0"/>
+              <a:alphaOff val="0"/>
+            </a:schemeClr>
+          </a:solidFill>
+          <a:prstDash val="solid"/>
+        </a:ln>
+        <a:effectLst/>
+      </dsp:spPr>
+      <dsp:style>
+        <a:lnRef idx="1">
+          <a:scrgbClr r="0" g="0" b="0"/>
+        </a:lnRef>
+        <a:fillRef idx="3">
+          <a:scrgbClr r="0" g="0" b="0"/>
+        </a:fillRef>
+        <a:effectRef idx="2">
+          <a:scrgbClr r="0" g="0" b="0"/>
+        </a:effectRef>
+        <a:fontRef idx="minor">
+          <a:schemeClr val="lt1"/>
+        </a:fontRef>
+      </dsp:style>
+    </dsp:sp>
+  </dsp:spTree>
+</dsp:drawing>
+</file>
+
+<file path=ppt/diagrams/drawing4.xml><?xml version="1.0" encoding="utf-8"?>
+<dsp:drawing xmlns:dgm="http://schemas.openxmlformats.org/drawingml/2006/diagram" xmlns:dsp="http://schemas.microsoft.com/office/drawing/2008/diagram" xmlns:a="http://schemas.openxmlformats.org/drawingml/2006/main">
+  <dsp:spTree>
+    <dsp:nvGrpSpPr>
+      <dsp:cNvPr id="0" name=""/>
+      <dsp:cNvGrpSpPr/>
+    </dsp:nvGrpSpPr>
+    <dsp:grpSpPr/>
+    <dsp:sp modelId="{B89C7B37-778A-4C56-9D1E-BA9F894A535F}">
+      <dsp:nvSpPr>
+        <dsp:cNvPr id="0" name=""/>
+        <dsp:cNvSpPr/>
+      </dsp:nvSpPr>
+      <dsp:spPr>
+        <a:xfrm>
+          <a:off x="949417" y="3162"/>
           <a:ext cx="2767254" cy="1106901"/>
         </a:xfrm>
         <a:prstGeom prst="chevron">
@@ -4226,18 +6504,18 @@
         </a:p>
       </dsp:txBody>
       <dsp:txXfrm>
-        <a:off x="2490501" y="3162"/>
+        <a:off x="1502868" y="3162"/>
         <a:ext cx="1660353" cy="1106901"/>
       </dsp:txXfrm>
     </dsp:sp>
-    <dsp:sp modelId="{48B99387-5A95-4266-B2E9-B81C1300E9A4}">
+    <dsp:sp modelId="{9B1EDE70-7544-4225-8BCB-03299EBF575E}">
       <dsp:nvSpPr>
         <dsp:cNvPr id="0" name=""/>
         <dsp:cNvSpPr/>
       </dsp:nvSpPr>
       <dsp:spPr>
         <a:xfrm>
-          <a:off x="4344562" y="97249"/>
+          <a:off x="3356928" y="97249"/>
           <a:ext cx="2296821" cy="918728"/>
         </a:xfrm>
         <a:prstGeom prst="chevron">
@@ -4281,12 +6559,12 @@
         <a:fontRef idx="minor"/>
       </dsp:style>
       <dsp:txBody>
-        <a:bodyPr spcFirstLastPara="0" vert="horz" wrap="square" lIns="22860" tIns="11430" rIns="0" bIns="11430" numCol="1" spcCol="1270" anchor="ctr" anchorCtr="0">
+        <a:bodyPr spcFirstLastPara="0" vert="horz" wrap="square" lIns="21590" tIns="10795" rIns="0" bIns="10795" numCol="1" spcCol="1270" anchor="ctr" anchorCtr="0">
           <a:noAutofit/>
         </a:bodyPr>
         <a:lstStyle/>
         <a:p>
-          <a:pPr marL="0" lvl="0" indent="0" algn="ctr" defTabSz="800100">
+          <a:pPr marL="0" lvl="0" indent="0" algn="ctr" defTabSz="755650">
             <a:lnSpc>
               <a:spcPct val="90000"/>
             </a:lnSpc>
@@ -4299,24 +6577,24 @@
             <a:buNone/>
           </a:pPr>
           <a:r>
-            <a:rPr lang="en-US" sz="1800" kern="1200" dirty="0"/>
+            <a:rPr lang="en-US" sz="1700" kern="1200" dirty="0"/>
             <a:t>Heuristic</a:t>
           </a:r>
         </a:p>
       </dsp:txBody>
       <dsp:txXfrm>
-        <a:off x="4803926" y="97249"/>
+        <a:off x="3816292" y="97249"/>
         <a:ext cx="1378093" cy="918728"/>
       </dsp:txXfrm>
     </dsp:sp>
-    <dsp:sp modelId="{7CDCAFCF-504B-4412-AFEE-6CDC0F9C37AF}">
+    <dsp:sp modelId="{84BC188F-B83F-4702-81A7-CCD55ABE04A9}">
       <dsp:nvSpPr>
         <dsp:cNvPr id="0" name=""/>
         <dsp:cNvSpPr/>
       </dsp:nvSpPr>
       <dsp:spPr>
         <a:xfrm>
-          <a:off x="6319828" y="97249"/>
+          <a:off x="5332195" y="97249"/>
           <a:ext cx="2296821" cy="918728"/>
         </a:xfrm>
         <a:prstGeom prst="chevron">
@@ -4360,12 +6638,12 @@
         <a:fontRef idx="minor"/>
       </dsp:style>
       <dsp:txBody>
-        <a:bodyPr spcFirstLastPara="0" vert="horz" wrap="square" lIns="22860" tIns="11430" rIns="0" bIns="11430" numCol="1" spcCol="1270" anchor="ctr" anchorCtr="0">
+        <a:bodyPr spcFirstLastPara="0" vert="horz" wrap="square" lIns="21590" tIns="10795" rIns="0" bIns="10795" numCol="1" spcCol="1270" anchor="ctr" anchorCtr="0">
           <a:noAutofit/>
         </a:bodyPr>
         <a:lstStyle/>
         <a:p>
-          <a:pPr marL="0" lvl="0" indent="0" algn="ctr" defTabSz="800100">
+          <a:pPr marL="0" lvl="0" indent="0" algn="ctr" defTabSz="755650">
             <a:lnSpc>
               <a:spcPct val="90000"/>
             </a:lnSpc>
@@ -4378,24 +6656,103 @@
             <a:buNone/>
           </a:pPr>
           <a:r>
-            <a:rPr lang="en-US" sz="1800" kern="1200" dirty="0"/>
+            <a:rPr lang="en-US" sz="1700" b="1" kern="1200" dirty="0"/>
             <a:t>Reducing search space</a:t>
           </a:r>
         </a:p>
       </dsp:txBody>
       <dsp:txXfrm>
-        <a:off x="6779192" y="97249"/>
+        <a:off x="5791559" y="97249"/>
         <a:ext cx="1378093" cy="918728"/>
       </dsp:txXfrm>
     </dsp:sp>
-    <dsp:sp modelId="{BC4FAE96-B931-4BD4-B5F8-CFEB6C488E26}">
+    <dsp:sp modelId="{BABCCFCC-6AFD-4BD9-A484-FB5750107DE7}">
       <dsp:nvSpPr>
         <dsp:cNvPr id="0" name=""/>
         <dsp:cNvSpPr/>
       </dsp:nvSpPr>
       <dsp:spPr>
         <a:xfrm>
-          <a:off x="1937050" y="1265030"/>
+          <a:off x="7307461" y="97249"/>
+          <a:ext cx="2296821" cy="918728"/>
+        </a:xfrm>
+        <a:prstGeom prst="chevron">
+          <a:avLst/>
+        </a:prstGeom>
+        <a:solidFill>
+          <a:schemeClr val="accent1">
+            <a:alpha val="90000"/>
+            <a:tint val="40000"/>
+            <a:hueOff val="0"/>
+            <a:satOff val="0"/>
+            <a:lumOff val="0"/>
+            <a:alphaOff val="0"/>
+          </a:schemeClr>
+        </a:solidFill>
+        <a:ln w="15875" cap="rnd" cmpd="sng" algn="ctr">
+          <a:solidFill>
+            <a:schemeClr val="accent1">
+              <a:alpha val="90000"/>
+              <a:tint val="40000"/>
+              <a:hueOff val="0"/>
+              <a:satOff val="0"/>
+              <a:lumOff val="0"/>
+              <a:alphaOff val="0"/>
+            </a:schemeClr>
+          </a:solidFill>
+          <a:prstDash val="solid"/>
+        </a:ln>
+        <a:effectLst/>
+      </dsp:spPr>
+      <dsp:style>
+        <a:lnRef idx="2">
+          <a:scrgbClr r="0" g="0" b="0"/>
+        </a:lnRef>
+        <a:fillRef idx="1">
+          <a:scrgbClr r="0" g="0" b="0"/>
+        </a:fillRef>
+        <a:effectRef idx="0">
+          <a:scrgbClr r="0" g="0" b="0"/>
+        </a:effectRef>
+        <a:fontRef idx="minor"/>
+      </dsp:style>
+      <dsp:txBody>
+        <a:bodyPr spcFirstLastPara="0" vert="horz" wrap="square" lIns="21590" tIns="10795" rIns="0" bIns="10795" numCol="1" spcCol="1270" anchor="ctr" anchorCtr="0">
+          <a:noAutofit/>
+        </a:bodyPr>
+        <a:lstStyle/>
+        <a:p>
+          <a:pPr marL="0" lvl="0" indent="0" algn="ctr" defTabSz="755650">
+            <a:lnSpc>
+              <a:spcPct val="90000"/>
+            </a:lnSpc>
+            <a:spcBef>
+              <a:spcPct val="0"/>
+            </a:spcBef>
+            <a:spcAft>
+              <a:spcPct val="35000"/>
+            </a:spcAft>
+            <a:buNone/>
+          </a:pPr>
+          <a:r>
+            <a:rPr lang="en-US" sz="1700" b="1" kern="1200" dirty="0"/>
+            <a:t>Compressed Path Databases</a:t>
+          </a:r>
+        </a:p>
+      </dsp:txBody>
+      <dsp:txXfrm>
+        <a:off x="7766825" y="97249"/>
+        <a:ext cx="1378093" cy="918728"/>
+      </dsp:txXfrm>
+    </dsp:sp>
+    <dsp:sp modelId="{DC2F0DC3-B4AF-4645-B2BD-384B727FF4E2}">
+      <dsp:nvSpPr>
+        <dsp:cNvPr id="0" name=""/>
+        <dsp:cNvSpPr/>
+      </dsp:nvSpPr>
+      <dsp:spPr>
+        <a:xfrm>
+          <a:off x="949417" y="1265030"/>
           <a:ext cx="2767254" cy="1106901"/>
         </a:xfrm>
         <a:prstGeom prst="chevron">
@@ -4461,18 +6818,18 @@
         </a:p>
       </dsp:txBody>
       <dsp:txXfrm>
-        <a:off x="2490501" y="1265030"/>
+        <a:off x="1502868" y="1265030"/>
         <a:ext cx="1660353" cy="1106901"/>
       </dsp:txXfrm>
     </dsp:sp>
-    <dsp:sp modelId="{EA50F114-0B6A-4777-9904-0C397E5E98A2}">
+    <dsp:sp modelId="{F9D8217A-280D-4BF8-B7BA-A15E9D08D798}">
       <dsp:nvSpPr>
         <dsp:cNvPr id="0" name=""/>
         <dsp:cNvSpPr/>
       </dsp:nvSpPr>
       <dsp:spPr>
         <a:xfrm>
-          <a:off x="4344562" y="1359117"/>
+          <a:off x="3356928" y="1359117"/>
           <a:ext cx="2296821" cy="918728"/>
         </a:xfrm>
         <a:prstGeom prst="chevron">
@@ -4516,12 +6873,12 @@
         <a:fontRef idx="minor"/>
       </dsp:style>
       <dsp:txBody>
-        <a:bodyPr spcFirstLastPara="0" vert="horz" wrap="square" lIns="22860" tIns="11430" rIns="0" bIns="11430" numCol="1" spcCol="1270" anchor="ctr" anchorCtr="0">
+        <a:bodyPr spcFirstLastPara="0" vert="horz" wrap="square" lIns="21590" tIns="10795" rIns="0" bIns="10795" numCol="1" spcCol="1270" anchor="ctr" anchorCtr="0">
           <a:noAutofit/>
         </a:bodyPr>
         <a:lstStyle/>
         <a:p>
-          <a:pPr marL="0" lvl="0" indent="0" algn="ctr" defTabSz="800100">
+          <a:pPr marL="0" lvl="0" indent="0" algn="ctr" defTabSz="755650">
             <a:lnSpc>
               <a:spcPct val="90000"/>
             </a:lnSpc>
@@ -4534,24 +6891,24 @@
             <a:buNone/>
           </a:pPr>
           <a:r>
-            <a:rPr lang="en-US" sz="1800" kern="1200" dirty="0"/>
+            <a:rPr lang="en-US" sz="1700" b="0" kern="1200" dirty="0"/>
             <a:t>Reservation table</a:t>
           </a:r>
         </a:p>
       </dsp:txBody>
       <dsp:txXfrm>
-        <a:off x="4803926" y="1359117"/>
+        <a:off x="3816292" y="1359117"/>
         <a:ext cx="1378093" cy="918728"/>
       </dsp:txXfrm>
     </dsp:sp>
-    <dsp:sp modelId="{71531450-457A-4CB9-AC6A-46308EA4544F}">
+    <dsp:sp modelId="{5186B2F3-0EF8-4E57-B5DE-C991EFDFB26F}">
       <dsp:nvSpPr>
         <dsp:cNvPr id="0" name=""/>
         <dsp:cNvSpPr/>
       </dsp:nvSpPr>
       <dsp:spPr>
         <a:xfrm>
-          <a:off x="6319828" y="1359117"/>
+          <a:off x="5332195" y="1359117"/>
           <a:ext cx="2296821" cy="918728"/>
         </a:xfrm>
         <a:prstGeom prst="chevron">
@@ -4595,12 +6952,12 @@
         <a:fontRef idx="minor"/>
       </dsp:style>
       <dsp:txBody>
-        <a:bodyPr spcFirstLastPara="0" vert="horz" wrap="square" lIns="22860" tIns="11430" rIns="0" bIns="11430" numCol="1" spcCol="1270" anchor="ctr" anchorCtr="0">
+        <a:bodyPr spcFirstLastPara="0" vert="horz" wrap="square" lIns="21590" tIns="10795" rIns="0" bIns="10795" numCol="1" spcCol="1270" anchor="ctr" anchorCtr="0">
           <a:noAutofit/>
         </a:bodyPr>
         <a:lstStyle/>
         <a:p>
-          <a:pPr marL="0" lvl="0" indent="0" algn="ctr" defTabSz="800100">
+          <a:pPr marL="0" lvl="0" indent="0" algn="ctr" defTabSz="755650">
             <a:lnSpc>
               <a:spcPct val="90000"/>
             </a:lnSpc>
@@ -4613,24 +6970,24 @@
             <a:buNone/>
           </a:pPr>
           <a:r>
-            <a:rPr lang="en-US" sz="1800" kern="1200" dirty="0"/>
-            <a:t>Constraint tree</a:t>
+            <a:rPr lang="en-US" sz="1700" b="1" kern="1200" dirty="0"/>
+            <a:t>Linear programming</a:t>
           </a:r>
         </a:p>
       </dsp:txBody>
       <dsp:txXfrm>
-        <a:off x="6779192" y="1359117"/>
+        <a:off x="5791559" y="1359117"/>
         <a:ext cx="1378093" cy="918728"/>
       </dsp:txXfrm>
     </dsp:sp>
-    <dsp:sp modelId="{34A93C7A-D815-481C-BFE6-91FED1F6A877}">
+    <dsp:sp modelId="{6CE0736E-921A-4E4C-AB9A-AAB1FF359571}">
       <dsp:nvSpPr>
         <dsp:cNvPr id="0" name=""/>
         <dsp:cNvSpPr/>
       </dsp:nvSpPr>
       <dsp:spPr>
         <a:xfrm>
-          <a:off x="1937050" y="2526898"/>
+          <a:off x="949417" y="2526898"/>
           <a:ext cx="2767254" cy="1106901"/>
         </a:xfrm>
         <a:prstGeom prst="chevron">
@@ -4691,23 +7048,23 @@
           </a:pPr>
           <a:r>
             <a:rPr lang="en-US" sz="3100" kern="1200" dirty="0"/>
-            <a:t>Resolving conflicts</a:t>
+            <a:t>Resolving</a:t>
           </a:r>
         </a:p>
       </dsp:txBody>
       <dsp:txXfrm>
-        <a:off x="2490501" y="2526898"/>
+        <a:off x="1502868" y="2526898"/>
         <a:ext cx="1660353" cy="1106901"/>
       </dsp:txXfrm>
     </dsp:sp>
-    <dsp:sp modelId="{FB877584-9719-4635-89A5-ADEC1C2453DC}">
+    <dsp:sp modelId="{5CE15478-C3AD-4541-BC90-CE76A4D37BE8}">
       <dsp:nvSpPr>
         <dsp:cNvPr id="0" name=""/>
         <dsp:cNvSpPr/>
       </dsp:nvSpPr>
       <dsp:spPr>
         <a:xfrm>
-          <a:off x="4344562" y="2620985"/>
+          <a:off x="3356928" y="2620985"/>
           <a:ext cx="2296821" cy="918728"/>
         </a:xfrm>
         <a:prstGeom prst="chevron">
@@ -4751,12 +7108,12 @@
         <a:fontRef idx="minor"/>
       </dsp:style>
       <dsp:txBody>
-        <a:bodyPr spcFirstLastPara="0" vert="horz" wrap="square" lIns="22860" tIns="11430" rIns="0" bIns="11430" numCol="1" spcCol="1270" anchor="ctr" anchorCtr="0">
+        <a:bodyPr spcFirstLastPara="0" vert="horz" wrap="square" lIns="21590" tIns="10795" rIns="0" bIns="10795" numCol="1" spcCol="1270" anchor="ctr" anchorCtr="0">
           <a:noAutofit/>
         </a:bodyPr>
         <a:lstStyle/>
         <a:p>
-          <a:pPr marL="0" lvl="0" indent="0" algn="ctr" defTabSz="800100">
+          <a:pPr marL="0" lvl="0" indent="0" algn="ctr" defTabSz="755650">
             <a:lnSpc>
               <a:spcPct val="90000"/>
             </a:lnSpc>
@@ -4769,114 +7126,24 @@
             <a:buNone/>
           </a:pPr>
           <a:r>
-            <a:rPr lang="en-US" sz="1800" kern="1200" dirty="0"/>
-            <a:t>Linear programming</a:t>
+            <a:rPr lang="en-US" sz="1700" kern="1200" dirty="0"/>
+            <a:t>Reservation table</a:t>
           </a:r>
         </a:p>
       </dsp:txBody>
       <dsp:txXfrm>
-        <a:off x="4803926" y="2620985"/>
+        <a:off x="3816292" y="2620985"/>
         <a:ext cx="1378093" cy="918728"/>
       </dsp:txXfrm>
     </dsp:sp>
-  </dsp:spTree>
-</dsp:drawing>
-</file>
-
-<file path=ppt/diagrams/drawing3.xml><?xml version="1.0" encoding="utf-8"?>
-<dsp:drawing xmlns:dgm="http://schemas.openxmlformats.org/drawingml/2006/diagram" xmlns:dsp="http://schemas.microsoft.com/office/drawing/2008/diagram" xmlns:a="http://schemas.openxmlformats.org/drawingml/2006/main">
-  <dsp:spTree>
-    <dsp:nvGrpSpPr>
-      <dsp:cNvPr id="0" name=""/>
-      <dsp:cNvGrpSpPr/>
-    </dsp:nvGrpSpPr>
-    <dsp:grpSpPr/>
-    <dsp:sp modelId="{B89C7B37-778A-4C56-9D1E-BA9F894A535F}">
+    <dsp:sp modelId="{AA6128EC-E5F9-47D6-80A1-E4EF9F598552}">
       <dsp:nvSpPr>
         <dsp:cNvPr id="0" name=""/>
         <dsp:cNvSpPr/>
       </dsp:nvSpPr>
       <dsp:spPr>
         <a:xfrm>
-          <a:off x="1937050" y="3162"/>
-          <a:ext cx="2767254" cy="1106901"/>
-        </a:xfrm>
-        <a:prstGeom prst="chevron">
-          <a:avLst/>
-        </a:prstGeom>
-        <a:solidFill>
-          <a:schemeClr val="accent1">
-            <a:hueOff val="0"/>
-            <a:satOff val="0"/>
-            <a:lumOff val="0"/>
-            <a:alphaOff val="0"/>
-          </a:schemeClr>
-        </a:solidFill>
-        <a:ln w="15875" cap="rnd" cmpd="sng" algn="ctr">
-          <a:solidFill>
-            <a:schemeClr val="lt1">
-              <a:hueOff val="0"/>
-              <a:satOff val="0"/>
-              <a:lumOff val="0"/>
-              <a:alphaOff val="0"/>
-            </a:schemeClr>
-          </a:solidFill>
-          <a:prstDash val="solid"/>
-        </a:ln>
-        <a:effectLst/>
-      </dsp:spPr>
-      <dsp:style>
-        <a:lnRef idx="2">
-          <a:scrgbClr r="0" g="0" b="0"/>
-        </a:lnRef>
-        <a:fillRef idx="1">
-          <a:scrgbClr r="0" g="0" b="0"/>
-        </a:fillRef>
-        <a:effectRef idx="0">
-          <a:scrgbClr r="0" g="0" b="0"/>
-        </a:effectRef>
-        <a:fontRef idx="minor">
-          <a:schemeClr val="lt1"/>
-        </a:fontRef>
-      </dsp:style>
-      <dsp:txBody>
-        <a:bodyPr spcFirstLastPara="0" vert="horz" wrap="square" lIns="39370" tIns="19685" rIns="0" bIns="19685" numCol="1" spcCol="1270" anchor="ctr" anchorCtr="0">
-          <a:noAutofit/>
-        </a:bodyPr>
-        <a:lstStyle/>
-        <a:p>
-          <a:pPr marL="0" lvl="0" indent="0" algn="ctr" defTabSz="1377950">
-            <a:lnSpc>
-              <a:spcPct val="90000"/>
-            </a:lnSpc>
-            <a:spcBef>
-              <a:spcPct val="0"/>
-            </a:spcBef>
-            <a:spcAft>
-              <a:spcPct val="35000"/>
-            </a:spcAft>
-            <a:buNone/>
-          </a:pPr>
-          <a:r>
-            <a:rPr lang="en-US" sz="3100" kern="1200"/>
-            <a:t>Search</a:t>
-          </a:r>
-          <a:endParaRPr lang="en-US" sz="3100" kern="1200" dirty="0"/>
-        </a:p>
-      </dsp:txBody>
-      <dsp:txXfrm>
-        <a:off x="2490501" y="3162"/>
-        <a:ext cx="1660353" cy="1106901"/>
-      </dsp:txXfrm>
-    </dsp:sp>
-    <dsp:sp modelId="{9B1EDE70-7544-4225-8BCB-03299EBF575E}">
-      <dsp:nvSpPr>
-        <dsp:cNvPr id="0" name=""/>
-        <dsp:cNvSpPr/>
-      </dsp:nvSpPr>
-      <dsp:spPr>
-        <a:xfrm>
-          <a:off x="4344562" y="97249"/>
+          <a:off x="5332195" y="2620985"/>
           <a:ext cx="2296821" cy="918728"/>
         </a:xfrm>
         <a:prstGeom prst="chevron">
@@ -4920,12 +7187,12 @@
         <a:fontRef idx="minor"/>
       </dsp:style>
       <dsp:txBody>
-        <a:bodyPr spcFirstLastPara="0" vert="horz" wrap="square" lIns="22860" tIns="11430" rIns="0" bIns="11430" numCol="1" spcCol="1270" anchor="ctr" anchorCtr="0">
+        <a:bodyPr spcFirstLastPara="0" vert="horz" wrap="square" lIns="21590" tIns="10795" rIns="0" bIns="10795" numCol="1" spcCol="1270" anchor="ctr" anchorCtr="0">
           <a:noAutofit/>
         </a:bodyPr>
         <a:lstStyle/>
         <a:p>
-          <a:pPr marL="0" lvl="0" indent="0" algn="ctr" defTabSz="800100">
+          <a:pPr marL="0" lvl="0" indent="0" algn="ctr" defTabSz="755650">
             <a:lnSpc>
               <a:spcPct val="90000"/>
             </a:lnSpc>
@@ -4938,562 +7205,13 @@
             <a:buNone/>
           </a:pPr>
           <a:r>
-            <a:rPr lang="en-US" sz="1800" kern="1200" dirty="0"/>
-            <a:t>Heuristic</a:t>
-          </a:r>
-        </a:p>
-      </dsp:txBody>
-      <dsp:txXfrm>
-        <a:off x="4803926" y="97249"/>
-        <a:ext cx="1378093" cy="918728"/>
-      </dsp:txXfrm>
-    </dsp:sp>
-    <dsp:sp modelId="{84BC188F-B83F-4702-81A7-CCD55ABE04A9}">
-      <dsp:nvSpPr>
-        <dsp:cNvPr id="0" name=""/>
-        <dsp:cNvSpPr/>
-      </dsp:nvSpPr>
-      <dsp:spPr>
-        <a:xfrm>
-          <a:off x="6319828" y="97249"/>
-          <a:ext cx="2296821" cy="918728"/>
-        </a:xfrm>
-        <a:prstGeom prst="chevron">
-          <a:avLst/>
-        </a:prstGeom>
-        <a:solidFill>
-          <a:schemeClr val="accent1">
-            <a:alpha val="90000"/>
-            <a:tint val="40000"/>
-            <a:hueOff val="0"/>
-            <a:satOff val="0"/>
-            <a:lumOff val="0"/>
-            <a:alphaOff val="0"/>
-          </a:schemeClr>
-        </a:solidFill>
-        <a:ln w="15875" cap="rnd" cmpd="sng" algn="ctr">
-          <a:solidFill>
-            <a:schemeClr val="accent1">
-              <a:alpha val="90000"/>
-              <a:tint val="40000"/>
-              <a:hueOff val="0"/>
-              <a:satOff val="0"/>
-              <a:lumOff val="0"/>
-              <a:alphaOff val="0"/>
-            </a:schemeClr>
-          </a:solidFill>
-          <a:prstDash val="solid"/>
-        </a:ln>
-        <a:effectLst/>
-      </dsp:spPr>
-      <dsp:style>
-        <a:lnRef idx="2">
-          <a:scrgbClr r="0" g="0" b="0"/>
-        </a:lnRef>
-        <a:fillRef idx="1">
-          <a:scrgbClr r="0" g="0" b="0"/>
-        </a:fillRef>
-        <a:effectRef idx="0">
-          <a:scrgbClr r="0" g="0" b="0"/>
-        </a:effectRef>
-        <a:fontRef idx="minor"/>
-      </dsp:style>
-      <dsp:txBody>
-        <a:bodyPr spcFirstLastPara="0" vert="horz" wrap="square" lIns="22860" tIns="11430" rIns="0" bIns="11430" numCol="1" spcCol="1270" anchor="ctr" anchorCtr="0">
-          <a:noAutofit/>
-        </a:bodyPr>
-        <a:lstStyle/>
-        <a:p>
-          <a:pPr marL="0" lvl="0" indent="0" algn="ctr" defTabSz="800100">
-            <a:lnSpc>
-              <a:spcPct val="90000"/>
-            </a:lnSpc>
-            <a:spcBef>
-              <a:spcPct val="0"/>
-            </a:spcBef>
-            <a:spcAft>
-              <a:spcPct val="35000"/>
-            </a:spcAft>
-            <a:buNone/>
-          </a:pPr>
-          <a:r>
-            <a:rPr lang="en-US" sz="1800" kern="1200" dirty="0"/>
-            <a:t>Reducing search space</a:t>
-          </a:r>
-        </a:p>
-      </dsp:txBody>
-      <dsp:txXfrm>
-        <a:off x="6779192" y="97249"/>
-        <a:ext cx="1378093" cy="918728"/>
-      </dsp:txXfrm>
-    </dsp:sp>
-    <dsp:sp modelId="{DC2F0DC3-B4AF-4645-B2BD-384B727FF4E2}">
-      <dsp:nvSpPr>
-        <dsp:cNvPr id="0" name=""/>
-        <dsp:cNvSpPr/>
-      </dsp:nvSpPr>
-      <dsp:spPr>
-        <a:xfrm>
-          <a:off x="1937050" y="1265030"/>
-          <a:ext cx="2767254" cy="1106901"/>
-        </a:xfrm>
-        <a:prstGeom prst="chevron">
-          <a:avLst/>
-        </a:prstGeom>
-        <a:solidFill>
-          <a:schemeClr val="accent1">
-            <a:hueOff val="0"/>
-            <a:satOff val="0"/>
-            <a:lumOff val="0"/>
-            <a:alphaOff val="0"/>
-          </a:schemeClr>
-        </a:solidFill>
-        <a:ln w="15875" cap="rnd" cmpd="sng" algn="ctr">
-          <a:solidFill>
-            <a:schemeClr val="lt1">
-              <a:hueOff val="0"/>
-              <a:satOff val="0"/>
-              <a:lumOff val="0"/>
-              <a:alphaOff val="0"/>
-            </a:schemeClr>
-          </a:solidFill>
-          <a:prstDash val="solid"/>
-        </a:ln>
-        <a:effectLst/>
-      </dsp:spPr>
-      <dsp:style>
-        <a:lnRef idx="2">
-          <a:scrgbClr r="0" g="0" b="0"/>
-        </a:lnRef>
-        <a:fillRef idx="1">
-          <a:scrgbClr r="0" g="0" b="0"/>
-        </a:fillRef>
-        <a:effectRef idx="0">
-          <a:scrgbClr r="0" g="0" b="0"/>
-        </a:effectRef>
-        <a:fontRef idx="minor">
-          <a:schemeClr val="lt1"/>
-        </a:fontRef>
-      </dsp:style>
-      <dsp:txBody>
-        <a:bodyPr spcFirstLastPara="0" vert="horz" wrap="square" lIns="39370" tIns="19685" rIns="0" bIns="19685" numCol="1" spcCol="1270" anchor="ctr" anchorCtr="0">
-          <a:noAutofit/>
-        </a:bodyPr>
-        <a:lstStyle/>
-        <a:p>
-          <a:pPr marL="0" lvl="0" indent="0" algn="ctr" defTabSz="1377950">
-            <a:lnSpc>
-              <a:spcPct val="90000"/>
-            </a:lnSpc>
-            <a:spcBef>
-              <a:spcPct val="0"/>
-            </a:spcBef>
-            <a:spcAft>
-              <a:spcPct val="35000"/>
-            </a:spcAft>
-            <a:buNone/>
-          </a:pPr>
-          <a:r>
-            <a:rPr lang="en-US" sz="3100" kern="1200" dirty="0"/>
-            <a:t>Conflicts</a:t>
-          </a:r>
-        </a:p>
-      </dsp:txBody>
-      <dsp:txXfrm>
-        <a:off x="2490501" y="1265030"/>
-        <a:ext cx="1660353" cy="1106901"/>
-      </dsp:txXfrm>
-    </dsp:sp>
-    <dsp:sp modelId="{F9D8217A-280D-4BF8-B7BA-A15E9D08D798}">
-      <dsp:nvSpPr>
-        <dsp:cNvPr id="0" name=""/>
-        <dsp:cNvSpPr/>
-      </dsp:nvSpPr>
-      <dsp:spPr>
-        <a:xfrm>
-          <a:off x="4344562" y="1359117"/>
-          <a:ext cx="2296821" cy="918728"/>
-        </a:xfrm>
-        <a:prstGeom prst="chevron">
-          <a:avLst/>
-        </a:prstGeom>
-        <a:solidFill>
-          <a:schemeClr val="accent1">
-            <a:alpha val="90000"/>
-            <a:tint val="40000"/>
-            <a:hueOff val="0"/>
-            <a:satOff val="0"/>
-            <a:lumOff val="0"/>
-            <a:alphaOff val="0"/>
-          </a:schemeClr>
-        </a:solidFill>
-        <a:ln w="15875" cap="rnd" cmpd="sng" algn="ctr">
-          <a:solidFill>
-            <a:schemeClr val="accent1">
-              <a:alpha val="90000"/>
-              <a:tint val="40000"/>
-              <a:hueOff val="0"/>
-              <a:satOff val="0"/>
-              <a:lumOff val="0"/>
-              <a:alphaOff val="0"/>
-            </a:schemeClr>
-          </a:solidFill>
-          <a:prstDash val="solid"/>
-        </a:ln>
-        <a:effectLst/>
-      </dsp:spPr>
-      <dsp:style>
-        <a:lnRef idx="2">
-          <a:scrgbClr r="0" g="0" b="0"/>
-        </a:lnRef>
-        <a:fillRef idx="1">
-          <a:scrgbClr r="0" g="0" b="0"/>
-        </a:fillRef>
-        <a:effectRef idx="0">
-          <a:scrgbClr r="0" g="0" b="0"/>
-        </a:effectRef>
-        <a:fontRef idx="minor"/>
-      </dsp:style>
-      <dsp:txBody>
-        <a:bodyPr spcFirstLastPara="0" vert="horz" wrap="square" lIns="22860" tIns="11430" rIns="0" bIns="11430" numCol="1" spcCol="1270" anchor="ctr" anchorCtr="0">
-          <a:noAutofit/>
-        </a:bodyPr>
-        <a:lstStyle/>
-        <a:p>
-          <a:pPr marL="0" lvl="0" indent="0" algn="ctr" defTabSz="800100">
-            <a:lnSpc>
-              <a:spcPct val="90000"/>
-            </a:lnSpc>
-            <a:spcBef>
-              <a:spcPct val="0"/>
-            </a:spcBef>
-            <a:spcAft>
-              <a:spcPct val="35000"/>
-            </a:spcAft>
-            <a:buNone/>
-          </a:pPr>
-          <a:r>
-            <a:rPr lang="en-US" sz="1800" b="0" kern="1200" dirty="0"/>
-            <a:t>Reservation table</a:t>
-          </a:r>
-        </a:p>
-      </dsp:txBody>
-      <dsp:txXfrm>
-        <a:off x="4803926" y="1359117"/>
-        <a:ext cx="1378093" cy="918728"/>
-      </dsp:txXfrm>
-    </dsp:sp>
-    <dsp:sp modelId="{5186B2F3-0EF8-4E57-B5DE-C991EFDFB26F}">
-      <dsp:nvSpPr>
-        <dsp:cNvPr id="0" name=""/>
-        <dsp:cNvSpPr/>
-      </dsp:nvSpPr>
-      <dsp:spPr>
-        <a:xfrm>
-          <a:off x="6319828" y="1359117"/>
-          <a:ext cx="2296821" cy="918728"/>
-        </a:xfrm>
-        <a:prstGeom prst="chevron">
-          <a:avLst/>
-        </a:prstGeom>
-        <a:solidFill>
-          <a:schemeClr val="accent1">
-            <a:alpha val="90000"/>
-            <a:tint val="40000"/>
-            <a:hueOff val="0"/>
-            <a:satOff val="0"/>
-            <a:lumOff val="0"/>
-            <a:alphaOff val="0"/>
-          </a:schemeClr>
-        </a:solidFill>
-        <a:ln w="15875" cap="rnd" cmpd="sng" algn="ctr">
-          <a:solidFill>
-            <a:schemeClr val="accent1">
-              <a:alpha val="90000"/>
-              <a:tint val="40000"/>
-              <a:hueOff val="0"/>
-              <a:satOff val="0"/>
-              <a:lumOff val="0"/>
-              <a:alphaOff val="0"/>
-            </a:schemeClr>
-          </a:solidFill>
-          <a:prstDash val="solid"/>
-        </a:ln>
-        <a:effectLst/>
-      </dsp:spPr>
-      <dsp:style>
-        <a:lnRef idx="2">
-          <a:scrgbClr r="0" g="0" b="0"/>
-        </a:lnRef>
-        <a:fillRef idx="1">
-          <a:scrgbClr r="0" g="0" b="0"/>
-        </a:fillRef>
-        <a:effectRef idx="0">
-          <a:scrgbClr r="0" g="0" b="0"/>
-        </a:effectRef>
-        <a:fontRef idx="minor"/>
-      </dsp:style>
-      <dsp:txBody>
-        <a:bodyPr spcFirstLastPara="0" vert="horz" wrap="square" lIns="22860" tIns="11430" rIns="0" bIns="11430" numCol="1" spcCol="1270" anchor="ctr" anchorCtr="0">
-          <a:noAutofit/>
-        </a:bodyPr>
-        <a:lstStyle/>
-        <a:p>
-          <a:pPr marL="0" lvl="0" indent="0" algn="ctr" defTabSz="800100">
-            <a:lnSpc>
-              <a:spcPct val="90000"/>
-            </a:lnSpc>
-            <a:spcBef>
-              <a:spcPct val="0"/>
-            </a:spcBef>
-            <a:spcAft>
-              <a:spcPct val="35000"/>
-            </a:spcAft>
-            <a:buNone/>
-          </a:pPr>
-          <a:r>
-            <a:rPr lang="en-US" sz="1800" kern="1200" dirty="0"/>
-            <a:t>Constraint tree</a:t>
-          </a:r>
-        </a:p>
-      </dsp:txBody>
-      <dsp:txXfrm>
-        <a:off x="6779192" y="1359117"/>
-        <a:ext cx="1378093" cy="918728"/>
-      </dsp:txXfrm>
-    </dsp:sp>
-    <dsp:sp modelId="{6CE0736E-921A-4E4C-AB9A-AAB1FF359571}">
-      <dsp:nvSpPr>
-        <dsp:cNvPr id="0" name=""/>
-        <dsp:cNvSpPr/>
-      </dsp:nvSpPr>
-      <dsp:spPr>
-        <a:xfrm>
-          <a:off x="1937050" y="2526898"/>
-          <a:ext cx="2767254" cy="1106901"/>
-        </a:xfrm>
-        <a:prstGeom prst="chevron">
-          <a:avLst/>
-        </a:prstGeom>
-        <a:solidFill>
-          <a:schemeClr val="accent1">
-            <a:hueOff val="0"/>
-            <a:satOff val="0"/>
-            <a:lumOff val="0"/>
-            <a:alphaOff val="0"/>
-          </a:schemeClr>
-        </a:solidFill>
-        <a:ln w="15875" cap="rnd" cmpd="sng" algn="ctr">
-          <a:solidFill>
-            <a:schemeClr val="lt1">
-              <a:hueOff val="0"/>
-              <a:satOff val="0"/>
-              <a:lumOff val="0"/>
-              <a:alphaOff val="0"/>
-            </a:schemeClr>
-          </a:solidFill>
-          <a:prstDash val="solid"/>
-        </a:ln>
-        <a:effectLst/>
-      </dsp:spPr>
-      <dsp:style>
-        <a:lnRef idx="2">
-          <a:scrgbClr r="0" g="0" b="0"/>
-        </a:lnRef>
-        <a:fillRef idx="1">
-          <a:scrgbClr r="0" g="0" b="0"/>
-        </a:fillRef>
-        <a:effectRef idx="0">
-          <a:scrgbClr r="0" g="0" b="0"/>
-        </a:effectRef>
-        <a:fontRef idx="minor">
-          <a:schemeClr val="lt1"/>
-        </a:fontRef>
-      </dsp:style>
-      <dsp:txBody>
-        <a:bodyPr spcFirstLastPara="0" vert="horz" wrap="square" lIns="39370" tIns="19685" rIns="0" bIns="19685" numCol="1" spcCol="1270" anchor="ctr" anchorCtr="0">
-          <a:noAutofit/>
-        </a:bodyPr>
-        <a:lstStyle/>
-        <a:p>
-          <a:pPr marL="0" lvl="0" indent="0" algn="ctr" defTabSz="1377950">
-            <a:lnSpc>
-              <a:spcPct val="90000"/>
-            </a:lnSpc>
-            <a:spcBef>
-              <a:spcPct val="0"/>
-            </a:spcBef>
-            <a:spcAft>
-              <a:spcPct val="35000"/>
-            </a:spcAft>
-            <a:buNone/>
-          </a:pPr>
-          <a:r>
-            <a:rPr lang="en-US" sz="3100" kern="1200" dirty="0"/>
-            <a:t>Resolving conflicts</a:t>
-          </a:r>
-        </a:p>
-      </dsp:txBody>
-      <dsp:txXfrm>
-        <a:off x="2490501" y="2526898"/>
-        <a:ext cx="1660353" cy="1106901"/>
-      </dsp:txXfrm>
-    </dsp:sp>
-    <dsp:sp modelId="{5CE15478-C3AD-4541-BC90-CE76A4D37BE8}">
-      <dsp:nvSpPr>
-        <dsp:cNvPr id="0" name=""/>
-        <dsp:cNvSpPr/>
-      </dsp:nvSpPr>
-      <dsp:spPr>
-        <a:xfrm>
-          <a:off x="4344562" y="2620985"/>
-          <a:ext cx="2296821" cy="918728"/>
-        </a:xfrm>
-        <a:prstGeom prst="chevron">
-          <a:avLst/>
-        </a:prstGeom>
-        <a:solidFill>
-          <a:schemeClr val="accent1">
-            <a:alpha val="90000"/>
-            <a:tint val="40000"/>
-            <a:hueOff val="0"/>
-            <a:satOff val="0"/>
-            <a:lumOff val="0"/>
-            <a:alphaOff val="0"/>
-          </a:schemeClr>
-        </a:solidFill>
-        <a:ln w="15875" cap="rnd" cmpd="sng" algn="ctr">
-          <a:solidFill>
-            <a:schemeClr val="accent1">
-              <a:alpha val="90000"/>
-              <a:tint val="40000"/>
-              <a:hueOff val="0"/>
-              <a:satOff val="0"/>
-              <a:lumOff val="0"/>
-              <a:alphaOff val="0"/>
-            </a:schemeClr>
-          </a:solidFill>
-          <a:prstDash val="solid"/>
-        </a:ln>
-        <a:effectLst/>
-      </dsp:spPr>
-      <dsp:style>
-        <a:lnRef idx="2">
-          <a:scrgbClr r="0" g="0" b="0"/>
-        </a:lnRef>
-        <a:fillRef idx="1">
-          <a:scrgbClr r="0" g="0" b="0"/>
-        </a:fillRef>
-        <a:effectRef idx="0">
-          <a:scrgbClr r="0" g="0" b="0"/>
-        </a:effectRef>
-        <a:fontRef idx="minor"/>
-      </dsp:style>
-      <dsp:txBody>
-        <a:bodyPr spcFirstLastPara="0" vert="horz" wrap="square" lIns="22860" tIns="11430" rIns="0" bIns="11430" numCol="1" spcCol="1270" anchor="ctr" anchorCtr="0">
-          <a:noAutofit/>
-        </a:bodyPr>
-        <a:lstStyle/>
-        <a:p>
-          <a:pPr marL="0" lvl="0" indent="0" algn="ctr" defTabSz="800100">
-            <a:lnSpc>
-              <a:spcPct val="90000"/>
-            </a:lnSpc>
-            <a:spcBef>
-              <a:spcPct val="0"/>
-            </a:spcBef>
-            <a:spcAft>
-              <a:spcPct val="35000"/>
-            </a:spcAft>
-            <a:buNone/>
-          </a:pPr>
-          <a:r>
-            <a:rPr lang="en-US" sz="1800" kern="1200" dirty="0"/>
-            <a:t>Reservation table</a:t>
-          </a:r>
-        </a:p>
-      </dsp:txBody>
-      <dsp:txXfrm>
-        <a:off x="4803926" y="2620985"/>
-        <a:ext cx="1378093" cy="918728"/>
-      </dsp:txXfrm>
-    </dsp:sp>
-    <dsp:sp modelId="{AA6128EC-E5F9-47D6-80A1-E4EF9F598552}">
-      <dsp:nvSpPr>
-        <dsp:cNvPr id="0" name=""/>
-        <dsp:cNvSpPr/>
-      </dsp:nvSpPr>
-      <dsp:spPr>
-        <a:xfrm>
-          <a:off x="6319828" y="2620985"/>
-          <a:ext cx="2296821" cy="918728"/>
-        </a:xfrm>
-        <a:prstGeom prst="chevron">
-          <a:avLst/>
-        </a:prstGeom>
-        <a:solidFill>
-          <a:schemeClr val="accent1">
-            <a:alpha val="90000"/>
-            <a:tint val="40000"/>
-            <a:hueOff val="0"/>
-            <a:satOff val="0"/>
-            <a:lumOff val="0"/>
-            <a:alphaOff val="0"/>
-          </a:schemeClr>
-        </a:solidFill>
-        <a:ln w="15875" cap="rnd" cmpd="sng" algn="ctr">
-          <a:solidFill>
-            <a:schemeClr val="accent1">
-              <a:alpha val="90000"/>
-              <a:tint val="40000"/>
-              <a:hueOff val="0"/>
-              <a:satOff val="0"/>
-              <a:lumOff val="0"/>
-              <a:alphaOff val="0"/>
-            </a:schemeClr>
-          </a:solidFill>
-          <a:prstDash val="solid"/>
-        </a:ln>
-        <a:effectLst/>
-      </dsp:spPr>
-      <dsp:style>
-        <a:lnRef idx="2">
-          <a:scrgbClr r="0" g="0" b="0"/>
-        </a:lnRef>
-        <a:fillRef idx="1">
-          <a:scrgbClr r="0" g="0" b="0"/>
-        </a:fillRef>
-        <a:effectRef idx="0">
-          <a:scrgbClr r="0" g="0" b="0"/>
-        </a:effectRef>
-        <a:fontRef idx="minor"/>
-      </dsp:style>
-      <dsp:txBody>
-        <a:bodyPr spcFirstLastPara="0" vert="horz" wrap="square" lIns="22860" tIns="11430" rIns="0" bIns="11430" numCol="1" spcCol="1270" anchor="ctr" anchorCtr="0">
-          <a:noAutofit/>
-        </a:bodyPr>
-        <a:lstStyle/>
-        <a:p>
-          <a:pPr marL="0" lvl="0" indent="0" algn="ctr" defTabSz="800100">
-            <a:lnSpc>
-              <a:spcPct val="90000"/>
-            </a:lnSpc>
-            <a:spcBef>
-              <a:spcPct val="0"/>
-            </a:spcBef>
-            <a:spcAft>
-              <a:spcPct val="35000"/>
-            </a:spcAft>
-            <a:buNone/>
-          </a:pPr>
-          <a:r>
-            <a:rPr lang="en-US" sz="1800" kern="1200" dirty="0"/>
+            <a:rPr lang="en-US" sz="1700" b="1" kern="1200" dirty="0"/>
             <a:t>Linear programming</a:t>
           </a:r>
         </a:p>
       </dsp:txBody>
       <dsp:txXfrm>
-        <a:off x="6779192" y="2620985"/>
+        <a:off x="5791559" y="2620985"/>
         <a:ext cx="1378093" cy="918728"/>
       </dsp:txXfrm>
     </dsp:sp>
@@ -5502,6 +7220,231 @@
 </file>
 
 <file path=ppt/diagrams/layout1.xml><?xml version="1.0" encoding="utf-8"?>
+<dgm:layoutDef xmlns:dgm="http://schemas.openxmlformats.org/drawingml/2006/diagram" xmlns:a="http://schemas.openxmlformats.org/drawingml/2006/main" uniqueId="urn:microsoft.com/office/officeart/2005/8/layout/list1">
+  <dgm:title val=""/>
+  <dgm:desc val=""/>
+  <dgm:catLst>
+    <dgm:cat type="list" pri="4000"/>
+  </dgm:catLst>
+  <dgm:sampData>
+    <dgm:dataModel>
+      <dgm:ptLst>
+        <dgm:pt modelId="0" type="doc"/>
+        <dgm:pt modelId="1">
+          <dgm:prSet phldr="1"/>
+        </dgm:pt>
+        <dgm:pt modelId="2">
+          <dgm:prSet phldr="1"/>
+        </dgm:pt>
+        <dgm:pt modelId="3">
+          <dgm:prSet phldr="1"/>
+        </dgm:pt>
+      </dgm:ptLst>
+      <dgm:cxnLst>
+        <dgm:cxn modelId="4" srcId="0" destId="1" srcOrd="0" destOrd="0"/>
+        <dgm:cxn modelId="5" srcId="0" destId="2" srcOrd="1" destOrd="0"/>
+        <dgm:cxn modelId="6" srcId="0" destId="3" srcOrd="2" destOrd="0"/>
+      </dgm:cxnLst>
+      <dgm:bg/>
+      <dgm:whole/>
+    </dgm:dataModel>
+  </dgm:sampData>
+  <dgm:styleData>
+    <dgm:dataModel>
+      <dgm:ptLst>
+        <dgm:pt modelId="0" type="doc"/>
+        <dgm:pt modelId="1"/>
+        <dgm:pt modelId="2"/>
+      </dgm:ptLst>
+      <dgm:cxnLst>
+        <dgm:cxn modelId="4" srcId="0" destId="1" srcOrd="0" destOrd="0"/>
+        <dgm:cxn modelId="5" srcId="0" destId="2" srcOrd="1" destOrd="0"/>
+      </dgm:cxnLst>
+      <dgm:bg/>
+      <dgm:whole/>
+    </dgm:dataModel>
+  </dgm:styleData>
+  <dgm:clrData>
+    <dgm:dataModel>
+      <dgm:ptLst>
+        <dgm:pt modelId="0" type="doc"/>
+        <dgm:pt modelId="1"/>
+        <dgm:pt modelId="2"/>
+        <dgm:pt modelId="3"/>
+        <dgm:pt modelId="4"/>
+      </dgm:ptLst>
+      <dgm:cxnLst>
+        <dgm:cxn modelId="5" srcId="0" destId="1" srcOrd="0" destOrd="0"/>
+        <dgm:cxn modelId="6" srcId="0" destId="2" srcOrd="1" destOrd="0"/>
+        <dgm:cxn modelId="7" srcId="0" destId="3" srcOrd="2" destOrd="0"/>
+        <dgm:cxn modelId="8" srcId="0" destId="4" srcOrd="3" destOrd="0"/>
+      </dgm:cxnLst>
+      <dgm:bg/>
+      <dgm:whole/>
+    </dgm:dataModel>
+  </dgm:clrData>
+  <dgm:layoutNode name="linear">
+    <dgm:varLst>
+      <dgm:dir/>
+      <dgm:animLvl val="lvl"/>
+      <dgm:resizeHandles val="exact"/>
+    </dgm:varLst>
+    <dgm:choose name="Name0">
+      <dgm:if name="Name1" func="var" arg="dir" op="equ" val="norm">
+        <dgm:alg type="lin">
+          <dgm:param type="linDir" val="fromT"/>
+          <dgm:param type="vertAlign" val="mid"/>
+          <dgm:param type="horzAlign" val="l"/>
+          <dgm:param type="nodeHorzAlign" val="l"/>
+        </dgm:alg>
+      </dgm:if>
+      <dgm:else name="Name2">
+        <dgm:alg type="lin">
+          <dgm:param type="linDir" val="fromT"/>
+          <dgm:param type="vertAlign" val="mid"/>
+          <dgm:param type="horzAlign" val="r"/>
+          <dgm:param type="nodeHorzAlign" val="r"/>
+        </dgm:alg>
+      </dgm:else>
+    </dgm:choose>
+    <dgm:shape xmlns:r="http://schemas.openxmlformats.org/officeDocument/2006/relationships" r:blip="">
+      <dgm:adjLst/>
+    </dgm:shape>
+    <dgm:presOf/>
+    <dgm:constrLst>
+      <dgm:constr type="w" for="ch" forName="parentLin" refType="w"/>
+      <dgm:constr type="h" for="ch" forName="parentLin" val="INF"/>
+      <dgm:constr type="w" for="des" forName="parentLeftMargin" refType="w" fact="0.05"/>
+      <dgm:constr type="w" for="des" forName="parentText" refType="w" fact="0.7"/>
+      <dgm:constr type="h" for="des" forName="parentText" refType="primFontSz" refFor="des" refForName="parentText" fact="0.82"/>
+      <dgm:constr type="h" for="ch" forName="negativeSpace" refType="primFontSz" refFor="des" refForName="parentText" fact="-0.41"/>
+      <dgm:constr type="h" for="ch" forName="negativeSpace" refType="h" refFor="des" refForName="parentText" op="lte" fact="-0.82"/>
+      <dgm:constr type="h" for="ch" forName="negativeSpace" refType="h" refFor="des" refForName="parentText" op="gte" fact="-0.82"/>
+      <dgm:constr type="w" for="ch" forName="childText" refType="w"/>
+      <dgm:constr type="h" for="ch" forName="childText" refType="primFontSz" refFor="des" refForName="parentText" fact="0.7"/>
+      <dgm:constr type="primFontSz" for="des" forName="parentText" val="65"/>
+      <dgm:constr type="primFontSz" for="ch" forName="childText" refType="primFontSz" refFor="des" refForName="parentText"/>
+      <dgm:constr type="tMarg" for="ch" forName="childText" refType="primFontSz" refFor="des" refForName="parentText" fact="1.64"/>
+      <dgm:constr type="tMarg" for="ch" forName="childText" refType="h" refFor="des" refForName="parentText" op="lte" fact="3.28"/>
+      <dgm:constr type="tMarg" for="ch" forName="childText" refType="h" refFor="des" refForName="parentText" op="gte" fact="3.28"/>
+      <dgm:constr type="lMarg" for="ch" forName="childText" refType="w" fact="0.22"/>
+      <dgm:constr type="rMarg" for="ch" forName="childText" refType="lMarg" refFor="ch" refForName="childText"/>
+      <dgm:constr type="lMarg" for="des" forName="parentText" refType="w" fact="0.075"/>
+      <dgm:constr type="rMarg" for="des" forName="parentText" refType="lMarg" refFor="des" refForName="parentText"/>
+      <dgm:constr type="h" for="ch" forName="spaceBetweenRectangles" refType="primFontSz" refFor="des" refForName="parentText" fact="0.15"/>
+    </dgm:constrLst>
+    <dgm:ruleLst>
+      <dgm:rule type="primFontSz" for="des" forName="parentText" val="5" fact="NaN" max="NaN"/>
+    </dgm:ruleLst>
+    <dgm:forEach name="Name3" axis="ch" ptType="node">
+      <dgm:layoutNode name="parentLin">
+        <dgm:choose name="Name4">
+          <dgm:if name="Name5" func="var" arg="dir" op="equ" val="norm">
+            <dgm:alg type="lin">
+              <dgm:param type="linDir" val="fromL"/>
+              <dgm:param type="horzAlign" val="l"/>
+              <dgm:param type="nodeHorzAlign" val="l"/>
+            </dgm:alg>
+          </dgm:if>
+          <dgm:else name="Name6">
+            <dgm:alg type="lin">
+              <dgm:param type="linDir" val="fromR"/>
+              <dgm:param type="horzAlign" val="r"/>
+              <dgm:param type="nodeHorzAlign" val="r"/>
+            </dgm:alg>
+          </dgm:else>
+        </dgm:choose>
+        <dgm:shape xmlns:r="http://schemas.openxmlformats.org/officeDocument/2006/relationships" r:blip="">
+          <dgm:adjLst/>
+        </dgm:shape>
+        <dgm:presOf/>
+        <dgm:constrLst/>
+        <dgm:ruleLst/>
+        <dgm:layoutNode name="parentLeftMargin">
+          <dgm:alg type="sp"/>
+          <dgm:shape xmlns:r="http://schemas.openxmlformats.org/officeDocument/2006/relationships" type="rect" r:blip="" hideGeom="1">
+            <dgm:adjLst/>
+          </dgm:shape>
+          <dgm:presOf axis="self"/>
+          <dgm:constrLst>
+            <dgm:constr type="h"/>
+          </dgm:constrLst>
+          <dgm:ruleLst/>
+        </dgm:layoutNode>
+        <dgm:layoutNode name="parentText" styleLbl="node1">
+          <dgm:varLst>
+            <dgm:chMax val="0"/>
+            <dgm:bulletEnabled val="1"/>
+          </dgm:varLst>
+          <dgm:choose name="Name7">
+            <dgm:if name="Name8" func="var" arg="dir" op="equ" val="norm">
+              <dgm:alg type="tx">
+                <dgm:param type="parTxLTRAlign" val="l"/>
+                <dgm:param type="parTxRTLAlign" val="l"/>
+              </dgm:alg>
+            </dgm:if>
+            <dgm:else name="Name9">
+              <dgm:alg type="tx">
+                <dgm:param type="parTxLTRAlign" val="r"/>
+                <dgm:param type="parTxRTLAlign" val="r"/>
+              </dgm:alg>
+            </dgm:else>
+          </dgm:choose>
+          <dgm:shape xmlns:r="http://schemas.openxmlformats.org/officeDocument/2006/relationships" type="roundRect" r:blip="">
+            <dgm:adjLst/>
+          </dgm:shape>
+          <dgm:presOf axis="self" ptType="node"/>
+          <dgm:constrLst>
+            <dgm:constr type="tMarg"/>
+            <dgm:constr type="bMarg"/>
+          </dgm:constrLst>
+          <dgm:ruleLst/>
+        </dgm:layoutNode>
+      </dgm:layoutNode>
+      <dgm:layoutNode name="negativeSpace">
+        <dgm:alg type="sp"/>
+        <dgm:shape xmlns:r="http://schemas.openxmlformats.org/officeDocument/2006/relationships" r:blip="">
+          <dgm:adjLst/>
+        </dgm:shape>
+        <dgm:presOf/>
+        <dgm:constrLst/>
+        <dgm:ruleLst/>
+      </dgm:layoutNode>
+      <dgm:layoutNode name="childText" styleLbl="conFgAcc1">
+        <dgm:varLst>
+          <dgm:bulletEnabled val="1"/>
+        </dgm:varLst>
+        <dgm:alg type="tx">
+          <dgm:param type="stBulletLvl" val="1"/>
+        </dgm:alg>
+        <dgm:shape xmlns:r="http://schemas.openxmlformats.org/officeDocument/2006/relationships" type="rect" r:blip="" zOrderOff="-2">
+          <dgm:adjLst/>
+        </dgm:shape>
+        <dgm:presOf axis="des" ptType="node"/>
+        <dgm:constrLst>
+          <dgm:constr type="secFontSz" refType="primFontSz"/>
+        </dgm:constrLst>
+        <dgm:ruleLst>
+          <dgm:rule type="h" val="INF" fact="NaN" max="NaN"/>
+        </dgm:ruleLst>
+      </dgm:layoutNode>
+      <dgm:forEach name="Name10" axis="followSib" ptType="sibTrans" cnt="1">
+        <dgm:layoutNode name="spaceBetweenRectangles">
+          <dgm:alg type="sp"/>
+          <dgm:shape xmlns:r="http://schemas.openxmlformats.org/officeDocument/2006/relationships" r:blip="">
+            <dgm:adjLst/>
+          </dgm:shape>
+          <dgm:presOf/>
+          <dgm:constrLst/>
+          <dgm:ruleLst/>
+        </dgm:layoutNode>
+      </dgm:forEach>
+    </dgm:forEach>
+  </dgm:layoutNode>
+</dgm:layoutDef>
+</file>
+
+<file path=ppt/diagrams/layout2.xml><?xml version="1.0" encoding="utf-8"?>
 <dgm:layoutDef xmlns:dgm="http://schemas.openxmlformats.org/drawingml/2006/diagram" xmlns:a="http://schemas.openxmlformats.org/drawingml/2006/main" uniqueId="urn:microsoft.com/office/officeart/2005/8/layout/lProcess2">
   <dgm:title val=""/>
   <dgm:desc val=""/>
@@ -5728,13 +7671,12 @@
 </dgm:layoutDef>
 </file>
 
-<file path=ppt/diagrams/layout2.xml><?xml version="1.0" encoding="utf-8"?>
-<dgm:layoutDef xmlns:dgm="http://schemas.openxmlformats.org/drawingml/2006/diagram" xmlns:a="http://schemas.openxmlformats.org/drawingml/2006/main" uniqueId="urn:microsoft.com/office/officeart/2005/8/layout/lProcess3">
-  <dgm:title val=""/>
-  <dgm:desc val=""/>
+<file path=ppt/diagrams/layout3.xml><?xml version="1.0" encoding="utf-8"?>
+<dgm:layoutDef xmlns:dgm="http://schemas.openxmlformats.org/drawingml/2006/diagram" xmlns:a="http://schemas.openxmlformats.org/drawingml/2006/main" uniqueId="urn:microsoft.com/office/officeart/2016/7/layout/BasicLinearProcessNumbered">
+  <dgm:title val="Basic Linear Process Numbered"/>
+  <dgm:desc val="Used to show a progression; a timeline; sequential steps in a task, process, or workflow; or to emphasize movement or direction. Automatic numbers have been introduced to show the steps of the process which appears in a circle. Level 1 and Level 2 text appear in a rectangle."/>
   <dgm:catLst>
-    <dgm:cat type="process" pri="11000"/>
-    <dgm:cat type="convert" pri="12000"/>
+    <dgm:cat type="process" pri="500"/>
   </dgm:catLst>
   <dgm:sampData>
     <dgm:dataModel>
@@ -5746,16 +7688,10 @@
         <dgm:pt modelId="11">
           <dgm:prSet phldr="1"/>
         </dgm:pt>
-        <dgm:pt modelId="12">
-          <dgm:prSet phldr="1"/>
-        </dgm:pt>
         <dgm:pt modelId="2">
           <dgm:prSet phldr="1"/>
         </dgm:pt>
         <dgm:pt modelId="21">
-          <dgm:prSet phldr="1"/>
-        </dgm:pt>
-        <dgm:pt modelId="22">
           <dgm:prSet phldr="1"/>
         </dgm:pt>
         <dgm:pt modelId="3">
@@ -5764,20 +7700,50 @@
         <dgm:pt modelId="31">
           <dgm:prSet phldr="1"/>
         </dgm:pt>
-        <dgm:pt modelId="32">
-          <dgm:prSet phldr="1"/>
+        <dgm:pt modelId="101" type="sibTrans" cxnId="4">
+          <dgm:prSet phldrT="1"/>
+          <dgm:t>
+            <a:bodyPr/>
+            <a:lstStyle/>
+            <a:p>
+              <a:r>
+                <a:t>1</a:t>
+              </a:r>
+            </a:p>
+          </dgm:t>
+        </dgm:pt>
+        <dgm:pt modelId="201" type="sibTrans" cxnId="5">
+          <dgm:prSet phldrT="2"/>
+          <dgm:t>
+            <a:bodyPr/>
+            <a:lstStyle/>
+            <a:p>
+              <a:r>
+                <a:t>2</a:t>
+              </a:r>
+            </a:p>
+          </dgm:t>
+        </dgm:pt>
+        <dgm:pt modelId="301" type="sibTrans" cxnId="6">
+          <dgm:prSet phldrT="3"/>
+          <dgm:t>
+            <a:bodyPr/>
+            <a:lstStyle/>
+            <a:p>
+              <a:r>
+                <a:t>3</a:t>
+              </a:r>
+            </a:p>
+          </dgm:t>
         </dgm:pt>
       </dgm:ptLst>
       <dgm:cxnLst>
-        <dgm:cxn modelId="4" srcId="0" destId="1" srcOrd="0" destOrd="0"/>
-        <dgm:cxn modelId="5" srcId="0" destId="2" srcOrd="1" destOrd="0"/>
-        <dgm:cxn modelId="6" srcId="0" destId="3" srcOrd="2" destOrd="0"/>
-        <dgm:cxn modelId="41" srcId="1" destId="11" srcOrd="0" destOrd="0"/>
-        <dgm:cxn modelId="42" srcId="1" destId="12" srcOrd="1" destOrd="0"/>
-        <dgm:cxn modelId="51" srcId="2" destId="21" srcOrd="0" destOrd="0"/>
-        <dgm:cxn modelId="52" srcId="2" destId="22" srcOrd="1" destOrd="0"/>
-        <dgm:cxn modelId="61" srcId="3" destId="31" srcOrd="0" destOrd="0"/>
-        <dgm:cxn modelId="62" srcId="3" destId="32" srcOrd="1" destOrd="0"/>
+        <dgm:cxn modelId="4" srcId="0" destId="1" srcOrd="0" destOrd="0" sibTransId="101"/>
+        <dgm:cxn modelId="5" srcId="0" destId="2" srcOrd="1" destOrd="0" sibTransId="201"/>
+        <dgm:cxn modelId="6" srcId="0" destId="3" srcOrd="2" destOrd="0" sibTransId="301"/>
+        <dgm:cxn modelId="13" srcId="1" destId="11" srcOrd="0" destOrd="0"/>
+        <dgm:cxn modelId="23" srcId="2" destId="21" srcOrd="0" destOrd="0"/>
+        <dgm:cxn modelId="33" srcId="3" destId="31" srcOrd="0" destOrd="0"/>
       </dgm:cxnLst>
       <dgm:bg/>
       <dgm:whole/>
@@ -5788,11 +7754,15 @@
       <dgm:ptLst>
         <dgm:pt modelId="0" type="doc"/>
         <dgm:pt modelId="1"/>
+        <dgm:pt modelId="11"/>
         <dgm:pt modelId="2"/>
+        <dgm:pt modelId="21"/>
       </dgm:ptLst>
       <dgm:cxnLst>
         <dgm:cxn modelId="4" srcId="0" destId="1" srcOrd="0" destOrd="0"/>
-        <dgm:cxn modelId="5" srcId="1" destId="2" srcOrd="0" destOrd="0"/>
+        <dgm:cxn modelId="5" srcId="0" destId="2" srcOrd="1" destOrd="0"/>
+        <dgm:cxn modelId="13" srcId="1" destId="11" srcOrd="0" destOrd="0"/>
+        <dgm:cxn modelId="23" srcId="2" destId="21" srcOrd="0" destOrd="0"/>
       </dgm:cxnLst>
       <dgm:bg/>
       <dgm:whole/>
@@ -5816,10 +7786,10 @@
         <dgm:cxn modelId="6" srcId="0" destId="2" srcOrd="1" destOrd="0"/>
         <dgm:cxn modelId="7" srcId="0" destId="3" srcOrd="2" destOrd="0"/>
         <dgm:cxn modelId="8" srcId="0" destId="4" srcOrd="3" destOrd="0"/>
-        <dgm:cxn modelId="51" srcId="1" destId="11" srcOrd="0" destOrd="0"/>
-        <dgm:cxn modelId="61" srcId="2" destId="21" srcOrd="0" destOrd="0"/>
-        <dgm:cxn modelId="71" srcId="3" destId="31" srcOrd="0" destOrd="0"/>
-        <dgm:cxn modelId="81" srcId="4" destId="41" srcOrd="0" destOrd="0"/>
+        <dgm:cxn modelId="13" srcId="1" destId="11" srcOrd="0" destOrd="0"/>
+        <dgm:cxn modelId="23" srcId="2" destId="21" srcOrd="0" destOrd="0"/>
+        <dgm:cxn modelId="33" srcId="3" destId="31" srcOrd="0" destOrd="0"/>
+        <dgm:cxn modelId="43" srcId="4" destId="41" srcOrd="0" destOrd="0"/>
       </dgm:cxnLst>
       <dgm:bg/>
       <dgm:whole/>
@@ -5827,189 +7797,158 @@
   </dgm:clrData>
   <dgm:layoutNode name="Name0">
     <dgm:varLst>
-      <dgm:chPref val="3"/>
-      <dgm:dir/>
       <dgm:animLvl val="lvl"/>
-      <dgm:resizeHandles/>
+      <dgm:resizeHandles val="exact"/>
     </dgm:varLst>
-    <dgm:choose name="Name1">
-      <dgm:if name="Name2" func="var" arg="dir" op="equ" val="norm">
-        <dgm:alg type="lin">
-          <dgm:param type="linDir" val="fromT"/>
-          <dgm:param type="vertAlign" val="mid"/>
-          <dgm:param type="nodeHorzAlign" val="l"/>
-          <dgm:param type="nodeVertAlign" val="t"/>
-          <dgm:param type="fallback" val="2D"/>
-        </dgm:alg>
-      </dgm:if>
-      <dgm:else name="Name3">
-        <dgm:alg type="lin">
-          <dgm:param type="linDir" val="fromT"/>
-          <dgm:param type="vertAlign" val="mid"/>
-          <dgm:param type="nodeHorzAlign" val="r"/>
-          <dgm:param type="nodeVertAlign" val="t"/>
-          <dgm:param type="fallback" val="2D"/>
-        </dgm:alg>
-      </dgm:else>
-    </dgm:choose>
+    <dgm:alg type="lin">
+      <dgm:param type="linDir" val="fromL"/>
+      <dgm:param type="nodeVertAlign" val="t"/>
+    </dgm:alg>
     <dgm:shape xmlns:r="http://schemas.openxmlformats.org/officeDocument/2006/relationships" r:blip="">
       <dgm:adjLst/>
     </dgm:shape>
     <dgm:presOf/>
     <dgm:constrLst>
-      <dgm:constr type="w" for="des" forName="bigChev" refType="w"/>
-      <dgm:constr type="h" for="des" forName="bigChev" refType="w" refFor="des" refForName="bigChev" op="equ" fact="0.4"/>
-      <dgm:constr type="w" for="des" forName="node" refType="w" refFor="des" refForName="bigChev" fact="0.83"/>
-      <dgm:constr type="h" for="des" forName="node" refType="w" refFor="des" refForName="node" op="equ" fact="0.4"/>
-      <dgm:constr type="w" for="des" forName="parTrans" refType="w" refFor="des" refForName="bigChev" op="equ" fact="-0.13"/>
-      <dgm:constr type="w" for="des" forName="sibTrans" refType="w" refFor="des" refForName="node" op="equ" fact="-0.14"/>
-      <dgm:constr type="h" for="ch" forName="vSp" refType="h" refFor="des" refForName="bigChev" op="equ" fact="0.14"/>
-      <dgm:constr type="primFontSz" for="des" forName="node" op="equ"/>
-      <dgm:constr type="primFontSz" for="des" forName="bigChev" op="equ"/>
+      <dgm:constr type="h" for="ch" forName="compositeNode" refType="h"/>
+      <dgm:constr type="w" for="ch" forName="compositeNode" refType="w"/>
+      <dgm:constr type="w" for="des" forName="simulatedConn" refType="w" refFor="ch" refForName="compositeNode" fact="0.15"/>
+      <dgm:constr type="h" for="des" forName="simulatedConn" refType="w" refFor="des" refForName="simulatedConn"/>
+      <dgm:constr type="h" for="des" forName="vSp1" refType="w" refFor="ch" refForName="compositeNode" fact="0.8"/>
+      <dgm:constr type="h" for="des" forName="vSp2" refType="w" refFor="ch" refForName="compositeNode" fact="0.07"/>
+      <dgm:constr type="w" for="ch" forName="vProcSp" refType="w" refFor="des" refForName="simulatedConn" op="equ"/>
+      <dgm:constr type="h" for="ch" forName="vProcSp" refType="h" refFor="ch" refForName="compositeNode" op="equ"/>
+      <dgm:constr type="w" for="ch" forName="sibTrans" refType="w" refFor="ch" refForName="compositeNode" fact="0.1"/>
+      <dgm:constr type="primFontSz" for="des" forName="sibTransNodeCircle" op="equ"/>
+      <dgm:constr type="primFontSz" for="des" forName="nodeText" op="equ"/>
+      <dgm:constr type="h" for="des" forName="sibTransNodeCircle" op="equ"/>
+      <dgm:constr type="w" for="des" forName="sibTransNodeCircle" op="equ"/>
     </dgm:constrLst>
-    <dgm:ruleLst/>
+    <dgm:ruleLst>
+      <dgm:rule type="h" val="NaN" fact="1.2" max="NaN"/>
+    </dgm:ruleLst>
     <dgm:forEach name="Name4" axis="ch" ptType="node">
-      <dgm:layoutNode name="horFlow">
-        <dgm:choose name="Name5">
-          <dgm:if name="Name6" func="var" arg="dir" op="equ" val="norm">
-            <dgm:alg type="lin">
-              <dgm:param type="linDir" val="fromL"/>
-              <dgm:param type="nodeHorzAlign" val="l"/>
-              <dgm:param type="nodeVertAlign" val="mid"/>
-              <dgm:param type="fallback" val="2D"/>
+      <dgm:layoutNode name="compositeNode">
+        <dgm:varLst>
+          <dgm:bulletEnabled val="1"/>
+        </dgm:varLst>
+        <dgm:alg type="composite"/>
+        <dgm:constrLst>
+          <dgm:constr type="h" refType="w" op="lte" fact="1.4"/>
+          <dgm:constr type="w" for="ch" forName="bgRect" refType="w"/>
+          <dgm:constr type="h" for="ch" forName="bgRect" refType="h"/>
+          <dgm:constr type="t" for="ch" forName="bgRect"/>
+          <dgm:constr type="l" for="ch" forName="bgRect"/>
+          <dgm:constr type="h" for="ch" forName="sibTransNodeCircle" refType="h" refFor="ch" refForName="bgRect" fact="0.3"/>
+          <dgm:constr type="w" for="ch" forName="sibTransNodeCircle" refType="h" refFor="ch" refForName="sibTransNodeCircle"/>
+          <dgm:constr type="ctrX" for="ch" forName="sibTransNodeCircle" refType="w" fact="0.5"/>
+          <dgm:constr type="ctrY" for="ch" forName="sibTransNodeCircle" refType="h" fact="0.25"/>
+          <dgm:constr type="r" for="ch" forName="nodeText" refType="r" refFor="ch" refForName="bgRect"/>
+          <dgm:constr type="h" for="ch" forName="nodeText" refType="h" refFor="ch" refForName="bgRect" fact="0.6"/>
+          <dgm:constr type="t" for="ch" forName="nodeText" refType="h" refFor="ch" refForName="bgRect" fact="0.38"/>
+          <dgm:constr type="b" for="ch" forName="bottomLine" refType="b" refFor="ch" refForName="bgRect"/>
+          <dgm:constr type="w" for="ch" forName="bottomLine" refType="w" refFor="ch" refForName="bgRect"/>
+          <dgm:constr type="h" for="ch" forName="bottomLine" val="0.002"/>
+        </dgm:constrLst>
+        <dgm:ruleLst/>
+        <dgm:layoutNode name="bgRect" styleLbl="bgAccFollowNode1">
+          <dgm:alg type="sp"/>
+          <dgm:shape xmlns:r="http://schemas.openxmlformats.org/officeDocument/2006/relationships" type="rect" r:blip="">
+            <dgm:adjLst/>
+          </dgm:shape>
+          <dgm:presOf axis="self"/>
+          <dgm:constrLst/>
+          <dgm:ruleLst/>
+        </dgm:layoutNode>
+        <dgm:forEach name="Name19" axis="followSib" ptType="sibTrans" hideLastTrans="0" cnt="1">
+          <dgm:layoutNode name="sibTransNodeCircle" styleLbl="alignNode1">
+            <dgm:varLst>
+              <dgm:chMax val="0"/>
+              <dgm:bulletEnabled/>
+            </dgm:varLst>
+            <dgm:presOf axis="self" ptType="sibTrans"/>
+            <dgm:alg type="tx">
+              <dgm:param type="txAnchorVert" val="mid"/>
+              <dgm:param type="txAnchorHorzCh" val="ctr"/>
             </dgm:alg>
-          </dgm:if>
-          <dgm:else name="Name7">
-            <dgm:alg type="lin">
-              <dgm:param type="linDir" val="fromR"/>
-              <dgm:param type="nodeHorzAlign" val="r"/>
-              <dgm:param type="nodeVertAlign" val="mid"/>
-              <dgm:param type="fallback" val="2D"/>
-            </dgm:alg>
-          </dgm:else>
-        </dgm:choose>
-        <dgm:shape xmlns:r="http://schemas.openxmlformats.org/officeDocument/2006/relationships" r:blip="">
-          <dgm:adjLst/>
-        </dgm:shape>
-        <dgm:presOf/>
-        <dgm:constrLst/>
-        <dgm:ruleLst/>
-        <dgm:layoutNode name="bigChev" styleLbl="node1">
-          <dgm:alg type="tx"/>
-          <dgm:choose name="Name8">
-            <dgm:if name="Name9" func="var" arg="dir" op="equ" val="norm">
-              <dgm:shape xmlns:r="http://schemas.openxmlformats.org/officeDocument/2006/relationships" type="chevron" r:blip="">
-                <dgm:adjLst/>
-              </dgm:shape>
-              <dgm:presOf axis="self"/>
-              <dgm:constrLst>
-                <dgm:constr type="primFontSz" val="65"/>
-                <dgm:constr type="rMarg"/>
-                <dgm:constr type="lMarg" refType="primFontSz" fact="0.1"/>
-                <dgm:constr type="tMarg" refType="primFontSz" fact="0.05"/>
-                <dgm:constr type="bMarg" refType="primFontSz" fact="0.05"/>
-              </dgm:constrLst>
-            </dgm:if>
-            <dgm:else name="Name10">
-              <dgm:shape xmlns:r="http://schemas.openxmlformats.org/officeDocument/2006/relationships" rot="180" type="chevron" r:blip="">
-                <dgm:adjLst/>
-              </dgm:shape>
-              <dgm:presOf axis="self"/>
-              <dgm:constrLst>
-                <dgm:constr type="primFontSz" val="65"/>
-                <dgm:constr type="lMarg"/>
-                <dgm:constr type="rMarg" refType="primFontSz" fact="0.1"/>
-                <dgm:constr type="tMarg" refType="primFontSz" fact="0.05"/>
-                <dgm:constr type="bMarg" refType="primFontSz" fact="0.05"/>
-              </dgm:constrLst>
-            </dgm:else>
-          </dgm:choose>
+            <dgm:shape xmlns:r="http://schemas.openxmlformats.org/officeDocument/2006/relationships" type="ellipse" r:blip="">
+              <dgm:adjLst/>
+            </dgm:shape>
+            <dgm:constrLst>
+              <dgm:constr type="w" refType="h" op="lte"/>
+              <dgm:constr type="primFontSz" val="48"/>
+              <dgm:constr type="tMarg" val="1"/>
+              <dgm:constr type="lMarg" refType="w" fact="0.221"/>
+              <dgm:constr type="rMarg" refType="w" fact="0.221"/>
+              <dgm:constr type="bMarg" val="1"/>
+            </dgm:constrLst>
+            <dgm:ruleLst>
+              <dgm:rule type="primFontSz" val="14" fact="NaN" max="NaN"/>
+            </dgm:ruleLst>
+          </dgm:layoutNode>
+        </dgm:forEach>
+        <dgm:layoutNode name="bottomLine" styleLbl="alignNode1">
+          <dgm:varLst/>
+          <dgm:presOf/>
+          <dgm:alg type="sp"/>
+          <dgm:shape xmlns:r="http://schemas.openxmlformats.org/officeDocument/2006/relationships" type="rect" r:blip="">
+            <dgm:adjLst/>
+          </dgm:shape>
+          <dgm:constrLst/>
+          <dgm:ruleLst/>
+        </dgm:layoutNode>
+        <dgm:layoutNode name="nodeText" styleLbl="bgAccFollowNode1" moveWith="bgRect">
+          <dgm:varLst>
+            <dgm:bulletEnabled val="1"/>
+          </dgm:varLst>
+          <dgm:alg type="tx">
+            <dgm:param type="parTxLTRAlign" val="l"/>
+            <dgm:param type="parTxRTLAlign" val="r"/>
+            <dgm:param type="txAnchorVert" val="t"/>
+          </dgm:alg>
+          <dgm:shape xmlns:r="http://schemas.openxmlformats.org/officeDocument/2006/relationships" type="rect" r:blip="" zOrderOff="-1" hideGeom="1">
+            <dgm:adjLst/>
+          </dgm:shape>
+          <dgm:presOf axis="desOrSelf" ptType="node"/>
+          <dgm:constrLst>
+            <dgm:constr type="primFontSz" val="26"/>
+            <dgm:constr type="tMarg" val="26"/>
+            <dgm:constr type="lMarg" refType="w" fact="0.221"/>
+            <dgm:constr type="rMarg" refType="w" fact="0.221"/>
+            <dgm:constr type="bMarg" val="26"/>
+          </dgm:constrLst>
           <dgm:ruleLst>
-            <dgm:rule type="primFontSz" val="5" fact="NaN" max="NaN"/>
+            <dgm:rule type="primFontSz" val="11" fact="NaN" max="NaN"/>
           </dgm:ruleLst>
         </dgm:layoutNode>
-        <dgm:forEach name="parTransForEach" axis="ch" ptType="parTrans" cnt="1">
-          <dgm:layoutNode name="parTrans">
-            <dgm:alg type="sp"/>
-            <dgm:shape xmlns:r="http://schemas.openxmlformats.org/officeDocument/2006/relationships" r:blip="">
-              <dgm:adjLst/>
-            </dgm:shape>
-            <dgm:presOf/>
-            <dgm:constrLst/>
-            <dgm:ruleLst/>
-          </dgm:layoutNode>
-        </dgm:forEach>
-        <dgm:forEach name="Name11" axis="ch" ptType="node">
-          <dgm:layoutNode name="node" styleLbl="alignAccFollowNode1">
-            <dgm:varLst>
-              <dgm:bulletEnabled val="1"/>
-            </dgm:varLst>
-            <dgm:alg type="tx"/>
-            <dgm:choose name="Name12">
-              <dgm:if name="Name13" func="var" arg="dir" op="equ" val="norm">
-                <dgm:shape xmlns:r="http://schemas.openxmlformats.org/officeDocument/2006/relationships" type="chevron" r:blip="">
-                  <dgm:adjLst/>
-                </dgm:shape>
-                <dgm:presOf axis="desOrSelf" ptType="node"/>
-                <dgm:constrLst>
-                  <dgm:constr type="primFontSz" val="65"/>
-                  <dgm:constr type="rMarg"/>
-                  <dgm:constr type="lMarg" refType="primFontSz" fact="0.1"/>
-                  <dgm:constr type="tMarg" refType="primFontSz" fact="0.05"/>
-                  <dgm:constr type="bMarg" refType="primFontSz" fact="0.05"/>
-                </dgm:constrLst>
-              </dgm:if>
-              <dgm:else name="Name14">
-                <dgm:shape xmlns:r="http://schemas.openxmlformats.org/officeDocument/2006/relationships" rot="180" type="chevron" r:blip="">
-                  <dgm:adjLst/>
-                </dgm:shape>
-                <dgm:presOf axis="desOrSelf" ptType="node"/>
-                <dgm:constrLst>
-                  <dgm:constr type="primFontSz" val="65"/>
-                  <dgm:constr type="lMarg"/>
-                  <dgm:constr type="rMarg" refType="primFontSz" fact="0.1"/>
-                  <dgm:constr type="tMarg" refType="primFontSz" fact="0.05"/>
-                  <dgm:constr type="bMarg" refType="primFontSz" fact="0.05"/>
-                </dgm:constrLst>
-              </dgm:else>
-            </dgm:choose>
-            <dgm:ruleLst>
-              <dgm:rule type="primFontSz" val="5" fact="NaN" max="NaN"/>
-            </dgm:ruleLst>
-          </dgm:layoutNode>
-          <dgm:forEach name="sibTransForEach" axis="followSib" ptType="sibTrans" cnt="1">
-            <dgm:layoutNode name="sibTrans">
-              <dgm:alg type="sp"/>
-              <dgm:shape xmlns:r="http://schemas.openxmlformats.org/officeDocument/2006/relationships" r:blip="">
-                <dgm:adjLst/>
-              </dgm:shape>
-              <dgm:presOf/>
-              <dgm:constrLst/>
-              <dgm:ruleLst/>
-            </dgm:layoutNode>
-          </dgm:forEach>
-        </dgm:forEach>
       </dgm:layoutNode>
-      <dgm:choose name="Name15">
-        <dgm:if name="Name16" axis="self" ptType="node" func="revPos" op="gte" val="2">
-          <dgm:layoutNode name="vSp">
-            <dgm:alg type="sp"/>
-            <dgm:shape xmlns:r="http://schemas.openxmlformats.org/officeDocument/2006/relationships" r:blip="">
-              <dgm:adjLst/>
-            </dgm:shape>
-            <dgm:presOf/>
-            <dgm:constrLst/>
-            <dgm:ruleLst/>
-          </dgm:layoutNode>
-        </dgm:if>
-        <dgm:else name="Name17"/>
-      </dgm:choose>
+      <dgm:forEach name="Name14" axis="followSib" ptType="sibTrans" cnt="1">
+        <dgm:layoutNode name="sibTrans">
+          <dgm:alg type="sp"/>
+          <dgm:shape xmlns:r="http://schemas.openxmlformats.org/officeDocument/2006/relationships" r:blip="">
+            <dgm:adjLst/>
+          </dgm:shape>
+          <dgm:presOf/>
+          <dgm:constrLst/>
+          <dgm:ruleLst/>
+        </dgm:layoutNode>
+      </dgm:forEach>
     </dgm:forEach>
   </dgm:layoutNode>
+  <dgm:extLst>
+    <a:ext uri="{4F341089-5ED1-44EC-B178-C955D00A3D55}">
+      <dgm1611:autoBuNodeInfoLst xmlns:dgm1611="http://schemas.microsoft.com/office/drawing/2016/11/diagram">
+        <dgm1611:autoBuNodeInfo lvl="1" ptType="sibTrans">
+          <dgm1611:buPr prefix="" leadZeros="0">
+            <a:buAutoNum type="arabicParenBoth"/>
+          </dgm1611:buPr>
+        </dgm1611:autoBuNodeInfo>
+      </dgm1611:autoBuNodeInfoLst>
+    </a:ext>
+  </dgm:extLst>
 </dgm:layoutDef>
 </file>
 
-<file path=ppt/diagrams/layout3.xml><?xml version="1.0" encoding="utf-8"?>
+<file path=ppt/diagrams/layout4.xml><?xml version="1.0" encoding="utf-8"?>
 <dgm:layoutDef xmlns:dgm="http://schemas.openxmlformats.org/drawingml/2006/diagram" xmlns:a="http://schemas.openxmlformats.org/drawingml/2006/main" uniqueId="urn:microsoft.com/office/officeart/2005/8/layout/lProcess3">
   <dgm:title val=""/>
   <dgm:desc val=""/>
@@ -6291,11 +8230,11 @@
 </file>
 
 <file path=ppt/diagrams/quickStyle1.xml><?xml version="1.0" encoding="utf-8"?>
-<dgm:styleDef xmlns:dgm="http://schemas.openxmlformats.org/drawingml/2006/diagram" xmlns:a="http://schemas.openxmlformats.org/drawingml/2006/main" uniqueId="urn:microsoft.com/office/officeart/2005/8/quickstyle/simple1">
+<dgm:styleDef xmlns:dgm="http://schemas.openxmlformats.org/drawingml/2006/diagram" xmlns:a="http://schemas.openxmlformats.org/drawingml/2006/main" uniqueId="urn:microsoft.com/office/officeart/2005/8/quickstyle/simple2">
   <dgm:title val=""/>
   <dgm:desc val=""/>
   <dgm:catLst>
-    <dgm:cat type="simple" pri="10100"/>
+    <dgm:cat type="simple" pri="10200"/>
   </dgm:catLst>
   <dgm:scene3d>
     <a:camera prst="orthographicFront"/>
@@ -6309,13 +8248,13 @@
     <dgm:sp3d/>
     <dgm:txPr/>
     <dgm:style>
-      <a:lnRef idx="2">
+      <a:lnRef idx="3">
         <a:scrgbClr r="0" g="0" b="0"/>
       </a:lnRef>
       <a:fillRef idx="1">
         <a:scrgbClr r="0" g="0" b="0"/>
       </a:fillRef>
-      <a:effectRef idx="0">
+      <a:effectRef idx="1">
         <a:scrgbClr r="0" g="0" b="0"/>
       </a:effectRef>
       <a:fontRef idx="minor">
@@ -6331,13 +8270,13 @@
     <dgm:sp3d/>
     <dgm:txPr/>
     <dgm:style>
-      <a:lnRef idx="2">
+      <a:lnRef idx="3">
         <a:scrgbClr r="0" g="0" b="0"/>
       </a:lnRef>
       <a:fillRef idx="1">
         <a:scrgbClr r="0" g="0" b="0"/>
       </a:fillRef>
-      <a:effectRef idx="0">
+      <a:effectRef idx="1">
         <a:scrgbClr r="0" g="0" b="0"/>
       </a:effectRef>
       <a:fontRef idx="minor">
@@ -6353,7 +8292,7 @@
     <dgm:sp3d/>
     <dgm:txPr/>
     <dgm:style>
-      <a:lnRef idx="2">
+      <a:lnRef idx="3">
         <a:scrgbClr r="0" g="0" b="0"/>
       </a:lnRef>
       <a:fillRef idx="1">
@@ -6381,7 +8320,7 @@
       <a:fillRef idx="1">
         <a:scrgbClr r="0" g="0" b="0"/>
       </a:fillRef>
-      <a:effectRef idx="0">
+      <a:effectRef idx="1">
         <a:scrgbClr r="0" g="0" b="0"/>
       </a:effectRef>
       <a:fontRef idx="minor">
@@ -6397,13 +8336,13 @@
     <dgm:sp3d/>
     <dgm:txPr/>
     <dgm:style>
-      <a:lnRef idx="2">
+      <a:lnRef idx="3">
         <a:scrgbClr r="0" g="0" b="0"/>
       </a:lnRef>
       <a:fillRef idx="1">
         <a:scrgbClr r="0" g="0" b="0"/>
       </a:fillRef>
-      <a:effectRef idx="0">
+      <a:effectRef idx="1">
         <a:scrgbClr r="0" g="0" b="0"/>
       </a:effectRef>
       <a:fontRef idx="minor">
@@ -6419,13 +8358,13 @@
     <dgm:sp3d/>
     <dgm:txPr/>
     <dgm:style>
-      <a:lnRef idx="2">
+      <a:lnRef idx="3">
         <a:scrgbClr r="0" g="0" b="0"/>
       </a:lnRef>
       <a:fillRef idx="1">
         <a:scrgbClr r="0" g="0" b="0"/>
       </a:fillRef>
-      <a:effectRef idx="0">
+      <a:effectRef idx="1">
         <a:scrgbClr r="0" g="0" b="0"/>
       </a:effectRef>
       <a:fontRef idx="minor">
@@ -6441,13 +8380,13 @@
     <dgm:sp3d/>
     <dgm:txPr/>
     <dgm:style>
-      <a:lnRef idx="2">
+      <a:lnRef idx="3">
         <a:scrgbClr r="0" g="0" b="0"/>
       </a:lnRef>
       <a:fillRef idx="1">
         <a:scrgbClr r="0" g="0" b="0"/>
       </a:fillRef>
-      <a:effectRef idx="0">
+      <a:effectRef idx="1">
         <a:scrgbClr r="0" g="0" b="0"/>
       </a:effectRef>
       <a:fontRef idx="minor">
@@ -6463,13 +8402,13 @@
     <dgm:sp3d/>
     <dgm:txPr/>
     <dgm:style>
-      <a:lnRef idx="2">
+      <a:lnRef idx="3">
         <a:scrgbClr r="0" g="0" b="0"/>
       </a:lnRef>
       <a:fillRef idx="1">
         <a:scrgbClr r="0" g="0" b="0"/>
       </a:fillRef>
-      <a:effectRef idx="0">
+      <a:effectRef idx="1">
         <a:scrgbClr r="0" g="0" b="0"/>
       </a:effectRef>
       <a:fontRef idx="minor">
@@ -6485,13 +8424,13 @@
     <dgm:sp3d/>
     <dgm:txPr/>
     <dgm:style>
-      <a:lnRef idx="2">
+      <a:lnRef idx="3">
         <a:scrgbClr r="0" g="0" b="0"/>
       </a:lnRef>
       <a:fillRef idx="1">
         <a:scrgbClr r="0" g="0" b="0"/>
       </a:fillRef>
-      <a:effectRef idx="0">
+      <a:effectRef idx="1">
         <a:scrgbClr r="0" g="0" b="0"/>
       </a:effectRef>
       <a:fontRef idx="minor"/>
@@ -6505,13 +8444,13 @@
     <dgm:sp3d/>
     <dgm:txPr/>
     <dgm:style>
-      <a:lnRef idx="2">
+      <a:lnRef idx="3">
         <a:scrgbClr r="0" g="0" b="0"/>
       </a:lnRef>
       <a:fillRef idx="1">
         <a:scrgbClr r="0" g="0" b="0"/>
       </a:fillRef>
-      <a:effectRef idx="0">
+      <a:effectRef idx="1">
         <a:scrgbClr r="0" g="0" b="0"/>
       </a:effectRef>
       <a:fontRef idx="minor"/>
@@ -6525,13 +8464,13 @@
     <dgm:sp3d/>
     <dgm:txPr/>
     <dgm:style>
-      <a:lnRef idx="2">
+      <a:lnRef idx="3">
         <a:scrgbClr r="0" g="0" b="0"/>
       </a:lnRef>
       <a:fillRef idx="1">
         <a:scrgbClr r="0" g="0" b="0"/>
       </a:fillRef>
-      <a:effectRef idx="0">
+      <a:effectRef idx="1">
         <a:scrgbClr r="0" g="0" b="0"/>
       </a:effectRef>
       <a:fontRef idx="minor"/>
@@ -6551,7 +8490,7 @@
       <a:fillRef idx="1">
         <a:scrgbClr r="0" g="0" b="0"/>
       </a:fillRef>
-      <a:effectRef idx="0">
+      <a:effectRef idx="1">
         <a:scrgbClr r="0" g="0" b="0"/>
       </a:effectRef>
       <a:fontRef idx="minor">
@@ -6573,7 +8512,7 @@
       <a:fillRef idx="1">
         <a:scrgbClr r="0" g="0" b="0"/>
       </a:fillRef>
-      <a:effectRef idx="0">
+      <a:effectRef idx="1">
         <a:scrgbClr r="0" g="0" b="0"/>
       </a:effectRef>
       <a:fontRef idx="minor">
@@ -6595,7 +8534,7 @@
       <a:fillRef idx="1">
         <a:scrgbClr r="0" g="0" b="0"/>
       </a:fillRef>
-      <a:effectRef idx="0">
+      <a:effectRef idx="1">
         <a:scrgbClr r="0" g="0" b="0"/>
       </a:effectRef>
       <a:fontRef idx="minor">
@@ -6637,7 +8576,7 @@
       <a:fillRef idx="1">
         <a:scrgbClr r="0" g="0" b="0"/>
       </a:fillRef>
-      <a:effectRef idx="0">
+      <a:effectRef idx="1">
         <a:scrgbClr r="0" g="0" b="0"/>
       </a:effectRef>
       <a:fontRef idx="minor"/>
@@ -6651,13 +8590,13 @@
     <dgm:sp3d/>
     <dgm:txPr/>
     <dgm:style>
-      <a:lnRef idx="2">
+      <a:lnRef idx="3">
         <a:scrgbClr r="0" g="0" b="0"/>
       </a:lnRef>
       <a:fillRef idx="1">
         <a:scrgbClr r="0" g="0" b="0"/>
       </a:fillRef>
-      <a:effectRef idx="0">
+      <a:effectRef idx="1">
         <a:scrgbClr r="0" g="0" b="0"/>
       </a:effectRef>
       <a:fontRef idx="minor">
@@ -6673,13 +8612,13 @@
     <dgm:sp3d/>
     <dgm:txPr/>
     <dgm:style>
-      <a:lnRef idx="2">
+      <a:lnRef idx="3">
         <a:scrgbClr r="0" g="0" b="0"/>
       </a:lnRef>
       <a:fillRef idx="1">
         <a:scrgbClr r="0" g="0" b="0"/>
       </a:fillRef>
-      <a:effectRef idx="0">
+      <a:effectRef idx="1">
         <a:scrgbClr r="0" g="0" b="0"/>
       </a:effectRef>
       <a:fontRef idx="minor">
@@ -6695,13 +8634,13 @@
     <dgm:sp3d/>
     <dgm:txPr/>
     <dgm:style>
-      <a:lnRef idx="2">
+      <a:lnRef idx="3">
         <a:scrgbClr r="0" g="0" b="0"/>
       </a:lnRef>
       <a:fillRef idx="1">
         <a:scrgbClr r="0" g="0" b="0"/>
       </a:fillRef>
-      <a:effectRef idx="0">
+      <a:effectRef idx="1">
         <a:scrgbClr r="0" g="0" b="0"/>
       </a:effectRef>
       <a:fontRef idx="minor">
@@ -6717,13 +8656,13 @@
     <dgm:sp3d/>
     <dgm:txPr/>
     <dgm:style>
-      <a:lnRef idx="2">
+      <a:lnRef idx="3">
         <a:scrgbClr r="0" g="0" b="0"/>
       </a:lnRef>
       <a:fillRef idx="1">
         <a:scrgbClr r="0" g="0" b="0"/>
       </a:fillRef>
-      <a:effectRef idx="0">
+      <a:effectRef idx="1">
         <a:scrgbClr r="0" g="0" b="0"/>
       </a:effectRef>
       <a:fontRef idx="minor">
@@ -6739,13 +8678,13 @@
     <dgm:sp3d/>
     <dgm:txPr/>
     <dgm:style>
-      <a:lnRef idx="2">
+      <a:lnRef idx="3">
         <a:scrgbClr r="0" g="0" b="0"/>
       </a:lnRef>
       <a:fillRef idx="1">
         <a:scrgbClr r="0" g="0" b="0"/>
       </a:fillRef>
-      <a:effectRef idx="0">
+      <a:effectRef idx="1">
         <a:scrgbClr r="0" g="0" b="0"/>
       </a:effectRef>
       <a:fontRef idx="minor">
@@ -6761,13 +8700,13 @@
     <dgm:sp3d/>
     <dgm:txPr/>
     <dgm:style>
-      <a:lnRef idx="2">
+      <a:lnRef idx="3">
         <a:scrgbClr r="0" g="0" b="0"/>
       </a:lnRef>
       <a:fillRef idx="1">
         <a:scrgbClr r="0" g="0" b="0"/>
       </a:fillRef>
-      <a:effectRef idx="0">
+      <a:effectRef idx="1">
         <a:scrgbClr r="0" g="0" b="0"/>
       </a:effectRef>
       <a:fontRef idx="minor">
@@ -6783,13 +8722,13 @@
     <dgm:sp3d/>
     <dgm:txPr/>
     <dgm:style>
-      <a:lnRef idx="2">
+      <a:lnRef idx="3">
         <a:scrgbClr r="0" g="0" b="0"/>
       </a:lnRef>
       <a:fillRef idx="1">
         <a:scrgbClr r="0" g="0" b="0"/>
       </a:fillRef>
-      <a:effectRef idx="0">
+      <a:effectRef idx="1">
         <a:scrgbClr r="0" g="0" b="0"/>
       </a:effectRef>
       <a:fontRef idx="minor">
@@ -6805,13 +8744,13 @@
     <dgm:sp3d/>
     <dgm:txPr/>
     <dgm:style>
-      <a:lnRef idx="2">
+      <a:lnRef idx="3">
         <a:scrgbClr r="0" g="0" b="0"/>
       </a:lnRef>
       <a:fillRef idx="1">
         <a:scrgbClr r="0" g="0" b="0"/>
       </a:fillRef>
-      <a:effectRef idx="0">
+      <a:effectRef idx="1">
         <a:scrgbClr r="0" g="0" b="0"/>
       </a:effectRef>
       <a:fontRef idx="minor">
@@ -6827,13 +8766,13 @@
     <dgm:sp3d/>
     <dgm:txPr/>
     <dgm:style>
-      <a:lnRef idx="2">
+      <a:lnRef idx="3">
         <a:scrgbClr r="0" g="0" b="0"/>
       </a:lnRef>
       <a:fillRef idx="1">
         <a:scrgbClr r="0" g="0" b="0"/>
       </a:fillRef>
-      <a:effectRef idx="0">
+      <a:effectRef idx="1">
         <a:scrgbClr r="0" g="0" b="0"/>
       </a:effectRef>
       <a:fontRef idx="minor">
@@ -7289,13 +9228,13 @@
     <dgm:sp3d/>
     <dgm:txPr/>
     <dgm:style>
-      <a:lnRef idx="2">
+      <a:lnRef idx="3">
         <a:scrgbClr r="0" g="0" b="0"/>
       </a:lnRef>
       <a:fillRef idx="1">
         <a:scrgbClr r="0" g="0" b="0"/>
       </a:fillRef>
-      <a:effectRef idx="0">
+      <a:effectRef idx="1">
         <a:scrgbClr r="0" g="0" b="0"/>
       </a:effectRef>
       <a:fontRef idx="minor"/>
@@ -8359,6 +10298,1040 @@
 </file>
 
 <file path=ppt/diagrams/quickStyle3.xml><?xml version="1.0" encoding="utf-8"?>
+<dgm:styleDef xmlns:dgm="http://schemas.openxmlformats.org/drawingml/2006/diagram" xmlns:a="http://schemas.openxmlformats.org/drawingml/2006/main" uniqueId="urn:microsoft.com/office/officeart/2005/8/quickstyle/simple4">
+  <dgm:title val=""/>
+  <dgm:desc val=""/>
+  <dgm:catLst>
+    <dgm:cat type="simple" pri="10400"/>
+  </dgm:catLst>
+  <dgm:scene3d>
+    <a:camera prst="orthographicFront"/>
+    <a:lightRig rig="threePt" dir="t"/>
+  </dgm:scene3d>
+  <dgm:styleLbl name="node0">
+    <dgm:scene3d>
+      <a:camera prst="orthographicFront"/>
+      <a:lightRig rig="threePt" dir="t"/>
+    </dgm:scene3d>
+    <dgm:sp3d/>
+    <dgm:txPr/>
+    <dgm:style>
+      <a:lnRef idx="0">
+        <a:scrgbClr r="0" g="0" b="0"/>
+      </a:lnRef>
+      <a:fillRef idx="3">
+        <a:scrgbClr r="0" g="0" b="0"/>
+      </a:fillRef>
+      <a:effectRef idx="2">
+        <a:scrgbClr r="0" g="0" b="0"/>
+      </a:effectRef>
+      <a:fontRef idx="minor">
+        <a:schemeClr val="lt1"/>
+      </a:fontRef>
+    </dgm:style>
+  </dgm:styleLbl>
+  <dgm:styleLbl name="lnNode1">
+    <dgm:scene3d>
+      <a:camera prst="orthographicFront"/>
+      <a:lightRig rig="threePt" dir="t"/>
+    </dgm:scene3d>
+    <dgm:sp3d/>
+    <dgm:txPr/>
+    <dgm:style>
+      <a:lnRef idx="1">
+        <a:scrgbClr r="0" g="0" b="0"/>
+      </a:lnRef>
+      <a:fillRef idx="3">
+        <a:scrgbClr r="0" g="0" b="0"/>
+      </a:fillRef>
+      <a:effectRef idx="2">
+        <a:scrgbClr r="0" g="0" b="0"/>
+      </a:effectRef>
+      <a:fontRef idx="minor">
+        <a:schemeClr val="lt1"/>
+      </a:fontRef>
+    </dgm:style>
+  </dgm:styleLbl>
+  <dgm:styleLbl name="vennNode1">
+    <dgm:scene3d>
+      <a:camera prst="orthographicFront"/>
+      <a:lightRig rig="threePt" dir="t"/>
+    </dgm:scene3d>
+    <dgm:sp3d/>
+    <dgm:txPr/>
+    <dgm:style>
+      <a:lnRef idx="0">
+        <a:scrgbClr r="0" g="0" b="0"/>
+      </a:lnRef>
+      <a:fillRef idx="3">
+        <a:scrgbClr r="0" g="0" b="0"/>
+      </a:fillRef>
+      <a:effectRef idx="0">
+        <a:scrgbClr r="0" g="0" b="0"/>
+      </a:effectRef>
+      <a:fontRef idx="minor">
+        <a:schemeClr val="tx1"/>
+      </a:fontRef>
+    </dgm:style>
+  </dgm:styleLbl>
+  <dgm:styleLbl name="alignNode1">
+    <dgm:scene3d>
+      <a:camera prst="orthographicFront"/>
+      <a:lightRig rig="threePt" dir="t"/>
+    </dgm:scene3d>
+    <dgm:sp3d/>
+    <dgm:txPr/>
+    <dgm:style>
+      <a:lnRef idx="1">
+        <a:scrgbClr r="0" g="0" b="0"/>
+      </a:lnRef>
+      <a:fillRef idx="3">
+        <a:scrgbClr r="0" g="0" b="0"/>
+      </a:fillRef>
+      <a:effectRef idx="2">
+        <a:scrgbClr r="0" g="0" b="0"/>
+      </a:effectRef>
+      <a:fontRef idx="minor">
+        <a:schemeClr val="lt1"/>
+      </a:fontRef>
+    </dgm:style>
+  </dgm:styleLbl>
+  <dgm:styleLbl name="node1">
+    <dgm:scene3d>
+      <a:camera prst="orthographicFront"/>
+      <a:lightRig rig="threePt" dir="t"/>
+    </dgm:scene3d>
+    <dgm:sp3d/>
+    <dgm:txPr/>
+    <dgm:style>
+      <a:lnRef idx="0">
+        <a:scrgbClr r="0" g="0" b="0"/>
+      </a:lnRef>
+      <a:fillRef idx="3">
+        <a:scrgbClr r="0" g="0" b="0"/>
+      </a:fillRef>
+      <a:effectRef idx="2">
+        <a:scrgbClr r="0" g="0" b="0"/>
+      </a:effectRef>
+      <a:fontRef idx="minor">
+        <a:schemeClr val="lt1"/>
+      </a:fontRef>
+    </dgm:style>
+  </dgm:styleLbl>
+  <dgm:styleLbl name="node2">
+    <dgm:scene3d>
+      <a:camera prst="orthographicFront"/>
+      <a:lightRig rig="threePt" dir="t"/>
+    </dgm:scene3d>
+    <dgm:sp3d/>
+    <dgm:txPr/>
+    <dgm:style>
+      <a:lnRef idx="0">
+        <a:scrgbClr r="0" g="0" b="0"/>
+      </a:lnRef>
+      <a:fillRef idx="3">
+        <a:scrgbClr r="0" g="0" b="0"/>
+      </a:fillRef>
+      <a:effectRef idx="2">
+        <a:scrgbClr r="0" g="0" b="0"/>
+      </a:effectRef>
+      <a:fontRef idx="minor">
+        <a:schemeClr val="lt1"/>
+      </a:fontRef>
+    </dgm:style>
+  </dgm:styleLbl>
+  <dgm:styleLbl name="node3">
+    <dgm:scene3d>
+      <a:camera prst="orthographicFront"/>
+      <a:lightRig rig="threePt" dir="t"/>
+    </dgm:scene3d>
+    <dgm:sp3d/>
+    <dgm:txPr/>
+    <dgm:style>
+      <a:lnRef idx="0">
+        <a:scrgbClr r="0" g="0" b="0"/>
+      </a:lnRef>
+      <a:fillRef idx="3">
+        <a:scrgbClr r="0" g="0" b="0"/>
+      </a:fillRef>
+      <a:effectRef idx="2">
+        <a:scrgbClr r="0" g="0" b="0"/>
+      </a:effectRef>
+      <a:fontRef idx="minor">
+        <a:schemeClr val="lt1"/>
+      </a:fontRef>
+    </dgm:style>
+  </dgm:styleLbl>
+  <dgm:styleLbl name="node4">
+    <dgm:scene3d>
+      <a:camera prst="orthographicFront"/>
+      <a:lightRig rig="threePt" dir="t"/>
+    </dgm:scene3d>
+    <dgm:sp3d/>
+    <dgm:txPr/>
+    <dgm:style>
+      <a:lnRef idx="0">
+        <a:scrgbClr r="0" g="0" b="0"/>
+      </a:lnRef>
+      <a:fillRef idx="3">
+        <a:scrgbClr r="0" g="0" b="0"/>
+      </a:fillRef>
+      <a:effectRef idx="2">
+        <a:scrgbClr r="0" g="0" b="0"/>
+      </a:effectRef>
+      <a:fontRef idx="minor">
+        <a:schemeClr val="lt1"/>
+      </a:fontRef>
+    </dgm:style>
+  </dgm:styleLbl>
+  <dgm:styleLbl name="fgImgPlace1">
+    <dgm:scene3d>
+      <a:camera prst="orthographicFront"/>
+      <a:lightRig rig="threePt" dir="t"/>
+    </dgm:scene3d>
+    <dgm:sp3d/>
+    <dgm:txPr/>
+    <dgm:style>
+      <a:lnRef idx="0">
+        <a:scrgbClr r="0" g="0" b="0"/>
+      </a:lnRef>
+      <a:fillRef idx="1">
+        <a:scrgbClr r="0" g="0" b="0"/>
+      </a:fillRef>
+      <a:effectRef idx="2">
+        <a:scrgbClr r="0" g="0" b="0"/>
+      </a:effectRef>
+      <a:fontRef idx="minor"/>
+    </dgm:style>
+  </dgm:styleLbl>
+  <dgm:styleLbl name="alignImgPlace1">
+    <dgm:scene3d>
+      <a:camera prst="orthographicFront"/>
+      <a:lightRig rig="threePt" dir="t"/>
+    </dgm:scene3d>
+    <dgm:sp3d/>
+    <dgm:txPr/>
+    <dgm:style>
+      <a:lnRef idx="0">
+        <a:scrgbClr r="0" g="0" b="0"/>
+      </a:lnRef>
+      <a:fillRef idx="1">
+        <a:scrgbClr r="0" g="0" b="0"/>
+      </a:fillRef>
+      <a:effectRef idx="2">
+        <a:scrgbClr r="0" g="0" b="0"/>
+      </a:effectRef>
+      <a:fontRef idx="minor"/>
+    </dgm:style>
+  </dgm:styleLbl>
+  <dgm:styleLbl name="bgImgPlace1">
+    <dgm:scene3d>
+      <a:camera prst="orthographicFront"/>
+      <a:lightRig rig="threePt" dir="t"/>
+    </dgm:scene3d>
+    <dgm:sp3d/>
+    <dgm:txPr/>
+    <dgm:style>
+      <a:lnRef idx="0">
+        <a:scrgbClr r="0" g="0" b="0"/>
+      </a:lnRef>
+      <a:fillRef idx="1">
+        <a:scrgbClr r="0" g="0" b="0"/>
+      </a:fillRef>
+      <a:effectRef idx="2">
+        <a:scrgbClr r="0" g="0" b="0"/>
+      </a:effectRef>
+      <a:fontRef idx="minor"/>
+    </dgm:style>
+  </dgm:styleLbl>
+  <dgm:styleLbl name="sibTrans2D1">
+    <dgm:scene3d>
+      <a:camera prst="orthographicFront"/>
+      <a:lightRig rig="threePt" dir="t"/>
+    </dgm:scene3d>
+    <dgm:sp3d/>
+    <dgm:txPr/>
+    <dgm:style>
+      <a:lnRef idx="0">
+        <a:scrgbClr r="0" g="0" b="0"/>
+      </a:lnRef>
+      <a:fillRef idx="3">
+        <a:scrgbClr r="0" g="0" b="0"/>
+      </a:fillRef>
+      <a:effectRef idx="2">
+        <a:scrgbClr r="0" g="0" b="0"/>
+      </a:effectRef>
+      <a:fontRef idx="minor">
+        <a:schemeClr val="lt1"/>
+      </a:fontRef>
+    </dgm:style>
+  </dgm:styleLbl>
+  <dgm:styleLbl name="fgSibTrans2D1">
+    <dgm:scene3d>
+      <a:camera prst="orthographicFront"/>
+      <a:lightRig rig="threePt" dir="t"/>
+    </dgm:scene3d>
+    <dgm:sp3d/>
+    <dgm:txPr/>
+    <dgm:style>
+      <a:lnRef idx="0">
+        <a:scrgbClr r="0" g="0" b="0"/>
+      </a:lnRef>
+      <a:fillRef idx="3">
+        <a:scrgbClr r="0" g="0" b="0"/>
+      </a:fillRef>
+      <a:effectRef idx="2">
+        <a:scrgbClr r="0" g="0" b="0"/>
+      </a:effectRef>
+      <a:fontRef idx="minor">
+        <a:schemeClr val="lt1"/>
+      </a:fontRef>
+    </dgm:style>
+  </dgm:styleLbl>
+  <dgm:styleLbl name="bgSibTrans2D1">
+    <dgm:scene3d>
+      <a:camera prst="orthographicFront"/>
+      <a:lightRig rig="threePt" dir="t"/>
+    </dgm:scene3d>
+    <dgm:sp3d/>
+    <dgm:txPr/>
+    <dgm:style>
+      <a:lnRef idx="0">
+        <a:scrgbClr r="0" g="0" b="0"/>
+      </a:lnRef>
+      <a:fillRef idx="3">
+        <a:scrgbClr r="0" g="0" b="0"/>
+      </a:fillRef>
+      <a:effectRef idx="2">
+        <a:scrgbClr r="0" g="0" b="0"/>
+      </a:effectRef>
+      <a:fontRef idx="minor">
+        <a:schemeClr val="lt1"/>
+      </a:fontRef>
+    </dgm:style>
+  </dgm:styleLbl>
+  <dgm:styleLbl name="sibTrans1D1">
+    <dgm:scene3d>
+      <a:camera prst="orthographicFront"/>
+      <a:lightRig rig="threePt" dir="t"/>
+    </dgm:scene3d>
+    <dgm:sp3d/>
+    <dgm:txPr/>
+    <dgm:style>
+      <a:lnRef idx="1">
+        <a:scrgbClr r="0" g="0" b="0"/>
+      </a:lnRef>
+      <a:fillRef idx="0">
+        <a:scrgbClr r="0" g="0" b="0"/>
+      </a:fillRef>
+      <a:effectRef idx="0">
+        <a:scrgbClr r="0" g="0" b="0"/>
+      </a:effectRef>
+      <a:fontRef idx="minor"/>
+    </dgm:style>
+  </dgm:styleLbl>
+  <dgm:styleLbl name="callout">
+    <dgm:scene3d>
+      <a:camera prst="orthographicFront"/>
+      <a:lightRig rig="threePt" dir="t"/>
+    </dgm:scene3d>
+    <dgm:sp3d/>
+    <dgm:txPr/>
+    <dgm:style>
+      <a:lnRef idx="2">
+        <a:scrgbClr r="0" g="0" b="0"/>
+      </a:lnRef>
+      <a:fillRef idx="1">
+        <a:scrgbClr r="0" g="0" b="0"/>
+      </a:fillRef>
+      <a:effectRef idx="1">
+        <a:scrgbClr r="0" g="0" b="0"/>
+      </a:effectRef>
+      <a:fontRef idx="minor"/>
+    </dgm:style>
+  </dgm:styleLbl>
+  <dgm:styleLbl name="asst0">
+    <dgm:scene3d>
+      <a:camera prst="orthographicFront"/>
+      <a:lightRig rig="threePt" dir="t"/>
+    </dgm:scene3d>
+    <dgm:sp3d/>
+    <dgm:txPr/>
+    <dgm:style>
+      <a:lnRef idx="0">
+        <a:scrgbClr r="0" g="0" b="0"/>
+      </a:lnRef>
+      <a:fillRef idx="3">
+        <a:scrgbClr r="0" g="0" b="0"/>
+      </a:fillRef>
+      <a:effectRef idx="2">
+        <a:scrgbClr r="0" g="0" b="0"/>
+      </a:effectRef>
+      <a:fontRef idx="minor">
+        <a:schemeClr val="lt1"/>
+      </a:fontRef>
+    </dgm:style>
+  </dgm:styleLbl>
+  <dgm:styleLbl name="asst1">
+    <dgm:scene3d>
+      <a:camera prst="orthographicFront"/>
+      <a:lightRig rig="threePt" dir="t"/>
+    </dgm:scene3d>
+    <dgm:sp3d/>
+    <dgm:txPr/>
+    <dgm:style>
+      <a:lnRef idx="0">
+        <a:scrgbClr r="0" g="0" b="0"/>
+      </a:lnRef>
+      <a:fillRef idx="3">
+        <a:scrgbClr r="0" g="0" b="0"/>
+      </a:fillRef>
+      <a:effectRef idx="2">
+        <a:scrgbClr r="0" g="0" b="0"/>
+      </a:effectRef>
+      <a:fontRef idx="minor">
+        <a:schemeClr val="lt1"/>
+      </a:fontRef>
+    </dgm:style>
+  </dgm:styleLbl>
+  <dgm:styleLbl name="asst2">
+    <dgm:scene3d>
+      <a:camera prst="orthographicFront"/>
+      <a:lightRig rig="threePt" dir="t"/>
+    </dgm:scene3d>
+    <dgm:sp3d/>
+    <dgm:txPr/>
+    <dgm:style>
+      <a:lnRef idx="0">
+        <a:scrgbClr r="0" g="0" b="0"/>
+      </a:lnRef>
+      <a:fillRef idx="3">
+        <a:scrgbClr r="0" g="0" b="0"/>
+      </a:fillRef>
+      <a:effectRef idx="2">
+        <a:scrgbClr r="0" g="0" b="0"/>
+      </a:effectRef>
+      <a:fontRef idx="minor">
+        <a:schemeClr val="lt1"/>
+      </a:fontRef>
+    </dgm:style>
+  </dgm:styleLbl>
+  <dgm:styleLbl name="asst3">
+    <dgm:scene3d>
+      <a:camera prst="orthographicFront"/>
+      <a:lightRig rig="threePt" dir="t"/>
+    </dgm:scene3d>
+    <dgm:sp3d/>
+    <dgm:txPr/>
+    <dgm:style>
+      <a:lnRef idx="0">
+        <a:scrgbClr r="0" g="0" b="0"/>
+      </a:lnRef>
+      <a:fillRef idx="3">
+        <a:scrgbClr r="0" g="0" b="0"/>
+      </a:fillRef>
+      <a:effectRef idx="2">
+        <a:scrgbClr r="0" g="0" b="0"/>
+      </a:effectRef>
+      <a:fontRef idx="minor">
+        <a:schemeClr val="lt1"/>
+      </a:fontRef>
+    </dgm:style>
+  </dgm:styleLbl>
+  <dgm:styleLbl name="asst4">
+    <dgm:scene3d>
+      <a:camera prst="orthographicFront"/>
+      <a:lightRig rig="threePt" dir="t"/>
+    </dgm:scene3d>
+    <dgm:sp3d/>
+    <dgm:txPr/>
+    <dgm:style>
+      <a:lnRef idx="0">
+        <a:scrgbClr r="0" g="0" b="0"/>
+      </a:lnRef>
+      <a:fillRef idx="3">
+        <a:scrgbClr r="0" g="0" b="0"/>
+      </a:fillRef>
+      <a:effectRef idx="2">
+        <a:scrgbClr r="0" g="0" b="0"/>
+      </a:effectRef>
+      <a:fontRef idx="minor">
+        <a:schemeClr val="lt1"/>
+      </a:fontRef>
+    </dgm:style>
+  </dgm:styleLbl>
+  <dgm:styleLbl name="parChTrans2D1">
+    <dgm:scene3d>
+      <a:camera prst="orthographicFront"/>
+      <a:lightRig rig="threePt" dir="t"/>
+    </dgm:scene3d>
+    <dgm:sp3d/>
+    <dgm:txPr/>
+    <dgm:style>
+      <a:lnRef idx="0">
+        <a:scrgbClr r="0" g="0" b="0"/>
+      </a:lnRef>
+      <a:fillRef idx="3">
+        <a:scrgbClr r="0" g="0" b="0"/>
+      </a:fillRef>
+      <a:effectRef idx="2">
+        <a:scrgbClr r="0" g="0" b="0"/>
+      </a:effectRef>
+      <a:fontRef idx="minor">
+        <a:schemeClr val="lt1"/>
+      </a:fontRef>
+    </dgm:style>
+  </dgm:styleLbl>
+  <dgm:styleLbl name="parChTrans2D2">
+    <dgm:scene3d>
+      <a:camera prst="orthographicFront"/>
+      <a:lightRig rig="threePt" dir="t"/>
+    </dgm:scene3d>
+    <dgm:sp3d/>
+    <dgm:txPr/>
+    <dgm:style>
+      <a:lnRef idx="0">
+        <a:scrgbClr r="0" g="0" b="0"/>
+      </a:lnRef>
+      <a:fillRef idx="3">
+        <a:scrgbClr r="0" g="0" b="0"/>
+      </a:fillRef>
+      <a:effectRef idx="2">
+        <a:scrgbClr r="0" g="0" b="0"/>
+      </a:effectRef>
+      <a:fontRef idx="minor">
+        <a:schemeClr val="lt1"/>
+      </a:fontRef>
+    </dgm:style>
+  </dgm:styleLbl>
+  <dgm:styleLbl name="parChTrans2D3">
+    <dgm:scene3d>
+      <a:camera prst="orthographicFront"/>
+      <a:lightRig rig="threePt" dir="t"/>
+    </dgm:scene3d>
+    <dgm:sp3d/>
+    <dgm:txPr/>
+    <dgm:style>
+      <a:lnRef idx="1">
+        <a:scrgbClr r="0" g="0" b="0"/>
+      </a:lnRef>
+      <a:fillRef idx="3">
+        <a:scrgbClr r="0" g="0" b="0"/>
+      </a:fillRef>
+      <a:effectRef idx="2">
+        <a:scrgbClr r="0" g="0" b="0"/>
+      </a:effectRef>
+      <a:fontRef idx="minor">
+        <a:schemeClr val="lt1"/>
+      </a:fontRef>
+    </dgm:style>
+  </dgm:styleLbl>
+  <dgm:styleLbl name="parChTrans2D4">
+    <dgm:scene3d>
+      <a:camera prst="orthographicFront"/>
+      <a:lightRig rig="threePt" dir="t"/>
+    </dgm:scene3d>
+    <dgm:sp3d/>
+    <dgm:txPr/>
+    <dgm:style>
+      <a:lnRef idx="1">
+        <a:scrgbClr r="0" g="0" b="0"/>
+      </a:lnRef>
+      <a:fillRef idx="3">
+        <a:scrgbClr r="0" g="0" b="0"/>
+      </a:fillRef>
+      <a:effectRef idx="2">
+        <a:scrgbClr r="0" g="0" b="0"/>
+      </a:effectRef>
+      <a:fontRef idx="minor">
+        <a:schemeClr val="lt1"/>
+      </a:fontRef>
+    </dgm:style>
+  </dgm:styleLbl>
+  <dgm:styleLbl name="parChTrans1D1">
+    <dgm:scene3d>
+      <a:camera prst="orthographicFront"/>
+      <a:lightRig rig="threePt" dir="t"/>
+    </dgm:scene3d>
+    <dgm:sp3d/>
+    <dgm:txPr/>
+    <dgm:style>
+      <a:lnRef idx="1">
+        <a:scrgbClr r="0" g="0" b="0"/>
+      </a:lnRef>
+      <a:fillRef idx="0">
+        <a:scrgbClr r="0" g="0" b="0"/>
+      </a:fillRef>
+      <a:effectRef idx="0">
+        <a:scrgbClr r="0" g="0" b="0"/>
+      </a:effectRef>
+      <a:fontRef idx="minor"/>
+    </dgm:style>
+  </dgm:styleLbl>
+  <dgm:styleLbl name="parChTrans1D2">
+    <dgm:scene3d>
+      <a:camera prst="orthographicFront"/>
+      <a:lightRig rig="threePt" dir="t"/>
+    </dgm:scene3d>
+    <dgm:sp3d/>
+    <dgm:txPr/>
+    <dgm:style>
+      <a:lnRef idx="1">
+        <a:scrgbClr r="0" g="0" b="0"/>
+      </a:lnRef>
+      <a:fillRef idx="0">
+        <a:scrgbClr r="0" g="0" b="0"/>
+      </a:fillRef>
+      <a:effectRef idx="0">
+        <a:scrgbClr r="0" g="0" b="0"/>
+      </a:effectRef>
+      <a:fontRef idx="minor"/>
+    </dgm:style>
+  </dgm:styleLbl>
+  <dgm:styleLbl name="parChTrans1D3">
+    <dgm:scene3d>
+      <a:camera prst="orthographicFront"/>
+      <a:lightRig rig="threePt" dir="t"/>
+    </dgm:scene3d>
+    <dgm:sp3d/>
+    <dgm:txPr/>
+    <dgm:style>
+      <a:lnRef idx="1">
+        <a:scrgbClr r="0" g="0" b="0"/>
+      </a:lnRef>
+      <a:fillRef idx="0">
+        <a:scrgbClr r="0" g="0" b="0"/>
+      </a:fillRef>
+      <a:effectRef idx="0">
+        <a:scrgbClr r="0" g="0" b="0"/>
+      </a:effectRef>
+      <a:fontRef idx="minor"/>
+    </dgm:style>
+  </dgm:styleLbl>
+  <dgm:styleLbl name="parChTrans1D4">
+    <dgm:scene3d>
+      <a:camera prst="orthographicFront"/>
+      <a:lightRig rig="threePt" dir="t"/>
+    </dgm:scene3d>
+    <dgm:sp3d/>
+    <dgm:txPr/>
+    <dgm:style>
+      <a:lnRef idx="1">
+        <a:scrgbClr r="0" g="0" b="0"/>
+      </a:lnRef>
+      <a:fillRef idx="0">
+        <a:scrgbClr r="0" g="0" b="0"/>
+      </a:fillRef>
+      <a:effectRef idx="0">
+        <a:scrgbClr r="0" g="0" b="0"/>
+      </a:effectRef>
+      <a:fontRef idx="minor"/>
+    </dgm:style>
+  </dgm:styleLbl>
+  <dgm:styleLbl name="fgAcc1">
+    <dgm:scene3d>
+      <a:camera prst="orthographicFront"/>
+      <a:lightRig rig="threePt" dir="t"/>
+    </dgm:scene3d>
+    <dgm:sp3d/>
+    <dgm:txPr/>
+    <dgm:style>
+      <a:lnRef idx="1">
+        <a:scrgbClr r="0" g="0" b="0"/>
+      </a:lnRef>
+      <a:fillRef idx="1">
+        <a:scrgbClr r="0" g="0" b="0"/>
+      </a:fillRef>
+      <a:effectRef idx="0">
+        <a:scrgbClr r="0" g="0" b="0"/>
+      </a:effectRef>
+      <a:fontRef idx="minor"/>
+    </dgm:style>
+  </dgm:styleLbl>
+  <dgm:styleLbl name="conFgAcc1">
+    <dgm:scene3d>
+      <a:camera prst="orthographicFront"/>
+      <a:lightRig rig="threePt" dir="t"/>
+    </dgm:scene3d>
+    <dgm:sp3d/>
+    <dgm:txPr/>
+    <dgm:style>
+      <a:lnRef idx="1">
+        <a:scrgbClr r="0" g="0" b="0"/>
+      </a:lnRef>
+      <a:fillRef idx="1">
+        <a:scrgbClr r="0" g="0" b="0"/>
+      </a:fillRef>
+      <a:effectRef idx="0">
+        <a:scrgbClr r="0" g="0" b="0"/>
+      </a:effectRef>
+      <a:fontRef idx="minor"/>
+    </dgm:style>
+  </dgm:styleLbl>
+  <dgm:styleLbl name="alignAcc1">
+    <dgm:scene3d>
+      <a:camera prst="orthographicFront"/>
+      <a:lightRig rig="threePt" dir="t"/>
+    </dgm:scene3d>
+    <dgm:sp3d/>
+    <dgm:txPr/>
+    <dgm:style>
+      <a:lnRef idx="1">
+        <a:scrgbClr r="0" g="0" b="0"/>
+      </a:lnRef>
+      <a:fillRef idx="1">
+        <a:scrgbClr r="0" g="0" b="0"/>
+      </a:fillRef>
+      <a:effectRef idx="0">
+        <a:scrgbClr r="0" g="0" b="0"/>
+      </a:effectRef>
+      <a:fontRef idx="minor"/>
+    </dgm:style>
+  </dgm:styleLbl>
+  <dgm:styleLbl name="trAlignAcc1">
+    <dgm:scene3d>
+      <a:camera prst="orthographicFront"/>
+      <a:lightRig rig="threePt" dir="t"/>
+    </dgm:scene3d>
+    <dgm:sp3d/>
+    <dgm:txPr/>
+    <dgm:style>
+      <a:lnRef idx="1">
+        <a:scrgbClr r="0" g="0" b="0"/>
+      </a:lnRef>
+      <a:fillRef idx="1">
+        <a:scrgbClr r="0" g="0" b="0"/>
+      </a:fillRef>
+      <a:effectRef idx="0">
+        <a:scrgbClr r="0" g="0" b="0"/>
+      </a:effectRef>
+      <a:fontRef idx="minor"/>
+    </dgm:style>
+  </dgm:styleLbl>
+  <dgm:styleLbl name="bgAcc1">
+    <dgm:scene3d>
+      <a:camera prst="orthographicFront"/>
+      <a:lightRig rig="threePt" dir="t"/>
+    </dgm:scene3d>
+    <dgm:sp3d/>
+    <dgm:txPr/>
+    <dgm:style>
+      <a:lnRef idx="1">
+        <a:scrgbClr r="0" g="0" b="0"/>
+      </a:lnRef>
+      <a:fillRef idx="1">
+        <a:scrgbClr r="0" g="0" b="0"/>
+      </a:fillRef>
+      <a:effectRef idx="0">
+        <a:scrgbClr r="0" g="0" b="0"/>
+      </a:effectRef>
+      <a:fontRef idx="minor"/>
+    </dgm:style>
+  </dgm:styleLbl>
+  <dgm:styleLbl name="solidFgAcc1">
+    <dgm:scene3d>
+      <a:camera prst="orthographicFront"/>
+      <a:lightRig rig="threePt" dir="t"/>
+    </dgm:scene3d>
+    <dgm:sp3d/>
+    <dgm:txPr/>
+    <dgm:style>
+      <a:lnRef idx="1">
+        <a:scrgbClr r="0" g="0" b="0"/>
+      </a:lnRef>
+      <a:fillRef idx="1">
+        <a:scrgbClr r="0" g="0" b="0"/>
+      </a:fillRef>
+      <a:effectRef idx="0">
+        <a:scrgbClr r="0" g="0" b="0"/>
+      </a:effectRef>
+      <a:fontRef idx="minor"/>
+    </dgm:style>
+  </dgm:styleLbl>
+  <dgm:styleLbl name="solidAlignAcc1">
+    <dgm:scene3d>
+      <a:camera prst="orthographicFront"/>
+      <a:lightRig rig="threePt" dir="t"/>
+    </dgm:scene3d>
+    <dgm:sp3d/>
+    <dgm:txPr/>
+    <dgm:style>
+      <a:lnRef idx="1">
+        <a:scrgbClr r="0" g="0" b="0"/>
+      </a:lnRef>
+      <a:fillRef idx="1">
+        <a:scrgbClr r="0" g="0" b="0"/>
+      </a:fillRef>
+      <a:effectRef idx="0">
+        <a:scrgbClr r="0" g="0" b="0"/>
+      </a:effectRef>
+      <a:fontRef idx="minor"/>
+    </dgm:style>
+  </dgm:styleLbl>
+  <dgm:styleLbl name="solidBgAcc1">
+    <dgm:scene3d>
+      <a:camera prst="orthographicFront"/>
+      <a:lightRig rig="threePt" dir="t"/>
+    </dgm:scene3d>
+    <dgm:sp3d/>
+    <dgm:txPr/>
+    <dgm:style>
+      <a:lnRef idx="1">
+        <a:scrgbClr r="0" g="0" b="0"/>
+      </a:lnRef>
+      <a:fillRef idx="1">
+        <a:scrgbClr r="0" g="0" b="0"/>
+      </a:fillRef>
+      <a:effectRef idx="0">
+        <a:scrgbClr r="0" g="0" b="0"/>
+      </a:effectRef>
+      <a:fontRef idx="minor"/>
+    </dgm:style>
+  </dgm:styleLbl>
+  <dgm:styleLbl name="fgAccFollowNode1">
+    <dgm:scene3d>
+      <a:camera prst="orthographicFront"/>
+      <a:lightRig rig="threePt" dir="t"/>
+    </dgm:scene3d>
+    <dgm:sp3d/>
+    <dgm:txPr/>
+    <dgm:style>
+      <a:lnRef idx="1">
+        <a:scrgbClr r="0" g="0" b="0"/>
+      </a:lnRef>
+      <a:fillRef idx="1">
+        <a:scrgbClr r="0" g="0" b="0"/>
+      </a:fillRef>
+      <a:effectRef idx="0">
+        <a:scrgbClr r="0" g="0" b="0"/>
+      </a:effectRef>
+      <a:fontRef idx="minor"/>
+    </dgm:style>
+  </dgm:styleLbl>
+  <dgm:styleLbl name="alignAccFollowNode1">
+    <dgm:scene3d>
+      <a:camera prst="orthographicFront"/>
+      <a:lightRig rig="threePt" dir="t"/>
+    </dgm:scene3d>
+    <dgm:sp3d/>
+    <dgm:txPr/>
+    <dgm:style>
+      <a:lnRef idx="1">
+        <a:scrgbClr r="0" g="0" b="0"/>
+      </a:lnRef>
+      <a:fillRef idx="1">
+        <a:scrgbClr r="0" g="0" b="0"/>
+      </a:fillRef>
+      <a:effectRef idx="0">
+        <a:scrgbClr r="0" g="0" b="0"/>
+      </a:effectRef>
+      <a:fontRef idx="minor"/>
+    </dgm:style>
+  </dgm:styleLbl>
+  <dgm:styleLbl name="bgAccFollowNode1">
+    <dgm:scene3d>
+      <a:camera prst="orthographicFront"/>
+      <a:lightRig rig="threePt" dir="t"/>
+    </dgm:scene3d>
+    <dgm:sp3d/>
+    <dgm:txPr/>
+    <dgm:style>
+      <a:lnRef idx="1">
+        <a:scrgbClr r="0" g="0" b="0"/>
+      </a:lnRef>
+      <a:fillRef idx="1">
+        <a:scrgbClr r="0" g="0" b="0"/>
+      </a:fillRef>
+      <a:effectRef idx="0">
+        <a:scrgbClr r="0" g="0" b="0"/>
+      </a:effectRef>
+      <a:fontRef idx="minor"/>
+    </dgm:style>
+  </dgm:styleLbl>
+  <dgm:styleLbl name="fgAcc0">
+    <dgm:scene3d>
+      <a:camera prst="orthographicFront"/>
+      <a:lightRig rig="threePt" dir="t"/>
+    </dgm:scene3d>
+    <dgm:sp3d/>
+    <dgm:txPr/>
+    <dgm:style>
+      <a:lnRef idx="1">
+        <a:scrgbClr r="0" g="0" b="0"/>
+      </a:lnRef>
+      <a:fillRef idx="1">
+        <a:scrgbClr r="0" g="0" b="0"/>
+      </a:fillRef>
+      <a:effectRef idx="0">
+        <a:scrgbClr r="0" g="0" b="0"/>
+      </a:effectRef>
+      <a:fontRef idx="minor"/>
+    </dgm:style>
+  </dgm:styleLbl>
+  <dgm:styleLbl name="fgAcc2">
+    <dgm:scene3d>
+      <a:camera prst="orthographicFront"/>
+      <a:lightRig rig="threePt" dir="t"/>
+    </dgm:scene3d>
+    <dgm:sp3d/>
+    <dgm:txPr/>
+    <dgm:style>
+      <a:lnRef idx="1">
+        <a:scrgbClr r="0" g="0" b="0"/>
+      </a:lnRef>
+      <a:fillRef idx="1">
+        <a:scrgbClr r="0" g="0" b="0"/>
+      </a:fillRef>
+      <a:effectRef idx="0">
+        <a:scrgbClr r="0" g="0" b="0"/>
+      </a:effectRef>
+      <a:fontRef idx="minor"/>
+    </dgm:style>
+  </dgm:styleLbl>
+  <dgm:styleLbl name="fgAcc3">
+    <dgm:scene3d>
+      <a:camera prst="orthographicFront"/>
+      <a:lightRig rig="threePt" dir="t"/>
+    </dgm:scene3d>
+    <dgm:sp3d/>
+    <dgm:txPr/>
+    <dgm:style>
+      <a:lnRef idx="1">
+        <a:scrgbClr r="0" g="0" b="0"/>
+      </a:lnRef>
+      <a:fillRef idx="1">
+        <a:scrgbClr r="0" g="0" b="0"/>
+      </a:fillRef>
+      <a:effectRef idx="0">
+        <a:scrgbClr r="0" g="0" b="0"/>
+      </a:effectRef>
+      <a:fontRef idx="minor"/>
+    </dgm:style>
+  </dgm:styleLbl>
+  <dgm:styleLbl name="fgAcc4">
+    <dgm:scene3d>
+      <a:camera prst="orthographicFront"/>
+      <a:lightRig rig="threePt" dir="t"/>
+    </dgm:scene3d>
+    <dgm:sp3d/>
+    <dgm:txPr/>
+    <dgm:style>
+      <a:lnRef idx="1">
+        <a:scrgbClr r="0" g="0" b="0"/>
+      </a:lnRef>
+      <a:fillRef idx="1">
+        <a:scrgbClr r="0" g="0" b="0"/>
+      </a:fillRef>
+      <a:effectRef idx="0">
+        <a:scrgbClr r="0" g="0" b="0"/>
+      </a:effectRef>
+      <a:fontRef idx="minor"/>
+    </dgm:style>
+  </dgm:styleLbl>
+  <dgm:styleLbl name="bgShp">
+    <dgm:scene3d>
+      <a:camera prst="orthographicFront"/>
+      <a:lightRig rig="threePt" dir="t"/>
+    </dgm:scene3d>
+    <dgm:sp3d/>
+    <dgm:txPr/>
+    <dgm:style>
+      <a:lnRef idx="0">
+        <a:scrgbClr r="0" g="0" b="0"/>
+      </a:lnRef>
+      <a:fillRef idx="1">
+        <a:scrgbClr r="0" g="0" b="0"/>
+      </a:fillRef>
+      <a:effectRef idx="2">
+        <a:scrgbClr r="0" g="0" b="0"/>
+      </a:effectRef>
+      <a:fontRef idx="minor"/>
+    </dgm:style>
+  </dgm:styleLbl>
+  <dgm:styleLbl name="dkBgShp">
+    <dgm:scene3d>
+      <a:camera prst="orthographicFront"/>
+      <a:lightRig rig="threePt" dir="t"/>
+    </dgm:scene3d>
+    <dgm:sp3d/>
+    <dgm:txPr/>
+    <dgm:style>
+      <a:lnRef idx="0">
+        <a:scrgbClr r="0" g="0" b="0"/>
+      </a:lnRef>
+      <a:fillRef idx="1">
+        <a:scrgbClr r="0" g="0" b="0"/>
+      </a:fillRef>
+      <a:effectRef idx="2">
+        <a:scrgbClr r="0" g="0" b="0"/>
+      </a:effectRef>
+      <a:fontRef idx="minor"/>
+    </dgm:style>
+  </dgm:styleLbl>
+  <dgm:styleLbl name="trBgShp">
+    <dgm:scene3d>
+      <a:camera prst="orthographicFront"/>
+      <a:lightRig rig="threePt" dir="t"/>
+    </dgm:scene3d>
+    <dgm:sp3d/>
+    <dgm:txPr/>
+    <dgm:style>
+      <a:lnRef idx="0">
+        <a:scrgbClr r="0" g="0" b="0"/>
+      </a:lnRef>
+      <a:fillRef idx="1">
+        <a:scrgbClr r="0" g="0" b="0"/>
+      </a:fillRef>
+      <a:effectRef idx="0">
+        <a:scrgbClr r="0" g="0" b="0"/>
+      </a:effectRef>
+      <a:fontRef idx="minor"/>
+    </dgm:style>
+  </dgm:styleLbl>
+  <dgm:styleLbl name="fgShp">
+    <dgm:scene3d>
+      <a:camera prst="orthographicFront"/>
+      <a:lightRig rig="threePt" dir="t"/>
+    </dgm:scene3d>
+    <dgm:sp3d/>
+    <dgm:txPr/>
+    <dgm:style>
+      <a:lnRef idx="0">
+        <a:scrgbClr r="0" g="0" b="0"/>
+      </a:lnRef>
+      <a:fillRef idx="3">
+        <a:scrgbClr r="0" g="0" b="0"/>
+      </a:fillRef>
+      <a:effectRef idx="2">
+        <a:scrgbClr r="0" g="0" b="0"/>
+      </a:effectRef>
+      <a:fontRef idx="minor"/>
+    </dgm:style>
+  </dgm:styleLbl>
+  <dgm:styleLbl name="revTx">
+    <dgm:scene3d>
+      <a:camera prst="orthographicFront"/>
+      <a:lightRig rig="threePt" dir="t"/>
+    </dgm:scene3d>
+    <dgm:sp3d/>
+    <dgm:txPr/>
+    <dgm:style>
+      <a:lnRef idx="0">
+        <a:scrgbClr r="0" g="0" b="0"/>
+      </a:lnRef>
+      <a:fillRef idx="0">
+        <a:scrgbClr r="0" g="0" b="0"/>
+      </a:fillRef>
+      <a:effectRef idx="0">
+        <a:scrgbClr r="0" g="0" b="0"/>
+      </a:effectRef>
+      <a:fontRef idx="minor"/>
+    </dgm:style>
+  </dgm:styleLbl>
+</dgm:styleDef>
+</file>
+
+<file path=ppt/diagrams/quickStyle4.xml><?xml version="1.0" encoding="utf-8"?>
 <dgm:styleDef xmlns:dgm="http://schemas.openxmlformats.org/drawingml/2006/diagram" xmlns:a="http://schemas.openxmlformats.org/drawingml/2006/main" uniqueId="urn:microsoft.com/office/officeart/2005/8/quickstyle/simple1">
   <dgm:title val=""/>
   <dgm:desc val=""/>
@@ -9390,6 +12363,450 @@
     </dgm:style>
   </dgm:styleLbl>
 </dgm:styleDef>
+</file>
+
+<file path=ppt/notesMasters/notesMaster1.xml><?xml version="1.0" encoding="utf-8"?>
+<p:notesMaster xmlns:a="http://schemas.openxmlformats.org/drawingml/2006/main" xmlns:r="http://schemas.openxmlformats.org/officeDocument/2006/relationships" xmlns:p="http://schemas.openxmlformats.org/presentationml/2006/main">
+  <p:cSld>
+    <p:bg>
+      <p:bgRef idx="1001">
+        <a:schemeClr val="bg1"/>
+      </p:bgRef>
+    </p:bg>
+    <p:spTree>
+      <p:nvGrpSpPr>
+        <p:cNvPr id="1" name=""/>
+        <p:cNvGrpSpPr/>
+        <p:nvPr/>
+      </p:nvGrpSpPr>
+      <p:grpSpPr>
+        <a:xfrm>
+          <a:off x="0" y="0"/>
+          <a:ext cx="0" cy="0"/>
+          <a:chOff x="0" y="0"/>
+          <a:chExt cx="0" cy="0"/>
+        </a:xfrm>
+      </p:grpSpPr>
+      <p:sp>
+        <p:nvSpPr>
+          <p:cNvPr id="2" name="Header Placeholder 1"/>
+          <p:cNvSpPr>
+            <a:spLocks noGrp="1"/>
+          </p:cNvSpPr>
+          <p:nvPr>
+            <p:ph type="hdr" sz="quarter"/>
+          </p:nvPr>
+        </p:nvSpPr>
+        <p:spPr>
+          <a:xfrm>
+            <a:off x="0" y="0"/>
+            <a:ext cx="2971800" cy="458788"/>
+          </a:xfrm>
+          <a:prstGeom prst="rect">
+            <a:avLst/>
+          </a:prstGeom>
+        </p:spPr>
+        <p:txBody>
+          <a:bodyPr vert="horz" lIns="91440" tIns="45720" rIns="91440" bIns="45720" rtlCol="0"/>
+          <a:lstStyle>
+            <a:lvl1pPr algn="l">
+              <a:defRPr sz="1200"/>
+            </a:lvl1pPr>
+          </a:lstStyle>
+          <a:p>
+            <a:endParaRPr lang="en-US"/>
+          </a:p>
+        </p:txBody>
+      </p:sp>
+      <p:sp>
+        <p:nvSpPr>
+          <p:cNvPr id="3" name="Date Placeholder 2"/>
+          <p:cNvSpPr>
+            <a:spLocks noGrp="1"/>
+          </p:cNvSpPr>
+          <p:nvPr>
+            <p:ph type="dt" idx="1"/>
+          </p:nvPr>
+        </p:nvSpPr>
+        <p:spPr>
+          <a:xfrm>
+            <a:off x="3884613" y="0"/>
+            <a:ext cx="2971800" cy="458788"/>
+          </a:xfrm>
+          <a:prstGeom prst="rect">
+            <a:avLst/>
+          </a:prstGeom>
+        </p:spPr>
+        <p:txBody>
+          <a:bodyPr vert="horz" lIns="91440" tIns="45720" rIns="91440" bIns="45720" rtlCol="0"/>
+          <a:lstStyle>
+            <a:lvl1pPr algn="r">
+              <a:defRPr sz="1200"/>
+            </a:lvl1pPr>
+          </a:lstStyle>
+          <a:p>
+            <a:fld id="{195C8A7D-CB0D-4474-9FC7-8E1D401A2EC2}" type="datetimeFigureOut">
+              <a:rPr lang="en-US" smtClean="0"/>
+              <a:t>5/19/2017</a:t>
+            </a:fld>
+            <a:endParaRPr lang="en-US"/>
+          </a:p>
+        </p:txBody>
+      </p:sp>
+      <p:sp>
+        <p:nvSpPr>
+          <p:cNvPr id="4" name="Slide Image Placeholder 3"/>
+          <p:cNvSpPr>
+            <a:spLocks noGrp="1" noRot="1" noChangeAspect="1"/>
+          </p:cNvSpPr>
+          <p:nvPr>
+            <p:ph type="sldImg" idx="2"/>
+          </p:nvPr>
+        </p:nvSpPr>
+        <p:spPr>
+          <a:xfrm>
+            <a:off x="685800" y="1143000"/>
+            <a:ext cx="5486400" cy="3086100"/>
+          </a:xfrm>
+          <a:prstGeom prst="rect">
+            <a:avLst/>
+          </a:prstGeom>
+          <a:noFill/>
+          <a:ln w="12700">
+            <a:solidFill>
+              <a:prstClr val="black"/>
+            </a:solidFill>
+          </a:ln>
+        </p:spPr>
+        <p:txBody>
+          <a:bodyPr vert="horz" lIns="91440" tIns="45720" rIns="91440" bIns="45720" rtlCol="0" anchor="ctr"/>
+          <a:lstStyle/>
+          <a:p>
+            <a:endParaRPr lang="en-US"/>
+          </a:p>
+        </p:txBody>
+      </p:sp>
+      <p:sp>
+        <p:nvSpPr>
+          <p:cNvPr id="5" name="Notes Placeholder 4"/>
+          <p:cNvSpPr>
+            <a:spLocks noGrp="1"/>
+          </p:cNvSpPr>
+          <p:nvPr>
+            <p:ph type="body" sz="quarter" idx="3"/>
+          </p:nvPr>
+        </p:nvSpPr>
+        <p:spPr>
+          <a:xfrm>
+            <a:off x="685800" y="4400550"/>
+            <a:ext cx="5486400" cy="3600450"/>
+          </a:xfrm>
+          <a:prstGeom prst="rect">
+            <a:avLst/>
+          </a:prstGeom>
+        </p:spPr>
+        <p:txBody>
+          <a:bodyPr vert="horz" lIns="91440" tIns="45720" rIns="91440" bIns="45720" rtlCol="0"/>
+          <a:lstStyle/>
+          <a:p>
+            <a:pPr lvl="0"/>
+            <a:r>
+              <a:rPr lang="en-US"/>
+              <a:t>Edit Master text styles</a:t>
+            </a:r>
+          </a:p>
+          <a:p>
+            <a:pPr lvl="1"/>
+            <a:r>
+              <a:rPr lang="en-US"/>
+              <a:t>Second level</a:t>
+            </a:r>
+          </a:p>
+          <a:p>
+            <a:pPr lvl="2"/>
+            <a:r>
+              <a:rPr lang="en-US"/>
+              <a:t>Third level</a:t>
+            </a:r>
+          </a:p>
+          <a:p>
+            <a:pPr lvl="3"/>
+            <a:r>
+              <a:rPr lang="en-US"/>
+              <a:t>Fourth level</a:t>
+            </a:r>
+          </a:p>
+          <a:p>
+            <a:pPr lvl="4"/>
+            <a:r>
+              <a:rPr lang="en-US"/>
+              <a:t>Fifth level</a:t>
+            </a:r>
+          </a:p>
+        </p:txBody>
+      </p:sp>
+      <p:sp>
+        <p:nvSpPr>
+          <p:cNvPr id="6" name="Footer Placeholder 5"/>
+          <p:cNvSpPr>
+            <a:spLocks noGrp="1"/>
+          </p:cNvSpPr>
+          <p:nvPr>
+            <p:ph type="ftr" sz="quarter" idx="4"/>
+          </p:nvPr>
+        </p:nvSpPr>
+        <p:spPr>
+          <a:xfrm>
+            <a:off x="0" y="8685213"/>
+            <a:ext cx="2971800" cy="458787"/>
+          </a:xfrm>
+          <a:prstGeom prst="rect">
+            <a:avLst/>
+          </a:prstGeom>
+        </p:spPr>
+        <p:txBody>
+          <a:bodyPr vert="horz" lIns="91440" tIns="45720" rIns="91440" bIns="45720" rtlCol="0" anchor="b"/>
+          <a:lstStyle>
+            <a:lvl1pPr algn="l">
+              <a:defRPr sz="1200"/>
+            </a:lvl1pPr>
+          </a:lstStyle>
+          <a:p>
+            <a:endParaRPr lang="en-US"/>
+          </a:p>
+        </p:txBody>
+      </p:sp>
+      <p:sp>
+        <p:nvSpPr>
+          <p:cNvPr id="7" name="Slide Number Placeholder 6"/>
+          <p:cNvSpPr>
+            <a:spLocks noGrp="1"/>
+          </p:cNvSpPr>
+          <p:nvPr>
+            <p:ph type="sldNum" sz="quarter" idx="5"/>
+          </p:nvPr>
+        </p:nvSpPr>
+        <p:spPr>
+          <a:xfrm>
+            <a:off x="3884613" y="8685213"/>
+            <a:ext cx="2971800" cy="458787"/>
+          </a:xfrm>
+          <a:prstGeom prst="rect">
+            <a:avLst/>
+          </a:prstGeom>
+        </p:spPr>
+        <p:txBody>
+          <a:bodyPr vert="horz" lIns="91440" tIns="45720" rIns="91440" bIns="45720" rtlCol="0" anchor="b"/>
+          <a:lstStyle>
+            <a:lvl1pPr algn="r">
+              <a:defRPr sz="1200"/>
+            </a:lvl1pPr>
+          </a:lstStyle>
+          <a:p>
+            <a:fld id="{508733FC-BFA8-4D34-8D8F-80639264380A}" type="slidenum">
+              <a:rPr lang="en-US" smtClean="0"/>
+              <a:t>‹#›</a:t>
+            </a:fld>
+            <a:endParaRPr lang="en-US"/>
+          </a:p>
+        </p:txBody>
+      </p:sp>
+    </p:spTree>
+    <p:extLst>
+      <p:ext uri="{BB962C8B-B14F-4D97-AF65-F5344CB8AC3E}">
+        <p14:creationId xmlns:p14="http://schemas.microsoft.com/office/powerpoint/2010/main" val="2269332936"/>
+      </p:ext>
+    </p:extLst>
+  </p:cSld>
+  <p:clrMap bg1="lt1" tx1="dk1" bg2="lt2" tx2="dk2" accent1="accent1" accent2="accent2" accent3="accent3" accent4="accent4" accent5="accent5" accent6="accent6" hlink="hlink" folHlink="folHlink"/>
+  <p:notesStyle>
+    <a:lvl1pPr marL="0" algn="l" defTabSz="914400" rtl="0" eaLnBrk="1" latinLnBrk="0" hangingPunct="1">
+      <a:defRPr sz="1200" kern="1200">
+        <a:solidFill>
+          <a:schemeClr val="tx1"/>
+        </a:solidFill>
+        <a:latin typeface="+mn-lt"/>
+        <a:ea typeface="+mn-ea"/>
+        <a:cs typeface="+mn-cs"/>
+      </a:defRPr>
+    </a:lvl1pPr>
+    <a:lvl2pPr marL="457200" algn="l" defTabSz="914400" rtl="0" eaLnBrk="1" latinLnBrk="0" hangingPunct="1">
+      <a:defRPr sz="1200" kern="1200">
+        <a:solidFill>
+          <a:schemeClr val="tx1"/>
+        </a:solidFill>
+        <a:latin typeface="+mn-lt"/>
+        <a:ea typeface="+mn-ea"/>
+        <a:cs typeface="+mn-cs"/>
+      </a:defRPr>
+    </a:lvl2pPr>
+    <a:lvl3pPr marL="914400" algn="l" defTabSz="914400" rtl="0" eaLnBrk="1" latinLnBrk="0" hangingPunct="1">
+      <a:defRPr sz="1200" kern="1200">
+        <a:solidFill>
+          <a:schemeClr val="tx1"/>
+        </a:solidFill>
+        <a:latin typeface="+mn-lt"/>
+        <a:ea typeface="+mn-ea"/>
+        <a:cs typeface="+mn-cs"/>
+      </a:defRPr>
+    </a:lvl3pPr>
+    <a:lvl4pPr marL="1371600" algn="l" defTabSz="914400" rtl="0" eaLnBrk="1" latinLnBrk="0" hangingPunct="1">
+      <a:defRPr sz="1200" kern="1200">
+        <a:solidFill>
+          <a:schemeClr val="tx1"/>
+        </a:solidFill>
+        <a:latin typeface="+mn-lt"/>
+        <a:ea typeface="+mn-ea"/>
+        <a:cs typeface="+mn-cs"/>
+      </a:defRPr>
+    </a:lvl4pPr>
+    <a:lvl5pPr marL="1828800" algn="l" defTabSz="914400" rtl="0" eaLnBrk="1" latinLnBrk="0" hangingPunct="1">
+      <a:defRPr sz="1200" kern="1200">
+        <a:solidFill>
+          <a:schemeClr val="tx1"/>
+        </a:solidFill>
+        <a:latin typeface="+mn-lt"/>
+        <a:ea typeface="+mn-ea"/>
+        <a:cs typeface="+mn-cs"/>
+      </a:defRPr>
+    </a:lvl5pPr>
+    <a:lvl6pPr marL="2286000" algn="l" defTabSz="914400" rtl="0" eaLnBrk="1" latinLnBrk="0" hangingPunct="1">
+      <a:defRPr sz="1200" kern="1200">
+        <a:solidFill>
+          <a:schemeClr val="tx1"/>
+        </a:solidFill>
+        <a:latin typeface="+mn-lt"/>
+        <a:ea typeface="+mn-ea"/>
+        <a:cs typeface="+mn-cs"/>
+      </a:defRPr>
+    </a:lvl6pPr>
+    <a:lvl7pPr marL="2743200" algn="l" defTabSz="914400" rtl="0" eaLnBrk="1" latinLnBrk="0" hangingPunct="1">
+      <a:defRPr sz="1200" kern="1200">
+        <a:solidFill>
+          <a:schemeClr val="tx1"/>
+        </a:solidFill>
+        <a:latin typeface="+mn-lt"/>
+        <a:ea typeface="+mn-ea"/>
+        <a:cs typeface="+mn-cs"/>
+      </a:defRPr>
+    </a:lvl7pPr>
+    <a:lvl8pPr marL="3200400" algn="l" defTabSz="914400" rtl="0" eaLnBrk="1" latinLnBrk="0" hangingPunct="1">
+      <a:defRPr sz="1200" kern="1200">
+        <a:solidFill>
+          <a:schemeClr val="tx1"/>
+        </a:solidFill>
+        <a:latin typeface="+mn-lt"/>
+        <a:ea typeface="+mn-ea"/>
+        <a:cs typeface="+mn-cs"/>
+      </a:defRPr>
+    </a:lvl8pPr>
+    <a:lvl9pPr marL="3657600" algn="l" defTabSz="914400" rtl="0" eaLnBrk="1" latinLnBrk="0" hangingPunct="1">
+      <a:defRPr sz="1200" kern="1200">
+        <a:solidFill>
+          <a:schemeClr val="tx1"/>
+        </a:solidFill>
+        <a:latin typeface="+mn-lt"/>
+        <a:ea typeface="+mn-ea"/>
+        <a:cs typeface="+mn-cs"/>
+      </a:defRPr>
+    </a:lvl9pPr>
+  </p:notesStyle>
+</p:notesMaster>
+</file>
+
+<file path=ppt/notesSlides/notesSlide1.xml><?xml version="1.0" encoding="utf-8"?>
+<p:notes xmlns:a="http://schemas.openxmlformats.org/drawingml/2006/main" xmlns:r="http://schemas.openxmlformats.org/officeDocument/2006/relationships" xmlns:p="http://schemas.openxmlformats.org/presentationml/2006/main">
+  <p:cSld>
+    <p:spTree>
+      <p:nvGrpSpPr>
+        <p:cNvPr id="1" name=""/>
+        <p:cNvGrpSpPr/>
+        <p:nvPr/>
+      </p:nvGrpSpPr>
+      <p:grpSpPr>
+        <a:xfrm>
+          <a:off x="0" y="0"/>
+          <a:ext cx="0" cy="0"/>
+          <a:chOff x="0" y="0"/>
+          <a:chExt cx="0" cy="0"/>
+        </a:xfrm>
+      </p:grpSpPr>
+      <p:sp>
+        <p:nvSpPr>
+          <p:cNvPr id="2" name="Slide Image Placeholder 1"/>
+          <p:cNvSpPr>
+            <a:spLocks noGrp="1" noRot="1" noChangeAspect="1"/>
+          </p:cNvSpPr>
+          <p:nvPr>
+            <p:ph type="sldImg"/>
+          </p:nvPr>
+        </p:nvSpPr>
+        <p:spPr/>
+      </p:sp>
+      <p:sp>
+        <p:nvSpPr>
+          <p:cNvPr id="3" name="Notes Placeholder 2"/>
+          <p:cNvSpPr>
+            <a:spLocks noGrp="1"/>
+          </p:cNvSpPr>
+          <p:nvPr>
+            <p:ph type="body" idx="1"/>
+          </p:nvPr>
+        </p:nvSpPr>
+        <p:spPr/>
+        <p:txBody>
+          <a:bodyPr/>
+          <a:lstStyle/>
+          <a:p>
+            <a:r>
+              <a:rPr lang="en-US" dirty="0"/>
+              <a:t>Morning / Afternoon ~ Name - Phillip Wong ~ </a:t>
+            </a:r>
+            <a:r>
+              <a:rPr lang="en-US" dirty="0" err="1"/>
+              <a:t>Proj</a:t>
+            </a:r>
+            <a:r>
+              <a:rPr lang="en-US" dirty="0"/>
+              <a:t>: MAPF ~ Along with 2, Dan, Pierre</a:t>
+            </a:r>
+          </a:p>
+        </p:txBody>
+      </p:sp>
+      <p:sp>
+        <p:nvSpPr>
+          <p:cNvPr id="4" name="Slide Number Placeholder 3"/>
+          <p:cNvSpPr>
+            <a:spLocks noGrp="1"/>
+          </p:cNvSpPr>
+          <p:nvPr>
+            <p:ph type="sldNum" sz="quarter" idx="10"/>
+          </p:nvPr>
+        </p:nvSpPr>
+        <p:spPr/>
+        <p:txBody>
+          <a:bodyPr/>
+          <a:lstStyle/>
+          <a:p>
+            <a:fld id="{508733FC-BFA8-4D34-8D8F-80639264380A}" type="slidenum">
+              <a:rPr lang="en-US" smtClean="0"/>
+              <a:t>1</a:t>
+            </a:fld>
+            <a:endParaRPr lang="en-US"/>
+          </a:p>
+        </p:txBody>
+      </p:sp>
+    </p:spTree>
+    <p:extLst>
+      <p:ext uri="{BB962C8B-B14F-4D97-AF65-F5344CB8AC3E}">
+        <p14:creationId xmlns:p14="http://schemas.microsoft.com/office/powerpoint/2010/main" val="2752220793"/>
+      </p:ext>
+    </p:extLst>
+  </p:cSld>
+  <p:clrMapOvr>
+    <a:masterClrMapping/>
+  </p:clrMapOvr>
+</p:notes>
 </file>
 
 <file path=ppt/slideLayouts/slideLayout1.xml><?xml version="1.0" encoding="utf-8"?>
@@ -9487,7 +12904,7 @@
           <a:effectLst/>
           <a:extLst>
             <a:ext uri="{91240B29-F687-4f45-9708-019B960494DF}">
-              <a14:hiddenLine xmlns="" xmlns:a14="http://schemas.microsoft.com/office/drawing/2010/main" w="9525">
+              <a14:hiddenLine xmlns:a14="http://schemas.microsoft.com/office/drawing/2010/main" xmlns="" w="9525">
                 <a:solidFill>
                   <a:srgbClr val="000000"/>
                 </a:solidFill>
@@ -9680,7 +13097,7 @@
             <a:fld id="{9334D819-9F07-4261-B09B-9E467E5D9002}" type="datetimeFigureOut">
               <a:rPr lang="en-US" smtClean="0"/>
               <a:pPr/>
-              <a:t>5/17/2017</a:t>
+              <a:t>5/19/2017</a:t>
             </a:fld>
             <a:endParaRPr lang="en-US" dirty="0"/>
           </a:p>
@@ -10000,7 +13417,7 @@
             <a:fld id="{9334D819-9F07-4261-B09B-9E467E5D9002}" type="datetimeFigureOut">
               <a:rPr lang="en-US" smtClean="0"/>
               <a:pPr/>
-              <a:t>5/17/2017</a:t>
+              <a:t>5/19/2017</a:t>
             </a:fld>
             <a:endParaRPr lang="en-US" dirty="0"/>
           </a:p>
@@ -10490,7 +13907,7 @@
             <a:fld id="{9334D819-9F07-4261-B09B-9E467E5D9002}" type="datetimeFigureOut">
               <a:rPr lang="en-US" smtClean="0"/>
               <a:pPr/>
-              <a:t>5/17/2017</a:t>
+              <a:t>5/19/2017</a:t>
             </a:fld>
             <a:endParaRPr lang="en-US" dirty="0"/>
           </a:p>
@@ -10861,7 +14278,7 @@
             <a:fld id="{9334D819-9F07-4261-B09B-9E467E5D9002}" type="datetimeFigureOut">
               <a:rPr lang="en-US" smtClean="0"/>
               <a:pPr/>
-              <a:t>5/17/2017</a:t>
+              <a:t>5/19/2017</a:t>
             </a:fld>
             <a:endParaRPr lang="en-US" dirty="0"/>
           </a:p>
@@ -11017,7 +14434,7 @@
           <a:ln/>
           <a:extLst>
             <a:ext uri="{91240B29-F687-4f45-9708-019B960494DF}">
-              <a14:hiddenLine xmlns="" xmlns:a14="http://schemas.microsoft.com/office/drawing/2010/main" w="9525">
+              <a14:hiddenLine xmlns:a14="http://schemas.microsoft.com/office/drawing/2010/main" xmlns="" w="9525">
                 <a:solidFill>
                   <a:srgbClr val="000000"/>
                 </a:solidFill>
@@ -11135,7 +14552,7 @@
           <a:p>
             <a:fld id="{9334D819-9F07-4261-B09B-9E467E5D9002}" type="datetimeFigureOut">
               <a:rPr lang="en-US" smtClean="0"/>
-              <a:t>5/17/2017</a:t>
+              <a:t>5/19/2017</a:t>
             </a:fld>
             <a:endParaRPr lang="en-US" dirty="0"/>
           </a:p>
@@ -11292,7 +14709,7 @@
           <a:ln/>
           <a:extLst>
             <a:ext uri="{91240B29-F687-4f45-9708-019B960494DF}">
-              <a14:hiddenLine xmlns="" xmlns:a14="http://schemas.microsoft.com/office/drawing/2010/main" w="9525">
+              <a14:hiddenLine xmlns:a14="http://schemas.microsoft.com/office/drawing/2010/main" xmlns="" w="9525">
                 <a:solidFill>
                   <a:srgbClr val="000000"/>
                 </a:solidFill>
@@ -11420,7 +14837,7 @@
           <a:p>
             <a:fld id="{9334D819-9F07-4261-B09B-9E467E5D9002}" type="datetimeFigureOut">
               <a:rPr lang="en-US" smtClean="0"/>
-              <a:t>5/17/2017</a:t>
+              <a:t>5/19/2017</a:t>
             </a:fld>
             <a:endParaRPr lang="en-US" dirty="0"/>
           </a:p>
@@ -11575,7 +14992,7 @@
           <a:ln/>
           <a:extLst>
             <a:ext uri="{91240B29-F687-4f45-9708-019B960494DF}">
-              <a14:hiddenLine xmlns="" xmlns:a14="http://schemas.microsoft.com/office/drawing/2010/main" w="9525">
+              <a14:hiddenLine xmlns:a14="http://schemas.microsoft.com/office/drawing/2010/main" xmlns="" w="9525">
                 <a:solidFill>
                   <a:srgbClr val="000000"/>
                 </a:solidFill>
@@ -11703,7 +15120,7 @@
           <a:p>
             <a:fld id="{9334D819-9F07-4261-B09B-9E467E5D9002}" type="datetimeFigureOut">
               <a:rPr lang="en-US" smtClean="0"/>
-              <a:t>5/17/2017</a:t>
+              <a:t>5/19/2017</a:t>
             </a:fld>
             <a:endParaRPr lang="en-US" dirty="0"/>
           </a:p>
@@ -12047,7 +15464,7 @@
             <a:fld id="{9334D819-9F07-4261-B09B-9E467E5D9002}" type="datetimeFigureOut">
               <a:rPr lang="en-US" smtClean="0"/>
               <a:pPr/>
-              <a:t>5/17/2017</a:t>
+              <a:t>5/19/2017</a:t>
             </a:fld>
             <a:endParaRPr lang="en-US" dirty="0"/>
           </a:p>
@@ -12203,7 +15620,7 @@
           <a:ln/>
           <a:extLst>
             <a:ext uri="{91240B29-F687-4f45-9708-019B960494DF}">
-              <a14:hiddenLine xmlns="" xmlns:a14="http://schemas.microsoft.com/office/drawing/2010/main" w="9525">
+              <a14:hiddenLine xmlns:a14="http://schemas.microsoft.com/office/drawing/2010/main" xmlns="" w="9525">
                 <a:solidFill>
                   <a:srgbClr val="000000"/>
                 </a:solidFill>
@@ -12387,7 +15804,7 @@
           <a:p>
             <a:fld id="{9334D819-9F07-4261-B09B-9E467E5D9002}" type="datetimeFigureOut">
               <a:rPr lang="en-US" smtClean="0"/>
-              <a:t>5/17/2017</a:t>
+              <a:t>5/19/2017</a:t>
             </a:fld>
             <a:endParaRPr lang="en-US" dirty="0"/>
           </a:p>
@@ -12547,7 +15964,7 @@
           <a:ln/>
           <a:extLst>
             <a:ext uri="{91240B29-F687-4f45-9708-019B960494DF}">
-              <a14:hiddenLine xmlns="" xmlns:a14="http://schemas.microsoft.com/office/drawing/2010/main" w="9525">
+              <a14:hiddenLine xmlns:a14="http://schemas.microsoft.com/office/drawing/2010/main" xmlns="" w="9525">
                 <a:solidFill>
                   <a:srgbClr val="000000"/>
                 </a:solidFill>
@@ -12869,7 +16286,7 @@
           <a:p>
             <a:fld id="{9334D819-9F07-4261-B09B-9E467E5D9002}" type="datetimeFigureOut">
               <a:rPr lang="en-US" smtClean="0"/>
-              <a:t>5/17/2017</a:t>
+              <a:t>5/19/2017</a:t>
             </a:fld>
             <a:endParaRPr lang="en-US" dirty="0"/>
           </a:p>
@@ -13029,7 +16446,7 @@
           <a:ln/>
           <a:extLst>
             <a:ext uri="{91240B29-F687-4f45-9708-019B960494DF}">
-              <a14:hiddenLine xmlns="" xmlns:a14="http://schemas.microsoft.com/office/drawing/2010/main" w="9525">
+              <a14:hiddenLine xmlns:a14="http://schemas.microsoft.com/office/drawing/2010/main" xmlns="" w="9525">
                 <a:solidFill>
                   <a:srgbClr val="000000"/>
                 </a:solidFill>
@@ -13095,7 +16512,7 @@
           <a:p>
             <a:fld id="{9334D819-9F07-4261-B09B-9E467E5D9002}" type="datetimeFigureOut">
               <a:rPr lang="en-US" smtClean="0"/>
-              <a:t>5/17/2017</a:t>
+              <a:t>5/19/2017</a:t>
             </a:fld>
             <a:endParaRPr lang="en-US" dirty="0"/>
           </a:p>
@@ -13190,7 +16607,7 @@
           <a:p>
             <a:fld id="{9334D819-9F07-4261-B09B-9E467E5D9002}" type="datetimeFigureOut">
               <a:rPr lang="en-US" smtClean="0"/>
-              <a:t>5/17/2017</a:t>
+              <a:t>5/19/2017</a:t>
             </a:fld>
             <a:endParaRPr lang="en-US" dirty="0"/>
           </a:p>
@@ -13458,7 +16875,7 @@
           <a:ln/>
           <a:extLst>
             <a:ext uri="{91240B29-F687-4f45-9708-019B960494DF}">
-              <a14:hiddenLine xmlns="" xmlns:a14="http://schemas.microsoft.com/office/drawing/2010/main" w="9525">
+              <a14:hiddenLine xmlns:a14="http://schemas.microsoft.com/office/drawing/2010/main" xmlns="" w="9525">
                 <a:solidFill>
                   <a:srgbClr val="000000"/>
                 </a:solidFill>
@@ -13657,7 +17074,7 @@
           <a:p>
             <a:fld id="{9334D819-9F07-4261-B09B-9E467E5D9002}" type="datetimeFigureOut">
               <a:rPr lang="en-US" smtClean="0"/>
-              <a:t>5/17/2017</a:t>
+              <a:t>5/19/2017</a:t>
             </a:fld>
             <a:endParaRPr lang="en-US" dirty="0"/>
           </a:p>
@@ -13975,7 +17392,7 @@
           <a:p>
             <a:fld id="{9334D819-9F07-4261-B09B-9E467E5D9002}" type="datetimeFigureOut">
               <a:rPr lang="en-US" smtClean="0"/>
-              <a:t>5/17/2017</a:t>
+              <a:t>5/19/2017</a:t>
             </a:fld>
             <a:endParaRPr lang="en-US" dirty="0"/>
           </a:p>
@@ -14246,7 +17663,7 @@
             <a:fld id="{9334D819-9F07-4261-B09B-9E467E5D9002}" type="datetimeFigureOut">
               <a:rPr lang="en-US" smtClean="0"/>
               <a:pPr/>
-              <a:t>5/17/2017</a:t>
+              <a:t>5/19/2017</a:t>
             </a:fld>
             <a:endParaRPr lang="en-US" dirty="0"/>
           </a:p>
@@ -14789,7 +18206,239 @@
 </p:sld>
 </file>
 
+<file path=ppt/slides/slide10.xml><?xml version="1.0" encoding="utf-8"?>
+<p:sld xmlns:a="http://schemas.openxmlformats.org/drawingml/2006/main" xmlns:r="http://schemas.openxmlformats.org/officeDocument/2006/relationships" xmlns:p="http://schemas.openxmlformats.org/presentationml/2006/main">
+  <p:cSld>
+    <p:spTree>
+      <p:nvGrpSpPr>
+        <p:cNvPr id="1" name=""/>
+        <p:cNvGrpSpPr/>
+        <p:nvPr/>
+      </p:nvGrpSpPr>
+      <p:grpSpPr>
+        <a:xfrm>
+          <a:off x="0" y="0"/>
+          <a:ext cx="0" cy="0"/>
+          <a:chOff x="0" y="0"/>
+          <a:chExt cx="0" cy="0"/>
+        </a:xfrm>
+      </p:grpSpPr>
+      <p:sp>
+        <p:nvSpPr>
+          <p:cNvPr id="2" name="Title 1"/>
+          <p:cNvSpPr>
+            <a:spLocks noGrp="1"/>
+          </p:cNvSpPr>
+          <p:nvPr>
+            <p:ph type="title"/>
+          </p:nvPr>
+        </p:nvSpPr>
+        <p:spPr/>
+        <p:txBody>
+          <a:bodyPr/>
+          <a:lstStyle/>
+          <a:p>
+            <a:r>
+              <a:rPr lang="en-US" dirty="0"/>
+              <a:t>Areas of the process</a:t>
+            </a:r>
+          </a:p>
+        </p:txBody>
+      </p:sp>
+      <p:graphicFrame>
+        <p:nvGraphicFramePr>
+          <p:cNvPr id="4" name="Content Placeholder 3"/>
+          <p:cNvGraphicFramePr>
+            <a:graphicFrameLocks noGrp="1"/>
+          </p:cNvGraphicFramePr>
+          <p:nvPr>
+            <p:ph idx="1"/>
+            <p:extLst>
+              <p:ext uri="{D42A27DB-BD31-4B8C-83A1-F6EECF244321}">
+                <p14:modId xmlns:p14="http://schemas.microsoft.com/office/powerpoint/2010/main" val="2684737588"/>
+              </p:ext>
+            </p:extLst>
+          </p:nvPr>
+        </p:nvGraphicFramePr>
+        <p:xfrm>
+          <a:off x="819150" y="2222500"/>
+          <a:ext cx="10553700" cy="3636963"/>
+        </p:xfrm>
+        <a:graphic>
+          <a:graphicData uri="http://schemas.openxmlformats.org/drawingml/2006/diagram">
+            <dgm:relIds xmlns:dgm="http://schemas.openxmlformats.org/drawingml/2006/diagram" xmlns:r="http://schemas.openxmlformats.org/officeDocument/2006/relationships" r:dm="rId2" r:lo="rId3" r:qs="rId4" r:cs="rId5"/>
+          </a:graphicData>
+        </a:graphic>
+      </p:graphicFrame>
+    </p:spTree>
+    <p:extLst>
+      <p:ext uri="{BB962C8B-B14F-4D97-AF65-F5344CB8AC3E}">
+        <p14:creationId xmlns:p14="http://schemas.microsoft.com/office/powerpoint/2010/main" val="3083657303"/>
+      </p:ext>
+    </p:extLst>
+  </p:cSld>
+  <p:clrMapOvr>
+    <a:masterClrMapping/>
+  </p:clrMapOvr>
+</p:sld>
+</file>
+
 <file path=ppt/slides/slide2.xml><?xml version="1.0" encoding="utf-8"?>
+<p:sld xmlns:a="http://schemas.openxmlformats.org/drawingml/2006/main" xmlns:r="http://schemas.openxmlformats.org/officeDocument/2006/relationships" xmlns:p="http://schemas.openxmlformats.org/presentationml/2006/main">
+  <p:cSld>
+    <p:spTree>
+      <p:nvGrpSpPr>
+        <p:cNvPr id="1" name=""/>
+        <p:cNvGrpSpPr/>
+        <p:nvPr/>
+      </p:nvGrpSpPr>
+      <p:grpSpPr>
+        <a:xfrm>
+          <a:off x="0" y="0"/>
+          <a:ext cx="0" cy="0"/>
+          <a:chOff x="0" y="0"/>
+          <a:chExt cx="0" cy="0"/>
+        </a:xfrm>
+      </p:grpSpPr>
+      <p:sp>
+        <p:nvSpPr>
+          <p:cNvPr id="2" name="Title 1"/>
+          <p:cNvSpPr>
+            <a:spLocks noGrp="1"/>
+          </p:cNvSpPr>
+          <p:nvPr>
+            <p:ph type="title"/>
+          </p:nvPr>
+        </p:nvSpPr>
+        <p:spPr/>
+        <p:txBody>
+          <a:bodyPr/>
+          <a:lstStyle/>
+          <a:p>
+            <a:r>
+              <a:rPr lang="en-US" dirty="0"/>
+              <a:t>Warehouse Automation</a:t>
+            </a:r>
+          </a:p>
+        </p:txBody>
+      </p:sp>
+      <p:sp>
+        <p:nvSpPr>
+          <p:cNvPr id="3" name="Content Placeholder 2"/>
+          <p:cNvSpPr>
+            <a:spLocks noGrp="1"/>
+          </p:cNvSpPr>
+          <p:nvPr>
+            <p:ph type="body" idx="1"/>
+          </p:nvPr>
+        </p:nvSpPr>
+        <p:spPr/>
+        <p:txBody>
+          <a:bodyPr/>
+          <a:lstStyle/>
+          <a:p>
+            <a:r>
+              <a:rPr lang="en-US" dirty="0"/>
+              <a:t>Kiva Systems</a:t>
+            </a:r>
+          </a:p>
+        </p:txBody>
+      </p:sp>
+      <p:sp>
+        <p:nvSpPr>
+          <p:cNvPr id="7" name="Content Placeholder 6"/>
+          <p:cNvSpPr>
+            <a:spLocks noGrp="1"/>
+          </p:cNvSpPr>
+          <p:nvPr>
+            <p:ph sz="half" idx="2"/>
+          </p:nvPr>
+        </p:nvSpPr>
+        <p:spPr/>
+        <p:txBody>
+          <a:bodyPr/>
+          <a:lstStyle/>
+          <a:p>
+            <a:r>
+              <a:rPr lang="en-US" dirty="0"/>
+              <a:t>Automating the movement of inventory around the warehouse</a:t>
+            </a:r>
+          </a:p>
+          <a:p>
+            <a:r>
+              <a:rPr lang="en-US" dirty="0"/>
+              <a:t>Large scale - up to 1000 robots in a warehouse</a:t>
+            </a:r>
+          </a:p>
+          <a:p>
+            <a:r>
+              <a:rPr lang="en-US" dirty="0"/>
+              <a:t>Drive Units, Picking stations, Storage pods</a:t>
+            </a:r>
+          </a:p>
+          <a:p>
+            <a:r>
+              <a:rPr lang="en-US" dirty="0"/>
+              <a:t>Kiva Systems AKA Amazon Robotics</a:t>
+            </a:r>
+          </a:p>
+        </p:txBody>
+      </p:sp>
+      <p:sp>
+        <p:nvSpPr>
+          <p:cNvPr id="8" name="Text Placeholder 7"/>
+          <p:cNvSpPr>
+            <a:spLocks noGrp="1"/>
+          </p:cNvSpPr>
+          <p:nvPr>
+            <p:ph type="body" sz="quarter" idx="3"/>
+          </p:nvPr>
+        </p:nvSpPr>
+        <p:spPr/>
+        <p:txBody>
+          <a:bodyPr/>
+          <a:lstStyle/>
+          <a:p>
+            <a:endParaRPr lang="en-US" dirty="0"/>
+          </a:p>
+        </p:txBody>
+      </p:sp>
+      <p:sp>
+        <p:nvSpPr>
+          <p:cNvPr id="9" name="Content Placeholder 8"/>
+          <p:cNvSpPr>
+            <a:spLocks noGrp="1"/>
+          </p:cNvSpPr>
+          <p:nvPr>
+            <p:ph sz="quarter" idx="4"/>
+          </p:nvPr>
+        </p:nvSpPr>
+        <p:spPr/>
+        <p:txBody>
+          <a:bodyPr/>
+          <a:lstStyle/>
+          <a:p>
+            <a:r>
+              <a:rPr lang="en-US" dirty="0"/>
+              <a:t>https://www.amazonrobotics.com/</a:t>
+            </a:r>
+          </a:p>
+        </p:txBody>
+      </p:sp>
+    </p:spTree>
+    <p:extLst>
+      <p:ext uri="{BB962C8B-B14F-4D97-AF65-F5344CB8AC3E}">
+        <p14:creationId xmlns:p14="http://schemas.microsoft.com/office/powerpoint/2010/main" val="1565015633"/>
+      </p:ext>
+    </p:extLst>
+  </p:cSld>
+  <p:clrMapOvr>
+    <a:masterClrMapping/>
+  </p:clrMapOvr>
+</p:sld>
+</file>
+
+<file path=ppt/slides/slide3.xml><?xml version="1.0" encoding="utf-8"?>
 <p:sld xmlns:a="http://schemas.openxmlformats.org/drawingml/2006/main" xmlns:r="http://schemas.openxmlformats.org/officeDocument/2006/relationships" xmlns:p="http://schemas.openxmlformats.org/presentationml/2006/main">
   <p:cSld>
     <p:spTree>
@@ -14835,7 +18484,7 @@
             <a:spLocks noGrp="1"/>
           </p:cNvSpPr>
           <p:nvPr>
-            <p:ph idx="1"/>
+            <p:ph sz="half" idx="1"/>
           </p:nvPr>
         </p:nvSpPr>
         <p:spPr/>
@@ -14845,20 +18494,39 @@
           <a:p>
             <a:r>
               <a:rPr lang="en-US" dirty="0"/>
-              <a:t>Cooperative MAPF?</a:t>
-            </a:r>
-          </a:p>
-          <a:p>
-            <a:r>
-              <a:rPr lang="en-US" dirty="0"/>
               <a:t>Multiple agents moving to goal locations</a:t>
             </a:r>
           </a:p>
           <a:p>
             <a:r>
               <a:rPr lang="en-US" dirty="0"/>
-              <a:t>Find a path to the target which is free of collisions</a:t>
+              <a:t>For each agent find a conflict-free path to the goal</a:t>
             </a:r>
+          </a:p>
+          <a:p>
+            <a:r>
+              <a:rPr lang="en-US" dirty="0"/>
+              <a:t>A tile can only have 1 agent at any time</a:t>
+            </a:r>
+          </a:p>
+        </p:txBody>
+      </p:sp>
+      <p:sp>
+        <p:nvSpPr>
+          <p:cNvPr id="4" name="Content Placeholder 3"/>
+          <p:cNvSpPr>
+            <a:spLocks noGrp="1"/>
+          </p:cNvSpPr>
+          <p:nvPr>
+            <p:ph sz="half" idx="2"/>
+          </p:nvPr>
+        </p:nvSpPr>
+        <p:spPr/>
+        <p:txBody>
+          <a:bodyPr/>
+          <a:lstStyle/>
+          <a:p>
+            <a:endParaRPr lang="en-US" dirty="0"/>
           </a:p>
         </p:txBody>
       </p:sp>
@@ -14875,7 +18543,92 @@
 </p:sld>
 </file>
 
-<file path=ppt/slides/slide3.xml><?xml version="1.0" encoding="utf-8"?>
+<file path=ppt/slides/slide4.xml><?xml version="1.0" encoding="utf-8"?>
+<p:sld xmlns:a="http://schemas.openxmlformats.org/drawingml/2006/main" xmlns:r="http://schemas.openxmlformats.org/officeDocument/2006/relationships" xmlns:p="http://schemas.openxmlformats.org/presentationml/2006/main">
+  <p:cSld>
+    <p:spTree>
+      <p:nvGrpSpPr>
+        <p:cNvPr id="1" name=""/>
+        <p:cNvGrpSpPr/>
+        <p:nvPr/>
+      </p:nvGrpSpPr>
+      <p:grpSpPr>
+        <a:xfrm>
+          <a:off x="0" y="0"/>
+          <a:ext cx="0" cy="0"/>
+          <a:chOff x="0" y="0"/>
+          <a:chExt cx="0" cy="0"/>
+        </a:xfrm>
+      </p:grpSpPr>
+      <p:sp>
+        <p:nvSpPr>
+          <p:cNvPr id="2" name="Title 1"/>
+          <p:cNvSpPr>
+            <a:spLocks noGrp="1"/>
+          </p:cNvSpPr>
+          <p:nvPr>
+            <p:ph type="title"/>
+          </p:nvPr>
+        </p:nvSpPr>
+        <p:spPr>
+          <a:xfrm>
+            <a:off x="810000" y="447188"/>
+            <a:ext cx="10571998" cy="970450"/>
+          </a:xfrm>
+        </p:spPr>
+        <p:txBody>
+          <a:bodyPr>
+            <a:normAutofit/>
+          </a:bodyPr>
+          <a:lstStyle/>
+          <a:p>
+            <a:r>
+              <a:rPr lang="en-US"/>
+              <a:t>Specifics of MAPF</a:t>
+            </a:r>
+            <a:endParaRPr lang="en-US" dirty="0"/>
+          </a:p>
+        </p:txBody>
+      </p:sp>
+      <p:graphicFrame>
+        <p:nvGraphicFramePr>
+          <p:cNvPr id="7" name="Content Placeholder 2"/>
+          <p:cNvGraphicFramePr>
+            <a:graphicFrameLocks noGrp="1"/>
+          </p:cNvGraphicFramePr>
+          <p:nvPr>
+            <p:ph idx="1"/>
+            <p:extLst>
+              <p:ext uri="{D42A27DB-BD31-4B8C-83A1-F6EECF244321}">
+                <p14:modId xmlns:p14="http://schemas.microsoft.com/office/powerpoint/2010/main" val="1110848741"/>
+              </p:ext>
+            </p:extLst>
+          </p:nvPr>
+        </p:nvGraphicFramePr>
+        <p:xfrm>
+          <a:off x="819150" y="2548647"/>
+          <a:ext cx="10553700" cy="3310816"/>
+        </p:xfrm>
+        <a:graphic>
+          <a:graphicData uri="http://schemas.openxmlformats.org/drawingml/2006/diagram">
+            <dgm:relIds xmlns:dgm="http://schemas.openxmlformats.org/drawingml/2006/diagram" xmlns:r="http://schemas.openxmlformats.org/officeDocument/2006/relationships" r:dm="rId2" r:lo="rId3" r:qs="rId4" r:cs="rId5"/>
+          </a:graphicData>
+        </a:graphic>
+      </p:graphicFrame>
+    </p:spTree>
+    <p:extLst>
+      <p:ext uri="{BB962C8B-B14F-4D97-AF65-F5344CB8AC3E}">
+        <p14:creationId xmlns:p14="http://schemas.microsoft.com/office/powerpoint/2010/main" val="2468264987"/>
+      </p:ext>
+    </p:extLst>
+  </p:cSld>
+  <p:clrMapOvr>
+    <a:masterClrMapping/>
+  </p:clrMapOvr>
+</p:sld>
+</file>
+
+<file path=ppt/slides/slide5.xml><?xml version="1.0" encoding="utf-8"?>
 <p:sld xmlns:a="http://schemas.openxmlformats.org/drawingml/2006/main" xmlns:r="http://schemas.openxmlformats.org/officeDocument/2006/relationships" xmlns:p="http://schemas.openxmlformats.org/presentationml/2006/main">
   <p:cSld>
     <p:spTree>
@@ -14909,40 +18662,46 @@
           <a:p>
             <a:r>
               <a:rPr lang="en-US" dirty="0"/>
-              <a:t>Contributions</a:t>
+              <a:t>Single agent pathfinding</a:t>
             </a:r>
           </a:p>
         </p:txBody>
       </p:sp>
-      <p:graphicFrame>
-        <p:nvGraphicFramePr>
-          <p:cNvPr id="4" name="Content Placeholder 3"/>
-          <p:cNvGraphicFramePr>
-            <a:graphicFrameLocks noGrp="1"/>
-          </p:cNvGraphicFramePr>
+      <p:sp>
+        <p:nvSpPr>
+          <p:cNvPr id="3" name="Content Placeholder 2"/>
+          <p:cNvSpPr>
+            <a:spLocks noGrp="1"/>
+          </p:cNvSpPr>
           <p:nvPr>
             <p:ph idx="1"/>
-            <p:extLst>
-              <p:ext uri="{D42A27DB-BD31-4B8C-83A1-F6EECF244321}">
-                <p14:modId xmlns:p14="http://schemas.microsoft.com/office/powerpoint/2010/main" val="1390645764"/>
-              </p:ext>
-            </p:extLst>
           </p:nvPr>
-        </p:nvGraphicFramePr>
-        <p:xfrm>
-          <a:off x="819150" y="2222500"/>
-          <a:ext cx="10553700" cy="3636963"/>
-        </p:xfrm>
-        <a:graphic>
-          <a:graphicData uri="http://schemas.openxmlformats.org/drawingml/2006/diagram">
-            <dgm:relIds xmlns:dgm="http://schemas.openxmlformats.org/drawingml/2006/diagram" xmlns:r="http://schemas.openxmlformats.org/officeDocument/2006/relationships" r:dm="rId2" r:lo="rId3" r:qs="rId4" r:cs="rId5"/>
-          </a:graphicData>
-        </a:graphic>
-      </p:graphicFrame>
+        </p:nvSpPr>
+        <p:spPr/>
+        <p:txBody>
+          <a:bodyPr/>
+          <a:lstStyle/>
+          <a:p>
+            <a:r>
+              <a:rPr lang="en-US" dirty="0"/>
+              <a:t>Moving an agent from a start location to a goal location</a:t>
+            </a:r>
+          </a:p>
+          <a:p>
+            <a:r>
+              <a:rPr lang="en-US" dirty="0"/>
+              <a:t>A*</a:t>
+            </a:r>
+          </a:p>
+          <a:p>
+            <a:endParaRPr lang="en-US" dirty="0"/>
+          </a:p>
+        </p:txBody>
+      </p:sp>
     </p:spTree>
     <p:extLst>
       <p:ext uri="{BB962C8B-B14F-4D97-AF65-F5344CB8AC3E}">
-        <p14:creationId xmlns:p14="http://schemas.microsoft.com/office/powerpoint/2010/main" val="3292395077"/>
+        <p14:creationId xmlns:p14="http://schemas.microsoft.com/office/powerpoint/2010/main" val="3195079521"/>
       </p:ext>
     </p:extLst>
   </p:cSld>
@@ -14952,7 +18711,7 @@
 </p:sld>
 </file>
 
-<file path=ppt/slides/slide4.xml><?xml version="1.0" encoding="utf-8"?>
+<file path=ppt/slides/slide6.xml><?xml version="1.0" encoding="utf-8"?>
 <p:sld xmlns:a="http://schemas.openxmlformats.org/drawingml/2006/main" xmlns:r="http://schemas.openxmlformats.org/officeDocument/2006/relationships" xmlns:p="http://schemas.openxmlformats.org/presentationml/2006/main">
   <p:cSld>
     <p:spTree>
@@ -15102,7 +18861,7 @@
 </p:sld>
 </file>
 
-<file path=ppt/slides/slide5.xml><?xml version="1.0" encoding="utf-8"?>
+<file path=ppt/slides/slide7.xml><?xml version="1.0" encoding="utf-8"?>
 <p:sld xmlns:a="http://schemas.openxmlformats.org/drawingml/2006/main" xmlns:r="http://schemas.openxmlformats.org/officeDocument/2006/relationships" xmlns:p="http://schemas.openxmlformats.org/presentationml/2006/main">
   <p:cSld>
     <p:spTree>
@@ -15136,7 +18895,7 @@
           <a:p>
             <a:r>
               <a:rPr lang="en-US" dirty="0"/>
-              <a:t>Areas in MAPF</a:t>
+              <a:t>Contributions</a:t>
             </a:r>
           </a:p>
         </p:txBody>
@@ -15151,7 +18910,7 @@
             <p:ph idx="1"/>
             <p:extLst>
               <p:ext uri="{D42A27DB-BD31-4B8C-83A1-F6EECF244321}">
-                <p14:modId xmlns:p14="http://schemas.microsoft.com/office/powerpoint/2010/main" val="4269532435"/>
+                <p14:modId xmlns:p14="http://schemas.microsoft.com/office/powerpoint/2010/main" val="1390645764"/>
               </p:ext>
             </p:extLst>
           </p:nvPr>
@@ -15169,7 +18928,7 @@
     </p:spTree>
     <p:extLst>
       <p:ext uri="{BB962C8B-B14F-4D97-AF65-F5344CB8AC3E}">
-        <p14:creationId xmlns:p14="http://schemas.microsoft.com/office/powerpoint/2010/main" val="2835346918"/>
+        <p14:creationId xmlns:p14="http://schemas.microsoft.com/office/powerpoint/2010/main" val="3292395077"/>
       </p:ext>
     </p:extLst>
   </p:cSld>
@@ -15179,7 +18938,7 @@
 </p:sld>
 </file>
 
-<file path=ppt/slides/slide6.xml><?xml version="1.0" encoding="utf-8"?>
+<file path=ppt/slides/slide8.xml><?xml version="1.0" encoding="utf-8"?>
 <p:sld xmlns:a="http://schemas.openxmlformats.org/drawingml/2006/main" xmlns:r="http://schemas.openxmlformats.org/officeDocument/2006/relationships" xmlns:p="http://schemas.openxmlformats.org/presentationml/2006/main">
   <p:cSld>
     <p:spTree>
@@ -15213,7 +18972,100 @@
           <a:p>
             <a:r>
               <a:rPr lang="en-US" dirty="0"/>
-              <a:t>Which areas are we improving</a:t>
+              <a:t>NP-Hard</a:t>
+            </a:r>
+          </a:p>
+        </p:txBody>
+      </p:sp>
+      <p:sp>
+        <p:nvSpPr>
+          <p:cNvPr id="3" name="Content Placeholder 2"/>
+          <p:cNvSpPr>
+            <a:spLocks noGrp="1"/>
+          </p:cNvSpPr>
+          <p:nvPr>
+            <p:ph idx="1"/>
+          </p:nvPr>
+        </p:nvSpPr>
+        <p:spPr/>
+        <p:txBody>
+          <a:bodyPr/>
+          <a:lstStyle/>
+          <a:p>
+            <a:r>
+              <a:rPr lang="en-US" dirty="0"/>
+              <a:t>Number of agents</a:t>
+            </a:r>
+          </a:p>
+          <a:p>
+            <a:r>
+              <a:rPr lang="en-US" dirty="0"/>
+              <a:t>Size of grid map</a:t>
+            </a:r>
+          </a:p>
+          <a:p>
+            <a:r>
+              <a:rPr lang="en-US" dirty="0"/>
+              <a:t>Number of path-conflicts</a:t>
+            </a:r>
+          </a:p>
+        </p:txBody>
+      </p:sp>
+    </p:spTree>
+    <p:extLst>
+      <p:ext uri="{BB962C8B-B14F-4D97-AF65-F5344CB8AC3E}">
+        <p14:creationId xmlns:p14="http://schemas.microsoft.com/office/powerpoint/2010/main" val="4254331556"/>
+      </p:ext>
+    </p:extLst>
+  </p:cSld>
+  <p:clrMapOvr>
+    <a:masterClrMapping/>
+  </p:clrMapOvr>
+</p:sld>
+</file>
+
+<file path=ppt/slides/slide9.xml><?xml version="1.0" encoding="utf-8"?>
+<p:sld xmlns:a="http://schemas.openxmlformats.org/drawingml/2006/main" xmlns:r="http://schemas.openxmlformats.org/officeDocument/2006/relationships" xmlns:p="http://schemas.openxmlformats.org/presentationml/2006/main">
+  <p:cSld>
+    <p:spTree>
+      <p:nvGrpSpPr>
+        <p:cNvPr id="1" name=""/>
+        <p:cNvGrpSpPr/>
+        <p:nvPr/>
+      </p:nvGrpSpPr>
+      <p:grpSpPr>
+        <a:xfrm>
+          <a:off x="0" y="0"/>
+          <a:ext cx="0" cy="0"/>
+          <a:chOff x="0" y="0"/>
+          <a:chExt cx="0" cy="0"/>
+        </a:xfrm>
+      </p:grpSpPr>
+      <p:sp>
+        <p:nvSpPr>
+          <p:cNvPr id="2" name="Title 1"/>
+          <p:cNvSpPr>
+            <a:spLocks noGrp="1"/>
+          </p:cNvSpPr>
+          <p:nvPr>
+            <p:ph type="title"/>
+          </p:nvPr>
+        </p:nvSpPr>
+        <p:spPr>
+          <a:xfrm>
+            <a:off x="810000" y="447188"/>
+            <a:ext cx="10571998" cy="970450"/>
+          </a:xfrm>
+        </p:spPr>
+        <p:txBody>
+          <a:bodyPr>
+            <a:normAutofit/>
+          </a:bodyPr>
+          <a:lstStyle/>
+          <a:p>
+            <a:r>
+              <a:rPr lang="en-US" dirty="0"/>
+              <a:t>MAPF process</a:t>
             </a:r>
           </a:p>
         </p:txBody>
@@ -15228,14 +19080,14 @@
             <p:ph idx="1"/>
             <p:extLst>
               <p:ext uri="{D42A27DB-BD31-4B8C-83A1-F6EECF244321}">
-                <p14:modId xmlns:p14="http://schemas.microsoft.com/office/powerpoint/2010/main" val="2180304478"/>
+                <p14:modId xmlns:p14="http://schemas.microsoft.com/office/powerpoint/2010/main" val="933204860"/>
               </p:ext>
             </p:extLst>
           </p:nvPr>
         </p:nvGraphicFramePr>
         <p:xfrm>
-          <a:off x="819150" y="2222500"/>
-          <a:ext cx="10553700" cy="3636963"/>
+          <a:off x="819150" y="2494722"/>
+          <a:ext cx="10553700" cy="3364741"/>
         </p:xfrm>
         <a:graphic>
           <a:graphicData uri="http://schemas.openxmlformats.org/drawingml/2006/diagram">
@@ -15246,7 +19098,7 @@
     </p:spTree>
     <p:extLst>
       <p:ext uri="{BB962C8B-B14F-4D97-AF65-F5344CB8AC3E}">
-        <p14:creationId xmlns:p14="http://schemas.microsoft.com/office/powerpoint/2010/main" val="3083657303"/>
+        <p14:creationId xmlns:p14="http://schemas.microsoft.com/office/powerpoint/2010/main" val="3898572106"/>
       </p:ext>
     </p:extLst>
   </p:cSld>
@@ -15431,4 +19283,299 @@
     </a:ext>
   </a:extLst>
 </a:theme>
+</file>
+
+<file path=ppt/theme/theme2.xml><?xml version="1.0" encoding="utf-8"?>
+<a:theme xmlns:a="http://schemas.openxmlformats.org/drawingml/2006/main" name="Office Theme">
+  <a:themeElements>
+    <a:clrScheme name="Office">
+      <a:dk1>
+        <a:sysClr val="windowText" lastClr="000000"/>
+      </a:dk1>
+      <a:lt1>
+        <a:sysClr val="window" lastClr="FFFFFF"/>
+      </a:lt1>
+      <a:dk2>
+        <a:srgbClr val="44546A"/>
+      </a:dk2>
+      <a:lt2>
+        <a:srgbClr val="E7E6E6"/>
+      </a:lt2>
+      <a:accent1>
+        <a:srgbClr val="4472C4"/>
+      </a:accent1>
+      <a:accent2>
+        <a:srgbClr val="ED7D31"/>
+      </a:accent2>
+      <a:accent3>
+        <a:srgbClr val="A5A5A5"/>
+      </a:accent3>
+      <a:accent4>
+        <a:srgbClr val="FFC000"/>
+      </a:accent4>
+      <a:accent5>
+        <a:srgbClr val="5B9BD5"/>
+      </a:accent5>
+      <a:accent6>
+        <a:srgbClr val="70AD47"/>
+      </a:accent6>
+      <a:hlink>
+        <a:srgbClr val="0563C1"/>
+      </a:hlink>
+      <a:folHlink>
+        <a:srgbClr val="954F72"/>
+      </a:folHlink>
+    </a:clrScheme>
+    <a:fontScheme name="Office">
+      <a:majorFont>
+        <a:latin typeface="Calibri Light" panose="020F0302020204030204"/>
+        <a:ea typeface=""/>
+        <a:cs typeface=""/>
+        <a:font script="Jpan" typeface="游ゴシック Light"/>
+        <a:font script="Hang" typeface="맑은 고딕"/>
+        <a:font script="Hans" typeface="等线 Light"/>
+        <a:font script="Hant" typeface="新細明體"/>
+        <a:font script="Arab" typeface="Times New Roman"/>
+        <a:font script="Hebr" typeface="Times New Roman"/>
+        <a:font script="Thai" typeface="Angsana New"/>
+        <a:font script="Ethi" typeface="Nyala"/>
+        <a:font script="Beng" typeface="Vrinda"/>
+        <a:font script="Gujr" typeface="Shruti"/>
+        <a:font script="Khmr" typeface="MoolBoran"/>
+        <a:font script="Knda" typeface="Tunga"/>
+        <a:font script="Guru" typeface="Raavi"/>
+        <a:font script="Cans" typeface="Euphemia"/>
+        <a:font script="Cher" typeface="Plantagenet Cherokee"/>
+        <a:font script="Yiii" typeface="Microsoft Yi Baiti"/>
+        <a:font script="Tibt" typeface="Microsoft Himalaya"/>
+        <a:font script="Thaa" typeface="MV Boli"/>
+        <a:font script="Deva" typeface="Mangal"/>
+        <a:font script="Telu" typeface="Gautami"/>
+        <a:font script="Taml" typeface="Latha"/>
+        <a:font script="Syrc" typeface="Estrangelo Edessa"/>
+        <a:font script="Orya" typeface="Kalinga"/>
+        <a:font script="Mlym" typeface="Kartika"/>
+        <a:font script="Laoo" typeface="DokChampa"/>
+        <a:font script="Sinh" typeface="Iskoola Pota"/>
+        <a:font script="Mong" typeface="Mongolian Baiti"/>
+        <a:font script="Viet" typeface="Times New Roman"/>
+        <a:font script="Uigh" typeface="Microsoft Uighur"/>
+        <a:font script="Geor" typeface="Sylfaen"/>
+        <a:font script="Armn" typeface="Arial"/>
+        <a:font script="Bugi" typeface="Leelawadee UI"/>
+        <a:font script="Bopo" typeface="Microsoft JhengHei"/>
+        <a:font script="Java" typeface="Javanese Text"/>
+        <a:font script="Lisu" typeface="Segoe UI"/>
+        <a:font script="Mymr" typeface="Myanmar Text"/>
+        <a:font script="Nkoo" typeface="Ebrima"/>
+        <a:font script="Olck" typeface="Nirmala UI"/>
+        <a:font script="Osma" typeface="Ebrima"/>
+        <a:font script="Phag" typeface="Phagspa"/>
+        <a:font script="Syrn" typeface="Estrangelo Edessa"/>
+        <a:font script="Syrj" typeface="Estrangelo Edessa"/>
+        <a:font script="Syre" typeface="Estrangelo Edessa"/>
+        <a:font script="Sora" typeface="Nirmala UI"/>
+        <a:font script="Tale" typeface="Microsoft Tai Le"/>
+        <a:font script="Talu" typeface="Microsoft New Tai Lue"/>
+        <a:font script="Tfng" typeface="Ebrima"/>
+      </a:majorFont>
+      <a:minorFont>
+        <a:latin typeface="Calibri" panose="020F0502020204030204"/>
+        <a:ea typeface=""/>
+        <a:cs typeface=""/>
+        <a:font script="Jpan" typeface="游ゴシック"/>
+        <a:font script="Hang" typeface="맑은 고딕"/>
+        <a:font script="Hans" typeface="等线"/>
+        <a:font script="Hant" typeface="新細明體"/>
+        <a:font script="Arab" typeface="Arial"/>
+        <a:font script="Hebr" typeface="Arial"/>
+        <a:font script="Thai" typeface="Cordia New"/>
+        <a:font script="Ethi" typeface="Nyala"/>
+        <a:font script="Beng" typeface="Vrinda"/>
+        <a:font script="Gujr" typeface="Shruti"/>
+        <a:font script="Khmr" typeface="DaunPenh"/>
+        <a:font script="Knda" typeface="Tunga"/>
+        <a:font script="Guru" typeface="Raavi"/>
+        <a:font script="Cans" typeface="Euphemia"/>
+        <a:font script="Cher" typeface="Plantagenet Cherokee"/>
+        <a:font script="Yiii" typeface="Microsoft Yi Baiti"/>
+        <a:font script="Tibt" typeface="Microsoft Himalaya"/>
+        <a:font script="Thaa" typeface="MV Boli"/>
+        <a:font script="Deva" typeface="Mangal"/>
+        <a:font script="Telu" typeface="Gautami"/>
+        <a:font script="Taml" typeface="Latha"/>
+        <a:font script="Syrc" typeface="Estrangelo Edessa"/>
+        <a:font script="Orya" typeface="Kalinga"/>
+        <a:font script="Mlym" typeface="Kartika"/>
+        <a:font script="Laoo" typeface="DokChampa"/>
+        <a:font script="Sinh" typeface="Iskoola Pota"/>
+        <a:font script="Mong" typeface="Mongolian Baiti"/>
+        <a:font script="Viet" typeface="Arial"/>
+        <a:font script="Uigh" typeface="Microsoft Uighur"/>
+        <a:font script="Geor" typeface="Sylfaen"/>
+        <a:font script="Armn" typeface="Arial"/>
+        <a:font script="Bugi" typeface="Leelawadee UI"/>
+        <a:font script="Bopo" typeface="Microsoft JhengHei"/>
+        <a:font script="Java" typeface="Javanese Text"/>
+        <a:font script="Lisu" typeface="Segoe UI"/>
+        <a:font script="Mymr" typeface="Myanmar Text"/>
+        <a:font script="Nkoo" typeface="Ebrima"/>
+        <a:font script="Olck" typeface="Nirmala UI"/>
+        <a:font script="Osma" typeface="Ebrima"/>
+        <a:font script="Phag" typeface="Phagspa"/>
+        <a:font script="Syrn" typeface="Estrangelo Edessa"/>
+        <a:font script="Syrj" typeface="Estrangelo Edessa"/>
+        <a:font script="Syre" typeface="Estrangelo Edessa"/>
+        <a:font script="Sora" typeface="Nirmala UI"/>
+        <a:font script="Tale" typeface="Microsoft Tai Le"/>
+        <a:font script="Talu" typeface="Microsoft New Tai Lue"/>
+        <a:font script="Tfng" typeface="Ebrima"/>
+      </a:minorFont>
+    </a:fontScheme>
+    <a:fmtScheme name="Office">
+      <a:fillStyleLst>
+        <a:solidFill>
+          <a:schemeClr val="phClr"/>
+        </a:solidFill>
+        <a:gradFill rotWithShape="1">
+          <a:gsLst>
+            <a:gs pos="0">
+              <a:schemeClr val="phClr">
+                <a:lumMod val="110000"/>
+                <a:satMod val="105000"/>
+                <a:tint val="67000"/>
+              </a:schemeClr>
+            </a:gs>
+            <a:gs pos="50000">
+              <a:schemeClr val="phClr">
+                <a:lumMod val="105000"/>
+                <a:satMod val="103000"/>
+                <a:tint val="73000"/>
+              </a:schemeClr>
+            </a:gs>
+            <a:gs pos="100000">
+              <a:schemeClr val="phClr">
+                <a:lumMod val="105000"/>
+                <a:satMod val="109000"/>
+                <a:tint val="81000"/>
+              </a:schemeClr>
+            </a:gs>
+          </a:gsLst>
+          <a:lin ang="5400000" scaled="0"/>
+        </a:gradFill>
+        <a:gradFill rotWithShape="1">
+          <a:gsLst>
+            <a:gs pos="0">
+              <a:schemeClr val="phClr">
+                <a:satMod val="103000"/>
+                <a:lumMod val="102000"/>
+                <a:tint val="94000"/>
+              </a:schemeClr>
+            </a:gs>
+            <a:gs pos="50000">
+              <a:schemeClr val="phClr">
+                <a:satMod val="110000"/>
+                <a:lumMod val="100000"/>
+                <a:shade val="100000"/>
+              </a:schemeClr>
+            </a:gs>
+            <a:gs pos="100000">
+              <a:schemeClr val="phClr">
+                <a:lumMod val="99000"/>
+                <a:satMod val="120000"/>
+                <a:shade val="78000"/>
+              </a:schemeClr>
+            </a:gs>
+          </a:gsLst>
+          <a:lin ang="5400000" scaled="0"/>
+        </a:gradFill>
+      </a:fillStyleLst>
+      <a:lnStyleLst>
+        <a:ln w="6350" cap="flat" cmpd="sng" algn="ctr">
+          <a:solidFill>
+            <a:schemeClr val="phClr"/>
+          </a:solidFill>
+          <a:prstDash val="solid"/>
+          <a:miter lim="800000"/>
+        </a:ln>
+        <a:ln w="12700" cap="flat" cmpd="sng" algn="ctr">
+          <a:solidFill>
+            <a:schemeClr val="phClr"/>
+          </a:solidFill>
+          <a:prstDash val="solid"/>
+          <a:miter lim="800000"/>
+        </a:ln>
+        <a:ln w="19050" cap="flat" cmpd="sng" algn="ctr">
+          <a:solidFill>
+            <a:schemeClr val="phClr"/>
+          </a:solidFill>
+          <a:prstDash val="solid"/>
+          <a:miter lim="800000"/>
+        </a:ln>
+      </a:lnStyleLst>
+      <a:effectStyleLst>
+        <a:effectStyle>
+          <a:effectLst/>
+        </a:effectStyle>
+        <a:effectStyle>
+          <a:effectLst/>
+        </a:effectStyle>
+        <a:effectStyle>
+          <a:effectLst>
+            <a:outerShdw blurRad="57150" dist="19050" dir="5400000" algn="ctr" rotWithShape="0">
+              <a:srgbClr val="000000">
+                <a:alpha val="63000"/>
+              </a:srgbClr>
+            </a:outerShdw>
+          </a:effectLst>
+        </a:effectStyle>
+      </a:effectStyleLst>
+      <a:bgFillStyleLst>
+        <a:solidFill>
+          <a:schemeClr val="phClr"/>
+        </a:solidFill>
+        <a:solidFill>
+          <a:schemeClr val="phClr">
+            <a:tint val="95000"/>
+            <a:satMod val="170000"/>
+          </a:schemeClr>
+        </a:solidFill>
+        <a:gradFill rotWithShape="1">
+          <a:gsLst>
+            <a:gs pos="0">
+              <a:schemeClr val="phClr">
+                <a:tint val="93000"/>
+                <a:satMod val="150000"/>
+                <a:shade val="98000"/>
+                <a:lumMod val="102000"/>
+              </a:schemeClr>
+            </a:gs>
+            <a:gs pos="50000">
+              <a:schemeClr val="phClr">
+                <a:tint val="98000"/>
+                <a:satMod val="130000"/>
+                <a:shade val="90000"/>
+                <a:lumMod val="103000"/>
+              </a:schemeClr>
+            </a:gs>
+            <a:gs pos="100000">
+              <a:schemeClr val="phClr">
+                <a:shade val="63000"/>
+                <a:satMod val="120000"/>
+              </a:schemeClr>
+            </a:gs>
+          </a:gsLst>
+          <a:lin ang="5400000" scaled="0"/>
+        </a:gradFill>
+      </a:bgFillStyleLst>
+    </a:fmtScheme>
+  </a:themeElements>
+  <a:objectDefaults/>
+  <a:extraClrSchemeLst/>
+  <a:extLst>
+    <a:ext uri="{05A4C25C-085E-4340-85A3-A5531E510DB2}">
+      <thm15:themeFamily xmlns:thm15="http://schemas.microsoft.com/office/thememl/2012/main" name="Office Theme" id="{62F939B6-93AF-4DB8-9C6B-D6C7DFDC589F}" vid="{4A3C46E8-61CC-4603-A589-7422A47A8E4A}"/>
+    </a:ext>
+  </a:extLst>
+</a:theme>
 </file>